--- a/docs/[アプリ]インターンテキスト2016(冬)_第1版.pptx
+++ b/docs/[アプリ]インターンテキスト2016(冬)_第1版.pptx
@@ -1912,32 +1912,32 @@
     </dgm:pt>
   </dgm:ptLst>
   <dgm:cxnLst>
+    <dgm:cxn modelId="{D0FE19AC-4C84-4E83-9169-49C83FEE961E}" type="presOf" srcId="{318EC1C5-01C2-4D5A-B5E1-D046CBA3A450}" destId="{E73274F1-72A6-48CA-B0DC-29507193EFC2}" srcOrd="0" destOrd="0" presId="urn:microsoft.com/office/officeart/2005/8/layout/list1"/>
+    <dgm:cxn modelId="{ABB99D13-B895-47D1-9302-35028023FF15}" srcId="{F4D68245-FAF4-4CC6-B379-F19FE61B3F3A}" destId="{3CF74569-CDFF-42A8-9926-8A4F847D45A6}" srcOrd="4" destOrd="0" parTransId="{BA44FCCF-D55E-4883-B14B-F73044974A54}" sibTransId="{5C9DB780-9F96-43B7-91BA-2B5D8F8DF072}"/>
+    <dgm:cxn modelId="{A5E0B0C2-2F01-4953-8747-A4E8425F2E30}" type="presOf" srcId="{318EC1C5-01C2-4D5A-B5E1-D046CBA3A450}" destId="{3E108A42-F971-40FD-B8B5-8053FE3DFFED}" srcOrd="1" destOrd="0" presId="urn:microsoft.com/office/officeart/2005/8/layout/list1"/>
+    <dgm:cxn modelId="{ABC2058A-61EA-4C09-93B1-95BB0BFE07E3}" type="presOf" srcId="{9A350A38-C4D8-4CED-A97D-34A6653F0070}" destId="{A9F20686-CB26-481E-B07F-8D9392247974}" srcOrd="0" destOrd="0" presId="urn:microsoft.com/office/officeart/2005/8/layout/list1"/>
+    <dgm:cxn modelId="{CE089D6E-8A83-4879-A1CE-F65EDA0B6FF0}" srcId="{F4D68245-FAF4-4CC6-B379-F19FE61B3F3A}" destId="{84A9CE61-1DB9-4F5F-88D6-73A99DF055DC}" srcOrd="2" destOrd="0" parTransId="{2C9F8FAF-28A6-4AE6-BC18-2D665E7148A2}" sibTransId="{3FB85DEE-B021-45A6-9700-A50BBCC2BDB9}"/>
+    <dgm:cxn modelId="{F167247D-9E9F-4270-A6DA-83E1D5E9FFAE}" type="presOf" srcId="{3CF74569-CDFF-42A8-9926-8A4F847D45A6}" destId="{7505A9C8-C794-4C91-B294-0191F9906945}" srcOrd="0" destOrd="0" presId="urn:microsoft.com/office/officeart/2005/8/layout/list1"/>
+    <dgm:cxn modelId="{A3C07C4A-3B88-4C17-BD3F-F4DC5C9493FA}" srcId="{F4D68245-FAF4-4CC6-B379-F19FE61B3F3A}" destId="{B96C0C27-32ED-4E98-87FD-0B28016ACA79}" srcOrd="3" destOrd="0" parTransId="{40AF6545-19E1-40B7-9525-4D89D781B064}" sibTransId="{394810B0-0D39-4BDA-A094-9E41909FFA71}"/>
+    <dgm:cxn modelId="{FF8CC2AA-E06D-4612-9737-19D24C2E598D}" type="presOf" srcId="{84A9CE61-1DB9-4F5F-88D6-73A99DF055DC}" destId="{9B8A3B99-4C80-4C31-9CB2-B22B3D064ED7}" srcOrd="0" destOrd="0" presId="urn:microsoft.com/office/officeart/2005/8/layout/list1"/>
     <dgm:cxn modelId="{1B879C3C-BEF8-4DE6-8BE7-B8752393D9CB}" srcId="{B6A58EF3-02D6-4CDB-9A53-C24DF5013EAC}" destId="{14B39EFB-1FB9-4253-B240-E9B587FF9046}" srcOrd="0" destOrd="0" parTransId="{D7B29F0E-B2E6-40F1-AFD9-56FA5BE90EF1}" sibTransId="{4AAFB005-2568-4B11-9584-E8EBC8212E5A}"/>
-    <dgm:cxn modelId="{FF8CC2AA-E06D-4612-9737-19D24C2E598D}" type="presOf" srcId="{84A9CE61-1DB9-4F5F-88D6-73A99DF055DC}" destId="{9B8A3B99-4C80-4C31-9CB2-B22B3D064ED7}" srcOrd="0" destOrd="0" presId="urn:microsoft.com/office/officeart/2005/8/layout/list1"/>
+    <dgm:cxn modelId="{3879CDF9-9C8D-44C2-9563-546BD5E08013}" type="presOf" srcId="{6CCF9B1B-9933-4C57-A357-C938047CA864}" destId="{B0949CA9-0133-4415-8E1F-A3E05B73F0C2}" srcOrd="0" destOrd="0" presId="urn:microsoft.com/office/officeart/2005/8/layout/list1"/>
+    <dgm:cxn modelId="{DD92DFE0-FAC9-47E9-BB54-DA6A6AB1D4DA}" type="presOf" srcId="{721D9BF5-30B2-410C-890F-0261A687D057}" destId="{5135C4A8-BBFD-430C-9A9E-9E3C2B7C7C99}" srcOrd="0" destOrd="0" presId="urn:microsoft.com/office/officeart/2005/8/layout/list1"/>
+    <dgm:cxn modelId="{0E42A35C-8FA3-42B4-8B6F-FC2B2E5ECC47}" type="presOf" srcId="{84A9CE61-1DB9-4F5F-88D6-73A99DF055DC}" destId="{4AEA032C-B041-4913-8E61-711E2F0E1DB9}" srcOrd="1" destOrd="0" presId="urn:microsoft.com/office/officeart/2005/8/layout/list1"/>
     <dgm:cxn modelId="{22A4273A-848E-4A8D-A0BE-BBE16295BFF7}" type="presOf" srcId="{E57AF1F9-36EC-4FB3-A8AA-D70421032AF5}" destId="{300A884A-4414-41E4-96B2-EEC76C302FD2}" srcOrd="0" destOrd="0" presId="urn:microsoft.com/office/officeart/2005/8/layout/list1"/>
-    <dgm:cxn modelId="{D0FE19AC-4C84-4E83-9169-49C83FEE961E}" type="presOf" srcId="{318EC1C5-01C2-4D5A-B5E1-D046CBA3A450}" destId="{E73274F1-72A6-48CA-B0DC-29507193EFC2}" srcOrd="0" destOrd="0" presId="urn:microsoft.com/office/officeart/2005/8/layout/list1"/>
-    <dgm:cxn modelId="{0E42A35C-8FA3-42B4-8B6F-FC2B2E5ECC47}" type="presOf" srcId="{84A9CE61-1DB9-4F5F-88D6-73A99DF055DC}" destId="{4AEA032C-B041-4913-8E61-711E2F0E1DB9}" srcOrd="1" destOrd="0" presId="urn:microsoft.com/office/officeart/2005/8/layout/list1"/>
-    <dgm:cxn modelId="{CE089D6E-8A83-4879-A1CE-F65EDA0B6FF0}" srcId="{F4D68245-FAF4-4CC6-B379-F19FE61B3F3A}" destId="{84A9CE61-1DB9-4F5F-88D6-73A99DF055DC}" srcOrd="2" destOrd="0" parTransId="{2C9F8FAF-28A6-4AE6-BC18-2D665E7148A2}" sibTransId="{3FB85DEE-B021-45A6-9700-A50BBCC2BDB9}"/>
+    <dgm:cxn modelId="{B89D02FD-0DBD-4301-BC6A-567A35220366}" srcId="{F4D68245-FAF4-4CC6-B379-F19FE61B3F3A}" destId="{318EC1C5-01C2-4D5A-B5E1-D046CBA3A450}" srcOrd="0" destOrd="0" parTransId="{6BCC6C11-95D3-44C6-81E4-9C9867563E59}" sibTransId="{D72DD8B3-6162-433B-92A6-C4481B0513E7}"/>
+    <dgm:cxn modelId="{AC15BD30-66C2-4DF8-8F97-AF6A93575C14}" srcId="{318EC1C5-01C2-4D5A-B5E1-D046CBA3A450}" destId="{721D9BF5-30B2-410C-890F-0261A687D057}" srcOrd="0" destOrd="0" parTransId="{94777DD7-1C75-49AF-A920-9216238CED57}" sibTransId="{AF2113D1-D6D3-48A6-BD0E-82872F3170A8}"/>
+    <dgm:cxn modelId="{CE158381-2806-414A-8B7B-245124552462}" srcId="{F4D68245-FAF4-4CC6-B379-F19FE61B3F3A}" destId="{B6A58EF3-02D6-4CDB-9A53-C24DF5013EAC}" srcOrd="1" destOrd="0" parTransId="{3EAFC36C-D07E-495A-ACF5-162287F8E081}" sibTransId="{4CA0D09C-709E-44B5-88C8-A05B917E2653}"/>
     <dgm:cxn modelId="{170D1D1B-2207-4130-99E7-A6D2287CAE9C}" type="presOf" srcId="{B96C0C27-32ED-4E98-87FD-0B28016ACA79}" destId="{94F052CA-06DD-4680-9251-8BE49B7751FE}" srcOrd="1" destOrd="0" presId="urn:microsoft.com/office/officeart/2005/8/layout/list1"/>
-    <dgm:cxn modelId="{CE158381-2806-414A-8B7B-245124552462}" srcId="{F4D68245-FAF4-4CC6-B379-F19FE61B3F3A}" destId="{B6A58EF3-02D6-4CDB-9A53-C24DF5013EAC}" srcOrd="1" destOrd="0" parTransId="{3EAFC36C-D07E-495A-ACF5-162287F8E081}" sibTransId="{4CA0D09C-709E-44B5-88C8-A05B917E2653}"/>
-    <dgm:cxn modelId="{A3C07C4A-3B88-4C17-BD3F-F4DC5C9493FA}" srcId="{F4D68245-FAF4-4CC6-B379-F19FE61B3F3A}" destId="{B96C0C27-32ED-4E98-87FD-0B28016ACA79}" srcOrd="3" destOrd="0" parTransId="{40AF6545-19E1-40B7-9525-4D89D781B064}" sibTransId="{394810B0-0D39-4BDA-A094-9E41909FFA71}"/>
+    <dgm:cxn modelId="{7D443029-6D51-4481-B622-C0710776E4D7}" type="presOf" srcId="{F4D68245-FAF4-4CC6-B379-F19FE61B3F3A}" destId="{FD85BA53-0B40-4D9D-A31A-1CF74D5FE609}" srcOrd="0" destOrd="0" presId="urn:microsoft.com/office/officeart/2005/8/layout/list1"/>
+    <dgm:cxn modelId="{0A6EA156-6798-40DA-A239-FBC6B2CA0F8E}" type="presOf" srcId="{B6A58EF3-02D6-4CDB-9A53-C24DF5013EAC}" destId="{85C3A675-E492-47D6-A62E-EB939DC2481C}" srcOrd="1" destOrd="0" presId="urn:microsoft.com/office/officeart/2005/8/layout/list1"/>
+    <dgm:cxn modelId="{6C7CAD35-71A6-4E7B-9F79-BA4831B70563}" srcId="{84A9CE61-1DB9-4F5F-88D6-73A99DF055DC}" destId="{6CCF9B1B-9933-4C57-A357-C938047CA864}" srcOrd="0" destOrd="0" parTransId="{7CADEC9B-7944-40E5-A0A5-F3C87D587C50}" sibTransId="{77F051D4-5776-4C18-9B71-2E7D10F0B88C}"/>
+    <dgm:cxn modelId="{2E10BEFB-4BC1-4B6D-8F23-F3433E3BEBF3}" type="presOf" srcId="{3CF74569-CDFF-42A8-9926-8A4F847D45A6}" destId="{BC5A3E48-2EC4-44D9-B3BD-C526EF19B38B}" srcOrd="1" destOrd="0" presId="urn:microsoft.com/office/officeart/2005/8/layout/list1"/>
     <dgm:cxn modelId="{EBC182B6-5EEB-4590-AD6B-583803CEED4D}" type="presOf" srcId="{B96C0C27-32ED-4E98-87FD-0B28016ACA79}" destId="{80CA4571-6EB7-445A-A12B-3585A981E4D6}" srcOrd="0" destOrd="0" presId="urn:microsoft.com/office/officeart/2005/8/layout/list1"/>
-    <dgm:cxn modelId="{3879CDF9-9C8D-44C2-9563-546BD5E08013}" type="presOf" srcId="{6CCF9B1B-9933-4C57-A357-C938047CA864}" destId="{B0949CA9-0133-4415-8E1F-A3E05B73F0C2}" srcOrd="0" destOrd="0" presId="urn:microsoft.com/office/officeart/2005/8/layout/list1"/>
-    <dgm:cxn modelId="{AC15BD30-66C2-4DF8-8F97-AF6A93575C14}" srcId="{318EC1C5-01C2-4D5A-B5E1-D046CBA3A450}" destId="{721D9BF5-30B2-410C-890F-0261A687D057}" srcOrd="0" destOrd="0" parTransId="{94777DD7-1C75-49AF-A920-9216238CED57}" sibTransId="{AF2113D1-D6D3-48A6-BD0E-82872F3170A8}"/>
-    <dgm:cxn modelId="{0A6EA156-6798-40DA-A239-FBC6B2CA0F8E}" type="presOf" srcId="{B6A58EF3-02D6-4CDB-9A53-C24DF5013EAC}" destId="{85C3A675-E492-47D6-A62E-EB939DC2481C}" srcOrd="1" destOrd="0" presId="urn:microsoft.com/office/officeart/2005/8/layout/list1"/>
-    <dgm:cxn modelId="{A5E0B0C2-2F01-4953-8747-A4E8425F2E30}" type="presOf" srcId="{318EC1C5-01C2-4D5A-B5E1-D046CBA3A450}" destId="{3E108A42-F971-40FD-B8B5-8053FE3DFFED}" srcOrd="1" destOrd="0" presId="urn:microsoft.com/office/officeart/2005/8/layout/list1"/>
     <dgm:cxn modelId="{59A2BED4-B78E-45D7-A581-38F88AFFA907}" type="presOf" srcId="{B6A58EF3-02D6-4CDB-9A53-C24DF5013EAC}" destId="{113C4C20-72E5-48E3-ADC0-FA5BC3201211}" srcOrd="0" destOrd="0" presId="urn:microsoft.com/office/officeart/2005/8/layout/list1"/>
-    <dgm:cxn modelId="{7D443029-6D51-4481-B622-C0710776E4D7}" type="presOf" srcId="{F4D68245-FAF4-4CC6-B379-F19FE61B3F3A}" destId="{FD85BA53-0B40-4D9D-A31A-1CF74D5FE609}" srcOrd="0" destOrd="0" presId="urn:microsoft.com/office/officeart/2005/8/layout/list1"/>
-    <dgm:cxn modelId="{B89D02FD-0DBD-4301-BC6A-567A35220366}" srcId="{F4D68245-FAF4-4CC6-B379-F19FE61B3F3A}" destId="{318EC1C5-01C2-4D5A-B5E1-D046CBA3A450}" srcOrd="0" destOrd="0" parTransId="{6BCC6C11-95D3-44C6-81E4-9C9867563E59}" sibTransId="{D72DD8B3-6162-433B-92A6-C4481B0513E7}"/>
     <dgm:cxn modelId="{C4DAD023-C2CE-4D50-9DEF-7E8A1532F12C}" type="presOf" srcId="{14B39EFB-1FB9-4253-B240-E9B587FF9046}" destId="{00D17C8F-EE16-4077-9259-335D73CAEB5F}" srcOrd="0" destOrd="0" presId="urn:microsoft.com/office/officeart/2005/8/layout/list1"/>
-    <dgm:cxn modelId="{F167247D-9E9F-4270-A6DA-83E1D5E9FFAE}" type="presOf" srcId="{3CF74569-CDFF-42A8-9926-8A4F847D45A6}" destId="{7505A9C8-C794-4C91-B294-0191F9906945}" srcOrd="0" destOrd="0" presId="urn:microsoft.com/office/officeart/2005/8/layout/list1"/>
-    <dgm:cxn modelId="{ABC2058A-61EA-4C09-93B1-95BB0BFE07E3}" type="presOf" srcId="{9A350A38-C4D8-4CED-A97D-34A6653F0070}" destId="{A9F20686-CB26-481E-B07F-8D9392247974}" srcOrd="0" destOrd="0" presId="urn:microsoft.com/office/officeart/2005/8/layout/list1"/>
-    <dgm:cxn modelId="{2E10BEFB-4BC1-4B6D-8F23-F3433E3BEBF3}" type="presOf" srcId="{3CF74569-CDFF-42A8-9926-8A4F847D45A6}" destId="{BC5A3E48-2EC4-44D9-B3BD-C526EF19B38B}" srcOrd="1" destOrd="0" presId="urn:microsoft.com/office/officeart/2005/8/layout/list1"/>
-    <dgm:cxn modelId="{ABB99D13-B895-47D1-9302-35028023FF15}" srcId="{F4D68245-FAF4-4CC6-B379-F19FE61B3F3A}" destId="{3CF74569-CDFF-42A8-9926-8A4F847D45A6}" srcOrd="4" destOrd="0" parTransId="{BA44FCCF-D55E-4883-B14B-F73044974A54}" sibTransId="{5C9DB780-9F96-43B7-91BA-2B5D8F8DF072}"/>
+    <dgm:cxn modelId="{6A7EE0A7-F1E2-4DB6-A0FD-818F175C54B7}" srcId="{3CF74569-CDFF-42A8-9926-8A4F847D45A6}" destId="{E57AF1F9-36EC-4FB3-A8AA-D70421032AF5}" srcOrd="0" destOrd="0" parTransId="{7FB94998-1461-4C2A-AE87-A8C099402BAE}" sibTransId="{3806B316-7832-4AE2-B88F-4D8F58662505}"/>
     <dgm:cxn modelId="{8C880EEA-0925-439C-8CE4-60F32935C8B5}" srcId="{B96C0C27-32ED-4E98-87FD-0B28016ACA79}" destId="{9A350A38-C4D8-4CED-A97D-34A6653F0070}" srcOrd="0" destOrd="0" parTransId="{5B61D6AB-CD03-415A-A45B-B1677608540B}" sibTransId="{B3221E60-1270-4487-AFD4-7808260B09E6}"/>
-    <dgm:cxn modelId="{DD92DFE0-FAC9-47E9-BB54-DA6A6AB1D4DA}" type="presOf" srcId="{721D9BF5-30B2-410C-890F-0261A687D057}" destId="{5135C4A8-BBFD-430C-9A9E-9E3C2B7C7C99}" srcOrd="0" destOrd="0" presId="urn:microsoft.com/office/officeart/2005/8/layout/list1"/>
-    <dgm:cxn modelId="{6A7EE0A7-F1E2-4DB6-A0FD-818F175C54B7}" srcId="{3CF74569-CDFF-42A8-9926-8A4F847D45A6}" destId="{E57AF1F9-36EC-4FB3-A8AA-D70421032AF5}" srcOrd="0" destOrd="0" parTransId="{7FB94998-1461-4C2A-AE87-A8C099402BAE}" sibTransId="{3806B316-7832-4AE2-B88F-4D8F58662505}"/>
-    <dgm:cxn modelId="{6C7CAD35-71A6-4E7B-9F79-BA4831B70563}" srcId="{84A9CE61-1DB9-4F5F-88D6-73A99DF055DC}" destId="{6CCF9B1B-9933-4C57-A357-C938047CA864}" srcOrd="0" destOrd="0" parTransId="{7CADEC9B-7944-40E5-A0A5-F3C87D587C50}" sibTransId="{77F051D4-5776-4C18-9B71-2E7D10F0B88C}"/>
     <dgm:cxn modelId="{11C97640-D4F3-4C3C-90D4-3FD3CC5E1B9E}" type="presParOf" srcId="{FD85BA53-0B40-4D9D-A31A-1CF74D5FE609}" destId="{F7CA35AC-F1DE-4EA2-95FB-663FEAEE5A7B}" srcOrd="0" destOrd="0" presId="urn:microsoft.com/office/officeart/2005/8/layout/list1"/>
     <dgm:cxn modelId="{3969AAC1-8E95-4654-84C0-CD9A93863EFA}" type="presParOf" srcId="{F7CA35AC-F1DE-4EA2-95FB-663FEAEE5A7B}" destId="{E73274F1-72A6-48CA-B0DC-29507193EFC2}" srcOrd="0" destOrd="0" presId="urn:microsoft.com/office/officeart/2005/8/layout/list1"/>
     <dgm:cxn modelId="{4BF09648-D79E-41C9-A341-874EE2D5EC50}" type="presParOf" srcId="{F7CA35AC-F1DE-4EA2-95FB-663FEAEE5A7B}" destId="{3E108A42-F971-40FD-B8B5-8053FE3DFFED}" srcOrd="1" destOrd="0" presId="urn:microsoft.com/office/officeart/2005/8/layout/list1"/>
@@ -27400,19 +27400,19 @@
               <a:buSzPct val="100000"/>
             </a:pPr>
             <a:r>
-              <a:rPr lang="en-US" altLang="ja-JP" sz="3200" b="0" kern="0" smtClean="0">
+              <a:rPr lang="en-US" altLang="ja-JP" sz="3200" b="0" kern="0" dirty="0" smtClean="0">
                 <a:latin typeface="メイリオ" panose="020B0604030504040204" pitchFamily="50" charset="-128"/>
               </a:rPr>
               <a:t>【</a:t>
             </a:r>
             <a:r>
-              <a:rPr lang="ja-JP" altLang="en-US" sz="3200" b="0" kern="0" smtClean="0">
+              <a:rPr lang="ja-JP" altLang="en-US" sz="3200" b="0" kern="0" dirty="0" smtClean="0">
                 <a:latin typeface="メイリオ" panose="020B0604030504040204" pitchFamily="50" charset="-128"/>
               </a:rPr>
               <a:t>課題</a:t>
             </a:r>
             <a:r>
-              <a:rPr lang="en-US" altLang="ja-JP" sz="3200" b="0" kern="0" smtClean="0">
+              <a:rPr lang="en-US" altLang="ja-JP" sz="3200" b="0" kern="0" dirty="0" smtClean="0">
                 <a:latin typeface="メイリオ" panose="020B0604030504040204" pitchFamily="50" charset="-128"/>
               </a:rPr>
               <a:t>】</a:t>
@@ -27425,7 +27425,7 @@
               <a:buFont typeface="+mj-lt"/>
               <a:buAutoNum type="arabicPeriod" startAt="4"/>
             </a:pPr>
-            <a:endParaRPr lang="en-US" altLang="ja-JP" sz="1000" b="0" kern="0" smtClean="0">
+            <a:endParaRPr lang="en-US" altLang="ja-JP" sz="1000" b="0" kern="0" dirty="0" smtClean="0">
               <a:latin typeface="メイリオ" panose="020B0604030504040204" pitchFamily="50" charset="-128"/>
             </a:endParaRPr>
           </a:p>
@@ -27436,12 +27436,18 @@
               <a:buAutoNum type="arabicPeriod"/>
             </a:pPr>
             <a:r>
-              <a:rPr lang="ja-JP" altLang="en-US" sz="2400" b="1" kern="0" smtClean="0">
+              <a:rPr lang="ja-JP" altLang="en-US" sz="2400" b="1" kern="0" dirty="0" smtClean="0">
                 <a:latin typeface="メイリオ" panose="020B0604030504040204" pitchFamily="50" charset="-128"/>
               </a:rPr>
-              <a:t>清算のフローチャートを作成せよ</a:t>
-            </a:r>
-            <a:endParaRPr lang="en-US" altLang="ja-JP" sz="2400" b="1" kern="0" smtClean="0">
+              <a:t>清算のフローチャートを作成</a:t>
+            </a:r>
+            <a:r>
+              <a:rPr lang="ja-JP" altLang="en-US" sz="2400" b="1" kern="0" dirty="0" smtClean="0">
+                <a:latin typeface="メイリオ" panose="020B0604030504040204" pitchFamily="50" charset="-128"/>
+              </a:rPr>
+              <a:t>せよ</a:t>
+            </a:r>
+            <a:endParaRPr lang="en-US" altLang="ja-JP" sz="2400" b="1" kern="0" dirty="0" smtClean="0">
               <a:latin typeface="メイリオ" panose="020B0604030504040204" pitchFamily="50" charset="-128"/>
             </a:endParaRPr>
           </a:p>
@@ -27451,7 +27457,7 @@
               <a:buFont typeface="+mj-lt"/>
               <a:buAutoNum type="arabicPeriod"/>
             </a:pPr>
-            <a:endParaRPr lang="en-US" altLang="ja-JP" sz="2400" b="1" kern="0" smtClean="0">
+            <a:endParaRPr lang="en-US" altLang="ja-JP" sz="2400" b="1" kern="0" dirty="0" smtClean="0">
               <a:latin typeface="メイリオ" panose="020B0604030504040204" pitchFamily="50" charset="-128"/>
             </a:endParaRPr>
           </a:p>
@@ -27462,30 +27468,30 @@
               <a:buAutoNum type="arabicPeriod"/>
             </a:pPr>
             <a:r>
-              <a:rPr lang="ja-JP" altLang="en-US" sz="2400" b="1" kern="0" smtClean="0">
+              <a:rPr lang="ja-JP" altLang="en-US" sz="2400" b="1" kern="0" dirty="0" smtClean="0">
                 <a:latin typeface="メイリオ" panose="020B0604030504040204" pitchFamily="50" charset="-128"/>
               </a:rPr>
               <a:t>フローチャートに基づき、</a:t>
             </a:r>
             <a:r>
-              <a:rPr lang="en-US" altLang="ja-JP" sz="2400" b="1" kern="0" smtClean="0">
+              <a:rPr lang="en-US" altLang="ja-JP" sz="2400" b="1" kern="0" dirty="0" smtClean="0">
                 <a:latin typeface="メイリオ" panose="020B0604030504040204" pitchFamily="50" charset="-128"/>
               </a:rPr>
               <a:t/>
             </a:r>
             <a:br>
-              <a:rPr lang="en-US" altLang="ja-JP" sz="2400" b="1" kern="0" smtClean="0">
+              <a:rPr lang="en-US" altLang="ja-JP" sz="2400" b="1" kern="0" dirty="0" smtClean="0">
                 <a:latin typeface="メイリオ" panose="020B0604030504040204" pitchFamily="50" charset="-128"/>
               </a:rPr>
             </a:br>
             <a:r>
-              <a:rPr lang="ja-JP" altLang="en-US" sz="2400" b="1" kern="0" smtClean="0">
+              <a:rPr lang="ja-JP" altLang="en-US" sz="2400" b="1" kern="0" dirty="0" smtClean="0">
                 <a:latin typeface="メイリオ" panose="020B0604030504040204" pitchFamily="50" charset="-128"/>
               </a:rPr>
               <a:t>与えられたプログラムを変更せよ</a:t>
             </a:r>
             <a:r>
-              <a:rPr lang="ja-JP" altLang="en-US" sz="2400" kern="0" smtClean="0">
+              <a:rPr lang="ja-JP" altLang="en-US" sz="2400" kern="0" dirty="0" smtClean="0">
                 <a:latin typeface="メイリオ" panose="020B0604030504040204" pitchFamily="50" charset="-128"/>
               </a:rPr>
               <a:t>。</a:t>
@@ -27497,7 +27503,7 @@
               <a:buFont typeface="+mj-lt"/>
               <a:buAutoNum type="arabicPeriod"/>
             </a:pPr>
-            <a:endParaRPr lang="ja-JP" altLang="en-US" sz="2400" kern="0" smtClean="0">
+            <a:endParaRPr lang="ja-JP" altLang="en-US" sz="2400" kern="0" dirty="0" smtClean="0">
               <a:latin typeface="メイリオ" panose="020B0604030504040204" pitchFamily="50" charset="-128"/>
             </a:endParaRPr>
           </a:p>
@@ -27960,7 +27966,19 @@
               <a:rPr lang="ja-JP" altLang="en-US" sz="2100" b="1" kern="0" dirty="0" smtClean="0">
                 <a:latin typeface="メイリオ" panose="020B0604030504040204" pitchFamily="50" charset="-128"/>
               </a:rPr>
-              <a:t>税込価格に加算</a:t>
+              <a:t>税込価格に</a:t>
+            </a:r>
+            <a:r>
+              <a:rPr lang="ja-JP" altLang="en-US" sz="2100" b="1" kern="0" dirty="0" smtClean="0">
+                <a:latin typeface="メイリオ" panose="020B0604030504040204" pitchFamily="50" charset="-128"/>
+              </a:rPr>
+              <a:t>加算</a:t>
+            </a:r>
+            <a:r>
+              <a:rPr lang="ja-JP" altLang="en-US" sz="1600" b="1" kern="0" dirty="0" smtClean="0">
+                <a:latin typeface="メイリオ" panose="020B0604030504040204" pitchFamily="50" charset="-128"/>
+              </a:rPr>
+              <a:t>（ポイント使用時は加算なし）</a:t>
             </a:r>
             <a:endParaRPr lang="en-US" altLang="ja-JP" sz="2100" b="1" kern="0" dirty="0" smtClean="0">
               <a:latin typeface="メイリオ" panose="020B0604030504040204" pitchFamily="50" charset="-128"/>
@@ -31681,7 +31699,7 @@
         </p:nvSpPr>
         <p:spPr>
           <a:xfrm>
-            <a:off x="5316538" y="2818182"/>
+            <a:off x="3970458" y="2832779"/>
             <a:ext cx="1778000" cy="612775"/>
           </a:xfrm>
           <a:prstGeom prst="flowChartDecision">
@@ -31922,7 +31940,7 @@
               <a:buNone/>
             </a:pPr>
             <a:r>
-              <a:rPr lang="ja-JP" altLang="en-US" sz="2000">
+              <a:rPr lang="ja-JP" altLang="en-US" sz="2000" dirty="0">
                 <a:latin typeface="メイリオ" panose="020B0604030504040204" pitchFamily="50" charset="-128"/>
               </a:rPr>
               <a:t>開始・終了</a:t>
@@ -31940,7 +31958,7 @@
         </p:nvSpPr>
         <p:spPr bwMode="auto">
           <a:xfrm>
-            <a:off x="8646878" y="1844824"/>
+            <a:off x="4254164" y="1984814"/>
             <a:ext cx="1210588" cy="400110"/>
           </a:xfrm>
           <a:prstGeom prst="rect">
@@ -32151,7 +32169,7 @@
         </p:nvCxnSpPr>
         <p:spPr>
           <a:xfrm>
-            <a:off x="5385129" y="2109614"/>
+            <a:off x="4859458" y="2391214"/>
             <a:ext cx="0" cy="406400"/>
           </a:xfrm>
           <a:prstGeom prst="line">
@@ -32188,7 +32206,7 @@
         </p:nvCxnSpPr>
         <p:spPr>
           <a:xfrm>
-            <a:off x="6196013" y="3430957"/>
+            <a:off x="4849933" y="3445554"/>
             <a:ext cx="0" cy="406400"/>
           </a:xfrm>
           <a:prstGeom prst="line">
@@ -32894,7 +32912,7 @@
         </p:nvSpPr>
         <p:spPr bwMode="gray">
           <a:xfrm>
-            <a:off x="7524328" y="2901724"/>
+            <a:off x="6178248" y="2916321"/>
             <a:ext cx="864096" cy="671292"/>
           </a:xfrm>
           <a:prstGeom prst="rect">
@@ -32963,7 +32981,7 @@
         </p:nvSpPr>
         <p:spPr bwMode="gray">
           <a:xfrm>
-            <a:off x="5508104" y="3284984"/>
+            <a:off x="4162024" y="3299581"/>
             <a:ext cx="864096" cy="671292"/>
           </a:xfrm>
           <a:prstGeom prst="rect">
@@ -33034,7 +33052,7 @@
         </p:nvCxnSpPr>
         <p:spPr>
           <a:xfrm>
-            <a:off x="7094538" y="3124570"/>
+            <a:off x="5748458" y="3139167"/>
             <a:ext cx="357782" cy="736478"/>
           </a:xfrm>
           <a:prstGeom prst="bentConnector2">

--- a/docs/[アプリ]インターンテキスト2016(冬)_第1版.pptx
+++ b/docs/[アプリ]インターンテキスト2016(冬)_第1版.pptx
@@ -5,10 +5,10 @@
     <p:sldMasterId id="2147483693" r:id="rId1"/>
   </p:sldMasterIdLst>
   <p:notesMasterIdLst>
-    <p:notesMasterId r:id="rId36"/>
+    <p:notesMasterId r:id="rId37"/>
   </p:notesMasterIdLst>
   <p:handoutMasterIdLst>
-    <p:handoutMasterId r:id="rId37"/>
+    <p:handoutMasterId r:id="rId38"/>
   </p:handoutMasterIdLst>
   <p:sldIdLst>
     <p:sldId id="256" r:id="rId2"/>
@@ -40,11 +40,12 @@
     <p:sldId id="349" r:id="rId28"/>
     <p:sldId id="348" r:id="rId29"/>
     <p:sldId id="385" r:id="rId30"/>
-    <p:sldId id="378" r:id="rId31"/>
-    <p:sldId id="382" r:id="rId32"/>
-    <p:sldId id="383" r:id="rId33"/>
-    <p:sldId id="381" r:id="rId34"/>
-    <p:sldId id="379" r:id="rId35"/>
+    <p:sldId id="386" r:id="rId31"/>
+    <p:sldId id="379" r:id="rId32"/>
+    <p:sldId id="378" r:id="rId33"/>
+    <p:sldId id="382" r:id="rId34"/>
+    <p:sldId id="383" r:id="rId35"/>
+    <p:sldId id="381" r:id="rId36"/>
   </p:sldIdLst>
   <p:sldSz cx="9144000" cy="6858000" type="screen4x3"/>
   <p:notesSz cx="30632400" cy="19659600"/>
@@ -1912,32 +1913,32 @@
     </dgm:pt>
   </dgm:ptLst>
   <dgm:cxnLst>
+    <dgm:cxn modelId="{1B879C3C-BEF8-4DE6-8BE7-B8752393D9CB}" srcId="{B6A58EF3-02D6-4CDB-9A53-C24DF5013EAC}" destId="{14B39EFB-1FB9-4253-B240-E9B587FF9046}" srcOrd="0" destOrd="0" parTransId="{D7B29F0E-B2E6-40F1-AFD9-56FA5BE90EF1}" sibTransId="{4AAFB005-2568-4B11-9584-E8EBC8212E5A}"/>
+    <dgm:cxn modelId="{FF8CC2AA-E06D-4612-9737-19D24C2E598D}" type="presOf" srcId="{84A9CE61-1DB9-4F5F-88D6-73A99DF055DC}" destId="{9B8A3B99-4C80-4C31-9CB2-B22B3D064ED7}" srcOrd="0" destOrd="0" presId="urn:microsoft.com/office/officeart/2005/8/layout/list1"/>
+    <dgm:cxn modelId="{22A4273A-848E-4A8D-A0BE-BBE16295BFF7}" type="presOf" srcId="{E57AF1F9-36EC-4FB3-A8AA-D70421032AF5}" destId="{300A884A-4414-41E4-96B2-EEC76C302FD2}" srcOrd="0" destOrd="0" presId="urn:microsoft.com/office/officeart/2005/8/layout/list1"/>
     <dgm:cxn modelId="{D0FE19AC-4C84-4E83-9169-49C83FEE961E}" type="presOf" srcId="{318EC1C5-01C2-4D5A-B5E1-D046CBA3A450}" destId="{E73274F1-72A6-48CA-B0DC-29507193EFC2}" srcOrd="0" destOrd="0" presId="urn:microsoft.com/office/officeart/2005/8/layout/list1"/>
+    <dgm:cxn modelId="{0E42A35C-8FA3-42B4-8B6F-FC2B2E5ECC47}" type="presOf" srcId="{84A9CE61-1DB9-4F5F-88D6-73A99DF055DC}" destId="{4AEA032C-B041-4913-8E61-711E2F0E1DB9}" srcOrd="1" destOrd="0" presId="urn:microsoft.com/office/officeart/2005/8/layout/list1"/>
+    <dgm:cxn modelId="{CE089D6E-8A83-4879-A1CE-F65EDA0B6FF0}" srcId="{F4D68245-FAF4-4CC6-B379-F19FE61B3F3A}" destId="{84A9CE61-1DB9-4F5F-88D6-73A99DF055DC}" srcOrd="2" destOrd="0" parTransId="{2C9F8FAF-28A6-4AE6-BC18-2D665E7148A2}" sibTransId="{3FB85DEE-B021-45A6-9700-A50BBCC2BDB9}"/>
+    <dgm:cxn modelId="{170D1D1B-2207-4130-99E7-A6D2287CAE9C}" type="presOf" srcId="{B96C0C27-32ED-4E98-87FD-0B28016ACA79}" destId="{94F052CA-06DD-4680-9251-8BE49B7751FE}" srcOrd="1" destOrd="0" presId="urn:microsoft.com/office/officeart/2005/8/layout/list1"/>
+    <dgm:cxn modelId="{CE158381-2806-414A-8B7B-245124552462}" srcId="{F4D68245-FAF4-4CC6-B379-F19FE61B3F3A}" destId="{B6A58EF3-02D6-4CDB-9A53-C24DF5013EAC}" srcOrd="1" destOrd="0" parTransId="{3EAFC36C-D07E-495A-ACF5-162287F8E081}" sibTransId="{4CA0D09C-709E-44B5-88C8-A05B917E2653}"/>
+    <dgm:cxn modelId="{A3C07C4A-3B88-4C17-BD3F-F4DC5C9493FA}" srcId="{F4D68245-FAF4-4CC6-B379-F19FE61B3F3A}" destId="{B96C0C27-32ED-4E98-87FD-0B28016ACA79}" srcOrd="3" destOrd="0" parTransId="{40AF6545-19E1-40B7-9525-4D89D781B064}" sibTransId="{394810B0-0D39-4BDA-A094-9E41909FFA71}"/>
+    <dgm:cxn modelId="{EBC182B6-5EEB-4590-AD6B-583803CEED4D}" type="presOf" srcId="{B96C0C27-32ED-4E98-87FD-0B28016ACA79}" destId="{80CA4571-6EB7-445A-A12B-3585A981E4D6}" srcOrd="0" destOrd="0" presId="urn:microsoft.com/office/officeart/2005/8/layout/list1"/>
+    <dgm:cxn modelId="{3879CDF9-9C8D-44C2-9563-546BD5E08013}" type="presOf" srcId="{6CCF9B1B-9933-4C57-A357-C938047CA864}" destId="{B0949CA9-0133-4415-8E1F-A3E05B73F0C2}" srcOrd="0" destOrd="0" presId="urn:microsoft.com/office/officeart/2005/8/layout/list1"/>
+    <dgm:cxn modelId="{AC15BD30-66C2-4DF8-8F97-AF6A93575C14}" srcId="{318EC1C5-01C2-4D5A-B5E1-D046CBA3A450}" destId="{721D9BF5-30B2-410C-890F-0261A687D057}" srcOrd="0" destOrd="0" parTransId="{94777DD7-1C75-49AF-A920-9216238CED57}" sibTransId="{AF2113D1-D6D3-48A6-BD0E-82872F3170A8}"/>
+    <dgm:cxn modelId="{0A6EA156-6798-40DA-A239-FBC6B2CA0F8E}" type="presOf" srcId="{B6A58EF3-02D6-4CDB-9A53-C24DF5013EAC}" destId="{85C3A675-E492-47D6-A62E-EB939DC2481C}" srcOrd="1" destOrd="0" presId="urn:microsoft.com/office/officeart/2005/8/layout/list1"/>
+    <dgm:cxn modelId="{A5E0B0C2-2F01-4953-8747-A4E8425F2E30}" type="presOf" srcId="{318EC1C5-01C2-4D5A-B5E1-D046CBA3A450}" destId="{3E108A42-F971-40FD-B8B5-8053FE3DFFED}" srcOrd="1" destOrd="0" presId="urn:microsoft.com/office/officeart/2005/8/layout/list1"/>
+    <dgm:cxn modelId="{59A2BED4-B78E-45D7-A581-38F88AFFA907}" type="presOf" srcId="{B6A58EF3-02D6-4CDB-9A53-C24DF5013EAC}" destId="{113C4C20-72E5-48E3-ADC0-FA5BC3201211}" srcOrd="0" destOrd="0" presId="urn:microsoft.com/office/officeart/2005/8/layout/list1"/>
+    <dgm:cxn modelId="{7D443029-6D51-4481-B622-C0710776E4D7}" type="presOf" srcId="{F4D68245-FAF4-4CC6-B379-F19FE61B3F3A}" destId="{FD85BA53-0B40-4D9D-A31A-1CF74D5FE609}" srcOrd="0" destOrd="0" presId="urn:microsoft.com/office/officeart/2005/8/layout/list1"/>
+    <dgm:cxn modelId="{B89D02FD-0DBD-4301-BC6A-567A35220366}" srcId="{F4D68245-FAF4-4CC6-B379-F19FE61B3F3A}" destId="{318EC1C5-01C2-4D5A-B5E1-D046CBA3A450}" srcOrd="0" destOrd="0" parTransId="{6BCC6C11-95D3-44C6-81E4-9C9867563E59}" sibTransId="{D72DD8B3-6162-433B-92A6-C4481B0513E7}"/>
+    <dgm:cxn modelId="{C4DAD023-C2CE-4D50-9DEF-7E8A1532F12C}" type="presOf" srcId="{14B39EFB-1FB9-4253-B240-E9B587FF9046}" destId="{00D17C8F-EE16-4077-9259-335D73CAEB5F}" srcOrd="0" destOrd="0" presId="urn:microsoft.com/office/officeart/2005/8/layout/list1"/>
+    <dgm:cxn modelId="{F167247D-9E9F-4270-A6DA-83E1D5E9FFAE}" type="presOf" srcId="{3CF74569-CDFF-42A8-9926-8A4F847D45A6}" destId="{7505A9C8-C794-4C91-B294-0191F9906945}" srcOrd="0" destOrd="0" presId="urn:microsoft.com/office/officeart/2005/8/layout/list1"/>
+    <dgm:cxn modelId="{ABC2058A-61EA-4C09-93B1-95BB0BFE07E3}" type="presOf" srcId="{9A350A38-C4D8-4CED-A97D-34A6653F0070}" destId="{A9F20686-CB26-481E-B07F-8D9392247974}" srcOrd="0" destOrd="0" presId="urn:microsoft.com/office/officeart/2005/8/layout/list1"/>
+    <dgm:cxn modelId="{2E10BEFB-4BC1-4B6D-8F23-F3433E3BEBF3}" type="presOf" srcId="{3CF74569-CDFF-42A8-9926-8A4F847D45A6}" destId="{BC5A3E48-2EC4-44D9-B3BD-C526EF19B38B}" srcOrd="1" destOrd="0" presId="urn:microsoft.com/office/officeart/2005/8/layout/list1"/>
     <dgm:cxn modelId="{ABB99D13-B895-47D1-9302-35028023FF15}" srcId="{F4D68245-FAF4-4CC6-B379-F19FE61B3F3A}" destId="{3CF74569-CDFF-42A8-9926-8A4F847D45A6}" srcOrd="4" destOrd="0" parTransId="{BA44FCCF-D55E-4883-B14B-F73044974A54}" sibTransId="{5C9DB780-9F96-43B7-91BA-2B5D8F8DF072}"/>
-    <dgm:cxn modelId="{A5E0B0C2-2F01-4953-8747-A4E8425F2E30}" type="presOf" srcId="{318EC1C5-01C2-4D5A-B5E1-D046CBA3A450}" destId="{3E108A42-F971-40FD-B8B5-8053FE3DFFED}" srcOrd="1" destOrd="0" presId="urn:microsoft.com/office/officeart/2005/8/layout/list1"/>
-    <dgm:cxn modelId="{ABC2058A-61EA-4C09-93B1-95BB0BFE07E3}" type="presOf" srcId="{9A350A38-C4D8-4CED-A97D-34A6653F0070}" destId="{A9F20686-CB26-481E-B07F-8D9392247974}" srcOrd="0" destOrd="0" presId="urn:microsoft.com/office/officeart/2005/8/layout/list1"/>
-    <dgm:cxn modelId="{CE089D6E-8A83-4879-A1CE-F65EDA0B6FF0}" srcId="{F4D68245-FAF4-4CC6-B379-F19FE61B3F3A}" destId="{84A9CE61-1DB9-4F5F-88D6-73A99DF055DC}" srcOrd="2" destOrd="0" parTransId="{2C9F8FAF-28A6-4AE6-BC18-2D665E7148A2}" sibTransId="{3FB85DEE-B021-45A6-9700-A50BBCC2BDB9}"/>
-    <dgm:cxn modelId="{F167247D-9E9F-4270-A6DA-83E1D5E9FFAE}" type="presOf" srcId="{3CF74569-CDFF-42A8-9926-8A4F847D45A6}" destId="{7505A9C8-C794-4C91-B294-0191F9906945}" srcOrd="0" destOrd="0" presId="urn:microsoft.com/office/officeart/2005/8/layout/list1"/>
-    <dgm:cxn modelId="{A3C07C4A-3B88-4C17-BD3F-F4DC5C9493FA}" srcId="{F4D68245-FAF4-4CC6-B379-F19FE61B3F3A}" destId="{B96C0C27-32ED-4E98-87FD-0B28016ACA79}" srcOrd="3" destOrd="0" parTransId="{40AF6545-19E1-40B7-9525-4D89D781B064}" sibTransId="{394810B0-0D39-4BDA-A094-9E41909FFA71}"/>
-    <dgm:cxn modelId="{FF8CC2AA-E06D-4612-9737-19D24C2E598D}" type="presOf" srcId="{84A9CE61-1DB9-4F5F-88D6-73A99DF055DC}" destId="{9B8A3B99-4C80-4C31-9CB2-B22B3D064ED7}" srcOrd="0" destOrd="0" presId="urn:microsoft.com/office/officeart/2005/8/layout/list1"/>
-    <dgm:cxn modelId="{1B879C3C-BEF8-4DE6-8BE7-B8752393D9CB}" srcId="{B6A58EF3-02D6-4CDB-9A53-C24DF5013EAC}" destId="{14B39EFB-1FB9-4253-B240-E9B587FF9046}" srcOrd="0" destOrd="0" parTransId="{D7B29F0E-B2E6-40F1-AFD9-56FA5BE90EF1}" sibTransId="{4AAFB005-2568-4B11-9584-E8EBC8212E5A}"/>
-    <dgm:cxn modelId="{3879CDF9-9C8D-44C2-9563-546BD5E08013}" type="presOf" srcId="{6CCF9B1B-9933-4C57-A357-C938047CA864}" destId="{B0949CA9-0133-4415-8E1F-A3E05B73F0C2}" srcOrd="0" destOrd="0" presId="urn:microsoft.com/office/officeart/2005/8/layout/list1"/>
+    <dgm:cxn modelId="{8C880EEA-0925-439C-8CE4-60F32935C8B5}" srcId="{B96C0C27-32ED-4E98-87FD-0B28016ACA79}" destId="{9A350A38-C4D8-4CED-A97D-34A6653F0070}" srcOrd="0" destOrd="0" parTransId="{5B61D6AB-CD03-415A-A45B-B1677608540B}" sibTransId="{B3221E60-1270-4487-AFD4-7808260B09E6}"/>
     <dgm:cxn modelId="{DD92DFE0-FAC9-47E9-BB54-DA6A6AB1D4DA}" type="presOf" srcId="{721D9BF5-30B2-410C-890F-0261A687D057}" destId="{5135C4A8-BBFD-430C-9A9E-9E3C2B7C7C99}" srcOrd="0" destOrd="0" presId="urn:microsoft.com/office/officeart/2005/8/layout/list1"/>
-    <dgm:cxn modelId="{0E42A35C-8FA3-42B4-8B6F-FC2B2E5ECC47}" type="presOf" srcId="{84A9CE61-1DB9-4F5F-88D6-73A99DF055DC}" destId="{4AEA032C-B041-4913-8E61-711E2F0E1DB9}" srcOrd="1" destOrd="0" presId="urn:microsoft.com/office/officeart/2005/8/layout/list1"/>
-    <dgm:cxn modelId="{22A4273A-848E-4A8D-A0BE-BBE16295BFF7}" type="presOf" srcId="{E57AF1F9-36EC-4FB3-A8AA-D70421032AF5}" destId="{300A884A-4414-41E4-96B2-EEC76C302FD2}" srcOrd="0" destOrd="0" presId="urn:microsoft.com/office/officeart/2005/8/layout/list1"/>
-    <dgm:cxn modelId="{B89D02FD-0DBD-4301-BC6A-567A35220366}" srcId="{F4D68245-FAF4-4CC6-B379-F19FE61B3F3A}" destId="{318EC1C5-01C2-4D5A-B5E1-D046CBA3A450}" srcOrd="0" destOrd="0" parTransId="{6BCC6C11-95D3-44C6-81E4-9C9867563E59}" sibTransId="{D72DD8B3-6162-433B-92A6-C4481B0513E7}"/>
-    <dgm:cxn modelId="{AC15BD30-66C2-4DF8-8F97-AF6A93575C14}" srcId="{318EC1C5-01C2-4D5A-B5E1-D046CBA3A450}" destId="{721D9BF5-30B2-410C-890F-0261A687D057}" srcOrd="0" destOrd="0" parTransId="{94777DD7-1C75-49AF-A920-9216238CED57}" sibTransId="{AF2113D1-D6D3-48A6-BD0E-82872F3170A8}"/>
-    <dgm:cxn modelId="{CE158381-2806-414A-8B7B-245124552462}" srcId="{F4D68245-FAF4-4CC6-B379-F19FE61B3F3A}" destId="{B6A58EF3-02D6-4CDB-9A53-C24DF5013EAC}" srcOrd="1" destOrd="0" parTransId="{3EAFC36C-D07E-495A-ACF5-162287F8E081}" sibTransId="{4CA0D09C-709E-44B5-88C8-A05B917E2653}"/>
-    <dgm:cxn modelId="{170D1D1B-2207-4130-99E7-A6D2287CAE9C}" type="presOf" srcId="{B96C0C27-32ED-4E98-87FD-0B28016ACA79}" destId="{94F052CA-06DD-4680-9251-8BE49B7751FE}" srcOrd="1" destOrd="0" presId="urn:microsoft.com/office/officeart/2005/8/layout/list1"/>
-    <dgm:cxn modelId="{7D443029-6D51-4481-B622-C0710776E4D7}" type="presOf" srcId="{F4D68245-FAF4-4CC6-B379-F19FE61B3F3A}" destId="{FD85BA53-0B40-4D9D-A31A-1CF74D5FE609}" srcOrd="0" destOrd="0" presId="urn:microsoft.com/office/officeart/2005/8/layout/list1"/>
-    <dgm:cxn modelId="{0A6EA156-6798-40DA-A239-FBC6B2CA0F8E}" type="presOf" srcId="{B6A58EF3-02D6-4CDB-9A53-C24DF5013EAC}" destId="{85C3A675-E492-47D6-A62E-EB939DC2481C}" srcOrd="1" destOrd="0" presId="urn:microsoft.com/office/officeart/2005/8/layout/list1"/>
+    <dgm:cxn modelId="{6A7EE0A7-F1E2-4DB6-A0FD-818F175C54B7}" srcId="{3CF74569-CDFF-42A8-9926-8A4F847D45A6}" destId="{E57AF1F9-36EC-4FB3-A8AA-D70421032AF5}" srcOrd="0" destOrd="0" parTransId="{7FB94998-1461-4C2A-AE87-A8C099402BAE}" sibTransId="{3806B316-7832-4AE2-B88F-4D8F58662505}"/>
     <dgm:cxn modelId="{6C7CAD35-71A6-4E7B-9F79-BA4831B70563}" srcId="{84A9CE61-1DB9-4F5F-88D6-73A99DF055DC}" destId="{6CCF9B1B-9933-4C57-A357-C938047CA864}" srcOrd="0" destOrd="0" parTransId="{7CADEC9B-7944-40E5-A0A5-F3C87D587C50}" sibTransId="{77F051D4-5776-4C18-9B71-2E7D10F0B88C}"/>
-    <dgm:cxn modelId="{2E10BEFB-4BC1-4B6D-8F23-F3433E3BEBF3}" type="presOf" srcId="{3CF74569-CDFF-42A8-9926-8A4F847D45A6}" destId="{BC5A3E48-2EC4-44D9-B3BD-C526EF19B38B}" srcOrd="1" destOrd="0" presId="urn:microsoft.com/office/officeart/2005/8/layout/list1"/>
-    <dgm:cxn modelId="{EBC182B6-5EEB-4590-AD6B-583803CEED4D}" type="presOf" srcId="{B96C0C27-32ED-4E98-87FD-0B28016ACA79}" destId="{80CA4571-6EB7-445A-A12B-3585A981E4D6}" srcOrd="0" destOrd="0" presId="urn:microsoft.com/office/officeart/2005/8/layout/list1"/>
-    <dgm:cxn modelId="{59A2BED4-B78E-45D7-A581-38F88AFFA907}" type="presOf" srcId="{B6A58EF3-02D6-4CDB-9A53-C24DF5013EAC}" destId="{113C4C20-72E5-48E3-ADC0-FA5BC3201211}" srcOrd="0" destOrd="0" presId="urn:microsoft.com/office/officeart/2005/8/layout/list1"/>
-    <dgm:cxn modelId="{C4DAD023-C2CE-4D50-9DEF-7E8A1532F12C}" type="presOf" srcId="{14B39EFB-1FB9-4253-B240-E9B587FF9046}" destId="{00D17C8F-EE16-4077-9259-335D73CAEB5F}" srcOrd="0" destOrd="0" presId="urn:microsoft.com/office/officeart/2005/8/layout/list1"/>
-    <dgm:cxn modelId="{6A7EE0A7-F1E2-4DB6-A0FD-818F175C54B7}" srcId="{3CF74569-CDFF-42A8-9926-8A4F847D45A6}" destId="{E57AF1F9-36EC-4FB3-A8AA-D70421032AF5}" srcOrd="0" destOrd="0" parTransId="{7FB94998-1461-4C2A-AE87-A8C099402BAE}" sibTransId="{3806B316-7832-4AE2-B88F-4D8F58662505}"/>
-    <dgm:cxn modelId="{8C880EEA-0925-439C-8CE4-60F32935C8B5}" srcId="{B96C0C27-32ED-4E98-87FD-0B28016ACA79}" destId="{9A350A38-C4D8-4CED-A97D-34A6653F0070}" srcOrd="0" destOrd="0" parTransId="{5B61D6AB-CD03-415A-A45B-B1677608540B}" sibTransId="{B3221E60-1270-4487-AFD4-7808260B09E6}"/>
     <dgm:cxn modelId="{11C97640-D4F3-4C3C-90D4-3FD3CC5E1B9E}" type="presParOf" srcId="{FD85BA53-0B40-4D9D-A31A-1CF74D5FE609}" destId="{F7CA35AC-F1DE-4EA2-95FB-663FEAEE5A7B}" srcOrd="0" destOrd="0" presId="urn:microsoft.com/office/officeart/2005/8/layout/list1"/>
     <dgm:cxn modelId="{3969AAC1-8E95-4654-84C0-CD9A93863EFA}" type="presParOf" srcId="{F7CA35AC-F1DE-4EA2-95FB-663FEAEE5A7B}" destId="{E73274F1-72A6-48CA-B0DC-29507193EFC2}" srcOrd="0" destOrd="0" presId="urn:microsoft.com/office/officeart/2005/8/layout/list1"/>
     <dgm:cxn modelId="{4BF09648-D79E-41C9-A341-874EE2D5EC50}" type="presParOf" srcId="{F7CA35AC-F1DE-4EA2-95FB-663FEAEE5A7B}" destId="{3E108A42-F971-40FD-B8B5-8053FE3DFFED}" srcOrd="1" destOrd="0" presId="urn:microsoft.com/office/officeart/2005/8/layout/list1"/>
@@ -26913,12 +26914,12 @@
               <a:defRPr/>
             </a:pPr>
             <a:r>
-              <a:rPr lang="ja-JP" altLang="en-US" sz="3200" smtClean="0">
+              <a:rPr lang="ja-JP" altLang="en-US" sz="3200" dirty="0" smtClean="0">
                 <a:latin typeface="メイリオ" panose="020B0604030504040204" pitchFamily="50" charset="-128"/>
               </a:rPr>
               <a:t>設計するにあたり必要な知識</a:t>
             </a:r>
-            <a:endParaRPr lang="en-US" altLang="ja-JP" sz="3200" smtClean="0">
+            <a:endParaRPr lang="en-US" altLang="ja-JP" sz="3200" dirty="0" smtClean="0">
               <a:latin typeface="メイリオ" panose="020B0604030504040204" pitchFamily="50" charset="-128"/>
             </a:endParaRPr>
           </a:p>
@@ -26930,7 +26931,7 @@
               <a:buNone/>
               <a:defRPr/>
             </a:pPr>
-            <a:endParaRPr lang="en-US" altLang="ja-JP" sz="2800" smtClean="0">
+            <a:endParaRPr lang="en-US" altLang="ja-JP" sz="2800" dirty="0" smtClean="0">
               <a:latin typeface="メイリオ" panose="020B0604030504040204" pitchFamily="50" charset="-128"/>
             </a:endParaRPr>
           </a:p>
@@ -26941,12 +26942,12 @@
               <a:defRPr/>
             </a:pPr>
             <a:r>
-              <a:rPr lang="ja-JP" altLang="en-US" sz="2800" smtClean="0">
+              <a:rPr lang="ja-JP" altLang="en-US" sz="2800" dirty="0" smtClean="0">
                 <a:latin typeface="メイリオ" panose="020B0604030504040204" pitchFamily="50" charset="-128"/>
               </a:rPr>
               <a:t>フローチャート書き方ルール</a:t>
             </a:r>
-            <a:endParaRPr lang="en-US" altLang="ja-JP" sz="2800" smtClean="0">
+            <a:endParaRPr lang="en-US" altLang="ja-JP" sz="2800" dirty="0" smtClean="0">
               <a:latin typeface="メイリオ" panose="020B0604030504040204" pitchFamily="50" charset="-128"/>
             </a:endParaRPr>
           </a:p>
@@ -26956,7 +26957,7 @@
               <a:buChar char="l"/>
               <a:defRPr/>
             </a:pPr>
-            <a:endParaRPr lang="en-US" altLang="ja-JP" sz="2800" smtClean="0">
+            <a:endParaRPr lang="en-US" altLang="ja-JP" sz="2800" dirty="0" smtClean="0">
               <a:latin typeface="メイリオ" panose="020B0604030504040204" pitchFamily="50" charset="-128"/>
             </a:endParaRPr>
           </a:p>
@@ -26967,13 +26968,13 @@
               <a:defRPr/>
             </a:pPr>
             <a:r>
-              <a:rPr lang="en-US" altLang="ja-JP" sz="2800" smtClean="0">
+              <a:rPr lang="en-US" altLang="ja-JP" sz="2800" dirty="0" smtClean="0">
                 <a:latin typeface="メイリオ" panose="020B0604030504040204" pitchFamily="50" charset="-128"/>
               </a:rPr>
               <a:t>MVC</a:t>
             </a:r>
             <a:r>
-              <a:rPr lang="ja-JP" altLang="en-US" sz="2800" smtClean="0">
+              <a:rPr lang="ja-JP" altLang="en-US" sz="2800" dirty="0" smtClean="0">
                 <a:latin typeface="メイリオ" panose="020B0604030504040204" pitchFamily="50" charset="-128"/>
               </a:rPr>
               <a:t>モデルによる開発</a:t>
@@ -27439,13 +27440,7 @@
               <a:rPr lang="ja-JP" altLang="en-US" sz="2400" b="1" kern="0" dirty="0" smtClean="0">
                 <a:latin typeface="メイリオ" panose="020B0604030504040204" pitchFamily="50" charset="-128"/>
               </a:rPr>
-              <a:t>清算のフローチャートを作成</a:t>
-            </a:r>
-            <a:r>
-              <a:rPr lang="ja-JP" altLang="en-US" sz="2400" b="1" kern="0" dirty="0" smtClean="0">
-                <a:latin typeface="メイリオ" panose="020B0604030504040204" pitchFamily="50" charset="-128"/>
-              </a:rPr>
-              <a:t>せよ</a:t>
+              <a:t>清算のフローチャートを作成せよ</a:t>
             </a:r>
             <a:endParaRPr lang="en-US" altLang="ja-JP" sz="2400" b="1" kern="0" dirty="0" smtClean="0">
               <a:latin typeface="メイリオ" panose="020B0604030504040204" pitchFamily="50" charset="-128"/>
@@ -27966,13 +27961,7 @@
               <a:rPr lang="ja-JP" altLang="en-US" sz="2100" b="1" kern="0" dirty="0" smtClean="0">
                 <a:latin typeface="メイリオ" panose="020B0604030504040204" pitchFamily="50" charset="-128"/>
               </a:rPr>
-              <a:t>税込価格に</a:t>
-            </a:r>
-            <a:r>
-              <a:rPr lang="ja-JP" altLang="en-US" sz="2100" b="1" kern="0" dirty="0" smtClean="0">
-                <a:latin typeface="メイリオ" panose="020B0604030504040204" pitchFamily="50" charset="-128"/>
-              </a:rPr>
-              <a:t>加算</a:t>
+              <a:t>税込価格に加算</a:t>
             </a:r>
             <a:r>
               <a:rPr lang="ja-JP" altLang="en-US" sz="1600" b="1" kern="0" dirty="0" smtClean="0">
@@ -33240,7 +33229,7 @@
       </p:grpSpPr>
       <p:sp>
         <p:nvSpPr>
-          <p:cNvPr id="2" name="タイトル 1"/>
+          <p:cNvPr id="3" name="タイトル 2"/>
           <p:cNvSpPr>
             <a:spLocks noGrp="1"/>
           </p:cNvSpPr>
@@ -33254,8 +33243,30 @@
           <a:lstStyle/>
           <a:p>
             <a:r>
-              <a:rPr kumimoji="1" lang="ja-JP" altLang="en-US" smtClean="0"/>
-              <a:t>実装（プログラミング）</a:t>
+              <a:rPr lang="en-US" altLang="ja-JP">
+                <a:effectLst>
+                  <a:outerShdw blurRad="38100" dist="38100" dir="2700000" algn="tl">
+                    <a:srgbClr val="000000">
+                      <a:alpha val="43137"/>
+                    </a:srgbClr>
+                  </a:outerShdw>
+                </a:effectLst>
+                <a:latin typeface="メイリオ" panose="020B0604030504040204" pitchFamily="50" charset="-128"/>
+              </a:rPr>
+              <a:t>Ⅰ</a:t>
+            </a:r>
+            <a:r>
+              <a:rPr lang="ja-JP" altLang="en-US" smtClean="0">
+                <a:effectLst>
+                  <a:outerShdw blurRad="38100" dist="38100" dir="2700000" algn="tl">
+                    <a:srgbClr val="000000">
+                      <a:alpha val="43137"/>
+                    </a:srgbClr>
+                  </a:outerShdw>
+                </a:effectLst>
+                <a:latin typeface="メイリオ" panose="020B0604030504040204" pitchFamily="50" charset="-128"/>
+              </a:rPr>
+              <a:t>．要件定義</a:t>
             </a:r>
             <a:endParaRPr kumimoji="1" lang="ja-JP" altLang="en-US"/>
           </a:p>
@@ -33263,32 +33274,340 @@
       </p:sp>
       <p:sp>
         <p:nvSpPr>
-          <p:cNvPr id="3" name="テキスト プレースホルダー 2"/>
-          <p:cNvSpPr>
-            <a:spLocks noGrp="1"/>
+          <p:cNvPr id="7" name="コンテンツ プレースホルダー 3"/>
+          <p:cNvSpPr txBox="1">
+            <a:spLocks/>
           </p:cNvSpPr>
-          <p:nvPr>
-            <p:ph type="body" idx="1"/>
-          </p:nvPr>
+          <p:nvPr/>
         </p:nvSpPr>
-        <p:spPr/>
+        <p:spPr bwMode="gray">
+          <a:xfrm>
+            <a:off x="2110680" y="1125539"/>
+            <a:ext cx="6769100" cy="5732461"/>
+          </a:xfrm>
+          <a:prstGeom prst="rect">
+            <a:avLst/>
+          </a:prstGeom>
+          <a:noFill/>
+          <a:ln>
+            <a:noFill/>
+          </a:ln>
+          <a:effectLst/>
+          <a:extLst>
+            <a:ext uri="{909E8E84-426E-40DD-AFC4-6F175D3DCCD1}">
+              <a14:hiddenFill xmlns:a14="http://schemas.microsoft.com/office/drawing/2010/main">
+                <a:solidFill>
+                  <a:schemeClr val="accent1"/>
+                </a:solidFill>
+              </a14:hiddenFill>
+            </a:ext>
+            <a:ext uri="{91240B29-F687-4F45-9708-019B960494DF}">
+              <a14:hiddenLine xmlns:a14="http://schemas.microsoft.com/office/drawing/2010/main" w="9525">
+                <a:solidFill>
+                  <a:schemeClr val="tx1"/>
+                </a:solidFill>
+                <a:miter lim="800000"/>
+                <a:headEnd/>
+                <a:tailEnd/>
+              </a14:hiddenLine>
+            </a:ext>
+            <a:ext uri="{AF507438-7753-43E0-B8FC-AC1667EBCBE1}">
+              <a14:hiddenEffects xmlns:a14="http://schemas.microsoft.com/office/drawing/2010/main">
+                <a:effectLst>
+                  <a:outerShdw dist="35921" dir="2700000" algn="ctr" rotWithShape="0">
+                    <a:schemeClr val="bg2"/>
+                  </a:outerShdw>
+                </a:effectLst>
+              </a14:hiddenEffects>
+            </a:ext>
+          </a:extLst>
+        </p:spPr>
         <p:txBody>
-          <a:bodyPr/>
-          <a:lstStyle/>
-          <a:p>
-            <a:r>
-              <a:rPr lang="ja-JP" altLang="en-US" smtClean="0">
+          <a:bodyPr vert="horz" wrap="square" lIns="91440" tIns="45720" rIns="91440" bIns="45720" numCol="1" anchor="t" anchorCtr="0" compatLnSpc="1">
+            <a:prstTxWarp prst="textNoShape">
+              <a:avLst/>
+            </a:prstTxWarp>
+          </a:bodyPr>
+          <a:lstStyle>
+            <a:lvl1pPr marL="0" indent="0" algn="l" defTabSz="576000" rtl="0" eaLnBrk="0" fontAlgn="base" hangingPunct="0">
+              <a:spcBef>
+                <a:spcPts val="1200"/>
+              </a:spcBef>
+              <a:spcAft>
+                <a:spcPct val="0"/>
+              </a:spcAft>
+              <a:buClr>
+                <a:schemeClr val="accent2"/>
+              </a:buClr>
+              <a:buSzPct val="50000"/>
+              <a:buFontTx/>
+              <a:buNone/>
+              <a:defRPr kumimoji="1" sz="2800" b="1">
+                <a:solidFill>
+                  <a:schemeClr val="tx1">
+                    <a:lumMod val="75000"/>
+                    <a:lumOff val="25000"/>
+                  </a:schemeClr>
+                </a:solidFill>
+                <a:latin typeface="+mn-lt"/>
+                <a:ea typeface="+mn-ea"/>
+                <a:cs typeface="メイリオ" panose="020B0604030504040204" pitchFamily="50" charset="-128"/>
+              </a:defRPr>
+            </a:lvl1pPr>
+            <a:lvl2pPr marL="742950" indent="-285750" algn="l" defTabSz="576000" rtl="0" eaLnBrk="0" fontAlgn="base" hangingPunct="0">
+              <a:spcBef>
+                <a:spcPts val="1800"/>
+              </a:spcBef>
+              <a:spcAft>
+                <a:spcPct val="0"/>
+              </a:spcAft>
+              <a:buFont typeface="Wingdings" panose="05000000000000000000" pitchFamily="2" charset="2"/>
+              <a:buChar char="l"/>
+              <a:defRPr kumimoji="1" sz="2000" b="0">
+                <a:solidFill>
+                  <a:schemeClr val="tx1">
+                    <a:lumMod val="75000"/>
+                    <a:lumOff val="25000"/>
+                  </a:schemeClr>
+                </a:solidFill>
+                <a:latin typeface="+mn-lt"/>
+                <a:ea typeface="+mn-ea"/>
+                <a:cs typeface="メイリオ" panose="020B0604030504040204" pitchFamily="50" charset="-128"/>
+              </a:defRPr>
+            </a:lvl2pPr>
+            <a:lvl3pPr marL="1143000" indent="-228600" algn="l" defTabSz="576000" rtl="0" eaLnBrk="0" fontAlgn="base" hangingPunct="0">
+              <a:spcBef>
+                <a:spcPts val="1200"/>
+              </a:spcBef>
+              <a:spcAft>
+                <a:spcPct val="0"/>
+              </a:spcAft>
+              <a:buClr>
+                <a:schemeClr val="tx1">
+                  <a:lumMod val="75000"/>
+                  <a:lumOff val="25000"/>
+                </a:schemeClr>
+              </a:buClr>
+              <a:buSzPct val="60000"/>
+              <a:buFont typeface="Wingdings" panose="05000000000000000000" pitchFamily="2" charset="2"/>
+              <a:buChar char="n"/>
+              <a:defRPr kumimoji="1">
+                <a:solidFill>
+                  <a:schemeClr val="tx1">
+                    <a:lumMod val="75000"/>
+                    <a:lumOff val="25000"/>
+                  </a:schemeClr>
+                </a:solidFill>
+                <a:latin typeface="+mn-lt"/>
+                <a:ea typeface="+mn-ea"/>
+                <a:cs typeface="メイリオ" panose="020B0604030504040204" pitchFamily="50" charset="-128"/>
+              </a:defRPr>
+            </a:lvl3pPr>
+            <a:lvl4pPr marL="1600200" indent="-228600" algn="l" defTabSz="576000" rtl="0" eaLnBrk="0" fontAlgn="base" hangingPunct="0">
+              <a:spcBef>
+                <a:spcPts val="1200"/>
+              </a:spcBef>
+              <a:spcAft>
+                <a:spcPct val="0"/>
+              </a:spcAft>
+              <a:buChar char="–"/>
+              <a:defRPr kumimoji="1">
+                <a:solidFill>
+                  <a:schemeClr val="tx1">
+                    <a:lumMod val="75000"/>
+                    <a:lumOff val="25000"/>
+                  </a:schemeClr>
+                </a:solidFill>
+                <a:latin typeface="+mn-lt"/>
+                <a:ea typeface="+mn-ea"/>
+                <a:cs typeface="メイリオ" panose="020B0604030504040204" pitchFamily="50" charset="-128"/>
+              </a:defRPr>
+            </a:lvl4pPr>
+            <a:lvl5pPr marL="2057400" indent="-228600" algn="l" defTabSz="576000" rtl="0" eaLnBrk="0" fontAlgn="base" hangingPunct="0">
+              <a:spcBef>
+                <a:spcPts val="1200"/>
+              </a:spcBef>
+              <a:spcAft>
+                <a:spcPct val="0"/>
+              </a:spcAft>
+              <a:buChar char="•"/>
+              <a:defRPr kumimoji="1">
+                <a:solidFill>
+                  <a:schemeClr val="tx1">
+                    <a:lumMod val="75000"/>
+                    <a:lumOff val="25000"/>
+                  </a:schemeClr>
+                </a:solidFill>
+                <a:latin typeface="+mn-lt"/>
+                <a:ea typeface="+mn-ea"/>
+                <a:cs typeface="メイリオ" panose="020B0604030504040204" pitchFamily="50" charset="-128"/>
+              </a:defRPr>
+            </a:lvl5pPr>
+            <a:lvl6pPr marL="2514600" indent="-228600" algn="l" rtl="0" fontAlgn="base">
+              <a:spcBef>
+                <a:spcPct val="20000"/>
+              </a:spcBef>
+              <a:spcAft>
+                <a:spcPct val="0"/>
+              </a:spcAft>
+              <a:buChar char="•"/>
+              <a:defRPr kumimoji="1">
+                <a:solidFill>
+                  <a:schemeClr val="tx1"/>
+                </a:solidFill>
+                <a:latin typeface="+mn-lt"/>
+                <a:ea typeface="+mn-ea"/>
+              </a:defRPr>
+            </a:lvl6pPr>
+            <a:lvl7pPr marL="2971800" indent="-228600" algn="l" rtl="0" fontAlgn="base">
+              <a:spcBef>
+                <a:spcPct val="20000"/>
+              </a:spcBef>
+              <a:spcAft>
+                <a:spcPct val="0"/>
+              </a:spcAft>
+              <a:buChar char="•"/>
+              <a:defRPr kumimoji="1">
+                <a:solidFill>
+                  <a:schemeClr val="tx1"/>
+                </a:solidFill>
+                <a:latin typeface="+mn-lt"/>
+                <a:ea typeface="+mn-ea"/>
+              </a:defRPr>
+            </a:lvl7pPr>
+            <a:lvl8pPr marL="3429000" indent="-228600" algn="l" rtl="0" fontAlgn="base">
+              <a:spcBef>
+                <a:spcPct val="20000"/>
+              </a:spcBef>
+              <a:spcAft>
+                <a:spcPct val="0"/>
+              </a:spcAft>
+              <a:buChar char="•"/>
+              <a:defRPr kumimoji="1">
+                <a:solidFill>
+                  <a:schemeClr val="tx1"/>
+                </a:solidFill>
+                <a:latin typeface="+mn-lt"/>
+                <a:ea typeface="+mn-ea"/>
+              </a:defRPr>
+            </a:lvl8pPr>
+            <a:lvl9pPr marL="3886200" indent="-228600" algn="l" rtl="0" fontAlgn="base">
+              <a:spcBef>
+                <a:spcPct val="20000"/>
+              </a:spcBef>
+              <a:spcAft>
+                <a:spcPct val="0"/>
+              </a:spcAft>
+              <a:buChar char="•"/>
+              <a:defRPr kumimoji="1">
+                <a:solidFill>
+                  <a:schemeClr val="tx1"/>
+                </a:solidFill>
+                <a:latin typeface="+mn-lt"/>
+                <a:ea typeface="+mn-ea"/>
+              </a:defRPr>
+            </a:lvl9pPr>
+          </a:lstStyle>
+          <a:p>
+            <a:pPr marL="514350" indent="-514350">
+              <a:lnSpc>
+                <a:spcPct val="150000"/>
+              </a:lnSpc>
+              <a:spcBef>
+                <a:spcPts val="0"/>
+              </a:spcBef>
+              <a:spcAft>
+                <a:spcPts val="0"/>
+              </a:spcAft>
+              <a:buClrTx/>
+              <a:buSzPct val="100000"/>
+              <a:buFont typeface="Wingdings" panose="05000000000000000000" pitchFamily="2" charset="2"/>
+              <a:buChar char="l"/>
+            </a:pPr>
+            <a:r>
+              <a:rPr lang="en-US" altLang="ja-JP" sz="3200" b="0" kern="0" dirty="0">
                 <a:latin typeface="メイリオ" panose="020B0604030504040204" pitchFamily="50" charset="-128"/>
               </a:rPr>
-              <a:t>インターン課題</a:t>
-            </a:r>
-            <a:endParaRPr kumimoji="1" lang="ja-JP" altLang="en-US"/>
+              <a:t>MVC</a:t>
+            </a:r>
+            <a:r>
+              <a:rPr lang="ja-JP" altLang="en-US" sz="3200" b="0" kern="0" dirty="0">
+                <a:latin typeface="メイリオ" panose="020B0604030504040204" pitchFamily="50" charset="-128"/>
+              </a:rPr>
+              <a:t>モデルによる</a:t>
+            </a:r>
+            <a:r>
+              <a:rPr lang="ja-JP" altLang="en-US" sz="3200" b="0" kern="0" dirty="0" smtClean="0">
+                <a:latin typeface="メイリオ" panose="020B0604030504040204" pitchFamily="50" charset="-128"/>
+              </a:rPr>
+              <a:t>開発</a:t>
+            </a:r>
+          </a:p>
+          <a:p>
+            <a:pPr marL="1257300" lvl="1" indent="-514350">
+              <a:lnSpc>
+                <a:spcPct val="150000"/>
+              </a:lnSpc>
+              <a:spcBef>
+                <a:spcPts val="0"/>
+              </a:spcBef>
+              <a:spcAft>
+                <a:spcPts val="0"/>
+              </a:spcAft>
+              <a:buSzPct val="100000"/>
+            </a:pPr>
+            <a:r>
+              <a:rPr lang="en-US" altLang="ja-JP" sz="2100" b="1" kern="0" dirty="0" smtClean="0">
+                <a:latin typeface="メイリオ" panose="020B0604030504040204" pitchFamily="50" charset="-128"/>
+              </a:rPr>
+              <a:t>Model</a:t>
+            </a:r>
+          </a:p>
+          <a:p>
+            <a:pPr marL="1257300" lvl="1" indent="-514350">
+              <a:lnSpc>
+                <a:spcPct val="150000"/>
+              </a:lnSpc>
+              <a:spcBef>
+                <a:spcPts val="0"/>
+              </a:spcBef>
+              <a:spcAft>
+                <a:spcPts val="0"/>
+              </a:spcAft>
+              <a:buSzPct val="100000"/>
+            </a:pPr>
+            <a:r>
+              <a:rPr lang="en-US" altLang="ja-JP" sz="2100" b="1" kern="0" dirty="0" smtClean="0">
+                <a:latin typeface="メイリオ" panose="020B0604030504040204" pitchFamily="50" charset="-128"/>
+              </a:rPr>
+              <a:t>View</a:t>
+            </a:r>
+          </a:p>
+          <a:p>
+            <a:pPr marL="1257300" lvl="1" indent="-514350">
+              <a:lnSpc>
+                <a:spcPct val="150000"/>
+              </a:lnSpc>
+              <a:spcBef>
+                <a:spcPts val="0"/>
+              </a:spcBef>
+              <a:spcAft>
+                <a:spcPts val="0"/>
+              </a:spcAft>
+              <a:buSzPct val="100000"/>
+            </a:pPr>
+            <a:r>
+              <a:rPr lang="en-US" altLang="ja-JP" sz="2100" b="1" kern="0" dirty="0" smtClean="0">
+                <a:latin typeface="メイリオ" panose="020B0604030504040204" pitchFamily="50" charset="-128"/>
+              </a:rPr>
+              <a:t>Controller</a:t>
+            </a:r>
           </a:p>
         </p:txBody>
       </p:sp>
       <p:sp>
         <p:nvSpPr>
-          <p:cNvPr id="4" name="スライド番号プレースホルダー 3"/>
+          <p:cNvPr id="51" name="スライド番号プレースホルダー 3"/>
           <p:cNvSpPr>
             <a:spLocks noGrp="1"/>
           </p:cNvSpPr>
@@ -33296,7 +33615,12 @@
             <p:ph type="sldNum" sz="quarter" idx="12"/>
           </p:nvPr>
         </p:nvSpPr>
-        <p:spPr/>
+        <p:spPr>
+          <a:xfrm>
+            <a:off x="7308850" y="6453188"/>
+            <a:ext cx="1619250" cy="268287"/>
+          </a:xfrm>
+        </p:spPr>
         <p:txBody>
           <a:bodyPr/>
           <a:lstStyle/>
@@ -33304,13 +33628,10 @@
             <a:pPr>
               <a:defRPr/>
             </a:pPr>
-            <a:fld id="{9AC805F4-A566-49CF-8153-CA8FBDEF5A6F}" type="slidenum">
+            <a:r>
               <a:rPr lang="en-US" altLang="ja-JP" smtClean="0"/>
-              <a:pPr>
-                <a:defRPr/>
-              </a:pPr>
-              <a:t>30</a:t>
-            </a:fld>
+              <a:t>17</a:t>
+            </a:r>
             <a:endParaRPr lang="en-US" altLang="ja-JP"/>
           </a:p>
         </p:txBody>
@@ -33318,7 +33639,7 @@
     </p:spTree>
     <p:extLst>
       <p:ext uri="{BB962C8B-B14F-4D97-AF65-F5344CB8AC3E}">
-        <p14:creationId xmlns:p14="http://schemas.microsoft.com/office/powerpoint/2010/main" val="3679611436"/>
+        <p14:creationId xmlns:p14="http://schemas.microsoft.com/office/powerpoint/2010/main" val="2361441937"/>
       </p:ext>
     </p:extLst>
   </p:cSld>
@@ -33354,7 +33675,7 @@
       </p:grpSpPr>
       <p:sp>
         <p:nvSpPr>
-          <p:cNvPr id="3" name="タイトル 2"/>
+          <p:cNvPr id="2" name="タイトル 1"/>
           <p:cNvSpPr>
             <a:spLocks noGrp="1"/>
           </p:cNvSpPr>
@@ -33368,17 +33689,33 @@
           <a:lstStyle/>
           <a:p>
             <a:r>
+              <a:rPr lang="ja-JP" altLang="en-US" smtClean="0"/>
+              <a:t>テスト</a:t>
+            </a:r>
+            <a:endParaRPr kumimoji="1" lang="ja-JP" altLang="en-US"/>
+          </a:p>
+        </p:txBody>
+      </p:sp>
+      <p:sp>
+        <p:nvSpPr>
+          <p:cNvPr id="3" name="テキスト プレースホルダー 2"/>
+          <p:cNvSpPr>
+            <a:spLocks noGrp="1"/>
+          </p:cNvSpPr>
+          <p:nvPr>
+            <p:ph type="body" idx="1"/>
+          </p:nvPr>
+        </p:nvSpPr>
+        <p:spPr/>
+        <p:txBody>
+          <a:bodyPr/>
+          <a:lstStyle/>
+          <a:p>
+            <a:r>
               <a:rPr lang="ja-JP" altLang="en-US" smtClean="0">
-                <a:effectLst>
-                  <a:outerShdw blurRad="38100" dist="38100" dir="2700000" algn="tl">
-                    <a:srgbClr val="000000">
-                      <a:alpha val="43137"/>
-                    </a:srgbClr>
-                  </a:outerShdw>
-                </a:effectLst>
                 <a:latin typeface="メイリオ" panose="020B0604030504040204" pitchFamily="50" charset="-128"/>
               </a:rPr>
-              <a:t>課題（仕様変更）</a:t>
+              <a:t>インターン課題</a:t>
             </a:r>
             <a:endParaRPr kumimoji="1" lang="ja-JP" altLang="en-US"/>
           </a:p>
@@ -33402,7 +33739,7 @@
             <a:pPr>
               <a:defRPr/>
             </a:pPr>
-            <a:fld id="{1E1B01DC-68D8-4ABC-BEC3-98AC666CD965}" type="slidenum">
+            <a:fld id="{9AC805F4-A566-49CF-8153-CA8FBDEF5A6F}" type="slidenum">
               <a:rPr lang="en-US" altLang="ja-JP" smtClean="0"/>
               <a:pPr>
                 <a:defRPr/>
@@ -33413,350 +33750,10 @@
           </a:p>
         </p:txBody>
       </p:sp>
-      <p:sp>
-        <p:nvSpPr>
-          <p:cNvPr id="6" name="コンテンツ プレースホルダー 3"/>
-          <p:cNvSpPr txBox="1">
-            <a:spLocks/>
-          </p:cNvSpPr>
-          <p:nvPr/>
-        </p:nvSpPr>
-        <p:spPr bwMode="gray">
-          <a:xfrm>
-            <a:off x="2123380" y="1125538"/>
-            <a:ext cx="6769100" cy="4968875"/>
-          </a:xfrm>
-          <a:prstGeom prst="rect">
-            <a:avLst/>
-          </a:prstGeom>
-          <a:noFill/>
-          <a:ln>
-            <a:noFill/>
-          </a:ln>
-          <a:effectLst/>
-          <a:extLst>
-            <a:ext uri="{909E8E84-426E-40DD-AFC4-6F175D3DCCD1}">
-              <a14:hiddenFill xmlns:a14="http://schemas.microsoft.com/office/drawing/2010/main">
-                <a:solidFill>
-                  <a:schemeClr val="accent1"/>
-                </a:solidFill>
-              </a14:hiddenFill>
-            </a:ext>
-            <a:ext uri="{91240B29-F687-4F45-9708-019B960494DF}">
-              <a14:hiddenLine xmlns:a14="http://schemas.microsoft.com/office/drawing/2010/main" w="9525">
-                <a:solidFill>
-                  <a:schemeClr val="tx1"/>
-                </a:solidFill>
-                <a:miter lim="800000"/>
-                <a:headEnd/>
-                <a:tailEnd/>
-              </a14:hiddenLine>
-            </a:ext>
-            <a:ext uri="{AF507438-7753-43E0-B8FC-AC1667EBCBE1}">
-              <a14:hiddenEffects xmlns:a14="http://schemas.microsoft.com/office/drawing/2010/main">
-                <a:effectLst>
-                  <a:outerShdw dist="35921" dir="2700000" algn="ctr" rotWithShape="0">
-                    <a:schemeClr val="bg2"/>
-                  </a:outerShdw>
-                </a:effectLst>
-              </a14:hiddenEffects>
-            </a:ext>
-          </a:extLst>
-        </p:spPr>
-        <p:txBody>
-          <a:bodyPr vert="horz" wrap="square" lIns="91440" tIns="45720" rIns="91440" bIns="45720" numCol="1" anchor="ctr" anchorCtr="0" compatLnSpc="1">
-            <a:prstTxWarp prst="textNoShape">
-              <a:avLst/>
-            </a:prstTxWarp>
-          </a:bodyPr>
-          <a:lstStyle>
-            <a:lvl1pPr marL="0" indent="0" algn="l" defTabSz="576000" rtl="0" eaLnBrk="0" fontAlgn="base" hangingPunct="0">
-              <a:spcBef>
-                <a:spcPts val="1200"/>
-              </a:spcBef>
-              <a:spcAft>
-                <a:spcPct val="0"/>
-              </a:spcAft>
-              <a:buClr>
-                <a:schemeClr val="accent2"/>
-              </a:buClr>
-              <a:buSzPct val="50000"/>
-              <a:buFontTx/>
-              <a:buNone/>
-              <a:defRPr kumimoji="1" sz="2800" b="1">
-                <a:solidFill>
-                  <a:schemeClr val="tx1">
-                    <a:lumMod val="75000"/>
-                    <a:lumOff val="25000"/>
-                  </a:schemeClr>
-                </a:solidFill>
-                <a:latin typeface="+mn-lt"/>
-                <a:ea typeface="+mn-ea"/>
-                <a:cs typeface="メイリオ" panose="020B0604030504040204" pitchFamily="50" charset="-128"/>
-              </a:defRPr>
-            </a:lvl1pPr>
-            <a:lvl2pPr marL="742950" indent="-285750" algn="l" defTabSz="576000" rtl="0" eaLnBrk="0" fontAlgn="base" hangingPunct="0">
-              <a:spcBef>
-                <a:spcPts val="1800"/>
-              </a:spcBef>
-              <a:spcAft>
-                <a:spcPct val="0"/>
-              </a:spcAft>
-              <a:buFont typeface="Wingdings" panose="05000000000000000000" pitchFamily="2" charset="2"/>
-              <a:buChar char="l"/>
-              <a:defRPr kumimoji="1" sz="2000" b="0">
-                <a:solidFill>
-                  <a:schemeClr val="tx1">
-                    <a:lumMod val="75000"/>
-                    <a:lumOff val="25000"/>
-                  </a:schemeClr>
-                </a:solidFill>
-                <a:latin typeface="+mn-lt"/>
-                <a:ea typeface="+mn-ea"/>
-                <a:cs typeface="メイリオ" panose="020B0604030504040204" pitchFamily="50" charset="-128"/>
-              </a:defRPr>
-            </a:lvl2pPr>
-            <a:lvl3pPr marL="1143000" indent="-228600" algn="l" defTabSz="576000" rtl="0" eaLnBrk="0" fontAlgn="base" hangingPunct="0">
-              <a:spcBef>
-                <a:spcPts val="1200"/>
-              </a:spcBef>
-              <a:spcAft>
-                <a:spcPct val="0"/>
-              </a:spcAft>
-              <a:buClr>
-                <a:schemeClr val="tx1">
-                  <a:lumMod val="75000"/>
-                  <a:lumOff val="25000"/>
-                </a:schemeClr>
-              </a:buClr>
-              <a:buSzPct val="60000"/>
-              <a:buFont typeface="Wingdings" panose="05000000000000000000" pitchFamily="2" charset="2"/>
-              <a:buChar char="n"/>
-              <a:defRPr kumimoji="1">
-                <a:solidFill>
-                  <a:schemeClr val="tx1">
-                    <a:lumMod val="75000"/>
-                    <a:lumOff val="25000"/>
-                  </a:schemeClr>
-                </a:solidFill>
-                <a:latin typeface="+mn-lt"/>
-                <a:ea typeface="+mn-ea"/>
-                <a:cs typeface="メイリオ" panose="020B0604030504040204" pitchFamily="50" charset="-128"/>
-              </a:defRPr>
-            </a:lvl3pPr>
-            <a:lvl4pPr marL="1600200" indent="-228600" algn="l" defTabSz="576000" rtl="0" eaLnBrk="0" fontAlgn="base" hangingPunct="0">
-              <a:spcBef>
-                <a:spcPts val="1200"/>
-              </a:spcBef>
-              <a:spcAft>
-                <a:spcPct val="0"/>
-              </a:spcAft>
-              <a:buChar char="–"/>
-              <a:defRPr kumimoji="1">
-                <a:solidFill>
-                  <a:schemeClr val="tx1">
-                    <a:lumMod val="75000"/>
-                    <a:lumOff val="25000"/>
-                  </a:schemeClr>
-                </a:solidFill>
-                <a:latin typeface="+mn-lt"/>
-                <a:ea typeface="+mn-ea"/>
-                <a:cs typeface="メイリオ" panose="020B0604030504040204" pitchFamily="50" charset="-128"/>
-              </a:defRPr>
-            </a:lvl4pPr>
-            <a:lvl5pPr marL="2057400" indent="-228600" algn="l" defTabSz="576000" rtl="0" eaLnBrk="0" fontAlgn="base" hangingPunct="0">
-              <a:spcBef>
-                <a:spcPts val="1200"/>
-              </a:spcBef>
-              <a:spcAft>
-                <a:spcPct val="0"/>
-              </a:spcAft>
-              <a:buChar char="•"/>
-              <a:defRPr kumimoji="1">
-                <a:solidFill>
-                  <a:schemeClr val="tx1">
-                    <a:lumMod val="75000"/>
-                    <a:lumOff val="25000"/>
-                  </a:schemeClr>
-                </a:solidFill>
-                <a:latin typeface="+mn-lt"/>
-                <a:ea typeface="+mn-ea"/>
-                <a:cs typeface="メイリオ" panose="020B0604030504040204" pitchFamily="50" charset="-128"/>
-              </a:defRPr>
-            </a:lvl5pPr>
-            <a:lvl6pPr marL="2514600" indent="-228600" algn="l" rtl="0" fontAlgn="base">
-              <a:spcBef>
-                <a:spcPct val="20000"/>
-              </a:spcBef>
-              <a:spcAft>
-                <a:spcPct val="0"/>
-              </a:spcAft>
-              <a:buChar char="•"/>
-              <a:defRPr kumimoji="1">
-                <a:solidFill>
-                  <a:schemeClr val="tx1"/>
-                </a:solidFill>
-                <a:latin typeface="+mn-lt"/>
-                <a:ea typeface="+mn-ea"/>
-              </a:defRPr>
-            </a:lvl6pPr>
-            <a:lvl7pPr marL="2971800" indent="-228600" algn="l" rtl="0" fontAlgn="base">
-              <a:spcBef>
-                <a:spcPct val="20000"/>
-              </a:spcBef>
-              <a:spcAft>
-                <a:spcPct val="0"/>
-              </a:spcAft>
-              <a:buChar char="•"/>
-              <a:defRPr kumimoji="1">
-                <a:solidFill>
-                  <a:schemeClr val="tx1"/>
-                </a:solidFill>
-                <a:latin typeface="+mn-lt"/>
-                <a:ea typeface="+mn-ea"/>
-              </a:defRPr>
-            </a:lvl7pPr>
-            <a:lvl8pPr marL="3429000" indent="-228600" algn="l" rtl="0" fontAlgn="base">
-              <a:spcBef>
-                <a:spcPct val="20000"/>
-              </a:spcBef>
-              <a:spcAft>
-                <a:spcPct val="0"/>
-              </a:spcAft>
-              <a:buChar char="•"/>
-              <a:defRPr kumimoji="1">
-                <a:solidFill>
-                  <a:schemeClr val="tx1"/>
-                </a:solidFill>
-                <a:latin typeface="+mn-lt"/>
-                <a:ea typeface="+mn-ea"/>
-              </a:defRPr>
-            </a:lvl8pPr>
-            <a:lvl9pPr marL="3886200" indent="-228600" algn="l" rtl="0" fontAlgn="base">
-              <a:spcBef>
-                <a:spcPct val="20000"/>
-              </a:spcBef>
-              <a:spcAft>
-                <a:spcPct val="0"/>
-              </a:spcAft>
-              <a:buChar char="•"/>
-              <a:defRPr kumimoji="1">
-                <a:solidFill>
-                  <a:schemeClr val="tx1"/>
-                </a:solidFill>
-                <a:latin typeface="+mn-lt"/>
-                <a:ea typeface="+mn-ea"/>
-              </a:defRPr>
-            </a:lvl9pPr>
-          </a:lstStyle>
-          <a:p>
-            <a:pPr>
-              <a:buClrTx/>
-              <a:buSzPct val="100000"/>
-            </a:pPr>
-            <a:r>
-              <a:rPr lang="en-US" altLang="ja-JP" sz="3200" b="0" kern="0" smtClean="0">
-                <a:latin typeface="メイリオ" panose="020B0604030504040204" pitchFamily="50" charset="-128"/>
-              </a:rPr>
-              <a:t>【</a:t>
-            </a:r>
-            <a:r>
-              <a:rPr lang="ja-JP" altLang="en-US" sz="3200" b="0" kern="0" smtClean="0">
-                <a:latin typeface="メイリオ" panose="020B0604030504040204" pitchFamily="50" charset="-128"/>
-              </a:rPr>
-              <a:t>課題（仕様変更）</a:t>
-            </a:r>
-            <a:r>
-              <a:rPr lang="en-US" altLang="ja-JP" sz="3200" b="0" kern="0" smtClean="0">
-                <a:latin typeface="メイリオ" panose="020B0604030504040204" pitchFamily="50" charset="-128"/>
-              </a:rPr>
-              <a:t>】</a:t>
-            </a:r>
-            <a:endParaRPr lang="en-US" altLang="ja-JP" sz="1000" b="0" kern="0" smtClean="0">
-              <a:latin typeface="メイリオ" panose="020B0604030504040204" pitchFamily="50" charset="-128"/>
-            </a:endParaRPr>
-          </a:p>
-          <a:p>
-            <a:pPr lvl="1" indent="0">
-              <a:buSzPct val="100000"/>
-              <a:buNone/>
-            </a:pPr>
-            <a:r>
-              <a:rPr lang="ja-JP" altLang="en-US" sz="2400" kern="0" smtClean="0">
-                <a:latin typeface="メイリオ" panose="020B0604030504040204" pitchFamily="50" charset="-128"/>
-              </a:rPr>
-              <a:t>仕様変更で従来の無料会員に追加して、</a:t>
-            </a:r>
-            <a:r>
-              <a:rPr lang="en-US" altLang="ja-JP" sz="2400" kern="0">
-                <a:latin typeface="メイリオ" panose="020B0604030504040204" pitchFamily="50" charset="-128"/>
-              </a:rPr>
-              <a:t/>
-            </a:r>
-            <a:br>
-              <a:rPr lang="en-US" altLang="ja-JP" sz="2400" kern="0">
-                <a:latin typeface="メイリオ" panose="020B0604030504040204" pitchFamily="50" charset="-128"/>
-              </a:rPr>
-            </a:br>
-            <a:r>
-              <a:rPr lang="ja-JP" altLang="en-US" sz="2400" kern="0" smtClean="0">
-                <a:latin typeface="メイリオ" panose="020B0604030504040204" pitchFamily="50" charset="-128"/>
-              </a:rPr>
-              <a:t>有料会員の登録区分が追加された。</a:t>
-            </a:r>
-            <a:r>
-              <a:rPr lang="en-US" altLang="ja-JP" sz="2400" kern="0" smtClean="0">
-                <a:latin typeface="メイリオ" panose="020B0604030504040204" pitchFamily="50" charset="-128"/>
-              </a:rPr>
-              <a:t/>
-            </a:r>
-            <a:br>
-              <a:rPr lang="en-US" altLang="ja-JP" sz="2400" kern="0" smtClean="0">
-                <a:latin typeface="メイリオ" panose="020B0604030504040204" pitchFamily="50" charset="-128"/>
-              </a:rPr>
-            </a:br>
-            <a:endParaRPr lang="en-US" altLang="ja-JP" sz="2400" kern="0" smtClean="0">
-              <a:latin typeface="メイリオ" panose="020B0604030504040204" pitchFamily="50" charset="-128"/>
-            </a:endParaRPr>
-          </a:p>
-          <a:p>
-            <a:pPr lvl="1" indent="0">
-              <a:buSzPct val="100000"/>
-              <a:buNone/>
-            </a:pPr>
-            <a:r>
-              <a:rPr lang="ja-JP" altLang="en-US" sz="2400" kern="0" smtClean="0">
-                <a:latin typeface="メイリオ" panose="020B0604030504040204" pitchFamily="50" charset="-128"/>
-              </a:rPr>
-              <a:t>新たに追加する有料会員の清算は</a:t>
-            </a:r>
-            <a:r>
-              <a:rPr lang="en-US" altLang="ja-JP" sz="2400" kern="0">
-                <a:latin typeface="メイリオ" panose="020B0604030504040204" pitchFamily="50" charset="-128"/>
-              </a:rPr>
-              <a:t/>
-            </a:r>
-            <a:br>
-              <a:rPr lang="en-US" altLang="ja-JP" sz="2400" kern="0">
-                <a:latin typeface="メイリオ" panose="020B0604030504040204" pitchFamily="50" charset="-128"/>
-              </a:rPr>
-            </a:br>
-            <a:r>
-              <a:rPr lang="ja-JP" altLang="en-US" sz="2400" kern="0" smtClean="0">
-                <a:latin typeface="メイリオ" panose="020B0604030504040204" pitchFamily="50" charset="-128"/>
-              </a:rPr>
-              <a:t>次のスライドの内容とする。</a:t>
-            </a:r>
-            <a:endParaRPr lang="en-US" altLang="ja-JP" sz="2400" kern="0" smtClean="0">
-              <a:latin typeface="メイリオ" panose="020B0604030504040204" pitchFamily="50" charset="-128"/>
-            </a:endParaRPr>
-          </a:p>
-        </p:txBody>
-      </p:sp>
     </p:spTree>
     <p:extLst>
       <p:ext uri="{BB962C8B-B14F-4D97-AF65-F5344CB8AC3E}">
-        <p14:creationId xmlns:p14="http://schemas.microsoft.com/office/powerpoint/2010/main" val="2253313503"/>
+        <p14:creationId xmlns:p14="http://schemas.microsoft.com/office/powerpoint/2010/main" val="4135276054"/>
       </p:ext>
     </p:extLst>
   </p:cSld>
@@ -33792,7 +33789,7 @@
       </p:grpSpPr>
       <p:sp>
         <p:nvSpPr>
-          <p:cNvPr id="3" name="タイトル 2"/>
+          <p:cNvPr id="2" name="タイトル 1"/>
           <p:cNvSpPr>
             <a:spLocks noGrp="1"/>
           </p:cNvSpPr>
@@ -33806,30 +33803,8 @@
           <a:lstStyle/>
           <a:p>
             <a:r>
-              <a:rPr lang="en-US" altLang="ja-JP">
-                <a:effectLst>
-                  <a:outerShdw blurRad="38100" dist="38100" dir="2700000" algn="tl">
-                    <a:srgbClr val="000000">
-                      <a:alpha val="43137"/>
-                    </a:srgbClr>
-                  </a:outerShdw>
-                </a:effectLst>
-                <a:latin typeface="メイリオ" panose="020B0604030504040204" pitchFamily="50" charset="-128"/>
-              </a:rPr>
-              <a:t>Ⅰ</a:t>
-            </a:r>
-            <a:r>
-              <a:rPr lang="ja-JP" altLang="en-US" smtClean="0">
-                <a:effectLst>
-                  <a:outerShdw blurRad="38100" dist="38100" dir="2700000" algn="tl">
-                    <a:srgbClr val="000000">
-                      <a:alpha val="43137"/>
-                    </a:srgbClr>
-                  </a:outerShdw>
-                </a:effectLst>
-                <a:latin typeface="メイリオ" panose="020B0604030504040204" pitchFamily="50" charset="-128"/>
-              </a:rPr>
-              <a:t>．要件定義</a:t>
+              <a:rPr kumimoji="1" lang="ja-JP" altLang="en-US" smtClean="0"/>
+              <a:t>実装（プログラミング）</a:t>
             </a:r>
             <a:endParaRPr kumimoji="1" lang="ja-JP" altLang="en-US"/>
           </a:p>
@@ -33837,481 +33812,62 @@
       </p:sp>
       <p:sp>
         <p:nvSpPr>
-          <p:cNvPr id="7" name="コンテンツ プレースホルダー 3"/>
-          <p:cNvSpPr txBox="1">
-            <a:spLocks/>
+          <p:cNvPr id="3" name="テキスト プレースホルダー 2"/>
+          <p:cNvSpPr>
+            <a:spLocks noGrp="1"/>
           </p:cNvSpPr>
-          <p:nvPr/>
+          <p:nvPr>
+            <p:ph type="body" idx="1"/>
+          </p:nvPr>
         </p:nvSpPr>
-        <p:spPr bwMode="gray">
-          <a:xfrm>
-            <a:off x="2123380" y="1125539"/>
-            <a:ext cx="6769100" cy="5732461"/>
-          </a:xfrm>
-          <a:prstGeom prst="rect">
-            <a:avLst/>
-          </a:prstGeom>
-          <a:noFill/>
-          <a:ln>
-            <a:noFill/>
-          </a:ln>
-          <a:effectLst/>
-          <a:extLst>
-            <a:ext uri="{909E8E84-426E-40DD-AFC4-6F175D3DCCD1}">
-              <a14:hiddenFill xmlns:a14="http://schemas.microsoft.com/office/drawing/2010/main">
-                <a:solidFill>
-                  <a:schemeClr val="accent1"/>
-                </a:solidFill>
-              </a14:hiddenFill>
-            </a:ext>
-            <a:ext uri="{91240B29-F687-4F45-9708-019B960494DF}">
-              <a14:hiddenLine xmlns:a14="http://schemas.microsoft.com/office/drawing/2010/main" w="9525">
-                <a:solidFill>
-                  <a:schemeClr val="tx1"/>
-                </a:solidFill>
-                <a:miter lim="800000"/>
-                <a:headEnd/>
-                <a:tailEnd/>
-              </a14:hiddenLine>
-            </a:ext>
-            <a:ext uri="{AF507438-7753-43E0-B8FC-AC1667EBCBE1}">
-              <a14:hiddenEffects xmlns:a14="http://schemas.microsoft.com/office/drawing/2010/main">
-                <a:effectLst>
-                  <a:outerShdw dist="35921" dir="2700000" algn="ctr" rotWithShape="0">
-                    <a:schemeClr val="bg2"/>
-                  </a:outerShdw>
-                </a:effectLst>
-              </a14:hiddenEffects>
-            </a:ext>
-          </a:extLst>
-        </p:spPr>
+        <p:spPr/>
         <p:txBody>
-          <a:bodyPr vert="horz" wrap="square" lIns="91440" tIns="45720" rIns="91440" bIns="45720" numCol="1" anchor="t" anchorCtr="0" compatLnSpc="1">
-            <a:prstTxWarp prst="textNoShape">
-              <a:avLst/>
-            </a:prstTxWarp>
-          </a:bodyPr>
-          <a:lstStyle>
-            <a:lvl1pPr marL="0" indent="0" algn="l" defTabSz="576000" rtl="0" eaLnBrk="0" fontAlgn="base" hangingPunct="0">
-              <a:spcBef>
-                <a:spcPts val="1200"/>
-              </a:spcBef>
-              <a:spcAft>
-                <a:spcPct val="0"/>
-              </a:spcAft>
-              <a:buClr>
-                <a:schemeClr val="accent2"/>
-              </a:buClr>
-              <a:buSzPct val="50000"/>
-              <a:buFontTx/>
-              <a:buNone/>
-              <a:defRPr kumimoji="1" sz="2800" b="1">
-                <a:solidFill>
-                  <a:schemeClr val="tx1">
-                    <a:lumMod val="75000"/>
-                    <a:lumOff val="25000"/>
-                  </a:schemeClr>
-                </a:solidFill>
-                <a:latin typeface="+mn-lt"/>
-                <a:ea typeface="+mn-ea"/>
-                <a:cs typeface="メイリオ" panose="020B0604030504040204" pitchFamily="50" charset="-128"/>
-              </a:defRPr>
-            </a:lvl1pPr>
-            <a:lvl2pPr marL="742950" indent="-285750" algn="l" defTabSz="576000" rtl="0" eaLnBrk="0" fontAlgn="base" hangingPunct="0">
-              <a:spcBef>
-                <a:spcPts val="1800"/>
-              </a:spcBef>
-              <a:spcAft>
-                <a:spcPct val="0"/>
-              </a:spcAft>
-              <a:buFont typeface="Wingdings" panose="05000000000000000000" pitchFamily="2" charset="2"/>
-              <a:buChar char="l"/>
-              <a:defRPr kumimoji="1" sz="2000" b="0">
-                <a:solidFill>
-                  <a:schemeClr val="tx1">
-                    <a:lumMod val="75000"/>
-                    <a:lumOff val="25000"/>
-                  </a:schemeClr>
-                </a:solidFill>
-                <a:latin typeface="+mn-lt"/>
-                <a:ea typeface="+mn-ea"/>
-                <a:cs typeface="メイリオ" panose="020B0604030504040204" pitchFamily="50" charset="-128"/>
-              </a:defRPr>
-            </a:lvl2pPr>
-            <a:lvl3pPr marL="1143000" indent="-228600" algn="l" defTabSz="576000" rtl="0" eaLnBrk="0" fontAlgn="base" hangingPunct="0">
-              <a:spcBef>
-                <a:spcPts val="1200"/>
-              </a:spcBef>
-              <a:spcAft>
-                <a:spcPct val="0"/>
-              </a:spcAft>
-              <a:buClr>
-                <a:schemeClr val="tx1">
-                  <a:lumMod val="75000"/>
-                  <a:lumOff val="25000"/>
-                </a:schemeClr>
-              </a:buClr>
-              <a:buSzPct val="60000"/>
-              <a:buFont typeface="Wingdings" panose="05000000000000000000" pitchFamily="2" charset="2"/>
-              <a:buChar char="n"/>
-              <a:defRPr kumimoji="1">
-                <a:solidFill>
-                  <a:schemeClr val="tx1">
-                    <a:lumMod val="75000"/>
-                    <a:lumOff val="25000"/>
-                  </a:schemeClr>
-                </a:solidFill>
-                <a:latin typeface="+mn-lt"/>
-                <a:ea typeface="+mn-ea"/>
-                <a:cs typeface="メイリオ" panose="020B0604030504040204" pitchFamily="50" charset="-128"/>
-              </a:defRPr>
-            </a:lvl3pPr>
-            <a:lvl4pPr marL="1600200" indent="-228600" algn="l" defTabSz="576000" rtl="0" eaLnBrk="0" fontAlgn="base" hangingPunct="0">
-              <a:spcBef>
-                <a:spcPts val="1200"/>
-              </a:spcBef>
-              <a:spcAft>
-                <a:spcPct val="0"/>
-              </a:spcAft>
-              <a:buChar char="–"/>
-              <a:defRPr kumimoji="1">
-                <a:solidFill>
-                  <a:schemeClr val="tx1">
-                    <a:lumMod val="75000"/>
-                    <a:lumOff val="25000"/>
-                  </a:schemeClr>
-                </a:solidFill>
-                <a:latin typeface="+mn-lt"/>
-                <a:ea typeface="+mn-ea"/>
-                <a:cs typeface="メイリオ" panose="020B0604030504040204" pitchFamily="50" charset="-128"/>
-              </a:defRPr>
-            </a:lvl4pPr>
-            <a:lvl5pPr marL="2057400" indent="-228600" algn="l" defTabSz="576000" rtl="0" eaLnBrk="0" fontAlgn="base" hangingPunct="0">
-              <a:spcBef>
-                <a:spcPts val="1200"/>
-              </a:spcBef>
-              <a:spcAft>
-                <a:spcPct val="0"/>
-              </a:spcAft>
-              <a:buChar char="•"/>
-              <a:defRPr kumimoji="1">
-                <a:solidFill>
-                  <a:schemeClr val="tx1">
-                    <a:lumMod val="75000"/>
-                    <a:lumOff val="25000"/>
-                  </a:schemeClr>
-                </a:solidFill>
-                <a:latin typeface="+mn-lt"/>
-                <a:ea typeface="+mn-ea"/>
-                <a:cs typeface="メイリオ" panose="020B0604030504040204" pitchFamily="50" charset="-128"/>
-              </a:defRPr>
-            </a:lvl5pPr>
-            <a:lvl6pPr marL="2514600" indent="-228600" algn="l" rtl="0" fontAlgn="base">
-              <a:spcBef>
-                <a:spcPct val="20000"/>
-              </a:spcBef>
-              <a:spcAft>
-                <a:spcPct val="0"/>
-              </a:spcAft>
-              <a:buChar char="•"/>
-              <a:defRPr kumimoji="1">
-                <a:solidFill>
-                  <a:schemeClr val="tx1"/>
-                </a:solidFill>
-                <a:latin typeface="+mn-lt"/>
-                <a:ea typeface="+mn-ea"/>
-              </a:defRPr>
-            </a:lvl6pPr>
-            <a:lvl7pPr marL="2971800" indent="-228600" algn="l" rtl="0" fontAlgn="base">
-              <a:spcBef>
-                <a:spcPct val="20000"/>
-              </a:spcBef>
-              <a:spcAft>
-                <a:spcPct val="0"/>
-              </a:spcAft>
-              <a:buChar char="•"/>
-              <a:defRPr kumimoji="1">
-                <a:solidFill>
-                  <a:schemeClr val="tx1"/>
-                </a:solidFill>
-                <a:latin typeface="+mn-lt"/>
-                <a:ea typeface="+mn-ea"/>
-              </a:defRPr>
-            </a:lvl7pPr>
-            <a:lvl8pPr marL="3429000" indent="-228600" algn="l" rtl="0" fontAlgn="base">
-              <a:spcBef>
-                <a:spcPct val="20000"/>
-              </a:spcBef>
-              <a:spcAft>
-                <a:spcPct val="0"/>
-              </a:spcAft>
-              <a:buChar char="•"/>
-              <a:defRPr kumimoji="1">
-                <a:solidFill>
-                  <a:schemeClr val="tx1"/>
-                </a:solidFill>
-                <a:latin typeface="+mn-lt"/>
-                <a:ea typeface="+mn-ea"/>
-              </a:defRPr>
-            </a:lvl8pPr>
-            <a:lvl9pPr marL="3886200" indent="-228600" algn="l" rtl="0" fontAlgn="base">
-              <a:spcBef>
-                <a:spcPct val="20000"/>
-              </a:spcBef>
-              <a:spcAft>
-                <a:spcPct val="0"/>
-              </a:spcAft>
-              <a:buChar char="•"/>
-              <a:defRPr kumimoji="1">
-                <a:solidFill>
-                  <a:schemeClr val="tx1"/>
-                </a:solidFill>
-                <a:latin typeface="+mn-lt"/>
-                <a:ea typeface="+mn-ea"/>
-              </a:defRPr>
-            </a:lvl9pPr>
-          </a:lstStyle>
-          <a:p>
-            <a:pPr marL="514350" indent="-514350">
-              <a:lnSpc>
-                <a:spcPct val="150000"/>
-              </a:lnSpc>
-              <a:spcBef>
-                <a:spcPts val="0"/>
-              </a:spcBef>
-              <a:spcAft>
-                <a:spcPts val="0"/>
-              </a:spcAft>
-              <a:buClrTx/>
-              <a:buSzPct val="100000"/>
-              <a:buFont typeface="Wingdings" panose="05000000000000000000" pitchFamily="2" charset="2"/>
-              <a:buChar char="l"/>
+          <a:bodyPr/>
+          <a:lstStyle/>
+          <a:p>
+            <a:r>
+              <a:rPr lang="ja-JP" altLang="en-US" smtClean="0">
+                <a:latin typeface="メイリオ" panose="020B0604030504040204" pitchFamily="50" charset="-128"/>
+              </a:rPr>
+              <a:t>インターン課題</a:t>
+            </a:r>
+            <a:endParaRPr kumimoji="1" lang="ja-JP" altLang="en-US"/>
+          </a:p>
+        </p:txBody>
+      </p:sp>
+      <p:sp>
+        <p:nvSpPr>
+          <p:cNvPr id="4" name="スライド番号プレースホルダー 3"/>
+          <p:cNvSpPr>
+            <a:spLocks noGrp="1"/>
+          </p:cNvSpPr>
+          <p:nvPr>
+            <p:ph type="sldNum" sz="quarter" idx="12"/>
+          </p:nvPr>
+        </p:nvSpPr>
+        <p:spPr/>
+        <p:txBody>
+          <a:bodyPr/>
+          <a:lstStyle/>
+          <a:p>
+            <a:pPr>
+              <a:defRPr/>
             </a:pPr>
-            <a:r>
-              <a:rPr lang="ja-JP" altLang="en-US" sz="3200" b="0" kern="0" smtClean="0">
-                <a:latin typeface="メイリオ" panose="020B0604030504040204" pitchFamily="50" charset="-128"/>
-              </a:rPr>
-              <a:t>有料会員の清算の条件</a:t>
-            </a:r>
-            <a:endParaRPr lang="en-US" altLang="ja-JP" sz="3200" b="0" kern="0" smtClean="0">
-              <a:latin typeface="メイリオ" panose="020B0604030504040204" pitchFamily="50" charset="-128"/>
-            </a:endParaRPr>
-          </a:p>
-          <a:p>
-            <a:pPr marL="1257300" lvl="1" indent="-514350">
-              <a:lnSpc>
-                <a:spcPct val="150000"/>
-              </a:lnSpc>
-              <a:spcBef>
-                <a:spcPts val="0"/>
-              </a:spcBef>
-              <a:spcAft>
-                <a:spcPts val="0"/>
-              </a:spcAft>
-              <a:buSzPct val="100000"/>
-            </a:pPr>
-            <a:r>
-              <a:rPr lang="ja-JP" altLang="en-US" sz="2100" b="1" kern="0" smtClean="0">
-                <a:latin typeface="メイリオ" panose="020B0604030504040204" pitchFamily="50" charset="-128"/>
-              </a:rPr>
-              <a:t>消費税は</a:t>
-            </a:r>
-            <a:r>
-              <a:rPr lang="en-US" altLang="ja-JP" sz="2100" b="1" kern="0" smtClean="0">
-                <a:latin typeface="メイリオ" panose="020B0604030504040204" pitchFamily="50" charset="-128"/>
-              </a:rPr>
-              <a:t>8%</a:t>
-            </a:r>
-          </a:p>
-          <a:p>
-            <a:pPr marL="1257300" lvl="1" indent="-514350">
-              <a:lnSpc>
-                <a:spcPct val="150000"/>
-              </a:lnSpc>
-              <a:spcBef>
-                <a:spcPts val="0"/>
-              </a:spcBef>
-              <a:spcAft>
-                <a:spcPts val="0"/>
-              </a:spcAft>
-              <a:buSzPct val="100000"/>
-            </a:pPr>
-            <a:r>
-              <a:rPr lang="ja-JP" altLang="en-US" sz="2100" b="1" kern="0" smtClean="0">
-                <a:latin typeface="メイリオ" panose="020B0604030504040204" pitchFamily="50" charset="-128"/>
-              </a:rPr>
-              <a:t>送料は常時無料。</a:t>
-            </a:r>
-            <a:endParaRPr lang="en-US" altLang="ja-JP" sz="2100" b="1" kern="0" smtClean="0">
-              <a:latin typeface="メイリオ" panose="020B0604030504040204" pitchFamily="50" charset="-128"/>
-            </a:endParaRPr>
-          </a:p>
-          <a:p>
-            <a:pPr marL="1257300" lvl="1" indent="-514350">
-              <a:lnSpc>
-                <a:spcPct val="150000"/>
-              </a:lnSpc>
-              <a:spcBef>
-                <a:spcPts val="0"/>
-              </a:spcBef>
-              <a:spcAft>
-                <a:spcPts val="0"/>
-              </a:spcAft>
-              <a:buSzPct val="100000"/>
-            </a:pPr>
-            <a:r>
-              <a:rPr lang="ja-JP" altLang="en-US" sz="2100" b="1" kern="0" smtClean="0">
-                <a:latin typeface="メイリオ" panose="020B0604030504040204" pitchFamily="50" charset="-128"/>
-              </a:rPr>
-              <a:t>税抜合計の</a:t>
-            </a:r>
-            <a:r>
-              <a:rPr lang="en-US" altLang="ja-JP" sz="2100" b="1" kern="0" smtClean="0">
-                <a:latin typeface="メイリオ" panose="020B0604030504040204" pitchFamily="50" charset="-128"/>
-              </a:rPr>
-              <a:t>100</a:t>
-            </a:r>
-            <a:r>
-              <a:rPr lang="ja-JP" altLang="en-US" sz="2100" b="1" kern="0" smtClean="0">
-                <a:latin typeface="メイリオ" panose="020B0604030504040204" pitchFamily="50" charset="-128"/>
-              </a:rPr>
-              <a:t>円毎にポイントが</a:t>
-            </a:r>
-            <a:r>
-              <a:rPr lang="en-US" altLang="ja-JP" sz="2100" b="1" kern="0" smtClean="0">
-                <a:latin typeface="メイリオ" panose="020B0604030504040204" pitchFamily="50" charset="-128"/>
-              </a:rPr>
-              <a:t/>
-            </a:r>
-            <a:br>
-              <a:rPr lang="en-US" altLang="ja-JP" sz="2100" b="1" kern="0" smtClean="0">
-                <a:latin typeface="メイリオ" panose="020B0604030504040204" pitchFamily="50" charset="-128"/>
-              </a:rPr>
-            </a:br>
-            <a:r>
-              <a:rPr lang="en-US" altLang="ja-JP" sz="2100" b="1" kern="0" smtClean="0">
-                <a:latin typeface="メイリオ" panose="020B0604030504040204" pitchFamily="50" charset="-128"/>
-              </a:rPr>
-              <a:t>2</a:t>
-            </a:r>
-            <a:r>
-              <a:rPr lang="ja-JP" altLang="en-US" sz="2100" b="1" kern="0" smtClean="0">
-                <a:latin typeface="メイリオ" panose="020B0604030504040204" pitchFamily="50" charset="-128"/>
-              </a:rPr>
-              <a:t>ポイントずつ貯まる。</a:t>
-            </a:r>
-            <a:endParaRPr lang="en-US" altLang="ja-JP" sz="2100" b="1" kern="0" smtClean="0">
-              <a:latin typeface="メイリオ" panose="020B0604030504040204" pitchFamily="50" charset="-128"/>
-            </a:endParaRPr>
-          </a:p>
-          <a:p>
-            <a:pPr marL="1257300" lvl="1" indent="-514350">
-              <a:lnSpc>
-                <a:spcPct val="150000"/>
-              </a:lnSpc>
-              <a:spcBef>
-                <a:spcPts val="0"/>
-              </a:spcBef>
-              <a:spcAft>
-                <a:spcPts val="0"/>
-              </a:spcAft>
-              <a:buSzPct val="100000"/>
-            </a:pPr>
-            <a:r>
-              <a:rPr lang="ja-JP" altLang="en-US" sz="2100" b="1" kern="0" smtClean="0">
-                <a:latin typeface="メイリオ" panose="020B0604030504040204" pitchFamily="50" charset="-128"/>
-              </a:rPr>
-              <a:t>ポイントは</a:t>
-            </a:r>
-            <a:r>
-              <a:rPr lang="en-US" altLang="ja-JP" sz="2100" b="1" kern="0" smtClean="0">
-                <a:latin typeface="メイリオ" panose="020B0604030504040204" pitchFamily="50" charset="-128"/>
-              </a:rPr>
-              <a:t>1000</a:t>
-            </a:r>
-            <a:r>
-              <a:rPr lang="ja-JP" altLang="en-US" sz="2100" b="1" kern="0" smtClean="0">
-                <a:latin typeface="メイリオ" panose="020B0604030504040204" pitchFamily="50" charset="-128"/>
-              </a:rPr>
-              <a:t>ポイントで</a:t>
-            </a:r>
-            <a:r>
-              <a:rPr lang="en-US" altLang="ja-JP" sz="2100" b="1" kern="0" smtClean="0">
-                <a:latin typeface="メイリオ" panose="020B0604030504040204" pitchFamily="50" charset="-128"/>
-              </a:rPr>
-              <a:t>1000</a:t>
-            </a:r>
-            <a:r>
-              <a:rPr lang="ja-JP" altLang="en-US" sz="2100" b="1" kern="0" smtClean="0">
-                <a:latin typeface="メイリオ" panose="020B0604030504040204" pitchFamily="50" charset="-128"/>
-              </a:rPr>
-              <a:t>円分の</a:t>
-            </a:r>
-            <a:r>
-              <a:rPr lang="en-US" altLang="ja-JP" sz="2100" b="1" kern="0" smtClean="0">
-                <a:latin typeface="メイリオ" panose="020B0604030504040204" pitchFamily="50" charset="-128"/>
-              </a:rPr>
-              <a:t/>
-            </a:r>
-            <a:br>
-              <a:rPr lang="en-US" altLang="ja-JP" sz="2100" b="1" kern="0" smtClean="0">
-                <a:latin typeface="メイリオ" panose="020B0604030504040204" pitchFamily="50" charset="-128"/>
-              </a:rPr>
-            </a:br>
-            <a:r>
-              <a:rPr lang="ja-JP" altLang="en-US" sz="2100" b="1" kern="0" smtClean="0">
-                <a:latin typeface="メイリオ" panose="020B0604030504040204" pitchFamily="50" charset="-128"/>
-              </a:rPr>
-              <a:t>割引として使える。</a:t>
-            </a:r>
-            <a:endParaRPr lang="en-US" altLang="ja-JP" sz="2100" b="1" kern="0" smtClean="0">
-              <a:latin typeface="メイリオ" panose="020B0604030504040204" pitchFamily="50" charset="-128"/>
-            </a:endParaRPr>
-          </a:p>
-          <a:p>
-            <a:pPr marL="1257300" lvl="1" indent="-514350">
-              <a:lnSpc>
-                <a:spcPct val="150000"/>
-              </a:lnSpc>
-              <a:spcBef>
-                <a:spcPts val="0"/>
-              </a:spcBef>
-              <a:spcAft>
-                <a:spcPts val="0"/>
-              </a:spcAft>
-              <a:buSzPct val="100000"/>
-            </a:pPr>
-            <a:r>
-              <a:rPr lang="ja-JP" altLang="en-US" sz="2100" b="1" kern="0" smtClean="0">
-                <a:latin typeface="メイリオ" panose="020B0604030504040204" pitchFamily="50" charset="-128"/>
-              </a:rPr>
-              <a:t>毎月</a:t>
-            </a:r>
-            <a:r>
-              <a:rPr lang="en-US" altLang="ja-JP" sz="2100" b="1" kern="0" smtClean="0">
-                <a:latin typeface="メイリオ" panose="020B0604030504040204" pitchFamily="50" charset="-128"/>
-              </a:rPr>
-              <a:t>20,30</a:t>
-            </a:r>
-            <a:r>
-              <a:rPr lang="ja-JP" altLang="en-US" sz="2100" b="1" kern="0" smtClean="0">
-                <a:latin typeface="メイリオ" panose="020B0604030504040204" pitchFamily="50" charset="-128"/>
-              </a:rPr>
-              <a:t>日は税抜き価格から</a:t>
-            </a:r>
-            <a:r>
-              <a:rPr lang="en-US" altLang="ja-JP" sz="2100" b="1" kern="0" smtClean="0">
-                <a:latin typeface="メイリオ" panose="020B0604030504040204" pitchFamily="50" charset="-128"/>
-              </a:rPr>
-              <a:t>10%OFF</a:t>
-            </a:r>
+            <a:fld id="{9AC805F4-A566-49CF-8153-CA8FBDEF5A6F}" type="slidenum">
+              <a:rPr lang="en-US" altLang="ja-JP" smtClean="0"/>
+              <a:pPr>
+                <a:defRPr/>
+              </a:pPr>
+              <a:t>32</a:t>
+            </a:fld>
+            <a:endParaRPr lang="en-US" altLang="ja-JP"/>
           </a:p>
         </p:txBody>
       </p:sp>
     </p:spTree>
     <p:extLst>
       <p:ext uri="{BB962C8B-B14F-4D97-AF65-F5344CB8AC3E}">
-        <p14:creationId xmlns:p14="http://schemas.microsoft.com/office/powerpoint/2010/main" val="2319553838"/>
+        <p14:creationId xmlns:p14="http://schemas.microsoft.com/office/powerpoint/2010/main" val="3679611436"/>
       </p:ext>
     </p:extLst>
   </p:cSld>
@@ -34665,85 +34221,82 @@
               </a:rPr>
               <a:t>】</a:t>
             </a:r>
-          </a:p>
-          <a:p>
-            <a:pPr>
-              <a:buClrTx/>
-              <a:buSzPct val="100000"/>
-            </a:pPr>
             <a:endParaRPr lang="en-US" altLang="ja-JP" sz="1000" b="0" kern="0" smtClean="0">
               <a:latin typeface="メイリオ" panose="020B0604030504040204" pitchFamily="50" charset="-128"/>
             </a:endParaRPr>
           </a:p>
           <a:p>
-            <a:pPr marL="1257300" lvl="1" indent="-514350">
+            <a:pPr lvl="1" indent="0">
               <a:buSzPct val="100000"/>
-              <a:buFont typeface="+mj-lt"/>
-              <a:buAutoNum type="arabicPeriod"/>
+              <a:buNone/>
             </a:pPr>
             <a:r>
-              <a:rPr lang="ja-JP" altLang="en-US" sz="2400" b="1" kern="0" smtClean="0">
+              <a:rPr lang="ja-JP" altLang="en-US" sz="2400" kern="0" smtClean="0">
                 <a:latin typeface="メイリオ" panose="020B0604030504040204" pitchFamily="50" charset="-128"/>
               </a:rPr>
-              <a:t>清算のフローチャートを作成せよ</a:t>
-            </a:r>
-            <a:endParaRPr lang="en-US" altLang="ja-JP" sz="2400" b="1" kern="0" smtClean="0">
+              <a:t>仕様変更で従来の無料会員に追加して、</a:t>
+            </a:r>
+            <a:r>
+              <a:rPr lang="en-US" altLang="ja-JP" sz="2400" kern="0">
+                <a:latin typeface="メイリオ" panose="020B0604030504040204" pitchFamily="50" charset="-128"/>
+              </a:rPr>
+              <a:t/>
+            </a:r>
+            <a:br>
+              <a:rPr lang="en-US" altLang="ja-JP" sz="2400" kern="0">
+                <a:latin typeface="メイリオ" panose="020B0604030504040204" pitchFamily="50" charset="-128"/>
+              </a:rPr>
+            </a:br>
+            <a:r>
+              <a:rPr lang="ja-JP" altLang="en-US" sz="2400" kern="0" smtClean="0">
+                <a:latin typeface="メイリオ" panose="020B0604030504040204" pitchFamily="50" charset="-128"/>
+              </a:rPr>
+              <a:t>有料会員の登録区分が追加された。</a:t>
+            </a:r>
+            <a:r>
+              <a:rPr lang="en-US" altLang="ja-JP" sz="2400" kern="0" smtClean="0">
+                <a:latin typeface="メイリオ" panose="020B0604030504040204" pitchFamily="50" charset="-128"/>
+              </a:rPr>
+              <a:t/>
+            </a:r>
+            <a:br>
+              <a:rPr lang="en-US" altLang="ja-JP" sz="2400" kern="0" smtClean="0">
+                <a:latin typeface="メイリオ" panose="020B0604030504040204" pitchFamily="50" charset="-128"/>
+              </a:rPr>
+            </a:br>
+            <a:endParaRPr lang="en-US" altLang="ja-JP" sz="2400" kern="0" smtClean="0">
               <a:latin typeface="メイリオ" panose="020B0604030504040204" pitchFamily="50" charset="-128"/>
             </a:endParaRPr>
           </a:p>
           <a:p>
-            <a:pPr marL="1257300" lvl="1" indent="-514350">
+            <a:pPr lvl="1" indent="0">
               <a:buSzPct val="100000"/>
-              <a:buFont typeface="+mj-lt"/>
-              <a:buAutoNum type="arabicPeriod"/>
+              <a:buNone/>
             </a:pPr>
-            <a:endParaRPr lang="en-US" altLang="ja-JP" sz="2400" b="1" kern="0" smtClean="0">
-              <a:latin typeface="メイリオ" panose="020B0604030504040204" pitchFamily="50" charset="-128"/>
-            </a:endParaRPr>
-          </a:p>
-          <a:p>
-            <a:pPr marL="1257300" lvl="1" indent="-514350">
-              <a:buSzPct val="100000"/>
-              <a:buFont typeface="+mj-lt"/>
-              <a:buAutoNum type="arabicPeriod"/>
-            </a:pPr>
-            <a:r>
-              <a:rPr lang="ja-JP" altLang="en-US" sz="2400" b="1" kern="0" smtClean="0">
-                <a:latin typeface="メイリオ" panose="020B0604030504040204" pitchFamily="50" charset="-128"/>
-              </a:rPr>
-              <a:t>フローチャートに基づき、</a:t>
-            </a:r>
-            <a:r>
-              <a:rPr lang="en-US" altLang="ja-JP" sz="2400" b="1" kern="0" smtClean="0">
-                <a:latin typeface="メイリオ" panose="020B0604030504040204" pitchFamily="50" charset="-128"/>
-              </a:rPr>
-              <a:t/>
-            </a:r>
-            <a:br>
-              <a:rPr lang="en-US" altLang="ja-JP" sz="2400" b="1" kern="0" smtClean="0">
-                <a:latin typeface="メイリオ" panose="020B0604030504040204" pitchFamily="50" charset="-128"/>
-              </a:rPr>
-            </a:br>
-            <a:r>
-              <a:rPr lang="ja-JP" altLang="en-US" sz="2400" b="1" kern="0" smtClean="0">
-                <a:latin typeface="メイリオ" panose="020B0604030504040204" pitchFamily="50" charset="-128"/>
-              </a:rPr>
-              <a:t>与えられたプログラムを変更せよ</a:t>
-            </a:r>
             <a:r>
               <a:rPr lang="ja-JP" altLang="en-US" sz="2400" kern="0" smtClean="0">
                 <a:latin typeface="メイリオ" panose="020B0604030504040204" pitchFamily="50" charset="-128"/>
               </a:rPr>
-              <a:t>。</a:t>
-            </a:r>
-          </a:p>
-          <a:p>
-            <a:pPr marL="1257300" lvl="1" indent="-514350">
-              <a:buSzPct val="100000"/>
-              <a:buFont typeface="+mj-lt"/>
-              <a:buAutoNum type="arabicPeriod"/>
-            </a:pPr>
-            <a:endParaRPr lang="ja-JP" altLang="en-US" sz="2400" kern="0" smtClean="0">
+              <a:t>新たに追加する有料会員の清算は</a:t>
+            </a:r>
+            <a:r>
+              <a:rPr lang="en-US" altLang="ja-JP" sz="2400" kern="0">
+                <a:latin typeface="メイリオ" panose="020B0604030504040204" pitchFamily="50" charset="-128"/>
+              </a:rPr>
+              <a:t/>
+            </a:r>
+            <a:br>
+              <a:rPr lang="en-US" altLang="ja-JP" sz="2400" kern="0">
+                <a:latin typeface="メイリオ" panose="020B0604030504040204" pitchFamily="50" charset="-128"/>
+              </a:rPr>
+            </a:br>
+            <a:r>
+              <a:rPr lang="ja-JP" altLang="en-US" sz="2400" kern="0" smtClean="0">
+                <a:latin typeface="メイリオ" panose="020B0604030504040204" pitchFamily="50" charset="-128"/>
+              </a:rPr>
+              <a:t>次のスライドの内容とする。</a:t>
+            </a:r>
+            <a:endParaRPr lang="en-US" altLang="ja-JP" sz="2400" kern="0" smtClean="0">
               <a:latin typeface="メイリオ" panose="020B0604030504040204" pitchFamily="50" charset="-128"/>
             </a:endParaRPr>
           </a:p>
@@ -34752,7 +34305,7 @@
     </p:spTree>
     <p:extLst>
       <p:ext uri="{BB962C8B-B14F-4D97-AF65-F5344CB8AC3E}">
-        <p14:creationId xmlns:p14="http://schemas.microsoft.com/office/powerpoint/2010/main" val="2980494392"/>
+        <p14:creationId xmlns:p14="http://schemas.microsoft.com/office/powerpoint/2010/main" val="2253313503"/>
       </p:ext>
     </p:extLst>
   </p:cSld>
@@ -34788,7 +34341,7 @@
       </p:grpSpPr>
       <p:sp>
         <p:nvSpPr>
-          <p:cNvPr id="2" name="タイトル 1"/>
+          <p:cNvPr id="3" name="タイトル 2"/>
           <p:cNvSpPr>
             <a:spLocks noGrp="1"/>
           </p:cNvSpPr>
@@ -34802,8 +34355,30 @@
           <a:lstStyle/>
           <a:p>
             <a:r>
-              <a:rPr lang="ja-JP" altLang="en-US" smtClean="0"/>
-              <a:t>テスト</a:t>
+              <a:rPr lang="en-US" altLang="ja-JP">
+                <a:effectLst>
+                  <a:outerShdw blurRad="38100" dist="38100" dir="2700000" algn="tl">
+                    <a:srgbClr val="000000">
+                      <a:alpha val="43137"/>
+                    </a:srgbClr>
+                  </a:outerShdw>
+                </a:effectLst>
+                <a:latin typeface="メイリオ" panose="020B0604030504040204" pitchFamily="50" charset="-128"/>
+              </a:rPr>
+              <a:t>Ⅰ</a:t>
+            </a:r>
+            <a:r>
+              <a:rPr lang="ja-JP" altLang="en-US" smtClean="0">
+                <a:effectLst>
+                  <a:outerShdw blurRad="38100" dist="38100" dir="2700000" algn="tl">
+                    <a:srgbClr val="000000">
+                      <a:alpha val="43137"/>
+                    </a:srgbClr>
+                  </a:outerShdw>
+                </a:effectLst>
+                <a:latin typeface="メイリオ" panose="020B0604030504040204" pitchFamily="50" charset="-128"/>
+              </a:rPr>
+              <a:t>．要件定義</a:t>
             </a:r>
             <a:endParaRPr kumimoji="1" lang="ja-JP" altLang="en-US"/>
           </a:p>
@@ -34811,12 +34386,522 @@
       </p:sp>
       <p:sp>
         <p:nvSpPr>
-          <p:cNvPr id="3" name="テキスト プレースホルダー 2"/>
+          <p:cNvPr id="7" name="コンテンツ プレースホルダー 3"/>
+          <p:cNvSpPr txBox="1">
+            <a:spLocks/>
+          </p:cNvSpPr>
+          <p:nvPr/>
+        </p:nvSpPr>
+        <p:spPr bwMode="gray">
+          <a:xfrm>
+            <a:off x="2123380" y="1125539"/>
+            <a:ext cx="6769100" cy="5732461"/>
+          </a:xfrm>
+          <a:prstGeom prst="rect">
+            <a:avLst/>
+          </a:prstGeom>
+          <a:noFill/>
+          <a:ln>
+            <a:noFill/>
+          </a:ln>
+          <a:effectLst/>
+          <a:extLst>
+            <a:ext uri="{909E8E84-426E-40DD-AFC4-6F175D3DCCD1}">
+              <a14:hiddenFill xmlns:a14="http://schemas.microsoft.com/office/drawing/2010/main">
+                <a:solidFill>
+                  <a:schemeClr val="accent1"/>
+                </a:solidFill>
+              </a14:hiddenFill>
+            </a:ext>
+            <a:ext uri="{91240B29-F687-4F45-9708-019B960494DF}">
+              <a14:hiddenLine xmlns:a14="http://schemas.microsoft.com/office/drawing/2010/main" w="9525">
+                <a:solidFill>
+                  <a:schemeClr val="tx1"/>
+                </a:solidFill>
+                <a:miter lim="800000"/>
+                <a:headEnd/>
+                <a:tailEnd/>
+              </a14:hiddenLine>
+            </a:ext>
+            <a:ext uri="{AF507438-7753-43E0-B8FC-AC1667EBCBE1}">
+              <a14:hiddenEffects xmlns:a14="http://schemas.microsoft.com/office/drawing/2010/main">
+                <a:effectLst>
+                  <a:outerShdw dist="35921" dir="2700000" algn="ctr" rotWithShape="0">
+                    <a:schemeClr val="bg2"/>
+                  </a:outerShdw>
+                </a:effectLst>
+              </a14:hiddenEffects>
+            </a:ext>
+          </a:extLst>
+        </p:spPr>
+        <p:txBody>
+          <a:bodyPr vert="horz" wrap="square" lIns="91440" tIns="45720" rIns="91440" bIns="45720" numCol="1" anchor="t" anchorCtr="0" compatLnSpc="1">
+            <a:prstTxWarp prst="textNoShape">
+              <a:avLst/>
+            </a:prstTxWarp>
+          </a:bodyPr>
+          <a:lstStyle>
+            <a:lvl1pPr marL="0" indent="0" algn="l" defTabSz="576000" rtl="0" eaLnBrk="0" fontAlgn="base" hangingPunct="0">
+              <a:spcBef>
+                <a:spcPts val="1200"/>
+              </a:spcBef>
+              <a:spcAft>
+                <a:spcPct val="0"/>
+              </a:spcAft>
+              <a:buClr>
+                <a:schemeClr val="accent2"/>
+              </a:buClr>
+              <a:buSzPct val="50000"/>
+              <a:buFontTx/>
+              <a:buNone/>
+              <a:defRPr kumimoji="1" sz="2800" b="1">
+                <a:solidFill>
+                  <a:schemeClr val="tx1">
+                    <a:lumMod val="75000"/>
+                    <a:lumOff val="25000"/>
+                  </a:schemeClr>
+                </a:solidFill>
+                <a:latin typeface="+mn-lt"/>
+                <a:ea typeface="+mn-ea"/>
+                <a:cs typeface="メイリオ" panose="020B0604030504040204" pitchFamily="50" charset="-128"/>
+              </a:defRPr>
+            </a:lvl1pPr>
+            <a:lvl2pPr marL="742950" indent="-285750" algn="l" defTabSz="576000" rtl="0" eaLnBrk="0" fontAlgn="base" hangingPunct="0">
+              <a:spcBef>
+                <a:spcPts val="1800"/>
+              </a:spcBef>
+              <a:spcAft>
+                <a:spcPct val="0"/>
+              </a:spcAft>
+              <a:buFont typeface="Wingdings" panose="05000000000000000000" pitchFamily="2" charset="2"/>
+              <a:buChar char="l"/>
+              <a:defRPr kumimoji="1" sz="2000" b="0">
+                <a:solidFill>
+                  <a:schemeClr val="tx1">
+                    <a:lumMod val="75000"/>
+                    <a:lumOff val="25000"/>
+                  </a:schemeClr>
+                </a:solidFill>
+                <a:latin typeface="+mn-lt"/>
+                <a:ea typeface="+mn-ea"/>
+                <a:cs typeface="メイリオ" panose="020B0604030504040204" pitchFamily="50" charset="-128"/>
+              </a:defRPr>
+            </a:lvl2pPr>
+            <a:lvl3pPr marL="1143000" indent="-228600" algn="l" defTabSz="576000" rtl="0" eaLnBrk="0" fontAlgn="base" hangingPunct="0">
+              <a:spcBef>
+                <a:spcPts val="1200"/>
+              </a:spcBef>
+              <a:spcAft>
+                <a:spcPct val="0"/>
+              </a:spcAft>
+              <a:buClr>
+                <a:schemeClr val="tx1">
+                  <a:lumMod val="75000"/>
+                  <a:lumOff val="25000"/>
+                </a:schemeClr>
+              </a:buClr>
+              <a:buSzPct val="60000"/>
+              <a:buFont typeface="Wingdings" panose="05000000000000000000" pitchFamily="2" charset="2"/>
+              <a:buChar char="n"/>
+              <a:defRPr kumimoji="1">
+                <a:solidFill>
+                  <a:schemeClr val="tx1">
+                    <a:lumMod val="75000"/>
+                    <a:lumOff val="25000"/>
+                  </a:schemeClr>
+                </a:solidFill>
+                <a:latin typeface="+mn-lt"/>
+                <a:ea typeface="+mn-ea"/>
+                <a:cs typeface="メイリオ" panose="020B0604030504040204" pitchFamily="50" charset="-128"/>
+              </a:defRPr>
+            </a:lvl3pPr>
+            <a:lvl4pPr marL="1600200" indent="-228600" algn="l" defTabSz="576000" rtl="0" eaLnBrk="0" fontAlgn="base" hangingPunct="0">
+              <a:spcBef>
+                <a:spcPts val="1200"/>
+              </a:spcBef>
+              <a:spcAft>
+                <a:spcPct val="0"/>
+              </a:spcAft>
+              <a:buChar char="–"/>
+              <a:defRPr kumimoji="1">
+                <a:solidFill>
+                  <a:schemeClr val="tx1">
+                    <a:lumMod val="75000"/>
+                    <a:lumOff val="25000"/>
+                  </a:schemeClr>
+                </a:solidFill>
+                <a:latin typeface="+mn-lt"/>
+                <a:ea typeface="+mn-ea"/>
+                <a:cs typeface="メイリオ" panose="020B0604030504040204" pitchFamily="50" charset="-128"/>
+              </a:defRPr>
+            </a:lvl4pPr>
+            <a:lvl5pPr marL="2057400" indent="-228600" algn="l" defTabSz="576000" rtl="0" eaLnBrk="0" fontAlgn="base" hangingPunct="0">
+              <a:spcBef>
+                <a:spcPts val="1200"/>
+              </a:spcBef>
+              <a:spcAft>
+                <a:spcPct val="0"/>
+              </a:spcAft>
+              <a:buChar char="•"/>
+              <a:defRPr kumimoji="1">
+                <a:solidFill>
+                  <a:schemeClr val="tx1">
+                    <a:lumMod val="75000"/>
+                    <a:lumOff val="25000"/>
+                  </a:schemeClr>
+                </a:solidFill>
+                <a:latin typeface="+mn-lt"/>
+                <a:ea typeface="+mn-ea"/>
+                <a:cs typeface="メイリオ" panose="020B0604030504040204" pitchFamily="50" charset="-128"/>
+              </a:defRPr>
+            </a:lvl5pPr>
+            <a:lvl6pPr marL="2514600" indent="-228600" algn="l" rtl="0" fontAlgn="base">
+              <a:spcBef>
+                <a:spcPct val="20000"/>
+              </a:spcBef>
+              <a:spcAft>
+                <a:spcPct val="0"/>
+              </a:spcAft>
+              <a:buChar char="•"/>
+              <a:defRPr kumimoji="1">
+                <a:solidFill>
+                  <a:schemeClr val="tx1"/>
+                </a:solidFill>
+                <a:latin typeface="+mn-lt"/>
+                <a:ea typeface="+mn-ea"/>
+              </a:defRPr>
+            </a:lvl6pPr>
+            <a:lvl7pPr marL="2971800" indent="-228600" algn="l" rtl="0" fontAlgn="base">
+              <a:spcBef>
+                <a:spcPct val="20000"/>
+              </a:spcBef>
+              <a:spcAft>
+                <a:spcPct val="0"/>
+              </a:spcAft>
+              <a:buChar char="•"/>
+              <a:defRPr kumimoji="1">
+                <a:solidFill>
+                  <a:schemeClr val="tx1"/>
+                </a:solidFill>
+                <a:latin typeface="+mn-lt"/>
+                <a:ea typeface="+mn-ea"/>
+              </a:defRPr>
+            </a:lvl7pPr>
+            <a:lvl8pPr marL="3429000" indent="-228600" algn="l" rtl="0" fontAlgn="base">
+              <a:spcBef>
+                <a:spcPct val="20000"/>
+              </a:spcBef>
+              <a:spcAft>
+                <a:spcPct val="0"/>
+              </a:spcAft>
+              <a:buChar char="•"/>
+              <a:defRPr kumimoji="1">
+                <a:solidFill>
+                  <a:schemeClr val="tx1"/>
+                </a:solidFill>
+                <a:latin typeface="+mn-lt"/>
+                <a:ea typeface="+mn-ea"/>
+              </a:defRPr>
+            </a:lvl8pPr>
+            <a:lvl9pPr marL="3886200" indent="-228600" algn="l" rtl="0" fontAlgn="base">
+              <a:spcBef>
+                <a:spcPct val="20000"/>
+              </a:spcBef>
+              <a:spcAft>
+                <a:spcPct val="0"/>
+              </a:spcAft>
+              <a:buChar char="•"/>
+              <a:defRPr kumimoji="1">
+                <a:solidFill>
+                  <a:schemeClr val="tx1"/>
+                </a:solidFill>
+                <a:latin typeface="+mn-lt"/>
+                <a:ea typeface="+mn-ea"/>
+              </a:defRPr>
+            </a:lvl9pPr>
+          </a:lstStyle>
+          <a:p>
+            <a:pPr marL="514350" indent="-514350">
+              <a:lnSpc>
+                <a:spcPct val="150000"/>
+              </a:lnSpc>
+              <a:spcBef>
+                <a:spcPts val="0"/>
+              </a:spcBef>
+              <a:spcAft>
+                <a:spcPts val="0"/>
+              </a:spcAft>
+              <a:buClrTx/>
+              <a:buSzPct val="100000"/>
+              <a:buFont typeface="Wingdings" panose="05000000000000000000" pitchFamily="2" charset="2"/>
+              <a:buChar char="l"/>
+            </a:pPr>
+            <a:r>
+              <a:rPr lang="ja-JP" altLang="en-US" sz="3200" b="0" kern="0" smtClean="0">
+                <a:latin typeface="メイリオ" panose="020B0604030504040204" pitchFamily="50" charset="-128"/>
+              </a:rPr>
+              <a:t>有料会員の清算の条件</a:t>
+            </a:r>
+            <a:endParaRPr lang="en-US" altLang="ja-JP" sz="3200" b="0" kern="0" smtClean="0">
+              <a:latin typeface="メイリオ" panose="020B0604030504040204" pitchFamily="50" charset="-128"/>
+            </a:endParaRPr>
+          </a:p>
+          <a:p>
+            <a:pPr marL="1257300" lvl="1" indent="-514350">
+              <a:lnSpc>
+                <a:spcPct val="150000"/>
+              </a:lnSpc>
+              <a:spcBef>
+                <a:spcPts val="0"/>
+              </a:spcBef>
+              <a:spcAft>
+                <a:spcPts val="0"/>
+              </a:spcAft>
+              <a:buSzPct val="100000"/>
+            </a:pPr>
+            <a:r>
+              <a:rPr lang="ja-JP" altLang="en-US" sz="2100" b="1" kern="0" smtClean="0">
+                <a:latin typeface="メイリオ" panose="020B0604030504040204" pitchFamily="50" charset="-128"/>
+              </a:rPr>
+              <a:t>消費税は</a:t>
+            </a:r>
+            <a:r>
+              <a:rPr lang="en-US" altLang="ja-JP" sz="2100" b="1" kern="0" smtClean="0">
+                <a:latin typeface="メイリオ" panose="020B0604030504040204" pitchFamily="50" charset="-128"/>
+              </a:rPr>
+              <a:t>8%</a:t>
+            </a:r>
+          </a:p>
+          <a:p>
+            <a:pPr marL="1257300" lvl="1" indent="-514350">
+              <a:lnSpc>
+                <a:spcPct val="150000"/>
+              </a:lnSpc>
+              <a:spcBef>
+                <a:spcPts val="0"/>
+              </a:spcBef>
+              <a:spcAft>
+                <a:spcPts val="0"/>
+              </a:spcAft>
+              <a:buSzPct val="100000"/>
+            </a:pPr>
+            <a:r>
+              <a:rPr lang="ja-JP" altLang="en-US" sz="2100" b="1" kern="0" smtClean="0">
+                <a:latin typeface="メイリオ" panose="020B0604030504040204" pitchFamily="50" charset="-128"/>
+              </a:rPr>
+              <a:t>送料は常時無料。</a:t>
+            </a:r>
+            <a:endParaRPr lang="en-US" altLang="ja-JP" sz="2100" b="1" kern="0" smtClean="0">
+              <a:latin typeface="メイリオ" panose="020B0604030504040204" pitchFamily="50" charset="-128"/>
+            </a:endParaRPr>
+          </a:p>
+          <a:p>
+            <a:pPr marL="1257300" lvl="1" indent="-514350">
+              <a:lnSpc>
+                <a:spcPct val="150000"/>
+              </a:lnSpc>
+              <a:spcBef>
+                <a:spcPts val="0"/>
+              </a:spcBef>
+              <a:spcAft>
+                <a:spcPts val="0"/>
+              </a:spcAft>
+              <a:buSzPct val="100000"/>
+            </a:pPr>
+            <a:r>
+              <a:rPr lang="ja-JP" altLang="en-US" sz="2100" b="1" kern="0" smtClean="0">
+                <a:latin typeface="メイリオ" panose="020B0604030504040204" pitchFamily="50" charset="-128"/>
+              </a:rPr>
+              <a:t>税抜合計の</a:t>
+            </a:r>
+            <a:r>
+              <a:rPr lang="en-US" altLang="ja-JP" sz="2100" b="1" kern="0" smtClean="0">
+                <a:latin typeface="メイリオ" panose="020B0604030504040204" pitchFamily="50" charset="-128"/>
+              </a:rPr>
+              <a:t>100</a:t>
+            </a:r>
+            <a:r>
+              <a:rPr lang="ja-JP" altLang="en-US" sz="2100" b="1" kern="0" smtClean="0">
+                <a:latin typeface="メイリオ" panose="020B0604030504040204" pitchFamily="50" charset="-128"/>
+              </a:rPr>
+              <a:t>円毎にポイントが</a:t>
+            </a:r>
+            <a:r>
+              <a:rPr lang="en-US" altLang="ja-JP" sz="2100" b="1" kern="0" smtClean="0">
+                <a:latin typeface="メイリオ" panose="020B0604030504040204" pitchFamily="50" charset="-128"/>
+              </a:rPr>
+              <a:t/>
+            </a:r>
+            <a:br>
+              <a:rPr lang="en-US" altLang="ja-JP" sz="2100" b="1" kern="0" smtClean="0">
+                <a:latin typeface="メイリオ" panose="020B0604030504040204" pitchFamily="50" charset="-128"/>
+              </a:rPr>
+            </a:br>
+            <a:r>
+              <a:rPr lang="en-US" altLang="ja-JP" sz="2100" b="1" kern="0" smtClean="0">
+                <a:latin typeface="メイリオ" panose="020B0604030504040204" pitchFamily="50" charset="-128"/>
+              </a:rPr>
+              <a:t>2</a:t>
+            </a:r>
+            <a:r>
+              <a:rPr lang="ja-JP" altLang="en-US" sz="2100" b="1" kern="0" smtClean="0">
+                <a:latin typeface="メイリオ" panose="020B0604030504040204" pitchFamily="50" charset="-128"/>
+              </a:rPr>
+              <a:t>ポイントずつ貯まる。</a:t>
+            </a:r>
+            <a:endParaRPr lang="en-US" altLang="ja-JP" sz="2100" b="1" kern="0" smtClean="0">
+              <a:latin typeface="メイリオ" panose="020B0604030504040204" pitchFamily="50" charset="-128"/>
+            </a:endParaRPr>
+          </a:p>
+          <a:p>
+            <a:pPr marL="1257300" lvl="1" indent="-514350">
+              <a:lnSpc>
+                <a:spcPct val="150000"/>
+              </a:lnSpc>
+              <a:spcBef>
+                <a:spcPts val="0"/>
+              </a:spcBef>
+              <a:spcAft>
+                <a:spcPts val="0"/>
+              </a:spcAft>
+              <a:buSzPct val="100000"/>
+            </a:pPr>
+            <a:r>
+              <a:rPr lang="ja-JP" altLang="en-US" sz="2100" b="1" kern="0" smtClean="0">
+                <a:latin typeface="メイリオ" panose="020B0604030504040204" pitchFamily="50" charset="-128"/>
+              </a:rPr>
+              <a:t>ポイントは</a:t>
+            </a:r>
+            <a:r>
+              <a:rPr lang="en-US" altLang="ja-JP" sz="2100" b="1" kern="0" smtClean="0">
+                <a:latin typeface="メイリオ" panose="020B0604030504040204" pitchFamily="50" charset="-128"/>
+              </a:rPr>
+              <a:t>1000</a:t>
+            </a:r>
+            <a:r>
+              <a:rPr lang="ja-JP" altLang="en-US" sz="2100" b="1" kern="0" smtClean="0">
+                <a:latin typeface="メイリオ" panose="020B0604030504040204" pitchFamily="50" charset="-128"/>
+              </a:rPr>
+              <a:t>ポイントで</a:t>
+            </a:r>
+            <a:r>
+              <a:rPr lang="en-US" altLang="ja-JP" sz="2100" b="1" kern="0" smtClean="0">
+                <a:latin typeface="メイリオ" panose="020B0604030504040204" pitchFamily="50" charset="-128"/>
+              </a:rPr>
+              <a:t>1000</a:t>
+            </a:r>
+            <a:r>
+              <a:rPr lang="ja-JP" altLang="en-US" sz="2100" b="1" kern="0" smtClean="0">
+                <a:latin typeface="メイリオ" panose="020B0604030504040204" pitchFamily="50" charset="-128"/>
+              </a:rPr>
+              <a:t>円分の</a:t>
+            </a:r>
+            <a:r>
+              <a:rPr lang="en-US" altLang="ja-JP" sz="2100" b="1" kern="0" smtClean="0">
+                <a:latin typeface="メイリオ" panose="020B0604030504040204" pitchFamily="50" charset="-128"/>
+              </a:rPr>
+              <a:t/>
+            </a:r>
+            <a:br>
+              <a:rPr lang="en-US" altLang="ja-JP" sz="2100" b="1" kern="0" smtClean="0">
+                <a:latin typeface="メイリオ" panose="020B0604030504040204" pitchFamily="50" charset="-128"/>
+              </a:rPr>
+            </a:br>
+            <a:r>
+              <a:rPr lang="ja-JP" altLang="en-US" sz="2100" b="1" kern="0" smtClean="0">
+                <a:latin typeface="メイリオ" panose="020B0604030504040204" pitchFamily="50" charset="-128"/>
+              </a:rPr>
+              <a:t>割引として使える。</a:t>
+            </a:r>
+            <a:endParaRPr lang="en-US" altLang="ja-JP" sz="2100" b="1" kern="0" smtClean="0">
+              <a:latin typeface="メイリオ" panose="020B0604030504040204" pitchFamily="50" charset="-128"/>
+            </a:endParaRPr>
+          </a:p>
+          <a:p>
+            <a:pPr marL="1257300" lvl="1" indent="-514350">
+              <a:lnSpc>
+                <a:spcPct val="150000"/>
+              </a:lnSpc>
+              <a:spcBef>
+                <a:spcPts val="0"/>
+              </a:spcBef>
+              <a:spcAft>
+                <a:spcPts val="0"/>
+              </a:spcAft>
+              <a:buSzPct val="100000"/>
+            </a:pPr>
+            <a:r>
+              <a:rPr lang="ja-JP" altLang="en-US" sz="2100" b="1" kern="0" smtClean="0">
+                <a:latin typeface="メイリオ" panose="020B0604030504040204" pitchFamily="50" charset="-128"/>
+              </a:rPr>
+              <a:t>毎月</a:t>
+            </a:r>
+            <a:r>
+              <a:rPr lang="en-US" altLang="ja-JP" sz="2100" b="1" kern="0" smtClean="0">
+                <a:latin typeface="メイリオ" panose="020B0604030504040204" pitchFamily="50" charset="-128"/>
+              </a:rPr>
+              <a:t>20,30</a:t>
+            </a:r>
+            <a:r>
+              <a:rPr lang="ja-JP" altLang="en-US" sz="2100" b="1" kern="0" smtClean="0">
+                <a:latin typeface="メイリオ" panose="020B0604030504040204" pitchFamily="50" charset="-128"/>
+              </a:rPr>
+              <a:t>日は税抜き価格から</a:t>
+            </a:r>
+            <a:r>
+              <a:rPr lang="en-US" altLang="ja-JP" sz="2100" b="1" kern="0" smtClean="0">
+                <a:latin typeface="メイリオ" panose="020B0604030504040204" pitchFamily="50" charset="-128"/>
+              </a:rPr>
+              <a:t>10%OFF</a:t>
+            </a:r>
+          </a:p>
+        </p:txBody>
+      </p:sp>
+    </p:spTree>
+    <p:extLst>
+      <p:ext uri="{BB962C8B-B14F-4D97-AF65-F5344CB8AC3E}">
+        <p14:creationId xmlns:p14="http://schemas.microsoft.com/office/powerpoint/2010/main" val="2319553838"/>
+      </p:ext>
+    </p:extLst>
+  </p:cSld>
+  <p:clrMapOvr>
+    <a:masterClrMapping/>
+  </p:clrMapOvr>
+  <p:timing>
+    <p:tnLst>
+      <p:par>
+        <p:cTn id="1" dur="indefinite" restart="never" nodeType="tmRoot"/>
+      </p:par>
+    </p:tnLst>
+  </p:timing>
+</p:sld>
+</file>
+
+<file path=ppt/slides/slide35.xml><?xml version="1.0" encoding="utf-8"?>
+<p:sld xmlns:a="http://schemas.openxmlformats.org/drawingml/2006/main" xmlns:r="http://schemas.openxmlformats.org/officeDocument/2006/relationships" xmlns:p="http://schemas.openxmlformats.org/presentationml/2006/main">
+  <p:cSld>
+    <p:spTree>
+      <p:nvGrpSpPr>
+        <p:cNvPr id="1" name=""/>
+        <p:cNvGrpSpPr/>
+        <p:nvPr/>
+      </p:nvGrpSpPr>
+      <p:grpSpPr>
+        <a:xfrm>
+          <a:off x="0" y="0"/>
+          <a:ext cx="0" cy="0"/>
+          <a:chOff x="0" y="0"/>
+          <a:chExt cx="0" cy="0"/>
+        </a:xfrm>
+      </p:grpSpPr>
+      <p:sp>
+        <p:nvSpPr>
+          <p:cNvPr id="3" name="タイトル 2"/>
           <p:cNvSpPr>
             <a:spLocks noGrp="1"/>
           </p:cNvSpPr>
           <p:nvPr>
-            <p:ph type="body" idx="1"/>
+            <p:ph type="title"/>
           </p:nvPr>
         </p:nvSpPr>
         <p:spPr/>
@@ -34826,9 +34911,16 @@
           <a:p>
             <a:r>
               <a:rPr lang="ja-JP" altLang="en-US" smtClean="0">
+                <a:effectLst>
+                  <a:outerShdw blurRad="38100" dist="38100" dir="2700000" algn="tl">
+                    <a:srgbClr val="000000">
+                      <a:alpha val="43137"/>
+                    </a:srgbClr>
+                  </a:outerShdw>
+                </a:effectLst>
                 <a:latin typeface="メイリオ" panose="020B0604030504040204" pitchFamily="50" charset="-128"/>
               </a:rPr>
-              <a:t>インターン課題</a:t>
+              <a:t>課題（仕様変更）</a:t>
             </a:r>
             <a:endParaRPr kumimoji="1" lang="ja-JP" altLang="en-US"/>
           </a:p>
@@ -34852,21 +34944,364 @@
             <a:pPr>
               <a:defRPr/>
             </a:pPr>
-            <a:fld id="{9AC805F4-A566-49CF-8153-CA8FBDEF5A6F}" type="slidenum">
+            <a:fld id="{1E1B01DC-68D8-4ABC-BEC3-98AC666CD965}" type="slidenum">
               <a:rPr lang="en-US" altLang="ja-JP" smtClean="0"/>
               <a:pPr>
                 <a:defRPr/>
               </a:pPr>
-              <a:t>34</a:t>
+              <a:t>35</a:t>
             </a:fld>
             <a:endParaRPr lang="en-US" altLang="ja-JP"/>
+          </a:p>
+        </p:txBody>
+      </p:sp>
+      <p:sp>
+        <p:nvSpPr>
+          <p:cNvPr id="6" name="コンテンツ プレースホルダー 3"/>
+          <p:cNvSpPr txBox="1">
+            <a:spLocks/>
+          </p:cNvSpPr>
+          <p:nvPr/>
+        </p:nvSpPr>
+        <p:spPr bwMode="gray">
+          <a:xfrm>
+            <a:off x="2123380" y="1125538"/>
+            <a:ext cx="6769100" cy="4968875"/>
+          </a:xfrm>
+          <a:prstGeom prst="rect">
+            <a:avLst/>
+          </a:prstGeom>
+          <a:noFill/>
+          <a:ln>
+            <a:noFill/>
+          </a:ln>
+          <a:effectLst/>
+          <a:extLst>
+            <a:ext uri="{909E8E84-426E-40DD-AFC4-6F175D3DCCD1}">
+              <a14:hiddenFill xmlns:a14="http://schemas.microsoft.com/office/drawing/2010/main">
+                <a:solidFill>
+                  <a:schemeClr val="accent1"/>
+                </a:solidFill>
+              </a14:hiddenFill>
+            </a:ext>
+            <a:ext uri="{91240B29-F687-4F45-9708-019B960494DF}">
+              <a14:hiddenLine xmlns:a14="http://schemas.microsoft.com/office/drawing/2010/main" w="9525">
+                <a:solidFill>
+                  <a:schemeClr val="tx1"/>
+                </a:solidFill>
+                <a:miter lim="800000"/>
+                <a:headEnd/>
+                <a:tailEnd/>
+              </a14:hiddenLine>
+            </a:ext>
+            <a:ext uri="{AF507438-7753-43E0-B8FC-AC1667EBCBE1}">
+              <a14:hiddenEffects xmlns:a14="http://schemas.microsoft.com/office/drawing/2010/main">
+                <a:effectLst>
+                  <a:outerShdw dist="35921" dir="2700000" algn="ctr" rotWithShape="0">
+                    <a:schemeClr val="bg2"/>
+                  </a:outerShdw>
+                </a:effectLst>
+              </a14:hiddenEffects>
+            </a:ext>
+          </a:extLst>
+        </p:spPr>
+        <p:txBody>
+          <a:bodyPr vert="horz" wrap="square" lIns="91440" tIns="45720" rIns="91440" bIns="45720" numCol="1" anchor="ctr" anchorCtr="0" compatLnSpc="1">
+            <a:prstTxWarp prst="textNoShape">
+              <a:avLst/>
+            </a:prstTxWarp>
+          </a:bodyPr>
+          <a:lstStyle>
+            <a:lvl1pPr marL="0" indent="0" algn="l" defTabSz="576000" rtl="0" eaLnBrk="0" fontAlgn="base" hangingPunct="0">
+              <a:spcBef>
+                <a:spcPts val="1200"/>
+              </a:spcBef>
+              <a:spcAft>
+                <a:spcPct val="0"/>
+              </a:spcAft>
+              <a:buClr>
+                <a:schemeClr val="accent2"/>
+              </a:buClr>
+              <a:buSzPct val="50000"/>
+              <a:buFontTx/>
+              <a:buNone/>
+              <a:defRPr kumimoji="1" sz="2800" b="1">
+                <a:solidFill>
+                  <a:schemeClr val="tx1">
+                    <a:lumMod val="75000"/>
+                    <a:lumOff val="25000"/>
+                  </a:schemeClr>
+                </a:solidFill>
+                <a:latin typeface="+mn-lt"/>
+                <a:ea typeface="+mn-ea"/>
+                <a:cs typeface="メイリオ" panose="020B0604030504040204" pitchFamily="50" charset="-128"/>
+              </a:defRPr>
+            </a:lvl1pPr>
+            <a:lvl2pPr marL="742950" indent="-285750" algn="l" defTabSz="576000" rtl="0" eaLnBrk="0" fontAlgn="base" hangingPunct="0">
+              <a:spcBef>
+                <a:spcPts val="1800"/>
+              </a:spcBef>
+              <a:spcAft>
+                <a:spcPct val="0"/>
+              </a:spcAft>
+              <a:buFont typeface="Wingdings" panose="05000000000000000000" pitchFamily="2" charset="2"/>
+              <a:buChar char="l"/>
+              <a:defRPr kumimoji="1" sz="2000" b="0">
+                <a:solidFill>
+                  <a:schemeClr val="tx1">
+                    <a:lumMod val="75000"/>
+                    <a:lumOff val="25000"/>
+                  </a:schemeClr>
+                </a:solidFill>
+                <a:latin typeface="+mn-lt"/>
+                <a:ea typeface="+mn-ea"/>
+                <a:cs typeface="メイリオ" panose="020B0604030504040204" pitchFamily="50" charset="-128"/>
+              </a:defRPr>
+            </a:lvl2pPr>
+            <a:lvl3pPr marL="1143000" indent="-228600" algn="l" defTabSz="576000" rtl="0" eaLnBrk="0" fontAlgn="base" hangingPunct="0">
+              <a:spcBef>
+                <a:spcPts val="1200"/>
+              </a:spcBef>
+              <a:spcAft>
+                <a:spcPct val="0"/>
+              </a:spcAft>
+              <a:buClr>
+                <a:schemeClr val="tx1">
+                  <a:lumMod val="75000"/>
+                  <a:lumOff val="25000"/>
+                </a:schemeClr>
+              </a:buClr>
+              <a:buSzPct val="60000"/>
+              <a:buFont typeface="Wingdings" panose="05000000000000000000" pitchFamily="2" charset="2"/>
+              <a:buChar char="n"/>
+              <a:defRPr kumimoji="1">
+                <a:solidFill>
+                  <a:schemeClr val="tx1">
+                    <a:lumMod val="75000"/>
+                    <a:lumOff val="25000"/>
+                  </a:schemeClr>
+                </a:solidFill>
+                <a:latin typeface="+mn-lt"/>
+                <a:ea typeface="+mn-ea"/>
+                <a:cs typeface="メイリオ" panose="020B0604030504040204" pitchFamily="50" charset="-128"/>
+              </a:defRPr>
+            </a:lvl3pPr>
+            <a:lvl4pPr marL="1600200" indent="-228600" algn="l" defTabSz="576000" rtl="0" eaLnBrk="0" fontAlgn="base" hangingPunct="0">
+              <a:spcBef>
+                <a:spcPts val="1200"/>
+              </a:spcBef>
+              <a:spcAft>
+                <a:spcPct val="0"/>
+              </a:spcAft>
+              <a:buChar char="–"/>
+              <a:defRPr kumimoji="1">
+                <a:solidFill>
+                  <a:schemeClr val="tx1">
+                    <a:lumMod val="75000"/>
+                    <a:lumOff val="25000"/>
+                  </a:schemeClr>
+                </a:solidFill>
+                <a:latin typeface="+mn-lt"/>
+                <a:ea typeface="+mn-ea"/>
+                <a:cs typeface="メイリオ" panose="020B0604030504040204" pitchFamily="50" charset="-128"/>
+              </a:defRPr>
+            </a:lvl4pPr>
+            <a:lvl5pPr marL="2057400" indent="-228600" algn="l" defTabSz="576000" rtl="0" eaLnBrk="0" fontAlgn="base" hangingPunct="0">
+              <a:spcBef>
+                <a:spcPts val="1200"/>
+              </a:spcBef>
+              <a:spcAft>
+                <a:spcPct val="0"/>
+              </a:spcAft>
+              <a:buChar char="•"/>
+              <a:defRPr kumimoji="1">
+                <a:solidFill>
+                  <a:schemeClr val="tx1">
+                    <a:lumMod val="75000"/>
+                    <a:lumOff val="25000"/>
+                  </a:schemeClr>
+                </a:solidFill>
+                <a:latin typeface="+mn-lt"/>
+                <a:ea typeface="+mn-ea"/>
+                <a:cs typeface="メイリオ" panose="020B0604030504040204" pitchFamily="50" charset="-128"/>
+              </a:defRPr>
+            </a:lvl5pPr>
+            <a:lvl6pPr marL="2514600" indent="-228600" algn="l" rtl="0" fontAlgn="base">
+              <a:spcBef>
+                <a:spcPct val="20000"/>
+              </a:spcBef>
+              <a:spcAft>
+                <a:spcPct val="0"/>
+              </a:spcAft>
+              <a:buChar char="•"/>
+              <a:defRPr kumimoji="1">
+                <a:solidFill>
+                  <a:schemeClr val="tx1"/>
+                </a:solidFill>
+                <a:latin typeface="+mn-lt"/>
+                <a:ea typeface="+mn-ea"/>
+              </a:defRPr>
+            </a:lvl6pPr>
+            <a:lvl7pPr marL="2971800" indent="-228600" algn="l" rtl="0" fontAlgn="base">
+              <a:spcBef>
+                <a:spcPct val="20000"/>
+              </a:spcBef>
+              <a:spcAft>
+                <a:spcPct val="0"/>
+              </a:spcAft>
+              <a:buChar char="•"/>
+              <a:defRPr kumimoji="1">
+                <a:solidFill>
+                  <a:schemeClr val="tx1"/>
+                </a:solidFill>
+                <a:latin typeface="+mn-lt"/>
+                <a:ea typeface="+mn-ea"/>
+              </a:defRPr>
+            </a:lvl7pPr>
+            <a:lvl8pPr marL="3429000" indent="-228600" algn="l" rtl="0" fontAlgn="base">
+              <a:spcBef>
+                <a:spcPct val="20000"/>
+              </a:spcBef>
+              <a:spcAft>
+                <a:spcPct val="0"/>
+              </a:spcAft>
+              <a:buChar char="•"/>
+              <a:defRPr kumimoji="1">
+                <a:solidFill>
+                  <a:schemeClr val="tx1"/>
+                </a:solidFill>
+                <a:latin typeface="+mn-lt"/>
+                <a:ea typeface="+mn-ea"/>
+              </a:defRPr>
+            </a:lvl8pPr>
+            <a:lvl9pPr marL="3886200" indent="-228600" algn="l" rtl="0" fontAlgn="base">
+              <a:spcBef>
+                <a:spcPct val="20000"/>
+              </a:spcBef>
+              <a:spcAft>
+                <a:spcPct val="0"/>
+              </a:spcAft>
+              <a:buChar char="•"/>
+              <a:defRPr kumimoji="1">
+                <a:solidFill>
+                  <a:schemeClr val="tx1"/>
+                </a:solidFill>
+                <a:latin typeface="+mn-lt"/>
+                <a:ea typeface="+mn-ea"/>
+              </a:defRPr>
+            </a:lvl9pPr>
+          </a:lstStyle>
+          <a:p>
+            <a:pPr>
+              <a:buClrTx/>
+              <a:buSzPct val="100000"/>
+            </a:pPr>
+            <a:r>
+              <a:rPr lang="en-US" altLang="ja-JP" sz="3200" b="0" kern="0" smtClean="0">
+                <a:latin typeface="メイリオ" panose="020B0604030504040204" pitchFamily="50" charset="-128"/>
+              </a:rPr>
+              <a:t>【</a:t>
+            </a:r>
+            <a:r>
+              <a:rPr lang="ja-JP" altLang="en-US" sz="3200" b="0" kern="0" smtClean="0">
+                <a:latin typeface="メイリオ" panose="020B0604030504040204" pitchFamily="50" charset="-128"/>
+              </a:rPr>
+              <a:t>課題（仕様変更）</a:t>
+            </a:r>
+            <a:r>
+              <a:rPr lang="en-US" altLang="ja-JP" sz="3200" b="0" kern="0" smtClean="0">
+                <a:latin typeface="メイリオ" panose="020B0604030504040204" pitchFamily="50" charset="-128"/>
+              </a:rPr>
+              <a:t>】</a:t>
+            </a:r>
+          </a:p>
+          <a:p>
+            <a:pPr>
+              <a:buClrTx/>
+              <a:buSzPct val="100000"/>
+            </a:pPr>
+            <a:endParaRPr lang="en-US" altLang="ja-JP" sz="1000" b="0" kern="0" smtClean="0">
+              <a:latin typeface="メイリオ" panose="020B0604030504040204" pitchFamily="50" charset="-128"/>
+            </a:endParaRPr>
+          </a:p>
+          <a:p>
+            <a:pPr marL="1257300" lvl="1" indent="-514350">
+              <a:buSzPct val="100000"/>
+              <a:buFont typeface="+mj-lt"/>
+              <a:buAutoNum type="arabicPeriod"/>
+            </a:pPr>
+            <a:r>
+              <a:rPr lang="ja-JP" altLang="en-US" sz="2400" b="1" kern="0" smtClean="0">
+                <a:latin typeface="メイリオ" panose="020B0604030504040204" pitchFamily="50" charset="-128"/>
+              </a:rPr>
+              <a:t>清算のフローチャートを作成せよ</a:t>
+            </a:r>
+            <a:endParaRPr lang="en-US" altLang="ja-JP" sz="2400" b="1" kern="0" smtClean="0">
+              <a:latin typeface="メイリオ" panose="020B0604030504040204" pitchFamily="50" charset="-128"/>
+            </a:endParaRPr>
+          </a:p>
+          <a:p>
+            <a:pPr marL="1257300" lvl="1" indent="-514350">
+              <a:buSzPct val="100000"/>
+              <a:buFont typeface="+mj-lt"/>
+              <a:buAutoNum type="arabicPeriod"/>
+            </a:pPr>
+            <a:endParaRPr lang="en-US" altLang="ja-JP" sz="2400" b="1" kern="0" smtClean="0">
+              <a:latin typeface="メイリオ" panose="020B0604030504040204" pitchFamily="50" charset="-128"/>
+            </a:endParaRPr>
+          </a:p>
+          <a:p>
+            <a:pPr marL="1257300" lvl="1" indent="-514350">
+              <a:buSzPct val="100000"/>
+              <a:buFont typeface="+mj-lt"/>
+              <a:buAutoNum type="arabicPeriod"/>
+            </a:pPr>
+            <a:r>
+              <a:rPr lang="ja-JP" altLang="en-US" sz="2400" b="1" kern="0" smtClean="0">
+                <a:latin typeface="メイリオ" panose="020B0604030504040204" pitchFamily="50" charset="-128"/>
+              </a:rPr>
+              <a:t>フローチャートに基づき、</a:t>
+            </a:r>
+            <a:r>
+              <a:rPr lang="en-US" altLang="ja-JP" sz="2400" b="1" kern="0" smtClean="0">
+                <a:latin typeface="メイリオ" panose="020B0604030504040204" pitchFamily="50" charset="-128"/>
+              </a:rPr>
+              <a:t/>
+            </a:r>
+            <a:br>
+              <a:rPr lang="en-US" altLang="ja-JP" sz="2400" b="1" kern="0" smtClean="0">
+                <a:latin typeface="メイリオ" panose="020B0604030504040204" pitchFamily="50" charset="-128"/>
+              </a:rPr>
+            </a:br>
+            <a:r>
+              <a:rPr lang="ja-JP" altLang="en-US" sz="2400" b="1" kern="0" smtClean="0">
+                <a:latin typeface="メイリオ" panose="020B0604030504040204" pitchFamily="50" charset="-128"/>
+              </a:rPr>
+              <a:t>与えられたプログラムを変更せよ</a:t>
+            </a:r>
+            <a:r>
+              <a:rPr lang="ja-JP" altLang="en-US" sz="2400" kern="0" smtClean="0">
+                <a:latin typeface="メイリオ" panose="020B0604030504040204" pitchFamily="50" charset="-128"/>
+              </a:rPr>
+              <a:t>。</a:t>
+            </a:r>
+          </a:p>
+          <a:p>
+            <a:pPr marL="1257300" lvl="1" indent="-514350">
+              <a:buSzPct val="100000"/>
+              <a:buFont typeface="+mj-lt"/>
+              <a:buAutoNum type="arabicPeriod"/>
+            </a:pPr>
+            <a:endParaRPr lang="ja-JP" altLang="en-US" sz="2400" kern="0" smtClean="0">
+              <a:latin typeface="メイリオ" panose="020B0604030504040204" pitchFamily="50" charset="-128"/>
+            </a:endParaRPr>
           </a:p>
         </p:txBody>
       </p:sp>
     </p:spTree>
     <p:extLst>
       <p:ext uri="{BB962C8B-B14F-4D97-AF65-F5344CB8AC3E}">
-        <p14:creationId xmlns:p14="http://schemas.microsoft.com/office/powerpoint/2010/main" val="4135276054"/>
+        <p14:creationId xmlns:p14="http://schemas.microsoft.com/office/powerpoint/2010/main" val="2980494392"/>
       </p:ext>
     </p:extLst>
   </p:cSld>

--- a/docs/[アプリ]インターンテキスト2016(冬)_第1版.pptx
+++ b/docs/[アプリ]インターンテキスト2016(冬)_第1版.pptx
@@ -5,10 +5,10 @@
     <p:sldMasterId id="2147483693" r:id="rId1"/>
   </p:sldMasterIdLst>
   <p:notesMasterIdLst>
-    <p:notesMasterId r:id="rId37"/>
+    <p:notesMasterId r:id="rId39"/>
   </p:notesMasterIdLst>
   <p:handoutMasterIdLst>
-    <p:handoutMasterId r:id="rId38"/>
+    <p:handoutMasterId r:id="rId40"/>
   </p:handoutMasterIdLst>
   <p:sldIdLst>
     <p:sldId id="256" r:id="rId2"/>
@@ -26,26 +26,28 @@
     <p:sldId id="364" r:id="rId14"/>
     <p:sldId id="365" r:id="rId15"/>
     <p:sldId id="368" r:id="rId16"/>
-    <p:sldId id="363" r:id="rId17"/>
-    <p:sldId id="370" r:id="rId18"/>
-    <p:sldId id="372" r:id="rId19"/>
-    <p:sldId id="330" r:id="rId20"/>
-    <p:sldId id="373" r:id="rId21"/>
-    <p:sldId id="374" r:id="rId22"/>
-    <p:sldId id="375" r:id="rId23"/>
-    <p:sldId id="376" r:id="rId24"/>
-    <p:sldId id="320" r:id="rId25"/>
-    <p:sldId id="369" r:id="rId26"/>
-    <p:sldId id="384" r:id="rId27"/>
-    <p:sldId id="349" r:id="rId28"/>
-    <p:sldId id="348" r:id="rId29"/>
-    <p:sldId id="385" r:id="rId30"/>
+    <p:sldId id="388" r:id="rId17"/>
+    <p:sldId id="363" r:id="rId18"/>
+    <p:sldId id="370" r:id="rId19"/>
+    <p:sldId id="372" r:id="rId20"/>
+    <p:sldId id="330" r:id="rId21"/>
+    <p:sldId id="373" r:id="rId22"/>
+    <p:sldId id="374" r:id="rId23"/>
+    <p:sldId id="375" r:id="rId24"/>
+    <p:sldId id="376" r:id="rId25"/>
+    <p:sldId id="320" r:id="rId26"/>
+    <p:sldId id="369" r:id="rId27"/>
+    <p:sldId id="384" r:id="rId28"/>
+    <p:sldId id="349" r:id="rId29"/>
+    <p:sldId id="348" r:id="rId30"/>
     <p:sldId id="386" r:id="rId31"/>
-    <p:sldId id="379" r:id="rId32"/>
-    <p:sldId id="378" r:id="rId33"/>
+    <p:sldId id="378" r:id="rId32"/>
+    <p:sldId id="391" r:id="rId33"/>
     <p:sldId id="382" r:id="rId34"/>
     <p:sldId id="383" r:id="rId35"/>
     <p:sldId id="381" r:id="rId36"/>
+    <p:sldId id="390" r:id="rId37"/>
+    <p:sldId id="379" r:id="rId38"/>
   </p:sldIdLst>
   <p:sldSz cx="9144000" cy="6858000" type="screen4x3"/>
   <p:notesSz cx="30632400" cy="19659600"/>
@@ -1913,32 +1915,32 @@
     </dgm:pt>
   </dgm:ptLst>
   <dgm:cxnLst>
+    <dgm:cxn modelId="{D0FE19AC-4C84-4E83-9169-49C83FEE961E}" type="presOf" srcId="{318EC1C5-01C2-4D5A-B5E1-D046CBA3A450}" destId="{E73274F1-72A6-48CA-B0DC-29507193EFC2}" srcOrd="0" destOrd="0" presId="urn:microsoft.com/office/officeart/2005/8/layout/list1"/>
+    <dgm:cxn modelId="{ABB99D13-B895-47D1-9302-35028023FF15}" srcId="{F4D68245-FAF4-4CC6-B379-F19FE61B3F3A}" destId="{3CF74569-CDFF-42A8-9926-8A4F847D45A6}" srcOrd="4" destOrd="0" parTransId="{BA44FCCF-D55E-4883-B14B-F73044974A54}" sibTransId="{5C9DB780-9F96-43B7-91BA-2B5D8F8DF072}"/>
+    <dgm:cxn modelId="{A5E0B0C2-2F01-4953-8747-A4E8425F2E30}" type="presOf" srcId="{318EC1C5-01C2-4D5A-B5E1-D046CBA3A450}" destId="{3E108A42-F971-40FD-B8B5-8053FE3DFFED}" srcOrd="1" destOrd="0" presId="urn:microsoft.com/office/officeart/2005/8/layout/list1"/>
+    <dgm:cxn modelId="{ABC2058A-61EA-4C09-93B1-95BB0BFE07E3}" type="presOf" srcId="{9A350A38-C4D8-4CED-A97D-34A6653F0070}" destId="{A9F20686-CB26-481E-B07F-8D9392247974}" srcOrd="0" destOrd="0" presId="urn:microsoft.com/office/officeart/2005/8/layout/list1"/>
+    <dgm:cxn modelId="{CE089D6E-8A83-4879-A1CE-F65EDA0B6FF0}" srcId="{F4D68245-FAF4-4CC6-B379-F19FE61B3F3A}" destId="{84A9CE61-1DB9-4F5F-88D6-73A99DF055DC}" srcOrd="2" destOrd="0" parTransId="{2C9F8FAF-28A6-4AE6-BC18-2D665E7148A2}" sibTransId="{3FB85DEE-B021-45A6-9700-A50BBCC2BDB9}"/>
+    <dgm:cxn modelId="{F167247D-9E9F-4270-A6DA-83E1D5E9FFAE}" type="presOf" srcId="{3CF74569-CDFF-42A8-9926-8A4F847D45A6}" destId="{7505A9C8-C794-4C91-B294-0191F9906945}" srcOrd="0" destOrd="0" presId="urn:microsoft.com/office/officeart/2005/8/layout/list1"/>
+    <dgm:cxn modelId="{A3C07C4A-3B88-4C17-BD3F-F4DC5C9493FA}" srcId="{F4D68245-FAF4-4CC6-B379-F19FE61B3F3A}" destId="{B96C0C27-32ED-4E98-87FD-0B28016ACA79}" srcOrd="3" destOrd="0" parTransId="{40AF6545-19E1-40B7-9525-4D89D781B064}" sibTransId="{394810B0-0D39-4BDA-A094-9E41909FFA71}"/>
+    <dgm:cxn modelId="{FF8CC2AA-E06D-4612-9737-19D24C2E598D}" type="presOf" srcId="{84A9CE61-1DB9-4F5F-88D6-73A99DF055DC}" destId="{9B8A3B99-4C80-4C31-9CB2-B22B3D064ED7}" srcOrd="0" destOrd="0" presId="urn:microsoft.com/office/officeart/2005/8/layout/list1"/>
     <dgm:cxn modelId="{1B879C3C-BEF8-4DE6-8BE7-B8752393D9CB}" srcId="{B6A58EF3-02D6-4CDB-9A53-C24DF5013EAC}" destId="{14B39EFB-1FB9-4253-B240-E9B587FF9046}" srcOrd="0" destOrd="0" parTransId="{D7B29F0E-B2E6-40F1-AFD9-56FA5BE90EF1}" sibTransId="{4AAFB005-2568-4B11-9584-E8EBC8212E5A}"/>
-    <dgm:cxn modelId="{FF8CC2AA-E06D-4612-9737-19D24C2E598D}" type="presOf" srcId="{84A9CE61-1DB9-4F5F-88D6-73A99DF055DC}" destId="{9B8A3B99-4C80-4C31-9CB2-B22B3D064ED7}" srcOrd="0" destOrd="0" presId="urn:microsoft.com/office/officeart/2005/8/layout/list1"/>
+    <dgm:cxn modelId="{3879CDF9-9C8D-44C2-9563-546BD5E08013}" type="presOf" srcId="{6CCF9B1B-9933-4C57-A357-C938047CA864}" destId="{B0949CA9-0133-4415-8E1F-A3E05B73F0C2}" srcOrd="0" destOrd="0" presId="urn:microsoft.com/office/officeart/2005/8/layout/list1"/>
+    <dgm:cxn modelId="{DD92DFE0-FAC9-47E9-BB54-DA6A6AB1D4DA}" type="presOf" srcId="{721D9BF5-30B2-410C-890F-0261A687D057}" destId="{5135C4A8-BBFD-430C-9A9E-9E3C2B7C7C99}" srcOrd="0" destOrd="0" presId="urn:microsoft.com/office/officeart/2005/8/layout/list1"/>
+    <dgm:cxn modelId="{0E42A35C-8FA3-42B4-8B6F-FC2B2E5ECC47}" type="presOf" srcId="{84A9CE61-1DB9-4F5F-88D6-73A99DF055DC}" destId="{4AEA032C-B041-4913-8E61-711E2F0E1DB9}" srcOrd="1" destOrd="0" presId="urn:microsoft.com/office/officeart/2005/8/layout/list1"/>
     <dgm:cxn modelId="{22A4273A-848E-4A8D-A0BE-BBE16295BFF7}" type="presOf" srcId="{E57AF1F9-36EC-4FB3-A8AA-D70421032AF5}" destId="{300A884A-4414-41E4-96B2-EEC76C302FD2}" srcOrd="0" destOrd="0" presId="urn:microsoft.com/office/officeart/2005/8/layout/list1"/>
-    <dgm:cxn modelId="{D0FE19AC-4C84-4E83-9169-49C83FEE961E}" type="presOf" srcId="{318EC1C5-01C2-4D5A-B5E1-D046CBA3A450}" destId="{E73274F1-72A6-48CA-B0DC-29507193EFC2}" srcOrd="0" destOrd="0" presId="urn:microsoft.com/office/officeart/2005/8/layout/list1"/>
-    <dgm:cxn modelId="{0E42A35C-8FA3-42B4-8B6F-FC2B2E5ECC47}" type="presOf" srcId="{84A9CE61-1DB9-4F5F-88D6-73A99DF055DC}" destId="{4AEA032C-B041-4913-8E61-711E2F0E1DB9}" srcOrd="1" destOrd="0" presId="urn:microsoft.com/office/officeart/2005/8/layout/list1"/>
-    <dgm:cxn modelId="{CE089D6E-8A83-4879-A1CE-F65EDA0B6FF0}" srcId="{F4D68245-FAF4-4CC6-B379-F19FE61B3F3A}" destId="{84A9CE61-1DB9-4F5F-88D6-73A99DF055DC}" srcOrd="2" destOrd="0" parTransId="{2C9F8FAF-28A6-4AE6-BC18-2D665E7148A2}" sibTransId="{3FB85DEE-B021-45A6-9700-A50BBCC2BDB9}"/>
+    <dgm:cxn modelId="{B89D02FD-0DBD-4301-BC6A-567A35220366}" srcId="{F4D68245-FAF4-4CC6-B379-F19FE61B3F3A}" destId="{318EC1C5-01C2-4D5A-B5E1-D046CBA3A450}" srcOrd="0" destOrd="0" parTransId="{6BCC6C11-95D3-44C6-81E4-9C9867563E59}" sibTransId="{D72DD8B3-6162-433B-92A6-C4481B0513E7}"/>
+    <dgm:cxn modelId="{AC15BD30-66C2-4DF8-8F97-AF6A93575C14}" srcId="{318EC1C5-01C2-4D5A-B5E1-D046CBA3A450}" destId="{721D9BF5-30B2-410C-890F-0261A687D057}" srcOrd="0" destOrd="0" parTransId="{94777DD7-1C75-49AF-A920-9216238CED57}" sibTransId="{AF2113D1-D6D3-48A6-BD0E-82872F3170A8}"/>
+    <dgm:cxn modelId="{CE158381-2806-414A-8B7B-245124552462}" srcId="{F4D68245-FAF4-4CC6-B379-F19FE61B3F3A}" destId="{B6A58EF3-02D6-4CDB-9A53-C24DF5013EAC}" srcOrd="1" destOrd="0" parTransId="{3EAFC36C-D07E-495A-ACF5-162287F8E081}" sibTransId="{4CA0D09C-709E-44B5-88C8-A05B917E2653}"/>
     <dgm:cxn modelId="{170D1D1B-2207-4130-99E7-A6D2287CAE9C}" type="presOf" srcId="{B96C0C27-32ED-4E98-87FD-0B28016ACA79}" destId="{94F052CA-06DD-4680-9251-8BE49B7751FE}" srcOrd="1" destOrd="0" presId="urn:microsoft.com/office/officeart/2005/8/layout/list1"/>
-    <dgm:cxn modelId="{CE158381-2806-414A-8B7B-245124552462}" srcId="{F4D68245-FAF4-4CC6-B379-F19FE61B3F3A}" destId="{B6A58EF3-02D6-4CDB-9A53-C24DF5013EAC}" srcOrd="1" destOrd="0" parTransId="{3EAFC36C-D07E-495A-ACF5-162287F8E081}" sibTransId="{4CA0D09C-709E-44B5-88C8-A05B917E2653}"/>
-    <dgm:cxn modelId="{A3C07C4A-3B88-4C17-BD3F-F4DC5C9493FA}" srcId="{F4D68245-FAF4-4CC6-B379-F19FE61B3F3A}" destId="{B96C0C27-32ED-4E98-87FD-0B28016ACA79}" srcOrd="3" destOrd="0" parTransId="{40AF6545-19E1-40B7-9525-4D89D781B064}" sibTransId="{394810B0-0D39-4BDA-A094-9E41909FFA71}"/>
+    <dgm:cxn modelId="{7D443029-6D51-4481-B622-C0710776E4D7}" type="presOf" srcId="{F4D68245-FAF4-4CC6-B379-F19FE61B3F3A}" destId="{FD85BA53-0B40-4D9D-A31A-1CF74D5FE609}" srcOrd="0" destOrd="0" presId="urn:microsoft.com/office/officeart/2005/8/layout/list1"/>
+    <dgm:cxn modelId="{0A6EA156-6798-40DA-A239-FBC6B2CA0F8E}" type="presOf" srcId="{B6A58EF3-02D6-4CDB-9A53-C24DF5013EAC}" destId="{85C3A675-E492-47D6-A62E-EB939DC2481C}" srcOrd="1" destOrd="0" presId="urn:microsoft.com/office/officeart/2005/8/layout/list1"/>
+    <dgm:cxn modelId="{6C7CAD35-71A6-4E7B-9F79-BA4831B70563}" srcId="{84A9CE61-1DB9-4F5F-88D6-73A99DF055DC}" destId="{6CCF9B1B-9933-4C57-A357-C938047CA864}" srcOrd="0" destOrd="0" parTransId="{7CADEC9B-7944-40E5-A0A5-F3C87D587C50}" sibTransId="{77F051D4-5776-4C18-9B71-2E7D10F0B88C}"/>
+    <dgm:cxn modelId="{2E10BEFB-4BC1-4B6D-8F23-F3433E3BEBF3}" type="presOf" srcId="{3CF74569-CDFF-42A8-9926-8A4F847D45A6}" destId="{BC5A3E48-2EC4-44D9-B3BD-C526EF19B38B}" srcOrd="1" destOrd="0" presId="urn:microsoft.com/office/officeart/2005/8/layout/list1"/>
     <dgm:cxn modelId="{EBC182B6-5EEB-4590-AD6B-583803CEED4D}" type="presOf" srcId="{B96C0C27-32ED-4E98-87FD-0B28016ACA79}" destId="{80CA4571-6EB7-445A-A12B-3585A981E4D6}" srcOrd="0" destOrd="0" presId="urn:microsoft.com/office/officeart/2005/8/layout/list1"/>
-    <dgm:cxn modelId="{3879CDF9-9C8D-44C2-9563-546BD5E08013}" type="presOf" srcId="{6CCF9B1B-9933-4C57-A357-C938047CA864}" destId="{B0949CA9-0133-4415-8E1F-A3E05B73F0C2}" srcOrd="0" destOrd="0" presId="urn:microsoft.com/office/officeart/2005/8/layout/list1"/>
-    <dgm:cxn modelId="{AC15BD30-66C2-4DF8-8F97-AF6A93575C14}" srcId="{318EC1C5-01C2-4D5A-B5E1-D046CBA3A450}" destId="{721D9BF5-30B2-410C-890F-0261A687D057}" srcOrd="0" destOrd="0" parTransId="{94777DD7-1C75-49AF-A920-9216238CED57}" sibTransId="{AF2113D1-D6D3-48A6-BD0E-82872F3170A8}"/>
-    <dgm:cxn modelId="{0A6EA156-6798-40DA-A239-FBC6B2CA0F8E}" type="presOf" srcId="{B6A58EF3-02D6-4CDB-9A53-C24DF5013EAC}" destId="{85C3A675-E492-47D6-A62E-EB939DC2481C}" srcOrd="1" destOrd="0" presId="urn:microsoft.com/office/officeart/2005/8/layout/list1"/>
-    <dgm:cxn modelId="{A5E0B0C2-2F01-4953-8747-A4E8425F2E30}" type="presOf" srcId="{318EC1C5-01C2-4D5A-B5E1-D046CBA3A450}" destId="{3E108A42-F971-40FD-B8B5-8053FE3DFFED}" srcOrd="1" destOrd="0" presId="urn:microsoft.com/office/officeart/2005/8/layout/list1"/>
     <dgm:cxn modelId="{59A2BED4-B78E-45D7-A581-38F88AFFA907}" type="presOf" srcId="{B6A58EF3-02D6-4CDB-9A53-C24DF5013EAC}" destId="{113C4C20-72E5-48E3-ADC0-FA5BC3201211}" srcOrd="0" destOrd="0" presId="urn:microsoft.com/office/officeart/2005/8/layout/list1"/>
-    <dgm:cxn modelId="{7D443029-6D51-4481-B622-C0710776E4D7}" type="presOf" srcId="{F4D68245-FAF4-4CC6-B379-F19FE61B3F3A}" destId="{FD85BA53-0B40-4D9D-A31A-1CF74D5FE609}" srcOrd="0" destOrd="0" presId="urn:microsoft.com/office/officeart/2005/8/layout/list1"/>
-    <dgm:cxn modelId="{B89D02FD-0DBD-4301-BC6A-567A35220366}" srcId="{F4D68245-FAF4-4CC6-B379-F19FE61B3F3A}" destId="{318EC1C5-01C2-4D5A-B5E1-D046CBA3A450}" srcOrd="0" destOrd="0" parTransId="{6BCC6C11-95D3-44C6-81E4-9C9867563E59}" sibTransId="{D72DD8B3-6162-433B-92A6-C4481B0513E7}"/>
     <dgm:cxn modelId="{C4DAD023-C2CE-4D50-9DEF-7E8A1532F12C}" type="presOf" srcId="{14B39EFB-1FB9-4253-B240-E9B587FF9046}" destId="{00D17C8F-EE16-4077-9259-335D73CAEB5F}" srcOrd="0" destOrd="0" presId="urn:microsoft.com/office/officeart/2005/8/layout/list1"/>
-    <dgm:cxn modelId="{F167247D-9E9F-4270-A6DA-83E1D5E9FFAE}" type="presOf" srcId="{3CF74569-CDFF-42A8-9926-8A4F847D45A6}" destId="{7505A9C8-C794-4C91-B294-0191F9906945}" srcOrd="0" destOrd="0" presId="urn:microsoft.com/office/officeart/2005/8/layout/list1"/>
-    <dgm:cxn modelId="{ABC2058A-61EA-4C09-93B1-95BB0BFE07E3}" type="presOf" srcId="{9A350A38-C4D8-4CED-A97D-34A6653F0070}" destId="{A9F20686-CB26-481E-B07F-8D9392247974}" srcOrd="0" destOrd="0" presId="urn:microsoft.com/office/officeart/2005/8/layout/list1"/>
-    <dgm:cxn modelId="{2E10BEFB-4BC1-4B6D-8F23-F3433E3BEBF3}" type="presOf" srcId="{3CF74569-CDFF-42A8-9926-8A4F847D45A6}" destId="{BC5A3E48-2EC4-44D9-B3BD-C526EF19B38B}" srcOrd="1" destOrd="0" presId="urn:microsoft.com/office/officeart/2005/8/layout/list1"/>
-    <dgm:cxn modelId="{ABB99D13-B895-47D1-9302-35028023FF15}" srcId="{F4D68245-FAF4-4CC6-B379-F19FE61B3F3A}" destId="{3CF74569-CDFF-42A8-9926-8A4F847D45A6}" srcOrd="4" destOrd="0" parTransId="{BA44FCCF-D55E-4883-B14B-F73044974A54}" sibTransId="{5C9DB780-9F96-43B7-91BA-2B5D8F8DF072}"/>
+    <dgm:cxn modelId="{6A7EE0A7-F1E2-4DB6-A0FD-818F175C54B7}" srcId="{3CF74569-CDFF-42A8-9926-8A4F847D45A6}" destId="{E57AF1F9-36EC-4FB3-A8AA-D70421032AF5}" srcOrd="0" destOrd="0" parTransId="{7FB94998-1461-4C2A-AE87-A8C099402BAE}" sibTransId="{3806B316-7832-4AE2-B88F-4D8F58662505}"/>
     <dgm:cxn modelId="{8C880EEA-0925-439C-8CE4-60F32935C8B5}" srcId="{B96C0C27-32ED-4E98-87FD-0B28016ACA79}" destId="{9A350A38-C4D8-4CED-A97D-34A6653F0070}" srcOrd="0" destOrd="0" parTransId="{5B61D6AB-CD03-415A-A45B-B1677608540B}" sibTransId="{B3221E60-1270-4487-AFD4-7808260B09E6}"/>
-    <dgm:cxn modelId="{DD92DFE0-FAC9-47E9-BB54-DA6A6AB1D4DA}" type="presOf" srcId="{721D9BF5-30B2-410C-890F-0261A687D057}" destId="{5135C4A8-BBFD-430C-9A9E-9E3C2B7C7C99}" srcOrd="0" destOrd="0" presId="urn:microsoft.com/office/officeart/2005/8/layout/list1"/>
-    <dgm:cxn modelId="{6A7EE0A7-F1E2-4DB6-A0FD-818F175C54B7}" srcId="{3CF74569-CDFF-42A8-9926-8A4F847D45A6}" destId="{E57AF1F9-36EC-4FB3-A8AA-D70421032AF5}" srcOrd="0" destOrd="0" parTransId="{7FB94998-1461-4C2A-AE87-A8C099402BAE}" sibTransId="{3806B316-7832-4AE2-B88F-4D8F58662505}"/>
-    <dgm:cxn modelId="{6C7CAD35-71A6-4E7B-9F79-BA4831B70563}" srcId="{84A9CE61-1DB9-4F5F-88D6-73A99DF055DC}" destId="{6CCF9B1B-9933-4C57-A357-C938047CA864}" srcOrd="0" destOrd="0" parTransId="{7CADEC9B-7944-40E5-A0A5-F3C87D587C50}" sibTransId="{77F051D4-5776-4C18-9B71-2E7D10F0B88C}"/>
     <dgm:cxn modelId="{11C97640-D4F3-4C3C-90D4-3FD3CC5E1B9E}" type="presParOf" srcId="{FD85BA53-0B40-4D9D-A31A-1CF74D5FE609}" destId="{F7CA35AC-F1DE-4EA2-95FB-663FEAEE5A7B}" srcOrd="0" destOrd="0" presId="urn:microsoft.com/office/officeart/2005/8/layout/list1"/>
     <dgm:cxn modelId="{3969AAC1-8E95-4654-84C0-CD9A93863EFA}" type="presParOf" srcId="{F7CA35AC-F1DE-4EA2-95FB-663FEAEE5A7B}" destId="{E73274F1-72A6-48CA-B0DC-29507193EFC2}" srcOrd="0" destOrd="0" presId="urn:microsoft.com/office/officeart/2005/8/layout/list1"/>
     <dgm:cxn modelId="{4BF09648-D79E-41C9-A341-874EE2D5EC50}" type="presParOf" srcId="{F7CA35AC-F1DE-4EA2-95FB-663FEAEE5A7B}" destId="{3E108A42-F971-40FD-B8B5-8053FE3DFFED}" srcOrd="1" destOrd="0" presId="urn:microsoft.com/office/officeart/2005/8/layout/list1"/>
@@ -1987,918 +1989,6 @@
       <dsp:cNvGrpSpPr/>
     </dsp:nvGrpSpPr>
     <dsp:grpSpPr/>
-    <dsp:sp modelId="{5135C4A8-BBFD-430C-9A9E-9E3C2B7C7C99}">
-      <dsp:nvSpPr>
-        <dsp:cNvPr id="0" name=""/>
-        <dsp:cNvSpPr/>
-      </dsp:nvSpPr>
-      <dsp:spPr>
-        <a:xfrm>
-          <a:off x="0" y="283260"/>
-          <a:ext cx="7452320" cy="756000"/>
-        </a:xfrm>
-        <a:prstGeom prst="rect">
-          <a:avLst/>
-        </a:prstGeom>
-        <a:solidFill>
-          <a:schemeClr val="lt1">
-            <a:alpha val="90000"/>
-            <a:hueOff val="0"/>
-            <a:satOff val="0"/>
-            <a:lumOff val="0"/>
-            <a:alphaOff val="0"/>
-          </a:schemeClr>
-        </a:solidFill>
-        <a:ln w="12700" cap="flat" cmpd="sng" algn="ctr">
-          <a:solidFill>
-            <a:schemeClr val="accent2">
-              <a:hueOff val="0"/>
-              <a:satOff val="0"/>
-              <a:lumOff val="0"/>
-              <a:alphaOff val="0"/>
-            </a:schemeClr>
-          </a:solidFill>
-          <a:prstDash val="solid"/>
-          <a:miter lim="800000"/>
-        </a:ln>
-        <a:effectLst/>
-      </dsp:spPr>
-      <dsp:style>
-        <a:lnRef idx="2">
-          <a:scrgbClr r="0" g="0" b="0"/>
-        </a:lnRef>
-        <a:fillRef idx="1">
-          <a:scrgbClr r="0" g="0" b="0"/>
-        </a:fillRef>
-        <a:effectRef idx="0">
-          <a:scrgbClr r="0" g="0" b="0"/>
-        </a:effectRef>
-        <a:fontRef idx="minor"/>
-      </dsp:style>
-      <dsp:txBody>
-        <a:bodyPr spcFirstLastPara="0" vert="horz" wrap="square" lIns="578383" tIns="333248" rIns="578383" bIns="99568" numCol="1" spcCol="1270" anchor="t" anchorCtr="0">
-          <a:noAutofit/>
-        </a:bodyPr>
-        <a:lstStyle/>
-        <a:p>
-          <a:pPr marL="114300" lvl="1" indent="-114300" algn="l" defTabSz="622300">
-            <a:lnSpc>
-              <a:spcPct val="90000"/>
-            </a:lnSpc>
-            <a:spcBef>
-              <a:spcPct val="0"/>
-            </a:spcBef>
-            <a:spcAft>
-              <a:spcPct val="15000"/>
-            </a:spcAft>
-            <a:buChar char="••"/>
-          </a:pPr>
-          <a:r>
-            <a:rPr kumimoji="1" lang="ja-JP" altLang="en-US" sz="1400" b="0" kern="1200" smtClean="0">
-              <a:latin typeface="+mj-ea"/>
-              <a:ea typeface="+mj-ea"/>
-              <a:cs typeface="Meiryo UI" panose="020B0604030504040204" pitchFamily="50" charset="-128"/>
-            </a:rPr>
-            <a:t>開発するアプリケーションの機能と目的、対象範囲のまとめる工程。</a:t>
-          </a:r>
-          <a:endParaRPr kumimoji="1" lang="ja-JP" altLang="en-US" sz="1400" b="0" kern="1200">
-            <a:latin typeface="+mj-ea"/>
-            <a:ea typeface="+mj-ea"/>
-            <a:cs typeface="Meiryo UI" panose="020B0604030504040204" pitchFamily="50" charset="-128"/>
-          </a:endParaRPr>
-        </a:p>
-      </dsp:txBody>
-      <dsp:txXfrm>
-        <a:off x="0" y="283260"/>
-        <a:ext cx="7452320" cy="756000"/>
-      </dsp:txXfrm>
-    </dsp:sp>
-    <dsp:sp modelId="{3E108A42-F971-40FD-B8B5-8053FE3DFFED}">
-      <dsp:nvSpPr>
-        <dsp:cNvPr id="0" name=""/>
-        <dsp:cNvSpPr/>
-      </dsp:nvSpPr>
-      <dsp:spPr>
-        <a:xfrm>
-          <a:off x="372616" y="47100"/>
-          <a:ext cx="5216624" cy="472320"/>
-        </a:xfrm>
-        <a:prstGeom prst="roundRect">
-          <a:avLst/>
-        </a:prstGeom>
-        <a:solidFill>
-          <a:schemeClr val="accent2">
-            <a:hueOff val="0"/>
-            <a:satOff val="0"/>
-            <a:lumOff val="0"/>
-            <a:alphaOff val="0"/>
-          </a:schemeClr>
-        </a:solidFill>
-        <a:ln w="19050" cap="flat" cmpd="sng" algn="ctr">
-          <a:solidFill>
-            <a:schemeClr val="lt1">
-              <a:hueOff val="0"/>
-              <a:satOff val="0"/>
-              <a:lumOff val="0"/>
-              <a:alphaOff val="0"/>
-            </a:schemeClr>
-          </a:solidFill>
-          <a:prstDash val="solid"/>
-          <a:miter lim="800000"/>
-        </a:ln>
-        <a:effectLst/>
-      </dsp:spPr>
-      <dsp:style>
-        <a:lnRef idx="3">
-          <a:scrgbClr r="0" g="0" b="0"/>
-        </a:lnRef>
-        <a:fillRef idx="1">
-          <a:scrgbClr r="0" g="0" b="0"/>
-        </a:fillRef>
-        <a:effectRef idx="1">
-          <a:scrgbClr r="0" g="0" b="0"/>
-        </a:effectRef>
-        <a:fontRef idx="minor">
-          <a:schemeClr val="lt1"/>
-        </a:fontRef>
-      </dsp:style>
-      <dsp:txBody>
-        <a:bodyPr spcFirstLastPara="0" vert="horz" wrap="square" lIns="197176" tIns="0" rIns="197176" bIns="0" numCol="1" spcCol="1270" anchor="ctr" anchorCtr="0">
-          <a:noAutofit/>
-        </a:bodyPr>
-        <a:lstStyle/>
-        <a:p>
-          <a:pPr lvl="0" algn="l" defTabSz="800100">
-            <a:lnSpc>
-              <a:spcPct val="90000"/>
-            </a:lnSpc>
-            <a:spcBef>
-              <a:spcPct val="0"/>
-            </a:spcBef>
-            <a:spcAft>
-              <a:spcPct val="35000"/>
-            </a:spcAft>
-          </a:pPr>
-          <a:r>
-            <a:rPr kumimoji="1" lang="en-US" altLang="ja-JP" sz="1800" b="0" kern="1200" smtClean="0">
-              <a:latin typeface="+mj-ea"/>
-              <a:ea typeface="+mj-ea"/>
-              <a:cs typeface="Meiryo UI" panose="020B0604030504040204" pitchFamily="50" charset="-128"/>
-            </a:rPr>
-            <a:t>Ⅰ. </a:t>
-          </a:r>
-          <a:r>
-            <a:rPr kumimoji="1" lang="ja-JP" altLang="en-US" sz="1800" b="0" kern="1200" smtClean="0">
-              <a:latin typeface="+mj-ea"/>
-              <a:ea typeface="+mj-ea"/>
-              <a:cs typeface="Meiryo UI" panose="020B0604030504040204" pitchFamily="50" charset="-128"/>
-            </a:rPr>
-            <a:t>要件</a:t>
-          </a:r>
-          <a:r>
-            <a:rPr kumimoji="1" lang="ja-JP" altLang="en-US" sz="1800" b="0" kern="1200">
-              <a:latin typeface="+mj-ea"/>
-              <a:ea typeface="+mj-ea"/>
-              <a:cs typeface="Meiryo UI" panose="020B0604030504040204" pitchFamily="50" charset="-128"/>
-            </a:rPr>
-            <a:t>定義</a:t>
-          </a:r>
-        </a:p>
-      </dsp:txBody>
-      <dsp:txXfrm>
-        <a:off x="395673" y="70157"/>
-        <a:ext cx="5170510" cy="426206"/>
-      </dsp:txXfrm>
-    </dsp:sp>
-    <dsp:sp modelId="{00D17C8F-EE16-4077-9259-335D73CAEB5F}">
-      <dsp:nvSpPr>
-        <dsp:cNvPr id="0" name=""/>
-        <dsp:cNvSpPr/>
-      </dsp:nvSpPr>
-      <dsp:spPr>
-        <a:xfrm>
-          <a:off x="0" y="1361820"/>
-          <a:ext cx="7452320" cy="756000"/>
-        </a:xfrm>
-        <a:prstGeom prst="rect">
-          <a:avLst/>
-        </a:prstGeom>
-        <a:solidFill>
-          <a:schemeClr val="lt1">
-            <a:alpha val="90000"/>
-            <a:hueOff val="0"/>
-            <a:satOff val="0"/>
-            <a:lumOff val="0"/>
-            <a:alphaOff val="0"/>
-          </a:schemeClr>
-        </a:solidFill>
-        <a:ln w="12700" cap="flat" cmpd="sng" algn="ctr">
-          <a:solidFill>
-            <a:schemeClr val="accent2">
-              <a:hueOff val="0"/>
-              <a:satOff val="0"/>
-              <a:lumOff val="0"/>
-              <a:alphaOff val="0"/>
-            </a:schemeClr>
-          </a:solidFill>
-          <a:prstDash val="solid"/>
-          <a:miter lim="800000"/>
-        </a:ln>
-        <a:effectLst/>
-      </dsp:spPr>
-      <dsp:style>
-        <a:lnRef idx="2">
-          <a:scrgbClr r="0" g="0" b="0"/>
-        </a:lnRef>
-        <a:fillRef idx="1">
-          <a:scrgbClr r="0" g="0" b="0"/>
-        </a:fillRef>
-        <a:effectRef idx="0">
-          <a:scrgbClr r="0" g="0" b="0"/>
-        </a:effectRef>
-        <a:fontRef idx="minor"/>
-      </dsp:style>
-      <dsp:txBody>
-        <a:bodyPr spcFirstLastPara="0" vert="horz" wrap="square" lIns="578383" tIns="333248" rIns="578383" bIns="99568" numCol="1" spcCol="1270" anchor="t" anchorCtr="0">
-          <a:noAutofit/>
-        </a:bodyPr>
-        <a:lstStyle/>
-        <a:p>
-          <a:pPr marL="114300" lvl="1" indent="-114300" algn="l" defTabSz="622300">
-            <a:lnSpc>
-              <a:spcPct val="90000"/>
-            </a:lnSpc>
-            <a:spcBef>
-              <a:spcPct val="0"/>
-            </a:spcBef>
-            <a:spcAft>
-              <a:spcPct val="15000"/>
-            </a:spcAft>
-            <a:buChar char="••"/>
-          </a:pPr>
-          <a:r>
-            <a:rPr kumimoji="1" lang="ja-JP" altLang="en-US" sz="1400" b="0" kern="1200" smtClean="0">
-              <a:latin typeface="+mj-ea"/>
-              <a:ea typeface="+mj-ea"/>
-              <a:cs typeface="Meiryo UI" panose="020B0604030504040204" pitchFamily="50" charset="-128"/>
-            </a:rPr>
-            <a:t>製作するアプリのシステム要件・業務要件をまとめる工程。</a:t>
-          </a:r>
-          <a:endParaRPr kumimoji="1" lang="ja-JP" altLang="en-US" sz="1400" b="0" kern="1200">
-            <a:latin typeface="+mj-ea"/>
-            <a:ea typeface="+mj-ea"/>
-            <a:cs typeface="Meiryo UI" panose="020B0604030504040204" pitchFamily="50" charset="-128"/>
-          </a:endParaRPr>
-        </a:p>
-      </dsp:txBody>
-      <dsp:txXfrm>
-        <a:off x="0" y="1361820"/>
-        <a:ext cx="7452320" cy="756000"/>
-      </dsp:txXfrm>
-    </dsp:sp>
-    <dsp:sp modelId="{85C3A675-E492-47D6-A62E-EB939DC2481C}">
-      <dsp:nvSpPr>
-        <dsp:cNvPr id="0" name=""/>
-        <dsp:cNvSpPr/>
-      </dsp:nvSpPr>
-      <dsp:spPr>
-        <a:xfrm>
-          <a:off x="372616" y="1125660"/>
-          <a:ext cx="5216624" cy="472320"/>
-        </a:xfrm>
-        <a:prstGeom prst="roundRect">
-          <a:avLst/>
-        </a:prstGeom>
-        <a:solidFill>
-          <a:schemeClr val="accent2">
-            <a:hueOff val="0"/>
-            <a:satOff val="0"/>
-            <a:lumOff val="0"/>
-            <a:alphaOff val="0"/>
-          </a:schemeClr>
-        </a:solidFill>
-        <a:ln w="19050" cap="flat" cmpd="sng" algn="ctr">
-          <a:solidFill>
-            <a:schemeClr val="lt1">
-              <a:hueOff val="0"/>
-              <a:satOff val="0"/>
-              <a:lumOff val="0"/>
-              <a:alphaOff val="0"/>
-            </a:schemeClr>
-          </a:solidFill>
-          <a:prstDash val="solid"/>
-          <a:miter lim="800000"/>
-        </a:ln>
-        <a:effectLst/>
-      </dsp:spPr>
-      <dsp:style>
-        <a:lnRef idx="3">
-          <a:scrgbClr r="0" g="0" b="0"/>
-        </a:lnRef>
-        <a:fillRef idx="1">
-          <a:scrgbClr r="0" g="0" b="0"/>
-        </a:fillRef>
-        <a:effectRef idx="1">
-          <a:scrgbClr r="0" g="0" b="0"/>
-        </a:effectRef>
-        <a:fontRef idx="minor">
-          <a:schemeClr val="lt1"/>
-        </a:fontRef>
-      </dsp:style>
-      <dsp:txBody>
-        <a:bodyPr spcFirstLastPara="0" vert="horz" wrap="square" lIns="197176" tIns="0" rIns="197176" bIns="0" numCol="1" spcCol="1270" anchor="ctr" anchorCtr="0">
-          <a:noAutofit/>
-        </a:bodyPr>
-        <a:lstStyle/>
-        <a:p>
-          <a:pPr lvl="0" algn="l" defTabSz="800100">
-            <a:lnSpc>
-              <a:spcPct val="90000"/>
-            </a:lnSpc>
-            <a:spcBef>
-              <a:spcPct val="0"/>
-            </a:spcBef>
-            <a:spcAft>
-              <a:spcPct val="35000"/>
-            </a:spcAft>
-          </a:pPr>
-          <a:r>
-            <a:rPr kumimoji="1" lang="en-US" altLang="ja-JP" sz="1800" b="0" kern="1200" smtClean="0">
-              <a:latin typeface="+mj-ea"/>
-              <a:ea typeface="+mj-ea"/>
-              <a:cs typeface="Meiryo UI" panose="020B0604030504040204" pitchFamily="50" charset="-128"/>
-            </a:rPr>
-            <a:t>Ⅱ. </a:t>
-          </a:r>
-          <a:r>
-            <a:rPr kumimoji="1" lang="ja-JP" altLang="en-US" sz="1800" b="0" kern="1200" smtClean="0">
-              <a:latin typeface="+mj-ea"/>
-              <a:ea typeface="+mj-ea"/>
-              <a:cs typeface="Meiryo UI" panose="020B0604030504040204" pitchFamily="50" charset="-128"/>
-            </a:rPr>
-            <a:t>外部</a:t>
-          </a:r>
-          <a:r>
-            <a:rPr kumimoji="1" lang="ja-JP" altLang="en-US" sz="1800" b="0" kern="1200">
-              <a:latin typeface="+mj-ea"/>
-              <a:ea typeface="+mj-ea"/>
-              <a:cs typeface="Meiryo UI" panose="020B0604030504040204" pitchFamily="50" charset="-128"/>
-            </a:rPr>
-            <a:t>設計（基本・機能設計）</a:t>
-          </a:r>
-        </a:p>
-      </dsp:txBody>
-      <dsp:txXfrm>
-        <a:off x="395673" y="1148717"/>
-        <a:ext cx="5170510" cy="426206"/>
-      </dsp:txXfrm>
-    </dsp:sp>
-    <dsp:sp modelId="{B0949CA9-0133-4415-8E1F-A3E05B73F0C2}">
-      <dsp:nvSpPr>
-        <dsp:cNvPr id="0" name=""/>
-        <dsp:cNvSpPr/>
-      </dsp:nvSpPr>
-      <dsp:spPr>
-        <a:xfrm>
-          <a:off x="0" y="2440379"/>
-          <a:ext cx="7452320" cy="756000"/>
-        </a:xfrm>
-        <a:prstGeom prst="rect">
-          <a:avLst/>
-        </a:prstGeom>
-        <a:solidFill>
-          <a:schemeClr val="lt1">
-            <a:alpha val="90000"/>
-            <a:hueOff val="0"/>
-            <a:satOff val="0"/>
-            <a:lumOff val="0"/>
-            <a:alphaOff val="0"/>
-          </a:schemeClr>
-        </a:solidFill>
-        <a:ln w="12700" cap="flat" cmpd="sng" algn="ctr">
-          <a:solidFill>
-            <a:schemeClr val="accent2">
-              <a:hueOff val="0"/>
-              <a:satOff val="0"/>
-              <a:lumOff val="0"/>
-              <a:alphaOff val="0"/>
-            </a:schemeClr>
-          </a:solidFill>
-          <a:prstDash val="solid"/>
-          <a:miter lim="800000"/>
-        </a:ln>
-        <a:effectLst/>
-      </dsp:spPr>
-      <dsp:style>
-        <a:lnRef idx="2">
-          <a:scrgbClr r="0" g="0" b="0"/>
-        </a:lnRef>
-        <a:fillRef idx="1">
-          <a:scrgbClr r="0" g="0" b="0"/>
-        </a:fillRef>
-        <a:effectRef idx="0">
-          <a:scrgbClr r="0" g="0" b="0"/>
-        </a:effectRef>
-        <a:fontRef idx="minor"/>
-      </dsp:style>
-      <dsp:txBody>
-        <a:bodyPr spcFirstLastPara="0" vert="horz" wrap="square" lIns="578383" tIns="333248" rIns="578383" bIns="99568" numCol="1" spcCol="1270" anchor="t" anchorCtr="0">
-          <a:noAutofit/>
-        </a:bodyPr>
-        <a:lstStyle/>
-        <a:p>
-          <a:pPr marL="114300" lvl="1" indent="-114300" algn="l" defTabSz="622300">
-            <a:lnSpc>
-              <a:spcPct val="90000"/>
-            </a:lnSpc>
-            <a:spcBef>
-              <a:spcPct val="0"/>
-            </a:spcBef>
-            <a:spcAft>
-              <a:spcPct val="15000"/>
-            </a:spcAft>
-            <a:buChar char="••"/>
-          </a:pPr>
-          <a:r>
-            <a:rPr kumimoji="1" lang="ja-JP" altLang="en-US" sz="1400" b="0" kern="1200" smtClean="0">
-              <a:latin typeface="+mj-ea"/>
-              <a:ea typeface="+mj-ea"/>
-              <a:cs typeface="Meiryo UI" panose="020B0604030504040204" pitchFamily="50" charset="-128"/>
-            </a:rPr>
-            <a:t>システムの構造や仕様をプログラム単位に分割し、動作を定義していく工程。</a:t>
-          </a:r>
-          <a:endParaRPr kumimoji="1" lang="ja-JP" altLang="en-US" sz="1400" b="0" kern="1200">
-            <a:latin typeface="+mj-ea"/>
-            <a:ea typeface="+mj-ea"/>
-            <a:cs typeface="Meiryo UI" panose="020B0604030504040204" pitchFamily="50" charset="-128"/>
-          </a:endParaRPr>
-        </a:p>
-      </dsp:txBody>
-      <dsp:txXfrm>
-        <a:off x="0" y="2440379"/>
-        <a:ext cx="7452320" cy="756000"/>
-      </dsp:txXfrm>
-    </dsp:sp>
-    <dsp:sp modelId="{4AEA032C-B041-4913-8E61-711E2F0E1DB9}">
-      <dsp:nvSpPr>
-        <dsp:cNvPr id="0" name=""/>
-        <dsp:cNvSpPr/>
-      </dsp:nvSpPr>
-      <dsp:spPr>
-        <a:xfrm>
-          <a:off x="372616" y="2204219"/>
-          <a:ext cx="5216624" cy="472320"/>
-        </a:xfrm>
-        <a:prstGeom prst="roundRect">
-          <a:avLst/>
-        </a:prstGeom>
-        <a:solidFill>
-          <a:schemeClr val="accent2">
-            <a:hueOff val="0"/>
-            <a:satOff val="0"/>
-            <a:lumOff val="0"/>
-            <a:alphaOff val="0"/>
-          </a:schemeClr>
-        </a:solidFill>
-        <a:ln w="19050" cap="flat" cmpd="sng" algn="ctr">
-          <a:solidFill>
-            <a:schemeClr val="lt1">
-              <a:hueOff val="0"/>
-              <a:satOff val="0"/>
-              <a:lumOff val="0"/>
-              <a:alphaOff val="0"/>
-            </a:schemeClr>
-          </a:solidFill>
-          <a:prstDash val="solid"/>
-          <a:miter lim="800000"/>
-        </a:ln>
-        <a:effectLst/>
-      </dsp:spPr>
-      <dsp:style>
-        <a:lnRef idx="3">
-          <a:scrgbClr r="0" g="0" b="0"/>
-        </a:lnRef>
-        <a:fillRef idx="1">
-          <a:scrgbClr r="0" g="0" b="0"/>
-        </a:fillRef>
-        <a:effectRef idx="1">
-          <a:scrgbClr r="0" g="0" b="0"/>
-        </a:effectRef>
-        <a:fontRef idx="minor">
-          <a:schemeClr val="lt1"/>
-        </a:fontRef>
-      </dsp:style>
-      <dsp:txBody>
-        <a:bodyPr spcFirstLastPara="0" vert="horz" wrap="square" lIns="197176" tIns="0" rIns="197176" bIns="0" numCol="1" spcCol="1270" anchor="ctr" anchorCtr="0">
-          <a:noAutofit/>
-        </a:bodyPr>
-        <a:lstStyle/>
-        <a:p>
-          <a:pPr lvl="0" algn="l" defTabSz="800100">
-            <a:lnSpc>
-              <a:spcPct val="90000"/>
-            </a:lnSpc>
-            <a:spcBef>
-              <a:spcPct val="0"/>
-            </a:spcBef>
-            <a:spcAft>
-              <a:spcPct val="35000"/>
-            </a:spcAft>
-          </a:pPr>
-          <a:r>
-            <a:rPr kumimoji="1" lang="en-US" altLang="ja-JP" sz="1800" b="0" kern="1200" smtClean="0">
-              <a:latin typeface="+mj-ea"/>
-              <a:ea typeface="+mj-ea"/>
-              <a:cs typeface="Meiryo UI" panose="020B0604030504040204" pitchFamily="50" charset="-128"/>
-            </a:rPr>
-            <a:t>Ⅲ. </a:t>
-          </a:r>
-          <a:r>
-            <a:rPr kumimoji="1" lang="ja-JP" altLang="en-US" sz="1800" b="0" kern="1200" smtClean="0">
-              <a:latin typeface="+mj-ea"/>
-              <a:ea typeface="+mj-ea"/>
-              <a:cs typeface="Meiryo UI" panose="020B0604030504040204" pitchFamily="50" charset="-128"/>
-            </a:rPr>
-            <a:t>内部</a:t>
-          </a:r>
-          <a:r>
-            <a:rPr kumimoji="1" lang="ja-JP" altLang="en-US" sz="1800" b="0" kern="1200">
-              <a:latin typeface="+mj-ea"/>
-              <a:ea typeface="+mj-ea"/>
-              <a:cs typeface="Meiryo UI" panose="020B0604030504040204" pitchFamily="50" charset="-128"/>
-            </a:rPr>
-            <a:t>設計（詳細設計）</a:t>
-          </a:r>
-        </a:p>
-      </dsp:txBody>
-      <dsp:txXfrm>
-        <a:off x="395673" y="2227276"/>
-        <a:ext cx="5170510" cy="426206"/>
-      </dsp:txXfrm>
-    </dsp:sp>
-    <dsp:sp modelId="{A9F20686-CB26-481E-B07F-8D9392247974}">
-      <dsp:nvSpPr>
-        <dsp:cNvPr id="0" name=""/>
-        <dsp:cNvSpPr/>
-      </dsp:nvSpPr>
-      <dsp:spPr>
-        <a:xfrm>
-          <a:off x="0" y="3518940"/>
-          <a:ext cx="7452320" cy="756000"/>
-        </a:xfrm>
-        <a:prstGeom prst="rect">
-          <a:avLst/>
-        </a:prstGeom>
-        <a:solidFill>
-          <a:schemeClr val="lt1">
-            <a:alpha val="90000"/>
-            <a:hueOff val="0"/>
-            <a:satOff val="0"/>
-            <a:lumOff val="0"/>
-            <a:alphaOff val="0"/>
-          </a:schemeClr>
-        </a:solidFill>
-        <a:ln w="12700" cap="flat" cmpd="sng" algn="ctr">
-          <a:solidFill>
-            <a:schemeClr val="accent2">
-              <a:hueOff val="0"/>
-              <a:satOff val="0"/>
-              <a:lumOff val="0"/>
-              <a:alphaOff val="0"/>
-            </a:schemeClr>
-          </a:solidFill>
-          <a:prstDash val="solid"/>
-          <a:miter lim="800000"/>
-        </a:ln>
-        <a:effectLst/>
-      </dsp:spPr>
-      <dsp:style>
-        <a:lnRef idx="2">
-          <a:scrgbClr r="0" g="0" b="0"/>
-        </a:lnRef>
-        <a:fillRef idx="1">
-          <a:scrgbClr r="0" g="0" b="0"/>
-        </a:fillRef>
-        <a:effectRef idx="0">
-          <a:scrgbClr r="0" g="0" b="0"/>
-        </a:effectRef>
-        <a:fontRef idx="minor"/>
-      </dsp:style>
-      <dsp:txBody>
-        <a:bodyPr spcFirstLastPara="0" vert="horz" wrap="square" lIns="578383" tIns="333248" rIns="578383" bIns="99568" numCol="1" spcCol="1270" anchor="t" anchorCtr="0">
-          <a:noAutofit/>
-        </a:bodyPr>
-        <a:lstStyle/>
-        <a:p>
-          <a:pPr marL="114300" lvl="1" indent="-114300" algn="l" defTabSz="622300">
-            <a:lnSpc>
-              <a:spcPct val="90000"/>
-            </a:lnSpc>
-            <a:spcBef>
-              <a:spcPct val="0"/>
-            </a:spcBef>
-            <a:spcAft>
-              <a:spcPct val="15000"/>
-            </a:spcAft>
-            <a:buChar char="••"/>
-          </a:pPr>
-          <a:r>
-            <a:rPr kumimoji="1" lang="ja-JP" altLang="en-US" sz="1400" b="0" kern="1200" smtClean="0">
-              <a:latin typeface="+mj-ea"/>
-              <a:ea typeface="+mj-ea"/>
-              <a:cs typeface="Meiryo UI" panose="020B0604030504040204" pitchFamily="50" charset="-128"/>
-            </a:rPr>
-            <a:t>設計書をもとに実装（プログラミング）を行う工程。</a:t>
-          </a:r>
-          <a:endParaRPr kumimoji="1" lang="ja-JP" altLang="en-US" sz="1400" b="0" kern="1200">
-            <a:latin typeface="+mj-ea"/>
-            <a:ea typeface="+mj-ea"/>
-            <a:cs typeface="Meiryo UI" panose="020B0604030504040204" pitchFamily="50" charset="-128"/>
-          </a:endParaRPr>
-        </a:p>
-      </dsp:txBody>
-      <dsp:txXfrm>
-        <a:off x="0" y="3518940"/>
-        <a:ext cx="7452320" cy="756000"/>
-      </dsp:txXfrm>
-    </dsp:sp>
-    <dsp:sp modelId="{94F052CA-06DD-4680-9251-8BE49B7751FE}">
-      <dsp:nvSpPr>
-        <dsp:cNvPr id="0" name=""/>
-        <dsp:cNvSpPr/>
-      </dsp:nvSpPr>
-      <dsp:spPr>
-        <a:xfrm>
-          <a:off x="372616" y="3282780"/>
-          <a:ext cx="5216624" cy="472320"/>
-        </a:xfrm>
-        <a:prstGeom prst="roundRect">
-          <a:avLst/>
-        </a:prstGeom>
-        <a:solidFill>
-          <a:schemeClr val="accent2">
-            <a:hueOff val="0"/>
-            <a:satOff val="0"/>
-            <a:lumOff val="0"/>
-            <a:alphaOff val="0"/>
-          </a:schemeClr>
-        </a:solidFill>
-        <a:ln w="19050" cap="flat" cmpd="sng" algn="ctr">
-          <a:solidFill>
-            <a:schemeClr val="lt1">
-              <a:hueOff val="0"/>
-              <a:satOff val="0"/>
-              <a:lumOff val="0"/>
-              <a:alphaOff val="0"/>
-            </a:schemeClr>
-          </a:solidFill>
-          <a:prstDash val="solid"/>
-          <a:miter lim="800000"/>
-        </a:ln>
-        <a:effectLst/>
-      </dsp:spPr>
-      <dsp:style>
-        <a:lnRef idx="3">
-          <a:scrgbClr r="0" g="0" b="0"/>
-        </a:lnRef>
-        <a:fillRef idx="1">
-          <a:scrgbClr r="0" g="0" b="0"/>
-        </a:fillRef>
-        <a:effectRef idx="1">
-          <a:scrgbClr r="0" g="0" b="0"/>
-        </a:effectRef>
-        <a:fontRef idx="minor">
-          <a:schemeClr val="lt1"/>
-        </a:fontRef>
-      </dsp:style>
-      <dsp:txBody>
-        <a:bodyPr spcFirstLastPara="0" vert="horz" wrap="square" lIns="197176" tIns="0" rIns="197176" bIns="0" numCol="1" spcCol="1270" anchor="ctr" anchorCtr="0">
-          <a:noAutofit/>
-        </a:bodyPr>
-        <a:lstStyle/>
-        <a:p>
-          <a:pPr lvl="0" algn="l" defTabSz="800100">
-            <a:lnSpc>
-              <a:spcPct val="90000"/>
-            </a:lnSpc>
-            <a:spcBef>
-              <a:spcPct val="0"/>
-            </a:spcBef>
-            <a:spcAft>
-              <a:spcPct val="35000"/>
-            </a:spcAft>
-          </a:pPr>
-          <a:r>
-            <a:rPr kumimoji="1" lang="en-US" altLang="ja-JP" sz="1800" b="0" kern="1200" smtClean="0">
-              <a:latin typeface="+mj-ea"/>
-              <a:ea typeface="+mj-ea"/>
-              <a:cs typeface="Meiryo UI" panose="020B0604030504040204" pitchFamily="50" charset="-128"/>
-            </a:rPr>
-            <a:t>Ⅳ. </a:t>
-          </a:r>
-          <a:r>
-            <a:rPr kumimoji="1" lang="ja-JP" altLang="en-US" sz="1800" b="0" kern="1200" smtClean="0">
-              <a:latin typeface="+mj-ea"/>
-              <a:ea typeface="+mj-ea"/>
-              <a:cs typeface="Meiryo UI" panose="020B0604030504040204" pitchFamily="50" charset="-128"/>
-            </a:rPr>
-            <a:t>開発</a:t>
-          </a:r>
-          <a:r>
-            <a:rPr kumimoji="1" lang="ja-JP" altLang="en-US" sz="1800" b="0" kern="1200">
-              <a:latin typeface="+mj-ea"/>
-              <a:ea typeface="+mj-ea"/>
-              <a:cs typeface="Meiryo UI" panose="020B0604030504040204" pitchFamily="50" charset="-128"/>
-            </a:rPr>
-            <a:t>（プログラミング）</a:t>
-          </a:r>
-        </a:p>
-      </dsp:txBody>
-      <dsp:txXfrm>
-        <a:off x="395673" y="3305837"/>
-        <a:ext cx="5170510" cy="426206"/>
-      </dsp:txXfrm>
-    </dsp:sp>
-    <dsp:sp modelId="{300A884A-4414-41E4-96B2-EEC76C302FD2}">
-      <dsp:nvSpPr>
-        <dsp:cNvPr id="0" name=""/>
-        <dsp:cNvSpPr/>
-      </dsp:nvSpPr>
-      <dsp:spPr>
-        <a:xfrm>
-          <a:off x="0" y="4597500"/>
-          <a:ext cx="7452320" cy="756000"/>
-        </a:xfrm>
-        <a:prstGeom prst="rect">
-          <a:avLst/>
-        </a:prstGeom>
-        <a:solidFill>
-          <a:schemeClr val="lt1">
-            <a:alpha val="90000"/>
-            <a:hueOff val="0"/>
-            <a:satOff val="0"/>
-            <a:lumOff val="0"/>
-            <a:alphaOff val="0"/>
-          </a:schemeClr>
-        </a:solidFill>
-        <a:ln w="12700" cap="flat" cmpd="sng" algn="ctr">
-          <a:solidFill>
-            <a:schemeClr val="accent2">
-              <a:hueOff val="0"/>
-              <a:satOff val="0"/>
-              <a:lumOff val="0"/>
-              <a:alphaOff val="0"/>
-            </a:schemeClr>
-          </a:solidFill>
-          <a:prstDash val="solid"/>
-          <a:miter lim="800000"/>
-        </a:ln>
-        <a:effectLst/>
-      </dsp:spPr>
-      <dsp:style>
-        <a:lnRef idx="2">
-          <a:scrgbClr r="0" g="0" b="0"/>
-        </a:lnRef>
-        <a:fillRef idx="1">
-          <a:scrgbClr r="0" g="0" b="0"/>
-        </a:fillRef>
-        <a:effectRef idx="0">
-          <a:scrgbClr r="0" g="0" b="0"/>
-        </a:effectRef>
-        <a:fontRef idx="minor"/>
-      </dsp:style>
-      <dsp:txBody>
-        <a:bodyPr spcFirstLastPara="0" vert="horz" wrap="square" lIns="578383" tIns="333248" rIns="578383" bIns="99568" numCol="1" spcCol="1270" anchor="t" anchorCtr="0">
-          <a:noAutofit/>
-        </a:bodyPr>
-        <a:lstStyle/>
-        <a:p>
-          <a:pPr marL="114300" lvl="1" indent="-114300" algn="l" defTabSz="622300">
-            <a:lnSpc>
-              <a:spcPct val="90000"/>
-            </a:lnSpc>
-            <a:spcBef>
-              <a:spcPct val="0"/>
-            </a:spcBef>
-            <a:spcAft>
-              <a:spcPct val="15000"/>
-            </a:spcAft>
-            <a:buChar char="••"/>
-          </a:pPr>
-          <a:r>
-            <a:rPr kumimoji="1" lang="ja-JP" altLang="en-US" sz="1400" b="0" kern="1200" smtClean="0">
-              <a:latin typeface="+mj-ea"/>
-              <a:ea typeface="+mj-ea"/>
-              <a:cs typeface="Meiryo UI" panose="020B0604030504040204" pitchFamily="50" charset="-128"/>
-            </a:rPr>
-            <a:t>実装されたプログラムの動作確認を行う工程。</a:t>
-          </a:r>
-          <a:endParaRPr kumimoji="1" lang="ja-JP" altLang="en-US" sz="1400" b="0" kern="1200">
-            <a:latin typeface="+mj-ea"/>
-            <a:ea typeface="+mj-ea"/>
-            <a:cs typeface="Meiryo UI" panose="020B0604030504040204" pitchFamily="50" charset="-128"/>
-          </a:endParaRPr>
-        </a:p>
-      </dsp:txBody>
-      <dsp:txXfrm>
-        <a:off x="0" y="4597500"/>
-        <a:ext cx="7452320" cy="756000"/>
-      </dsp:txXfrm>
-    </dsp:sp>
-    <dsp:sp modelId="{BC5A3E48-2EC4-44D9-B3BD-C526EF19B38B}">
-      <dsp:nvSpPr>
-        <dsp:cNvPr id="0" name=""/>
-        <dsp:cNvSpPr/>
-      </dsp:nvSpPr>
-      <dsp:spPr>
-        <a:xfrm>
-          <a:off x="372616" y="4361340"/>
-          <a:ext cx="5216624" cy="472320"/>
-        </a:xfrm>
-        <a:prstGeom prst="roundRect">
-          <a:avLst/>
-        </a:prstGeom>
-        <a:solidFill>
-          <a:schemeClr val="accent2">
-            <a:hueOff val="0"/>
-            <a:satOff val="0"/>
-            <a:lumOff val="0"/>
-            <a:alphaOff val="0"/>
-          </a:schemeClr>
-        </a:solidFill>
-        <a:ln w="19050" cap="flat" cmpd="sng" algn="ctr">
-          <a:solidFill>
-            <a:schemeClr val="lt1">
-              <a:hueOff val="0"/>
-              <a:satOff val="0"/>
-              <a:lumOff val="0"/>
-              <a:alphaOff val="0"/>
-            </a:schemeClr>
-          </a:solidFill>
-          <a:prstDash val="solid"/>
-          <a:miter lim="800000"/>
-        </a:ln>
-        <a:effectLst/>
-      </dsp:spPr>
-      <dsp:style>
-        <a:lnRef idx="3">
-          <a:scrgbClr r="0" g="0" b="0"/>
-        </a:lnRef>
-        <a:fillRef idx="1">
-          <a:scrgbClr r="0" g="0" b="0"/>
-        </a:fillRef>
-        <a:effectRef idx="1">
-          <a:scrgbClr r="0" g="0" b="0"/>
-        </a:effectRef>
-        <a:fontRef idx="minor">
-          <a:schemeClr val="lt1"/>
-        </a:fontRef>
-      </dsp:style>
-      <dsp:txBody>
-        <a:bodyPr spcFirstLastPara="0" vert="horz" wrap="square" lIns="197176" tIns="0" rIns="197176" bIns="0" numCol="1" spcCol="1270" anchor="ctr" anchorCtr="0">
-          <a:noAutofit/>
-        </a:bodyPr>
-        <a:lstStyle/>
-        <a:p>
-          <a:pPr lvl="0" algn="l" defTabSz="800100">
-            <a:lnSpc>
-              <a:spcPct val="90000"/>
-            </a:lnSpc>
-            <a:spcBef>
-              <a:spcPct val="0"/>
-            </a:spcBef>
-            <a:spcAft>
-              <a:spcPct val="35000"/>
-            </a:spcAft>
-          </a:pPr>
-          <a:r>
-            <a:rPr kumimoji="1" lang="en-US" altLang="ja-JP" sz="1800" b="0" kern="1200" smtClean="0">
-              <a:latin typeface="+mj-ea"/>
-              <a:ea typeface="+mj-ea"/>
-              <a:cs typeface="Meiryo UI" panose="020B0604030504040204" pitchFamily="50" charset="-128"/>
-            </a:rPr>
-            <a:t>Ⅴ. </a:t>
-          </a:r>
-          <a:r>
-            <a:rPr kumimoji="1" lang="ja-JP" altLang="en-US" sz="1800" b="0" kern="1200" smtClean="0">
-              <a:latin typeface="+mj-ea"/>
-              <a:ea typeface="+mj-ea"/>
-              <a:cs typeface="Meiryo UI" panose="020B0604030504040204" pitchFamily="50" charset="-128"/>
-            </a:rPr>
-            <a:t>テスト</a:t>
-          </a:r>
-          <a:endParaRPr kumimoji="1" lang="ja-JP" altLang="en-US" sz="1800" b="0" kern="1200">
-            <a:latin typeface="+mj-ea"/>
-            <a:ea typeface="+mj-ea"/>
-            <a:cs typeface="Meiryo UI" panose="020B0604030504040204" pitchFamily="50" charset="-128"/>
-          </a:endParaRPr>
-        </a:p>
-      </dsp:txBody>
-      <dsp:txXfrm>
-        <a:off x="395673" y="4384397"/>
-        <a:ext cx="5170510" cy="426206"/>
-      </dsp:txXfrm>
-    </dsp:sp>
   </dsp:spTree>
 </dsp:drawing>
 </file>
@@ -5707,7 +4797,7 @@
             <a:fld id="{F22D065A-2808-4F87-8210-425736798183}" type="slidenum">
               <a:rPr lang="en-US" altLang="ja-JP" smtClean="0"/>
               <a:pPr/>
-              <a:t>19</a:t>
+              <a:t>20</a:t>
             </a:fld>
             <a:endParaRPr lang="en-US" altLang="ja-JP" smtClean="0"/>
           </a:p>
@@ -5906,7 +4996,7 @@
             <a:fld id="{24436D29-10FF-4159-9629-A81ACB74182E}" type="slidenum">
               <a:rPr lang="en-US" altLang="ja-JP" smtClean="0"/>
               <a:pPr/>
-              <a:t>24</a:t>
+              <a:t>25</a:t>
             </a:fld>
             <a:endParaRPr lang="en-US" altLang="ja-JP" smtClean="0"/>
           </a:p>
@@ -6105,7 +5195,7 @@
             <a:fld id="{B59C612C-A9B2-4634-88C9-00AB7FC04EA0}" type="slidenum">
               <a:rPr lang="en-US" altLang="ja-JP" smtClean="0"/>
               <a:pPr/>
-              <a:t>27</a:t>
+              <a:t>28</a:t>
             </a:fld>
             <a:endParaRPr lang="en-US" altLang="ja-JP" smtClean="0"/>
           </a:p>
@@ -6304,7 +5394,7 @@
             <a:fld id="{986F36F1-A3D0-4624-8154-F0039BDEF8C8}" type="slidenum">
               <a:rPr lang="en-US" altLang="ja-JP" smtClean="0"/>
               <a:pPr/>
-              <a:t>28</a:t>
+              <a:t>29</a:t>
             </a:fld>
             <a:endParaRPr lang="en-US" altLang="ja-JP" smtClean="0"/>
           </a:p>
@@ -6314,205 +5404,6 @@
     <p:extLst>
       <p:ext uri="{BB962C8B-B14F-4D97-AF65-F5344CB8AC3E}">
         <p14:creationId xmlns:p14="http://schemas.microsoft.com/office/powerpoint/2010/main" val="3689061874"/>
-      </p:ext>
-    </p:extLst>
-  </p:cSld>
-  <p:clrMapOvr>
-    <a:masterClrMapping/>
-  </p:clrMapOvr>
-</p:notes>
-</file>
-
-<file path=ppt/notesSlides/notesSlide15.xml><?xml version="1.0" encoding="utf-8"?>
-<p:notes xmlns:a="http://schemas.openxmlformats.org/drawingml/2006/main" xmlns:r="http://schemas.openxmlformats.org/officeDocument/2006/relationships" xmlns:p="http://schemas.openxmlformats.org/presentationml/2006/main">
-  <p:cSld>
-    <p:spTree>
-      <p:nvGrpSpPr>
-        <p:cNvPr id="1" name=""/>
-        <p:cNvGrpSpPr/>
-        <p:nvPr/>
-      </p:nvGrpSpPr>
-      <p:grpSpPr>
-        <a:xfrm>
-          <a:off x="0" y="0"/>
-          <a:ext cx="0" cy="0"/>
-          <a:chOff x="0" y="0"/>
-          <a:chExt cx="0" cy="0"/>
-        </a:xfrm>
-      </p:grpSpPr>
-      <p:sp>
-        <p:nvSpPr>
-          <p:cNvPr id="48130" name="スライド イメージ プレースホルダー 1"/>
-          <p:cNvSpPr>
-            <a:spLocks noGrp="1" noRot="1" noChangeAspect="1" noTextEdit="1"/>
-          </p:cNvSpPr>
-          <p:nvPr>
-            <p:ph type="sldImg"/>
-          </p:nvPr>
-        </p:nvSpPr>
-        <p:spPr>
-          <a:ln/>
-        </p:spPr>
-      </p:sp>
-      <p:sp>
-        <p:nvSpPr>
-          <p:cNvPr id="48131" name="ノート プレースホルダー 2"/>
-          <p:cNvSpPr>
-            <a:spLocks noGrp="1"/>
-          </p:cNvSpPr>
-          <p:nvPr>
-            <p:ph type="body" idx="1"/>
-          </p:nvPr>
-        </p:nvSpPr>
-        <p:spPr>
-          <a:noFill/>
-        </p:spPr>
-        <p:txBody>
-          <a:bodyPr/>
-          <a:lstStyle/>
-          <a:p>
-            <a:endParaRPr lang="ja-JP" altLang="en-US" smtClean="0">
-              <a:latin typeface="Arial" panose="020B0604020202020204" pitchFamily="34" charset="0"/>
-            </a:endParaRPr>
-          </a:p>
-        </p:txBody>
-      </p:sp>
-      <p:sp>
-        <p:nvSpPr>
-          <p:cNvPr id="48132" name="スライド番号プレースホルダー 3"/>
-          <p:cNvSpPr>
-            <a:spLocks noGrp="1"/>
-          </p:cNvSpPr>
-          <p:nvPr>
-            <p:ph type="sldNum" sz="quarter" idx="5"/>
-          </p:nvPr>
-        </p:nvSpPr>
-        <p:spPr>
-          <a:noFill/>
-        </p:spPr>
-        <p:txBody>
-          <a:bodyPr/>
-          <a:lstStyle>
-            <a:lvl1pPr defTabSz="2743200">
-              <a:defRPr kumimoji="1">
-                <a:solidFill>
-                  <a:schemeClr val="tx1"/>
-                </a:solidFill>
-                <a:latin typeface="Arial" panose="020B0604020202020204" pitchFamily="34" charset="0"/>
-                <a:ea typeface="ＭＳ Ｐゴシック" panose="020B0600070205080204" pitchFamily="50" charset="-128"/>
-              </a:defRPr>
-            </a:lvl1pPr>
-            <a:lvl2pPr marL="2219325" indent="-849313" defTabSz="2743200">
-              <a:defRPr kumimoji="1">
-                <a:solidFill>
-                  <a:schemeClr val="tx1"/>
-                </a:solidFill>
-                <a:latin typeface="Arial" panose="020B0604020202020204" pitchFamily="34" charset="0"/>
-                <a:ea typeface="ＭＳ Ｐゴシック" panose="020B0600070205080204" pitchFamily="50" charset="-128"/>
-              </a:defRPr>
-            </a:lvl2pPr>
-            <a:lvl3pPr marL="3416300" indent="-681038" defTabSz="2743200">
-              <a:defRPr kumimoji="1">
-                <a:solidFill>
-                  <a:schemeClr val="tx1"/>
-                </a:solidFill>
-                <a:latin typeface="Arial" panose="020B0604020202020204" pitchFamily="34" charset="0"/>
-                <a:ea typeface="ＭＳ Ｐゴシック" panose="020B0600070205080204" pitchFamily="50" charset="-128"/>
-              </a:defRPr>
-            </a:lvl3pPr>
-            <a:lvl4pPr marL="4779963" indent="-681038" defTabSz="2743200">
-              <a:defRPr kumimoji="1">
-                <a:solidFill>
-                  <a:schemeClr val="tx1"/>
-                </a:solidFill>
-                <a:latin typeface="Arial" panose="020B0604020202020204" pitchFamily="34" charset="0"/>
-                <a:ea typeface="ＭＳ Ｐゴシック" panose="020B0600070205080204" pitchFamily="50" charset="-128"/>
-              </a:defRPr>
-            </a:lvl4pPr>
-            <a:lvl5pPr marL="6149975" indent="-681038" defTabSz="2743200">
-              <a:defRPr kumimoji="1">
-                <a:solidFill>
-                  <a:schemeClr val="tx1"/>
-                </a:solidFill>
-                <a:latin typeface="Arial" panose="020B0604020202020204" pitchFamily="34" charset="0"/>
-                <a:ea typeface="ＭＳ Ｐゴシック" panose="020B0600070205080204" pitchFamily="50" charset="-128"/>
-              </a:defRPr>
-            </a:lvl5pPr>
-            <a:lvl6pPr marL="6607175" indent="-681038" defTabSz="2743200" eaLnBrk="0" fontAlgn="base" hangingPunct="0">
-              <a:spcBef>
-                <a:spcPct val="0"/>
-              </a:spcBef>
-              <a:spcAft>
-                <a:spcPct val="0"/>
-              </a:spcAft>
-              <a:defRPr kumimoji="1">
-                <a:solidFill>
-                  <a:schemeClr val="tx1"/>
-                </a:solidFill>
-                <a:latin typeface="Arial" panose="020B0604020202020204" pitchFamily="34" charset="0"/>
-                <a:ea typeface="ＭＳ Ｐゴシック" panose="020B0600070205080204" pitchFamily="50" charset="-128"/>
-              </a:defRPr>
-            </a:lvl6pPr>
-            <a:lvl7pPr marL="7064375" indent="-681038" defTabSz="2743200" eaLnBrk="0" fontAlgn="base" hangingPunct="0">
-              <a:spcBef>
-                <a:spcPct val="0"/>
-              </a:spcBef>
-              <a:spcAft>
-                <a:spcPct val="0"/>
-              </a:spcAft>
-              <a:defRPr kumimoji="1">
-                <a:solidFill>
-                  <a:schemeClr val="tx1"/>
-                </a:solidFill>
-                <a:latin typeface="Arial" panose="020B0604020202020204" pitchFamily="34" charset="0"/>
-                <a:ea typeface="ＭＳ Ｐゴシック" panose="020B0600070205080204" pitchFamily="50" charset="-128"/>
-              </a:defRPr>
-            </a:lvl7pPr>
-            <a:lvl8pPr marL="7521575" indent="-681038" defTabSz="2743200" eaLnBrk="0" fontAlgn="base" hangingPunct="0">
-              <a:spcBef>
-                <a:spcPct val="0"/>
-              </a:spcBef>
-              <a:spcAft>
-                <a:spcPct val="0"/>
-              </a:spcAft>
-              <a:defRPr kumimoji="1">
-                <a:solidFill>
-                  <a:schemeClr val="tx1"/>
-                </a:solidFill>
-                <a:latin typeface="Arial" panose="020B0604020202020204" pitchFamily="34" charset="0"/>
-                <a:ea typeface="ＭＳ Ｐゴシック" panose="020B0600070205080204" pitchFamily="50" charset="-128"/>
-              </a:defRPr>
-            </a:lvl8pPr>
-            <a:lvl9pPr marL="7978775" indent="-681038" defTabSz="2743200" eaLnBrk="0" fontAlgn="base" hangingPunct="0">
-              <a:spcBef>
-                <a:spcPct val="0"/>
-              </a:spcBef>
-              <a:spcAft>
-                <a:spcPct val="0"/>
-              </a:spcAft>
-              <a:defRPr kumimoji="1">
-                <a:solidFill>
-                  <a:schemeClr val="tx1"/>
-                </a:solidFill>
-                <a:latin typeface="Arial" panose="020B0604020202020204" pitchFamily="34" charset="0"/>
-                <a:ea typeface="ＭＳ Ｐゴシック" panose="020B0600070205080204" pitchFamily="50" charset="-128"/>
-              </a:defRPr>
-            </a:lvl9pPr>
-          </a:lstStyle>
-          <a:p>
-            <a:fld id="{B59C612C-A9B2-4634-88C9-00AB7FC04EA0}" type="slidenum">
-              <a:rPr lang="en-US" altLang="ja-JP" smtClean="0"/>
-              <a:pPr/>
-              <a:t>29</a:t>
-            </a:fld>
-            <a:endParaRPr lang="en-US" altLang="ja-JP" smtClean="0"/>
-          </a:p>
-        </p:txBody>
-      </p:sp>
-    </p:spTree>
-    <p:extLst>
-      <p:ext uri="{BB962C8B-B14F-4D97-AF65-F5344CB8AC3E}">
-        <p14:creationId xmlns:p14="http://schemas.microsoft.com/office/powerpoint/2010/main" val="2370433442"/>
       </p:ext>
     </p:extLst>
   </p:cSld>
@@ -17789,6 +16680,1434 @@
                 <a:defRPr/>
               </a:pPr>
               <a:t>16</a:t>
+            </a:fld>
+            <a:endParaRPr lang="en-US" altLang="ja-JP"/>
+          </a:p>
+        </p:txBody>
+      </p:sp>
+      <p:sp>
+        <p:nvSpPr>
+          <p:cNvPr id="7" name="コンテンツ プレースホルダー 3"/>
+          <p:cNvSpPr txBox="1">
+            <a:spLocks/>
+          </p:cNvSpPr>
+          <p:nvPr/>
+        </p:nvSpPr>
+        <p:spPr bwMode="gray">
+          <a:xfrm>
+            <a:off x="1968390" y="1125539"/>
+            <a:ext cx="6959710" cy="3167557"/>
+          </a:xfrm>
+          <a:prstGeom prst="rect">
+            <a:avLst/>
+          </a:prstGeom>
+          <a:noFill/>
+          <a:ln>
+            <a:noFill/>
+          </a:ln>
+          <a:effectLst/>
+          <a:extLst>
+            <a:ext uri="{909E8E84-426E-40DD-AFC4-6F175D3DCCD1}">
+              <a14:hiddenFill xmlns:a14="http://schemas.microsoft.com/office/drawing/2010/main">
+                <a:solidFill>
+                  <a:schemeClr val="accent1"/>
+                </a:solidFill>
+              </a14:hiddenFill>
+            </a:ext>
+            <a:ext uri="{91240B29-F687-4F45-9708-019B960494DF}">
+              <a14:hiddenLine xmlns:a14="http://schemas.microsoft.com/office/drawing/2010/main" w="9525">
+                <a:solidFill>
+                  <a:schemeClr val="tx1"/>
+                </a:solidFill>
+                <a:miter lim="800000"/>
+                <a:headEnd/>
+                <a:tailEnd/>
+              </a14:hiddenLine>
+            </a:ext>
+            <a:ext uri="{AF507438-7753-43E0-B8FC-AC1667EBCBE1}">
+              <a14:hiddenEffects xmlns:a14="http://schemas.microsoft.com/office/drawing/2010/main">
+                <a:effectLst>
+                  <a:outerShdw dist="35921" dir="2700000" algn="ctr" rotWithShape="0">
+                    <a:schemeClr val="bg2"/>
+                  </a:outerShdw>
+                </a:effectLst>
+              </a14:hiddenEffects>
+            </a:ext>
+          </a:extLst>
+        </p:spPr>
+        <p:txBody>
+          <a:bodyPr vert="horz" wrap="square" lIns="91440" tIns="45720" rIns="91440" bIns="45720" numCol="1" anchor="t" anchorCtr="0" compatLnSpc="1">
+            <a:prstTxWarp prst="textNoShape">
+              <a:avLst/>
+            </a:prstTxWarp>
+          </a:bodyPr>
+          <a:lstStyle>
+            <a:lvl1pPr marL="0" indent="0" algn="l" defTabSz="576000" rtl="0" eaLnBrk="0" fontAlgn="base" hangingPunct="0">
+              <a:spcBef>
+                <a:spcPts val="1200"/>
+              </a:spcBef>
+              <a:spcAft>
+                <a:spcPct val="0"/>
+              </a:spcAft>
+              <a:buClr>
+                <a:schemeClr val="accent2"/>
+              </a:buClr>
+              <a:buSzPct val="50000"/>
+              <a:buFontTx/>
+              <a:buNone/>
+              <a:defRPr kumimoji="1" sz="2800" b="1">
+                <a:solidFill>
+                  <a:schemeClr val="tx1">
+                    <a:lumMod val="75000"/>
+                    <a:lumOff val="25000"/>
+                  </a:schemeClr>
+                </a:solidFill>
+                <a:latin typeface="+mn-lt"/>
+                <a:ea typeface="+mn-ea"/>
+                <a:cs typeface="メイリオ" panose="020B0604030504040204" pitchFamily="50" charset="-128"/>
+              </a:defRPr>
+            </a:lvl1pPr>
+            <a:lvl2pPr marL="742950" indent="-285750" algn="l" defTabSz="576000" rtl="0" eaLnBrk="0" fontAlgn="base" hangingPunct="0">
+              <a:spcBef>
+                <a:spcPts val="1800"/>
+              </a:spcBef>
+              <a:spcAft>
+                <a:spcPct val="0"/>
+              </a:spcAft>
+              <a:buFont typeface="Wingdings" panose="05000000000000000000" pitchFamily="2" charset="2"/>
+              <a:buChar char="l"/>
+              <a:defRPr kumimoji="1" sz="2000" b="0">
+                <a:solidFill>
+                  <a:schemeClr val="tx1">
+                    <a:lumMod val="75000"/>
+                    <a:lumOff val="25000"/>
+                  </a:schemeClr>
+                </a:solidFill>
+                <a:latin typeface="+mn-lt"/>
+                <a:ea typeface="+mn-ea"/>
+                <a:cs typeface="メイリオ" panose="020B0604030504040204" pitchFamily="50" charset="-128"/>
+              </a:defRPr>
+            </a:lvl2pPr>
+            <a:lvl3pPr marL="1143000" indent="-228600" algn="l" defTabSz="576000" rtl="0" eaLnBrk="0" fontAlgn="base" hangingPunct="0">
+              <a:spcBef>
+                <a:spcPts val="1200"/>
+              </a:spcBef>
+              <a:spcAft>
+                <a:spcPct val="0"/>
+              </a:spcAft>
+              <a:buClr>
+                <a:schemeClr val="tx1">
+                  <a:lumMod val="75000"/>
+                  <a:lumOff val="25000"/>
+                </a:schemeClr>
+              </a:buClr>
+              <a:buSzPct val="60000"/>
+              <a:buFont typeface="Wingdings" panose="05000000000000000000" pitchFamily="2" charset="2"/>
+              <a:buChar char="n"/>
+              <a:defRPr kumimoji="1">
+                <a:solidFill>
+                  <a:schemeClr val="tx1">
+                    <a:lumMod val="75000"/>
+                    <a:lumOff val="25000"/>
+                  </a:schemeClr>
+                </a:solidFill>
+                <a:latin typeface="+mn-lt"/>
+                <a:ea typeface="+mn-ea"/>
+                <a:cs typeface="メイリオ" panose="020B0604030504040204" pitchFamily="50" charset="-128"/>
+              </a:defRPr>
+            </a:lvl3pPr>
+            <a:lvl4pPr marL="1600200" indent="-228600" algn="l" defTabSz="576000" rtl="0" eaLnBrk="0" fontAlgn="base" hangingPunct="0">
+              <a:spcBef>
+                <a:spcPts val="1200"/>
+              </a:spcBef>
+              <a:spcAft>
+                <a:spcPct val="0"/>
+              </a:spcAft>
+              <a:buChar char="–"/>
+              <a:defRPr kumimoji="1">
+                <a:solidFill>
+                  <a:schemeClr val="tx1">
+                    <a:lumMod val="75000"/>
+                    <a:lumOff val="25000"/>
+                  </a:schemeClr>
+                </a:solidFill>
+                <a:latin typeface="+mn-lt"/>
+                <a:ea typeface="+mn-ea"/>
+                <a:cs typeface="メイリオ" panose="020B0604030504040204" pitchFamily="50" charset="-128"/>
+              </a:defRPr>
+            </a:lvl4pPr>
+            <a:lvl5pPr marL="2057400" indent="-228600" algn="l" defTabSz="576000" rtl="0" eaLnBrk="0" fontAlgn="base" hangingPunct="0">
+              <a:spcBef>
+                <a:spcPts val="1200"/>
+              </a:spcBef>
+              <a:spcAft>
+                <a:spcPct val="0"/>
+              </a:spcAft>
+              <a:buChar char="•"/>
+              <a:defRPr kumimoji="1">
+                <a:solidFill>
+                  <a:schemeClr val="tx1">
+                    <a:lumMod val="75000"/>
+                    <a:lumOff val="25000"/>
+                  </a:schemeClr>
+                </a:solidFill>
+                <a:latin typeface="+mn-lt"/>
+                <a:ea typeface="+mn-ea"/>
+                <a:cs typeface="メイリオ" panose="020B0604030504040204" pitchFamily="50" charset="-128"/>
+              </a:defRPr>
+            </a:lvl5pPr>
+            <a:lvl6pPr marL="2514600" indent="-228600" algn="l" rtl="0" fontAlgn="base">
+              <a:spcBef>
+                <a:spcPct val="20000"/>
+              </a:spcBef>
+              <a:spcAft>
+                <a:spcPct val="0"/>
+              </a:spcAft>
+              <a:buChar char="•"/>
+              <a:defRPr kumimoji="1">
+                <a:solidFill>
+                  <a:schemeClr val="tx1"/>
+                </a:solidFill>
+                <a:latin typeface="+mn-lt"/>
+                <a:ea typeface="+mn-ea"/>
+              </a:defRPr>
+            </a:lvl6pPr>
+            <a:lvl7pPr marL="2971800" indent="-228600" algn="l" rtl="0" fontAlgn="base">
+              <a:spcBef>
+                <a:spcPct val="20000"/>
+              </a:spcBef>
+              <a:spcAft>
+                <a:spcPct val="0"/>
+              </a:spcAft>
+              <a:buChar char="•"/>
+              <a:defRPr kumimoji="1">
+                <a:solidFill>
+                  <a:schemeClr val="tx1"/>
+                </a:solidFill>
+                <a:latin typeface="+mn-lt"/>
+                <a:ea typeface="+mn-ea"/>
+              </a:defRPr>
+            </a:lvl7pPr>
+            <a:lvl8pPr marL="3429000" indent="-228600" algn="l" rtl="0" fontAlgn="base">
+              <a:spcBef>
+                <a:spcPct val="20000"/>
+              </a:spcBef>
+              <a:spcAft>
+                <a:spcPct val="0"/>
+              </a:spcAft>
+              <a:buChar char="•"/>
+              <a:defRPr kumimoji="1">
+                <a:solidFill>
+                  <a:schemeClr val="tx1"/>
+                </a:solidFill>
+                <a:latin typeface="+mn-lt"/>
+                <a:ea typeface="+mn-ea"/>
+              </a:defRPr>
+            </a:lvl8pPr>
+            <a:lvl9pPr marL="3886200" indent="-228600" algn="l" rtl="0" fontAlgn="base">
+              <a:spcBef>
+                <a:spcPct val="20000"/>
+              </a:spcBef>
+              <a:spcAft>
+                <a:spcPct val="0"/>
+              </a:spcAft>
+              <a:buChar char="•"/>
+              <a:defRPr kumimoji="1">
+                <a:solidFill>
+                  <a:schemeClr val="tx1"/>
+                </a:solidFill>
+                <a:latin typeface="+mn-lt"/>
+                <a:ea typeface="+mn-ea"/>
+              </a:defRPr>
+            </a:lvl9pPr>
+          </a:lstStyle>
+          <a:p>
+            <a:pPr marL="514350" indent="-514350">
+              <a:lnSpc>
+                <a:spcPct val="150000"/>
+              </a:lnSpc>
+              <a:spcBef>
+                <a:spcPts val="0"/>
+              </a:spcBef>
+              <a:spcAft>
+                <a:spcPts val="0"/>
+              </a:spcAft>
+              <a:buClrTx/>
+              <a:buSzPct val="100000"/>
+              <a:buFont typeface="Wingdings" panose="05000000000000000000" pitchFamily="2" charset="2"/>
+              <a:buChar char="l"/>
+            </a:pPr>
+            <a:r>
+              <a:rPr lang="ja-JP" altLang="en-US" sz="3200" b="0" kern="0" dirty="0" smtClean="0">
+                <a:latin typeface="メイリオ" panose="020B0604030504040204" pitchFamily="50" charset="-128"/>
+              </a:rPr>
+              <a:t>アプリの概要</a:t>
+            </a:r>
+            <a:endParaRPr lang="en-US" altLang="ja-JP" sz="3200" b="0" kern="0" dirty="0">
+              <a:latin typeface="メイリオ" panose="020B0604030504040204" pitchFamily="50" charset="-128"/>
+            </a:endParaRPr>
+          </a:p>
+          <a:p>
+            <a:pPr>
+              <a:lnSpc>
+                <a:spcPct val="150000"/>
+              </a:lnSpc>
+              <a:spcBef>
+                <a:spcPts val="0"/>
+              </a:spcBef>
+              <a:spcAft>
+                <a:spcPts val="0"/>
+              </a:spcAft>
+              <a:buClrTx/>
+              <a:buSzPct val="100000"/>
+            </a:pPr>
+            <a:r>
+              <a:rPr lang="ja-JP" altLang="en-US" sz="3200" b="0" kern="0" dirty="0">
+                <a:latin typeface="メイリオ" panose="020B0604030504040204" pitchFamily="50" charset="-128"/>
+              </a:rPr>
+              <a:t>　</a:t>
+            </a:r>
+            <a:r>
+              <a:rPr lang="ja-JP" altLang="en-US" sz="2400" b="0" kern="0" dirty="0" smtClean="0">
+                <a:latin typeface="メイリオ" panose="020B0604030504040204" pitchFamily="50" charset="-128"/>
+              </a:rPr>
+              <a:t>ＥＣサイトのネイティブアプリを開発する。</a:t>
+            </a:r>
+            <a:endParaRPr lang="en-US" altLang="ja-JP" sz="2400" b="0" kern="0" dirty="0" smtClean="0">
+              <a:latin typeface="メイリオ" panose="020B0604030504040204" pitchFamily="50" charset="-128"/>
+            </a:endParaRPr>
+          </a:p>
+        </p:txBody>
+      </p:sp>
+      <p:sp>
+        <p:nvSpPr>
+          <p:cNvPr id="51" name="正方形/長方形 50"/>
+          <p:cNvSpPr/>
+          <p:nvPr/>
+        </p:nvSpPr>
+        <p:spPr>
+          <a:xfrm>
+            <a:off x="1968390" y="4085912"/>
+            <a:ext cx="1520638" cy="2033868"/>
+          </a:xfrm>
+          <a:prstGeom prst="rect">
+            <a:avLst/>
+          </a:prstGeom>
+          <a:solidFill>
+            <a:schemeClr val="bg1">
+              <a:lumMod val="85000"/>
+            </a:schemeClr>
+          </a:solidFill>
+          <a:ln>
+            <a:solidFill>
+              <a:schemeClr val="bg1"/>
+            </a:solidFill>
+          </a:ln>
+        </p:spPr>
+        <p:style>
+          <a:lnRef idx="2">
+            <a:schemeClr val="accent1">
+              <a:shade val="50000"/>
+            </a:schemeClr>
+          </a:lnRef>
+          <a:fillRef idx="1">
+            <a:schemeClr val="accent1"/>
+          </a:fillRef>
+          <a:effectRef idx="0">
+            <a:schemeClr val="accent1"/>
+          </a:effectRef>
+          <a:fontRef idx="minor">
+            <a:schemeClr val="lt1"/>
+          </a:fontRef>
+        </p:style>
+        <p:txBody>
+          <a:bodyPr rtlCol="0" anchor="t"/>
+          <a:lstStyle>
+            <a:lvl1pPr marL="0" indent="0">
+              <a:defRPr sz="1100">
+                <a:solidFill>
+                  <a:schemeClr val="lt1"/>
+                </a:solidFill>
+                <a:latin typeface="+mn-lt"/>
+                <a:ea typeface="+mn-ea"/>
+                <a:cs typeface="+mn-cs"/>
+              </a:defRPr>
+            </a:lvl1pPr>
+            <a:lvl2pPr marL="457200" indent="0">
+              <a:defRPr sz="1100">
+                <a:solidFill>
+                  <a:schemeClr val="lt1"/>
+                </a:solidFill>
+                <a:latin typeface="+mn-lt"/>
+                <a:ea typeface="+mn-ea"/>
+                <a:cs typeface="+mn-cs"/>
+              </a:defRPr>
+            </a:lvl2pPr>
+            <a:lvl3pPr marL="914400" indent="0">
+              <a:defRPr sz="1100">
+                <a:solidFill>
+                  <a:schemeClr val="lt1"/>
+                </a:solidFill>
+                <a:latin typeface="+mn-lt"/>
+                <a:ea typeface="+mn-ea"/>
+                <a:cs typeface="+mn-cs"/>
+              </a:defRPr>
+            </a:lvl3pPr>
+            <a:lvl4pPr marL="1371600" indent="0">
+              <a:defRPr sz="1100">
+                <a:solidFill>
+                  <a:schemeClr val="lt1"/>
+                </a:solidFill>
+                <a:latin typeface="+mn-lt"/>
+                <a:ea typeface="+mn-ea"/>
+                <a:cs typeface="+mn-cs"/>
+              </a:defRPr>
+            </a:lvl4pPr>
+            <a:lvl5pPr marL="1828800" indent="0">
+              <a:defRPr sz="1100">
+                <a:solidFill>
+                  <a:schemeClr val="lt1"/>
+                </a:solidFill>
+                <a:latin typeface="+mn-lt"/>
+                <a:ea typeface="+mn-ea"/>
+                <a:cs typeface="+mn-cs"/>
+              </a:defRPr>
+            </a:lvl5pPr>
+            <a:lvl6pPr marL="2286000" indent="0">
+              <a:defRPr sz="1100">
+                <a:solidFill>
+                  <a:schemeClr val="lt1"/>
+                </a:solidFill>
+                <a:latin typeface="+mn-lt"/>
+                <a:ea typeface="+mn-ea"/>
+                <a:cs typeface="+mn-cs"/>
+              </a:defRPr>
+            </a:lvl6pPr>
+            <a:lvl7pPr marL="2743200" indent="0">
+              <a:defRPr sz="1100">
+                <a:solidFill>
+                  <a:schemeClr val="lt1"/>
+                </a:solidFill>
+                <a:latin typeface="+mn-lt"/>
+                <a:ea typeface="+mn-ea"/>
+                <a:cs typeface="+mn-cs"/>
+              </a:defRPr>
+            </a:lvl7pPr>
+            <a:lvl8pPr marL="3200400" indent="0">
+              <a:defRPr sz="1100">
+                <a:solidFill>
+                  <a:schemeClr val="lt1"/>
+                </a:solidFill>
+                <a:latin typeface="+mn-lt"/>
+                <a:ea typeface="+mn-ea"/>
+                <a:cs typeface="+mn-cs"/>
+              </a:defRPr>
+            </a:lvl8pPr>
+            <a:lvl9pPr marL="3657600" indent="0">
+              <a:defRPr sz="1100">
+                <a:solidFill>
+                  <a:schemeClr val="lt1"/>
+                </a:solidFill>
+                <a:latin typeface="+mn-lt"/>
+                <a:ea typeface="+mn-ea"/>
+                <a:cs typeface="+mn-cs"/>
+              </a:defRPr>
+            </a:lvl9pPr>
+          </a:lstStyle>
+          <a:p>
+            <a:pPr algn="l"/>
+            <a:endParaRPr kumimoji="1" lang="ja-JP" altLang="en-US" sz="1100"/>
+          </a:p>
+        </p:txBody>
+      </p:sp>
+      <p:sp>
+        <p:nvSpPr>
+          <p:cNvPr id="56" name="正方形/長方形 55"/>
+          <p:cNvSpPr/>
+          <p:nvPr/>
+        </p:nvSpPr>
+        <p:spPr>
+          <a:xfrm>
+            <a:off x="2102300" y="4209177"/>
+            <a:ext cx="1274669" cy="1633817"/>
+          </a:xfrm>
+          <a:prstGeom prst="rect">
+            <a:avLst/>
+          </a:prstGeom>
+          <a:solidFill>
+            <a:schemeClr val="tx1">
+              <a:lumMod val="50000"/>
+              <a:lumOff val="50000"/>
+            </a:schemeClr>
+          </a:solidFill>
+          <a:ln>
+            <a:noFill/>
+          </a:ln>
+        </p:spPr>
+        <p:style>
+          <a:lnRef idx="2">
+            <a:schemeClr val="accent1">
+              <a:shade val="50000"/>
+            </a:schemeClr>
+          </a:lnRef>
+          <a:fillRef idx="1">
+            <a:schemeClr val="accent1"/>
+          </a:fillRef>
+          <a:effectRef idx="0">
+            <a:schemeClr val="accent1"/>
+          </a:effectRef>
+          <a:fontRef idx="minor">
+            <a:schemeClr val="lt1"/>
+          </a:fontRef>
+        </p:style>
+        <p:txBody>
+          <a:bodyPr rtlCol="0" anchor="ctr"/>
+          <a:lstStyle>
+            <a:lvl1pPr marL="0" indent="0">
+              <a:defRPr sz="1100">
+                <a:solidFill>
+                  <a:schemeClr val="lt1"/>
+                </a:solidFill>
+                <a:latin typeface="+mn-lt"/>
+                <a:ea typeface="+mn-ea"/>
+                <a:cs typeface="+mn-cs"/>
+              </a:defRPr>
+            </a:lvl1pPr>
+            <a:lvl2pPr marL="457200" indent="0">
+              <a:defRPr sz="1100">
+                <a:solidFill>
+                  <a:schemeClr val="lt1"/>
+                </a:solidFill>
+                <a:latin typeface="+mn-lt"/>
+                <a:ea typeface="+mn-ea"/>
+                <a:cs typeface="+mn-cs"/>
+              </a:defRPr>
+            </a:lvl2pPr>
+            <a:lvl3pPr marL="914400" indent="0">
+              <a:defRPr sz="1100">
+                <a:solidFill>
+                  <a:schemeClr val="lt1"/>
+                </a:solidFill>
+                <a:latin typeface="+mn-lt"/>
+                <a:ea typeface="+mn-ea"/>
+                <a:cs typeface="+mn-cs"/>
+              </a:defRPr>
+            </a:lvl3pPr>
+            <a:lvl4pPr marL="1371600" indent="0">
+              <a:defRPr sz="1100">
+                <a:solidFill>
+                  <a:schemeClr val="lt1"/>
+                </a:solidFill>
+                <a:latin typeface="+mn-lt"/>
+                <a:ea typeface="+mn-ea"/>
+                <a:cs typeface="+mn-cs"/>
+              </a:defRPr>
+            </a:lvl4pPr>
+            <a:lvl5pPr marL="1828800" indent="0">
+              <a:defRPr sz="1100">
+                <a:solidFill>
+                  <a:schemeClr val="lt1"/>
+                </a:solidFill>
+                <a:latin typeface="+mn-lt"/>
+                <a:ea typeface="+mn-ea"/>
+                <a:cs typeface="+mn-cs"/>
+              </a:defRPr>
+            </a:lvl5pPr>
+            <a:lvl6pPr marL="2286000" indent="0">
+              <a:defRPr sz="1100">
+                <a:solidFill>
+                  <a:schemeClr val="lt1"/>
+                </a:solidFill>
+                <a:latin typeface="+mn-lt"/>
+                <a:ea typeface="+mn-ea"/>
+                <a:cs typeface="+mn-cs"/>
+              </a:defRPr>
+            </a:lvl6pPr>
+            <a:lvl7pPr marL="2743200" indent="0">
+              <a:defRPr sz="1100">
+                <a:solidFill>
+                  <a:schemeClr val="lt1"/>
+                </a:solidFill>
+                <a:latin typeface="+mn-lt"/>
+                <a:ea typeface="+mn-ea"/>
+                <a:cs typeface="+mn-cs"/>
+              </a:defRPr>
+            </a:lvl7pPr>
+            <a:lvl8pPr marL="3200400" indent="0">
+              <a:defRPr sz="1100">
+                <a:solidFill>
+                  <a:schemeClr val="lt1"/>
+                </a:solidFill>
+                <a:latin typeface="+mn-lt"/>
+                <a:ea typeface="+mn-ea"/>
+                <a:cs typeface="+mn-cs"/>
+              </a:defRPr>
+            </a:lvl8pPr>
+            <a:lvl9pPr marL="3657600" indent="0">
+              <a:defRPr sz="1100">
+                <a:solidFill>
+                  <a:schemeClr val="lt1"/>
+                </a:solidFill>
+                <a:latin typeface="+mn-lt"/>
+                <a:ea typeface="+mn-ea"/>
+                <a:cs typeface="+mn-cs"/>
+              </a:defRPr>
+            </a:lvl9pPr>
+          </a:lstStyle>
+          <a:p>
+            <a:pPr algn="ctr"/>
+            <a:r>
+              <a:rPr kumimoji="1" lang="ja-JP" altLang="en-US" sz="1100"/>
+              <a:t>アプリ</a:t>
+            </a:r>
+          </a:p>
+        </p:txBody>
+      </p:sp>
+      <p:sp>
+        <p:nvSpPr>
+          <p:cNvPr id="57" name="円/楕円 56"/>
+          <p:cNvSpPr/>
+          <p:nvPr/>
+        </p:nvSpPr>
+        <p:spPr>
+          <a:xfrm>
+            <a:off x="2639059" y="5886137"/>
+            <a:ext cx="180000" cy="180000"/>
+          </a:xfrm>
+          <a:prstGeom prst="ellipse">
+            <a:avLst/>
+          </a:prstGeom>
+          <a:solidFill>
+            <a:schemeClr val="tx1">
+              <a:lumMod val="50000"/>
+              <a:lumOff val="50000"/>
+            </a:schemeClr>
+          </a:solidFill>
+          <a:ln>
+            <a:noFill/>
+          </a:ln>
+        </p:spPr>
+        <p:style>
+          <a:lnRef idx="2">
+            <a:schemeClr val="accent1">
+              <a:shade val="50000"/>
+            </a:schemeClr>
+          </a:lnRef>
+          <a:fillRef idx="1">
+            <a:schemeClr val="accent1"/>
+          </a:fillRef>
+          <a:effectRef idx="0">
+            <a:schemeClr val="accent1"/>
+          </a:effectRef>
+          <a:fontRef idx="minor">
+            <a:schemeClr val="lt1"/>
+          </a:fontRef>
+        </p:style>
+        <p:txBody>
+          <a:bodyPr rtlCol="0" anchor="t"/>
+          <a:lstStyle>
+            <a:lvl1pPr marL="0" indent="0">
+              <a:defRPr sz="1100">
+                <a:solidFill>
+                  <a:schemeClr val="lt1"/>
+                </a:solidFill>
+                <a:latin typeface="+mn-lt"/>
+                <a:ea typeface="+mn-ea"/>
+                <a:cs typeface="+mn-cs"/>
+              </a:defRPr>
+            </a:lvl1pPr>
+            <a:lvl2pPr marL="457200" indent="0">
+              <a:defRPr sz="1100">
+                <a:solidFill>
+                  <a:schemeClr val="lt1"/>
+                </a:solidFill>
+                <a:latin typeface="+mn-lt"/>
+                <a:ea typeface="+mn-ea"/>
+                <a:cs typeface="+mn-cs"/>
+              </a:defRPr>
+            </a:lvl2pPr>
+            <a:lvl3pPr marL="914400" indent="0">
+              <a:defRPr sz="1100">
+                <a:solidFill>
+                  <a:schemeClr val="lt1"/>
+                </a:solidFill>
+                <a:latin typeface="+mn-lt"/>
+                <a:ea typeface="+mn-ea"/>
+                <a:cs typeface="+mn-cs"/>
+              </a:defRPr>
+            </a:lvl3pPr>
+            <a:lvl4pPr marL="1371600" indent="0">
+              <a:defRPr sz="1100">
+                <a:solidFill>
+                  <a:schemeClr val="lt1"/>
+                </a:solidFill>
+                <a:latin typeface="+mn-lt"/>
+                <a:ea typeface="+mn-ea"/>
+                <a:cs typeface="+mn-cs"/>
+              </a:defRPr>
+            </a:lvl4pPr>
+            <a:lvl5pPr marL="1828800" indent="0">
+              <a:defRPr sz="1100">
+                <a:solidFill>
+                  <a:schemeClr val="lt1"/>
+                </a:solidFill>
+                <a:latin typeface="+mn-lt"/>
+                <a:ea typeface="+mn-ea"/>
+                <a:cs typeface="+mn-cs"/>
+              </a:defRPr>
+            </a:lvl5pPr>
+            <a:lvl6pPr marL="2286000" indent="0">
+              <a:defRPr sz="1100">
+                <a:solidFill>
+                  <a:schemeClr val="lt1"/>
+                </a:solidFill>
+                <a:latin typeface="+mn-lt"/>
+                <a:ea typeface="+mn-ea"/>
+                <a:cs typeface="+mn-cs"/>
+              </a:defRPr>
+            </a:lvl6pPr>
+            <a:lvl7pPr marL="2743200" indent="0">
+              <a:defRPr sz="1100">
+                <a:solidFill>
+                  <a:schemeClr val="lt1"/>
+                </a:solidFill>
+                <a:latin typeface="+mn-lt"/>
+                <a:ea typeface="+mn-ea"/>
+                <a:cs typeface="+mn-cs"/>
+              </a:defRPr>
+            </a:lvl7pPr>
+            <a:lvl8pPr marL="3200400" indent="0">
+              <a:defRPr sz="1100">
+                <a:solidFill>
+                  <a:schemeClr val="lt1"/>
+                </a:solidFill>
+                <a:latin typeface="+mn-lt"/>
+                <a:ea typeface="+mn-ea"/>
+                <a:cs typeface="+mn-cs"/>
+              </a:defRPr>
+            </a:lvl8pPr>
+            <a:lvl9pPr marL="3657600" indent="0">
+              <a:defRPr sz="1100">
+                <a:solidFill>
+                  <a:schemeClr val="lt1"/>
+                </a:solidFill>
+                <a:latin typeface="+mn-lt"/>
+                <a:ea typeface="+mn-ea"/>
+                <a:cs typeface="+mn-cs"/>
+              </a:defRPr>
+            </a:lvl9pPr>
+          </a:lstStyle>
+          <a:p>
+            <a:pPr algn="l"/>
+            <a:endParaRPr kumimoji="1" lang="ja-JP" altLang="en-US" sz="1100"/>
+          </a:p>
+        </p:txBody>
+      </p:sp>
+      <p:sp>
+        <p:nvSpPr>
+          <p:cNvPr id="58" name="フローチャート : 磁気ディスク 9"/>
+          <p:cNvSpPr/>
+          <p:nvPr/>
+        </p:nvSpPr>
+        <p:spPr>
+          <a:xfrm>
+            <a:off x="6954725" y="4439112"/>
+            <a:ext cx="1409139" cy="1600200"/>
+          </a:xfrm>
+          <a:prstGeom prst="flowChartMagneticDisk">
+            <a:avLst/>
+          </a:prstGeom>
+          <a:solidFill>
+            <a:schemeClr val="tx1">
+              <a:lumMod val="50000"/>
+              <a:lumOff val="50000"/>
+            </a:schemeClr>
+          </a:solidFill>
+          <a:ln>
+            <a:solidFill>
+              <a:schemeClr val="tx1">
+                <a:lumMod val="65000"/>
+                <a:lumOff val="35000"/>
+              </a:schemeClr>
+            </a:solidFill>
+          </a:ln>
+        </p:spPr>
+        <p:style>
+          <a:lnRef idx="2">
+            <a:schemeClr val="accent1">
+              <a:shade val="50000"/>
+            </a:schemeClr>
+          </a:lnRef>
+          <a:fillRef idx="1">
+            <a:schemeClr val="accent1"/>
+          </a:fillRef>
+          <a:effectRef idx="0">
+            <a:schemeClr val="accent1"/>
+          </a:effectRef>
+          <a:fontRef idx="minor">
+            <a:schemeClr val="lt1"/>
+          </a:fontRef>
+        </p:style>
+        <p:txBody>
+          <a:bodyPr rtlCol="0" anchor="ctr"/>
+          <a:lstStyle>
+            <a:lvl1pPr marL="0" indent="0">
+              <a:defRPr sz="1100">
+                <a:solidFill>
+                  <a:schemeClr val="lt1"/>
+                </a:solidFill>
+                <a:latin typeface="+mn-lt"/>
+                <a:ea typeface="+mn-ea"/>
+                <a:cs typeface="+mn-cs"/>
+              </a:defRPr>
+            </a:lvl1pPr>
+            <a:lvl2pPr marL="457200" indent="0">
+              <a:defRPr sz="1100">
+                <a:solidFill>
+                  <a:schemeClr val="lt1"/>
+                </a:solidFill>
+                <a:latin typeface="+mn-lt"/>
+                <a:ea typeface="+mn-ea"/>
+                <a:cs typeface="+mn-cs"/>
+              </a:defRPr>
+            </a:lvl2pPr>
+            <a:lvl3pPr marL="914400" indent="0">
+              <a:defRPr sz="1100">
+                <a:solidFill>
+                  <a:schemeClr val="lt1"/>
+                </a:solidFill>
+                <a:latin typeface="+mn-lt"/>
+                <a:ea typeface="+mn-ea"/>
+                <a:cs typeface="+mn-cs"/>
+              </a:defRPr>
+            </a:lvl3pPr>
+            <a:lvl4pPr marL="1371600" indent="0">
+              <a:defRPr sz="1100">
+                <a:solidFill>
+                  <a:schemeClr val="lt1"/>
+                </a:solidFill>
+                <a:latin typeface="+mn-lt"/>
+                <a:ea typeface="+mn-ea"/>
+                <a:cs typeface="+mn-cs"/>
+              </a:defRPr>
+            </a:lvl4pPr>
+            <a:lvl5pPr marL="1828800" indent="0">
+              <a:defRPr sz="1100">
+                <a:solidFill>
+                  <a:schemeClr val="lt1"/>
+                </a:solidFill>
+                <a:latin typeface="+mn-lt"/>
+                <a:ea typeface="+mn-ea"/>
+                <a:cs typeface="+mn-cs"/>
+              </a:defRPr>
+            </a:lvl5pPr>
+            <a:lvl6pPr marL="2286000" indent="0">
+              <a:defRPr sz="1100">
+                <a:solidFill>
+                  <a:schemeClr val="lt1"/>
+                </a:solidFill>
+                <a:latin typeface="+mn-lt"/>
+                <a:ea typeface="+mn-ea"/>
+                <a:cs typeface="+mn-cs"/>
+              </a:defRPr>
+            </a:lvl6pPr>
+            <a:lvl7pPr marL="2743200" indent="0">
+              <a:defRPr sz="1100">
+                <a:solidFill>
+                  <a:schemeClr val="lt1"/>
+                </a:solidFill>
+                <a:latin typeface="+mn-lt"/>
+                <a:ea typeface="+mn-ea"/>
+                <a:cs typeface="+mn-cs"/>
+              </a:defRPr>
+            </a:lvl7pPr>
+            <a:lvl8pPr marL="3200400" indent="0">
+              <a:defRPr sz="1100">
+                <a:solidFill>
+                  <a:schemeClr val="lt1"/>
+                </a:solidFill>
+                <a:latin typeface="+mn-lt"/>
+                <a:ea typeface="+mn-ea"/>
+                <a:cs typeface="+mn-cs"/>
+              </a:defRPr>
+            </a:lvl8pPr>
+            <a:lvl9pPr marL="3657600" indent="0">
+              <a:defRPr sz="1100">
+                <a:solidFill>
+                  <a:schemeClr val="lt1"/>
+                </a:solidFill>
+                <a:latin typeface="+mn-lt"/>
+                <a:ea typeface="+mn-ea"/>
+                <a:cs typeface="+mn-cs"/>
+              </a:defRPr>
+            </a:lvl9pPr>
+          </a:lstStyle>
+          <a:p>
+            <a:pPr algn="ctr"/>
+            <a:r>
+              <a:rPr kumimoji="1" lang="ja-JP" altLang="en-US" sz="1100"/>
+              <a:t>データベース</a:t>
+            </a:r>
+            <a:endParaRPr kumimoji="1" lang="en-US" altLang="ja-JP" sz="1100"/>
+          </a:p>
+        </p:txBody>
+      </p:sp>
+      <p:sp>
+        <p:nvSpPr>
+          <p:cNvPr id="59" name="直方体 58"/>
+          <p:cNvSpPr/>
+          <p:nvPr/>
+        </p:nvSpPr>
+        <p:spPr>
+          <a:xfrm>
+            <a:off x="5120177" y="4472729"/>
+            <a:ext cx="1051111" cy="1512233"/>
+          </a:xfrm>
+          <a:prstGeom prst="cube">
+            <a:avLst/>
+          </a:prstGeom>
+          <a:solidFill>
+            <a:schemeClr val="tx1">
+              <a:lumMod val="50000"/>
+              <a:lumOff val="50000"/>
+            </a:schemeClr>
+          </a:solidFill>
+          <a:ln>
+            <a:solidFill>
+              <a:schemeClr val="tx1">
+                <a:lumMod val="65000"/>
+                <a:lumOff val="35000"/>
+              </a:schemeClr>
+            </a:solidFill>
+          </a:ln>
+        </p:spPr>
+        <p:style>
+          <a:lnRef idx="2">
+            <a:schemeClr val="accent1">
+              <a:shade val="50000"/>
+            </a:schemeClr>
+          </a:lnRef>
+          <a:fillRef idx="1">
+            <a:schemeClr val="accent1"/>
+          </a:fillRef>
+          <a:effectRef idx="0">
+            <a:schemeClr val="accent1"/>
+          </a:effectRef>
+          <a:fontRef idx="minor">
+            <a:schemeClr val="lt1"/>
+          </a:fontRef>
+        </p:style>
+        <p:txBody>
+          <a:bodyPr rtlCol="0" anchor="ctr"/>
+          <a:lstStyle>
+            <a:lvl1pPr marL="0" indent="0">
+              <a:defRPr sz="1100">
+                <a:solidFill>
+                  <a:schemeClr val="lt1"/>
+                </a:solidFill>
+                <a:latin typeface="+mn-lt"/>
+                <a:ea typeface="+mn-ea"/>
+                <a:cs typeface="+mn-cs"/>
+              </a:defRPr>
+            </a:lvl1pPr>
+            <a:lvl2pPr marL="457200" indent="0">
+              <a:defRPr sz="1100">
+                <a:solidFill>
+                  <a:schemeClr val="lt1"/>
+                </a:solidFill>
+                <a:latin typeface="+mn-lt"/>
+                <a:ea typeface="+mn-ea"/>
+                <a:cs typeface="+mn-cs"/>
+              </a:defRPr>
+            </a:lvl2pPr>
+            <a:lvl3pPr marL="914400" indent="0">
+              <a:defRPr sz="1100">
+                <a:solidFill>
+                  <a:schemeClr val="lt1"/>
+                </a:solidFill>
+                <a:latin typeface="+mn-lt"/>
+                <a:ea typeface="+mn-ea"/>
+                <a:cs typeface="+mn-cs"/>
+              </a:defRPr>
+            </a:lvl3pPr>
+            <a:lvl4pPr marL="1371600" indent="0">
+              <a:defRPr sz="1100">
+                <a:solidFill>
+                  <a:schemeClr val="lt1"/>
+                </a:solidFill>
+                <a:latin typeface="+mn-lt"/>
+                <a:ea typeface="+mn-ea"/>
+                <a:cs typeface="+mn-cs"/>
+              </a:defRPr>
+            </a:lvl4pPr>
+            <a:lvl5pPr marL="1828800" indent="0">
+              <a:defRPr sz="1100">
+                <a:solidFill>
+                  <a:schemeClr val="lt1"/>
+                </a:solidFill>
+                <a:latin typeface="+mn-lt"/>
+                <a:ea typeface="+mn-ea"/>
+                <a:cs typeface="+mn-cs"/>
+              </a:defRPr>
+            </a:lvl5pPr>
+            <a:lvl6pPr marL="2286000" indent="0">
+              <a:defRPr sz="1100">
+                <a:solidFill>
+                  <a:schemeClr val="lt1"/>
+                </a:solidFill>
+                <a:latin typeface="+mn-lt"/>
+                <a:ea typeface="+mn-ea"/>
+                <a:cs typeface="+mn-cs"/>
+              </a:defRPr>
+            </a:lvl6pPr>
+            <a:lvl7pPr marL="2743200" indent="0">
+              <a:defRPr sz="1100">
+                <a:solidFill>
+                  <a:schemeClr val="lt1"/>
+                </a:solidFill>
+                <a:latin typeface="+mn-lt"/>
+                <a:ea typeface="+mn-ea"/>
+                <a:cs typeface="+mn-cs"/>
+              </a:defRPr>
+            </a:lvl7pPr>
+            <a:lvl8pPr marL="3200400" indent="0">
+              <a:defRPr sz="1100">
+                <a:solidFill>
+                  <a:schemeClr val="lt1"/>
+                </a:solidFill>
+                <a:latin typeface="+mn-lt"/>
+                <a:ea typeface="+mn-ea"/>
+                <a:cs typeface="+mn-cs"/>
+              </a:defRPr>
+            </a:lvl8pPr>
+            <a:lvl9pPr marL="3657600" indent="0">
+              <a:defRPr sz="1100">
+                <a:solidFill>
+                  <a:schemeClr val="lt1"/>
+                </a:solidFill>
+                <a:latin typeface="+mn-lt"/>
+                <a:ea typeface="+mn-ea"/>
+                <a:cs typeface="+mn-cs"/>
+              </a:defRPr>
+            </a:lvl9pPr>
+          </a:lstStyle>
+          <a:p>
+            <a:pPr algn="ctr"/>
+            <a:r>
+              <a:rPr kumimoji="1" lang="ja-JP" altLang="en-US" sz="1100"/>
+              <a:t>サーバー</a:t>
+            </a:r>
+          </a:p>
+        </p:txBody>
+      </p:sp>
+      <p:cxnSp>
+        <p:nvCxnSpPr>
+          <p:cNvPr id="60" name="直線矢印コネクタ 59"/>
+          <p:cNvCxnSpPr/>
+          <p:nvPr/>
+        </p:nvCxnSpPr>
+        <p:spPr>
+          <a:xfrm flipH="1" flipV="1">
+            <a:off x="6171288" y="5390125"/>
+            <a:ext cx="694351" cy="15493"/>
+          </a:xfrm>
+          <a:prstGeom prst="straightConnector1">
+            <a:avLst/>
+          </a:prstGeom>
+          <a:ln w="38100">
+            <a:solidFill>
+              <a:schemeClr val="tx2">
+                <a:lumMod val="75000"/>
+                <a:lumOff val="25000"/>
+              </a:schemeClr>
+            </a:solidFill>
+            <a:tailEnd type="arrow"/>
+          </a:ln>
+        </p:spPr>
+        <p:style>
+          <a:lnRef idx="1">
+            <a:schemeClr val="accent1"/>
+          </a:lnRef>
+          <a:fillRef idx="0">
+            <a:schemeClr val="accent1"/>
+          </a:fillRef>
+          <a:effectRef idx="0">
+            <a:schemeClr val="accent1"/>
+          </a:effectRef>
+          <a:fontRef idx="minor">
+            <a:schemeClr val="tx1"/>
+          </a:fontRef>
+        </p:style>
+      </p:cxnSp>
+      <p:cxnSp>
+        <p:nvCxnSpPr>
+          <p:cNvPr id="61" name="直線矢印コネクタ 60"/>
+          <p:cNvCxnSpPr/>
+          <p:nvPr/>
+        </p:nvCxnSpPr>
+        <p:spPr>
+          <a:xfrm>
+            <a:off x="6216464" y="5618532"/>
+            <a:ext cx="716802" cy="0"/>
+          </a:xfrm>
+          <a:prstGeom prst="straightConnector1">
+            <a:avLst/>
+          </a:prstGeom>
+          <a:ln w="38100">
+            <a:solidFill>
+              <a:schemeClr val="tx2">
+                <a:lumMod val="75000"/>
+                <a:lumOff val="25000"/>
+              </a:schemeClr>
+            </a:solidFill>
+            <a:tailEnd type="arrow"/>
+          </a:ln>
+        </p:spPr>
+        <p:style>
+          <a:lnRef idx="1">
+            <a:schemeClr val="accent1"/>
+          </a:lnRef>
+          <a:fillRef idx="0">
+            <a:schemeClr val="accent1"/>
+          </a:fillRef>
+          <a:effectRef idx="0">
+            <a:schemeClr val="accent1"/>
+          </a:effectRef>
+          <a:fontRef idx="minor">
+            <a:schemeClr val="tx1"/>
+          </a:fontRef>
+        </p:style>
+      </p:cxnSp>
+      <p:cxnSp>
+        <p:nvCxnSpPr>
+          <p:cNvPr id="64" name="直線矢印コネクタ 63"/>
+          <p:cNvCxnSpPr/>
+          <p:nvPr/>
+        </p:nvCxnSpPr>
+        <p:spPr>
+          <a:xfrm flipH="1">
+            <a:off x="3578114" y="5301208"/>
+            <a:ext cx="1497942" cy="1"/>
+          </a:xfrm>
+          <a:prstGeom prst="straightConnector1">
+            <a:avLst/>
+          </a:prstGeom>
+          <a:ln w="38100">
+            <a:solidFill>
+              <a:schemeClr val="tx2">
+                <a:lumMod val="75000"/>
+                <a:lumOff val="25000"/>
+              </a:schemeClr>
+            </a:solidFill>
+            <a:tailEnd type="arrow"/>
+          </a:ln>
+        </p:spPr>
+        <p:style>
+          <a:lnRef idx="1">
+            <a:schemeClr val="accent1"/>
+          </a:lnRef>
+          <a:fillRef idx="0">
+            <a:schemeClr val="accent1"/>
+          </a:fillRef>
+          <a:effectRef idx="0">
+            <a:schemeClr val="accent1"/>
+          </a:effectRef>
+          <a:fontRef idx="minor">
+            <a:schemeClr val="tx1"/>
+          </a:fontRef>
+        </p:style>
+      </p:cxnSp>
+      <p:cxnSp>
+        <p:nvCxnSpPr>
+          <p:cNvPr id="65" name="直線矢印コネクタ 64"/>
+          <p:cNvCxnSpPr/>
+          <p:nvPr/>
+        </p:nvCxnSpPr>
+        <p:spPr>
+          <a:xfrm>
+            <a:off x="3578114" y="5609640"/>
+            <a:ext cx="1497942" cy="8892"/>
+          </a:xfrm>
+          <a:prstGeom prst="straightConnector1">
+            <a:avLst/>
+          </a:prstGeom>
+          <a:ln w="38100">
+            <a:solidFill>
+              <a:schemeClr val="tx2">
+                <a:lumMod val="75000"/>
+                <a:lumOff val="25000"/>
+              </a:schemeClr>
+            </a:solidFill>
+            <a:tailEnd type="arrow"/>
+          </a:ln>
+        </p:spPr>
+        <p:style>
+          <a:lnRef idx="1">
+            <a:schemeClr val="accent1"/>
+          </a:lnRef>
+          <a:fillRef idx="0">
+            <a:schemeClr val="accent1"/>
+          </a:fillRef>
+          <a:effectRef idx="0">
+            <a:schemeClr val="accent1"/>
+          </a:effectRef>
+          <a:fontRef idx="minor">
+            <a:schemeClr val="tx1"/>
+          </a:fontRef>
+        </p:style>
+      </p:cxnSp>
+      <p:sp>
+        <p:nvSpPr>
+          <p:cNvPr id="66" name="円/楕円 65"/>
+          <p:cNvSpPr/>
+          <p:nvPr/>
+        </p:nvSpPr>
+        <p:spPr>
+          <a:xfrm flipH="1">
+            <a:off x="1764978" y="3729273"/>
+            <a:ext cx="718319" cy="713277"/>
+          </a:xfrm>
+          <a:prstGeom prst="ellipse">
+            <a:avLst/>
+          </a:prstGeom>
+          <a:solidFill>
+            <a:schemeClr val="accent5">
+              <a:lumMod val="50000"/>
+            </a:schemeClr>
+          </a:solidFill>
+          <a:ln>
+            <a:noFill/>
+          </a:ln>
+        </p:spPr>
+        <p:style>
+          <a:lnRef idx="2">
+            <a:schemeClr val="accent1">
+              <a:shade val="50000"/>
+            </a:schemeClr>
+          </a:lnRef>
+          <a:fillRef idx="1">
+            <a:schemeClr val="accent1"/>
+          </a:fillRef>
+          <a:effectRef idx="0">
+            <a:schemeClr val="accent1"/>
+          </a:effectRef>
+          <a:fontRef idx="minor">
+            <a:schemeClr val="lt1"/>
+          </a:fontRef>
+        </p:style>
+        <p:txBody>
+          <a:bodyPr wrap="none" lIns="0" tIns="0" rIns="0" bIns="0" rtlCol="0" anchor="ctr"/>
+          <a:lstStyle>
+            <a:lvl1pPr marL="0" indent="0">
+              <a:defRPr sz="1100">
+                <a:solidFill>
+                  <a:schemeClr val="lt1"/>
+                </a:solidFill>
+                <a:latin typeface="+mn-lt"/>
+                <a:ea typeface="+mn-ea"/>
+                <a:cs typeface="+mn-cs"/>
+              </a:defRPr>
+            </a:lvl1pPr>
+            <a:lvl2pPr marL="457200" indent="0">
+              <a:defRPr sz="1100">
+                <a:solidFill>
+                  <a:schemeClr val="lt1"/>
+                </a:solidFill>
+                <a:latin typeface="+mn-lt"/>
+                <a:ea typeface="+mn-ea"/>
+                <a:cs typeface="+mn-cs"/>
+              </a:defRPr>
+            </a:lvl2pPr>
+            <a:lvl3pPr marL="914400" indent="0">
+              <a:defRPr sz="1100">
+                <a:solidFill>
+                  <a:schemeClr val="lt1"/>
+                </a:solidFill>
+                <a:latin typeface="+mn-lt"/>
+                <a:ea typeface="+mn-ea"/>
+                <a:cs typeface="+mn-cs"/>
+              </a:defRPr>
+            </a:lvl3pPr>
+            <a:lvl4pPr marL="1371600" indent="0">
+              <a:defRPr sz="1100">
+                <a:solidFill>
+                  <a:schemeClr val="lt1"/>
+                </a:solidFill>
+                <a:latin typeface="+mn-lt"/>
+                <a:ea typeface="+mn-ea"/>
+                <a:cs typeface="+mn-cs"/>
+              </a:defRPr>
+            </a:lvl4pPr>
+            <a:lvl5pPr marL="1828800" indent="0">
+              <a:defRPr sz="1100">
+                <a:solidFill>
+                  <a:schemeClr val="lt1"/>
+                </a:solidFill>
+                <a:latin typeface="+mn-lt"/>
+                <a:ea typeface="+mn-ea"/>
+                <a:cs typeface="+mn-cs"/>
+              </a:defRPr>
+            </a:lvl5pPr>
+            <a:lvl6pPr marL="2286000" indent="0">
+              <a:defRPr sz="1100">
+                <a:solidFill>
+                  <a:schemeClr val="lt1"/>
+                </a:solidFill>
+                <a:latin typeface="+mn-lt"/>
+                <a:ea typeface="+mn-ea"/>
+                <a:cs typeface="+mn-cs"/>
+              </a:defRPr>
+            </a:lvl6pPr>
+            <a:lvl7pPr marL="2743200" indent="0">
+              <a:defRPr sz="1100">
+                <a:solidFill>
+                  <a:schemeClr val="lt1"/>
+                </a:solidFill>
+                <a:latin typeface="+mn-lt"/>
+                <a:ea typeface="+mn-ea"/>
+                <a:cs typeface="+mn-cs"/>
+              </a:defRPr>
+            </a:lvl7pPr>
+            <a:lvl8pPr marL="3200400" indent="0">
+              <a:defRPr sz="1100">
+                <a:solidFill>
+                  <a:schemeClr val="lt1"/>
+                </a:solidFill>
+                <a:latin typeface="+mn-lt"/>
+                <a:ea typeface="+mn-ea"/>
+                <a:cs typeface="+mn-cs"/>
+              </a:defRPr>
+            </a:lvl8pPr>
+            <a:lvl9pPr marL="3657600" indent="0">
+              <a:defRPr sz="1100">
+                <a:solidFill>
+                  <a:schemeClr val="lt1"/>
+                </a:solidFill>
+                <a:latin typeface="+mn-lt"/>
+                <a:ea typeface="+mn-ea"/>
+                <a:cs typeface="+mn-cs"/>
+              </a:defRPr>
+            </a:lvl9pPr>
+          </a:lstStyle>
+          <a:p>
+            <a:pPr algn="ctr"/>
+            <a:r>
+              <a:rPr kumimoji="1" lang="ja-JP" altLang="en-US" sz="1100">
+                <a:latin typeface="メイリオ" panose="020B0604030504040204" pitchFamily="50" charset="-128"/>
+                <a:ea typeface="メイリオ" panose="020B0604030504040204" pitchFamily="50" charset="-128"/>
+                <a:cs typeface="メイリオ" panose="020B0604030504040204" pitchFamily="50" charset="-128"/>
+              </a:rPr>
+              <a:t>作成依頼</a:t>
+            </a:r>
+          </a:p>
+        </p:txBody>
+      </p:sp>
+    </p:spTree>
+    <p:extLst>
+      <p:ext uri="{BB962C8B-B14F-4D97-AF65-F5344CB8AC3E}">
+        <p14:creationId xmlns:p14="http://schemas.microsoft.com/office/powerpoint/2010/main" val="3028826895"/>
+      </p:ext>
+    </p:extLst>
+  </p:cSld>
+  <p:clrMapOvr>
+    <a:masterClrMapping/>
+  </p:clrMapOvr>
+  <p:timing>
+    <p:tnLst>
+      <p:par>
+        <p:cTn id="1" dur="indefinite" restart="never" nodeType="tmRoot"/>
+      </p:par>
+    </p:tnLst>
+  </p:timing>
+</p:sld>
+</file>
+
+<file path=ppt/slides/slide17.xml><?xml version="1.0" encoding="utf-8"?>
+<p:sld xmlns:a="http://schemas.openxmlformats.org/drawingml/2006/main" xmlns:r="http://schemas.openxmlformats.org/officeDocument/2006/relationships" xmlns:p="http://schemas.openxmlformats.org/presentationml/2006/main">
+  <p:cSld>
+    <p:spTree>
+      <p:nvGrpSpPr>
+        <p:cNvPr id="1" name=""/>
+        <p:cNvGrpSpPr/>
+        <p:nvPr/>
+      </p:nvGrpSpPr>
+      <p:grpSpPr>
+        <a:xfrm>
+          <a:off x="0" y="0"/>
+          <a:ext cx="0" cy="0"/>
+          <a:chOff x="0" y="0"/>
+          <a:chExt cx="0" cy="0"/>
+        </a:xfrm>
+      </p:grpSpPr>
+      <p:sp>
+        <p:nvSpPr>
+          <p:cNvPr id="3" name="タイトル 2"/>
+          <p:cNvSpPr>
+            <a:spLocks noGrp="1"/>
+          </p:cNvSpPr>
+          <p:nvPr>
+            <p:ph type="title"/>
+          </p:nvPr>
+        </p:nvSpPr>
+        <p:spPr/>
+        <p:txBody>
+          <a:bodyPr/>
+          <a:lstStyle/>
+          <a:p>
+            <a:r>
+              <a:rPr lang="en-US" altLang="ja-JP">
+                <a:effectLst>
+                  <a:outerShdw blurRad="38100" dist="38100" dir="2700000" algn="tl">
+                    <a:srgbClr val="000000">
+                      <a:alpha val="43137"/>
+                    </a:srgbClr>
+                  </a:outerShdw>
+                </a:effectLst>
+                <a:latin typeface="メイリオ" panose="020B0604030504040204" pitchFamily="50" charset="-128"/>
+              </a:rPr>
+              <a:t>Ⅰ</a:t>
+            </a:r>
+            <a:r>
+              <a:rPr lang="ja-JP" altLang="en-US" smtClean="0">
+                <a:effectLst>
+                  <a:outerShdw blurRad="38100" dist="38100" dir="2700000" algn="tl">
+                    <a:srgbClr val="000000">
+                      <a:alpha val="43137"/>
+                    </a:srgbClr>
+                  </a:outerShdw>
+                </a:effectLst>
+                <a:latin typeface="メイリオ" panose="020B0604030504040204" pitchFamily="50" charset="-128"/>
+              </a:rPr>
+              <a:t>．要件定義</a:t>
+            </a:r>
+            <a:endParaRPr kumimoji="1" lang="ja-JP" altLang="en-US"/>
+          </a:p>
+        </p:txBody>
+      </p:sp>
+      <p:sp>
+        <p:nvSpPr>
+          <p:cNvPr id="4" name="スライド番号プレースホルダー 3"/>
+          <p:cNvSpPr>
+            <a:spLocks noGrp="1"/>
+          </p:cNvSpPr>
+          <p:nvPr>
+            <p:ph type="sldNum" sz="quarter" idx="12"/>
+          </p:nvPr>
+        </p:nvSpPr>
+        <p:spPr/>
+        <p:txBody>
+          <a:bodyPr/>
+          <a:lstStyle/>
+          <a:p>
+            <a:pPr>
+              <a:defRPr/>
+            </a:pPr>
+            <a:fld id="{1E1B01DC-68D8-4ABC-BEC3-98AC666CD965}" type="slidenum">
+              <a:rPr lang="en-US" altLang="ja-JP" smtClean="0"/>
+              <a:pPr>
+                <a:defRPr/>
+              </a:pPr>
+              <a:t>17</a:t>
             </a:fld>
             <a:endParaRPr lang="en-US" altLang="ja-JP"/>
           </a:p>
@@ -20389,7 +20708,7 @@
 </p:sld>
 </file>
 
-<file path=ppt/slides/slide17.xml><?xml version="1.0" encoding="utf-8"?>
+<file path=ppt/slides/slide18.xml><?xml version="1.0" encoding="utf-8"?>
 <p:sld xmlns:a="http://schemas.openxmlformats.org/drawingml/2006/main" xmlns:r="http://schemas.openxmlformats.org/officeDocument/2006/relationships" xmlns:p="http://schemas.openxmlformats.org/presentationml/2006/main">
   <p:cSld>
     <p:spTree>
@@ -21028,7 +21347,7 @@
 </p:sld>
 </file>
 
-<file path=ppt/slides/slide18.xml><?xml version="1.0" encoding="utf-8"?>
+<file path=ppt/slides/slide19.xml><?xml version="1.0" encoding="utf-8"?>
 <p:sld xmlns:a="http://schemas.openxmlformats.org/drawingml/2006/main" xmlns:r="http://schemas.openxmlformats.org/officeDocument/2006/relationships" xmlns:p="http://schemas.openxmlformats.org/presentationml/2006/main">
   <p:cSld>
     <p:spTree>
@@ -21121,7 +21440,7 @@
               <a:pPr>
                 <a:defRPr/>
               </a:pPr>
-              <a:t>18</a:t>
+              <a:t>19</a:t>
             </a:fld>
             <a:endParaRPr lang="en-US" altLang="ja-JP"/>
           </a:p>
@@ -21137,333 +21456,6 @@
   <p:clrMapOvr>
     <a:masterClrMapping/>
   </p:clrMapOvr>
-  <p:timing>
-    <p:tnLst>
-      <p:par>
-        <p:cTn id="1" dur="indefinite" restart="never" nodeType="tmRoot"/>
-      </p:par>
-    </p:tnLst>
-  </p:timing>
-</p:sld>
-</file>
-
-<file path=ppt/slides/slide19.xml><?xml version="1.0" encoding="utf-8"?>
-<p:sld xmlns:a="http://schemas.openxmlformats.org/drawingml/2006/main" xmlns:r="http://schemas.openxmlformats.org/officeDocument/2006/relationships" xmlns:p="http://schemas.openxmlformats.org/presentationml/2006/main">
-  <p:cSld>
-    <p:spTree>
-      <p:nvGrpSpPr>
-        <p:cNvPr id="1" name=""/>
-        <p:cNvGrpSpPr/>
-        <p:nvPr/>
-      </p:nvGrpSpPr>
-      <p:grpSpPr>
-        <a:xfrm>
-          <a:off x="0" y="0"/>
-          <a:ext cx="0" cy="0"/>
-          <a:chOff x="0" y="0"/>
-          <a:chExt cx="0" cy="0"/>
-        </a:xfrm>
-      </p:grpSpPr>
-      <p:sp>
-        <p:nvSpPr>
-          <p:cNvPr id="3" name="タイトル 2"/>
-          <p:cNvSpPr>
-            <a:spLocks noGrp="1"/>
-          </p:cNvSpPr>
-          <p:nvPr>
-            <p:ph type="title"/>
-          </p:nvPr>
-        </p:nvSpPr>
-        <p:spPr>
-          <a:xfrm>
-            <a:off x="2124075" y="0"/>
-            <a:ext cx="7019925" cy="549275"/>
-          </a:xfrm>
-        </p:spPr>
-        <p:txBody>
-          <a:bodyPr/>
-          <a:lstStyle/>
-          <a:p>
-            <a:pPr>
-              <a:defRPr/>
-            </a:pPr>
-            <a:r>
-              <a:rPr lang="en-US" altLang="ja-JP" smtClean="0">
-                <a:effectLst>
-                  <a:outerShdw blurRad="38100" dist="38100" dir="2700000" algn="tl">
-                    <a:srgbClr val="000000">
-                      <a:alpha val="43137"/>
-                    </a:srgbClr>
-                  </a:outerShdw>
-                </a:effectLst>
-                <a:latin typeface="メイリオ" panose="020B0604030504040204" pitchFamily="50" charset="-128"/>
-              </a:rPr>
-              <a:t>Ⅱ</a:t>
-            </a:r>
-            <a:r>
-              <a:rPr lang="ja-JP" altLang="en-US" smtClean="0">
-                <a:effectLst>
-                  <a:outerShdw blurRad="38100" dist="38100" dir="2700000" algn="tl">
-                    <a:srgbClr val="000000">
-                      <a:alpha val="43137"/>
-                    </a:srgbClr>
-                  </a:outerShdw>
-                </a:effectLst>
-                <a:latin typeface="メイリオ" panose="020B0604030504040204" pitchFamily="50" charset="-128"/>
-              </a:rPr>
-              <a:t>．</a:t>
-            </a:r>
-            <a:r>
-              <a:rPr lang="ja-JP" altLang="en-US">
-                <a:effectLst>
-                  <a:outerShdw blurRad="38100" dist="38100" dir="2700000" algn="tl">
-                    <a:srgbClr val="000000">
-                      <a:alpha val="43137"/>
-                    </a:srgbClr>
-                  </a:outerShdw>
-                </a:effectLst>
-                <a:latin typeface="メイリオ" panose="020B0604030504040204" pitchFamily="50" charset="-128"/>
-              </a:rPr>
-              <a:t>外部設計（画面設計）</a:t>
-            </a:r>
-          </a:p>
-        </p:txBody>
-      </p:sp>
-      <p:sp>
-        <p:nvSpPr>
-          <p:cNvPr id="51203" name="コンテンツ プレースホルダー 3"/>
-          <p:cNvSpPr>
-            <a:spLocks noGrp="1"/>
-          </p:cNvSpPr>
-          <p:nvPr>
-            <p:ph idx="1"/>
-          </p:nvPr>
-        </p:nvSpPr>
-        <p:spPr>
-          <a:xfrm>
-            <a:off x="2124075" y="1125538"/>
-            <a:ext cx="6769100" cy="4968875"/>
-          </a:xfrm>
-        </p:spPr>
-        <p:txBody>
-          <a:bodyPr/>
-          <a:lstStyle/>
-          <a:p>
-            <a:pPr>
-              <a:buClrTx/>
-              <a:buSzPct val="100000"/>
-            </a:pPr>
-            <a:r>
-              <a:rPr lang="en-US" altLang="ja-JP" sz="3600" b="0" smtClean="0">
-                <a:latin typeface="メイリオ" panose="020B0604030504040204" pitchFamily="50" charset="-128"/>
-              </a:rPr>
-              <a:t>【</a:t>
-            </a:r>
-            <a:r>
-              <a:rPr lang="ja-JP" altLang="en-US" sz="3600" b="0" smtClean="0">
-                <a:latin typeface="メイリオ" panose="020B0604030504040204" pitchFamily="50" charset="-128"/>
-              </a:rPr>
-              <a:t>開発環境</a:t>
-            </a:r>
-            <a:r>
-              <a:rPr lang="en-US" altLang="ja-JP" sz="3600" b="0" smtClean="0">
-                <a:latin typeface="メイリオ" panose="020B0604030504040204" pitchFamily="50" charset="-128"/>
-              </a:rPr>
-              <a:t>】</a:t>
-            </a:r>
-          </a:p>
-          <a:p>
-            <a:pPr lvl="1">
-              <a:buFont typeface="Wingdings" panose="05000000000000000000" pitchFamily="2" charset="2"/>
-              <a:buChar char="l"/>
-            </a:pPr>
-            <a:r>
-              <a:rPr lang="ja-JP" altLang="en-US" sz="2800" b="1" smtClean="0">
-                <a:latin typeface="メイリオ" panose="020B0604030504040204" pitchFamily="50" charset="-128"/>
-              </a:rPr>
-              <a:t>対象端末</a:t>
-            </a:r>
-            <a:endParaRPr lang="en-US" altLang="ja-JP" sz="2600" b="1" smtClean="0">
-              <a:latin typeface="メイリオ" panose="020B0604030504040204" pitchFamily="50" charset="-128"/>
-            </a:endParaRPr>
-          </a:p>
-          <a:p>
-            <a:pPr marL="1257300" lvl="2" indent="-342900">
-              <a:buSzPct val="100000"/>
-              <a:buFont typeface="Wingdings" panose="05000000000000000000" pitchFamily="2" charset="2"/>
-              <a:buChar char="l"/>
-            </a:pPr>
-            <a:r>
-              <a:rPr lang="en-US" altLang="ja-JP" sz="2600" smtClean="0">
-                <a:latin typeface="メイリオ" panose="020B0604030504040204" pitchFamily="50" charset="-128"/>
-              </a:rPr>
-              <a:t>Android 5.0/5.1 Lollipop </a:t>
-            </a:r>
-            <a:r>
-              <a:rPr lang="ja-JP" altLang="en-US" sz="2600" smtClean="0">
-                <a:latin typeface="メイリオ" panose="020B0604030504040204" pitchFamily="50" charset="-128"/>
-              </a:rPr>
-              <a:t>以上</a:t>
-            </a:r>
-            <a:endParaRPr lang="en-US" altLang="ja-JP" sz="2600" smtClean="0">
-              <a:latin typeface="メイリオ" panose="020B0604030504040204" pitchFamily="50" charset="-128"/>
-            </a:endParaRPr>
-          </a:p>
-          <a:p>
-            <a:pPr>
-              <a:buClrTx/>
-              <a:buSzPct val="100000"/>
-              <a:buFont typeface="Wingdings" panose="05000000000000000000" pitchFamily="2" charset="2"/>
-              <a:buChar char="l"/>
-            </a:pPr>
-            <a:endParaRPr lang="en-US" altLang="ja-JP" sz="3200" b="0" smtClean="0">
-              <a:latin typeface="メイリオ" panose="020B0604030504040204" pitchFamily="50" charset="-128"/>
-            </a:endParaRPr>
-          </a:p>
-          <a:p>
-            <a:pPr lvl="1">
-              <a:buFont typeface="Wingdings" panose="05000000000000000000" pitchFamily="2" charset="2"/>
-              <a:buChar char="l"/>
-            </a:pPr>
-            <a:r>
-              <a:rPr lang="ja-JP" altLang="en-US" sz="2800" b="1" smtClean="0">
-                <a:latin typeface="メイリオ" panose="020B0604030504040204" pitchFamily="50" charset="-128"/>
-              </a:rPr>
-              <a:t>実装</a:t>
-            </a:r>
-            <a:endParaRPr lang="en-US" altLang="ja-JP" sz="2800" b="1" smtClean="0">
-              <a:latin typeface="メイリオ" panose="020B0604030504040204" pitchFamily="50" charset="-128"/>
-            </a:endParaRPr>
-          </a:p>
-          <a:p>
-            <a:pPr marL="1257300" lvl="2" indent="-342900">
-              <a:buSzPct val="100000"/>
-              <a:buFont typeface="Wingdings" panose="05000000000000000000" pitchFamily="2" charset="2"/>
-              <a:buChar char="l"/>
-            </a:pPr>
-            <a:r>
-              <a:rPr lang="ja-JP" altLang="en-US" sz="2600" smtClean="0">
-                <a:latin typeface="メイリオ" panose="020B0604030504040204" pitchFamily="50" charset="-128"/>
-              </a:rPr>
-              <a:t>使用言語：</a:t>
-            </a:r>
-            <a:r>
-              <a:rPr lang="en-US" altLang="ja-JP" sz="2600" smtClean="0">
-                <a:latin typeface="メイリオ" panose="020B0604030504040204" pitchFamily="50" charset="-128"/>
-              </a:rPr>
-              <a:t>Java</a:t>
-            </a:r>
-          </a:p>
-          <a:p>
-            <a:pPr marL="1257300" lvl="2" indent="-342900">
-              <a:buSzPct val="100000"/>
-              <a:buFont typeface="Wingdings" panose="05000000000000000000" pitchFamily="2" charset="2"/>
-              <a:buChar char="l"/>
-            </a:pPr>
-            <a:r>
-              <a:rPr lang="ja-JP" altLang="en-US" sz="2600" smtClean="0">
-                <a:latin typeface="メイリオ" panose="020B0604030504040204" pitchFamily="50" charset="-128"/>
-              </a:rPr>
-              <a:t>開発環境：</a:t>
-            </a:r>
-            <a:r>
-              <a:rPr lang="en-US" altLang="ja-JP" sz="2600" smtClean="0">
-                <a:latin typeface="メイリオ" panose="020B0604030504040204" pitchFamily="50" charset="-128"/>
-              </a:rPr>
-              <a:t>Android Studio</a:t>
-            </a:r>
-          </a:p>
-        </p:txBody>
-      </p:sp>
-      <p:sp>
-        <p:nvSpPr>
-          <p:cNvPr id="2" name="スライド番号プレースホルダー 1"/>
-          <p:cNvSpPr>
-            <a:spLocks noGrp="1"/>
-          </p:cNvSpPr>
-          <p:nvPr>
-            <p:ph type="sldNum" sz="quarter" idx="12"/>
-          </p:nvPr>
-        </p:nvSpPr>
-        <p:spPr/>
-        <p:txBody>
-          <a:bodyPr/>
-          <a:lstStyle/>
-          <a:p>
-            <a:pPr>
-              <a:defRPr/>
-            </a:pPr>
-            <a:fld id="{AB7BD8D2-2322-4261-BFC8-5328FD5198B0}" type="slidenum">
-              <a:rPr lang="en-US" altLang="ja-JP"/>
-              <a:pPr>
-                <a:defRPr/>
-              </a:pPr>
-              <a:t>19</a:t>
-            </a:fld>
-            <a:endParaRPr lang="en-US" altLang="ja-JP"/>
-          </a:p>
-        </p:txBody>
-      </p:sp>
-      <p:pic>
-        <p:nvPicPr>
-          <p:cNvPr id="51205" name="Picture 10" descr="OISlogo"/>
-          <p:cNvPicPr>
-            <a:picLocks noChangeAspect="1" noChangeArrowheads="1"/>
-          </p:cNvPicPr>
-          <p:nvPr/>
-        </p:nvPicPr>
-        <p:blipFill>
-          <a:blip r:embed="rId3">
-            <a:extLst>
-              <a:ext uri="{28A0092B-C50C-407E-A947-70E740481C1C}">
-                <a14:useLocalDpi xmlns:a14="http://schemas.microsoft.com/office/drawing/2010/main" val="0"/>
-              </a:ext>
-            </a:extLst>
-          </a:blip>
-          <a:srcRect/>
-          <a:stretch>
-            <a:fillRect/>
-          </a:stretch>
-        </p:blipFill>
-        <p:spPr bwMode="auto">
-          <a:xfrm>
-            <a:off x="0" y="6203950"/>
-            <a:ext cx="1331913" cy="609600"/>
-          </a:xfrm>
-          <a:prstGeom prst="rect">
-            <a:avLst/>
-          </a:prstGeom>
-          <a:noFill/>
-          <a:ln>
-            <a:noFill/>
-          </a:ln>
-          <a:extLst>
-            <a:ext uri="{909E8E84-426E-40DD-AFC4-6F175D3DCCD1}">
-              <a14:hiddenFill xmlns:a14="http://schemas.microsoft.com/office/drawing/2010/main">
-                <a:solidFill>
-                  <a:srgbClr val="FFFFFF"/>
-                </a:solidFill>
-              </a14:hiddenFill>
-            </a:ext>
-            <a:ext uri="{91240B29-F687-4F45-9708-019B960494DF}">
-              <a14:hiddenLine xmlns:a14="http://schemas.microsoft.com/office/drawing/2010/main" w="9525">
-                <a:solidFill>
-                  <a:srgbClr val="000000"/>
-                </a:solidFill>
-                <a:miter lim="800000"/>
-                <a:headEnd/>
-                <a:tailEnd/>
-              </a14:hiddenLine>
-            </a:ext>
-          </a:extLst>
-        </p:spPr>
-      </p:pic>
-    </p:spTree>
-  </p:cSld>
-  <p:clrMapOvr>
-    <a:masterClrMapping/>
-  </p:clrMapOvr>
-  <p:transition spd="slow"/>
   <p:timing>
     <p:tnLst>
       <p:par>
@@ -21779,6 +21771,333 @@
             <p:ph type="title"/>
           </p:nvPr>
         </p:nvSpPr>
+        <p:spPr>
+          <a:xfrm>
+            <a:off x="2124075" y="0"/>
+            <a:ext cx="7019925" cy="549275"/>
+          </a:xfrm>
+        </p:spPr>
+        <p:txBody>
+          <a:bodyPr/>
+          <a:lstStyle/>
+          <a:p>
+            <a:pPr>
+              <a:defRPr/>
+            </a:pPr>
+            <a:r>
+              <a:rPr lang="en-US" altLang="ja-JP" smtClean="0">
+                <a:effectLst>
+                  <a:outerShdw blurRad="38100" dist="38100" dir="2700000" algn="tl">
+                    <a:srgbClr val="000000">
+                      <a:alpha val="43137"/>
+                    </a:srgbClr>
+                  </a:outerShdw>
+                </a:effectLst>
+                <a:latin typeface="メイリオ" panose="020B0604030504040204" pitchFamily="50" charset="-128"/>
+              </a:rPr>
+              <a:t>Ⅱ</a:t>
+            </a:r>
+            <a:r>
+              <a:rPr lang="ja-JP" altLang="en-US" smtClean="0">
+                <a:effectLst>
+                  <a:outerShdw blurRad="38100" dist="38100" dir="2700000" algn="tl">
+                    <a:srgbClr val="000000">
+                      <a:alpha val="43137"/>
+                    </a:srgbClr>
+                  </a:outerShdw>
+                </a:effectLst>
+                <a:latin typeface="メイリオ" panose="020B0604030504040204" pitchFamily="50" charset="-128"/>
+              </a:rPr>
+              <a:t>．</a:t>
+            </a:r>
+            <a:r>
+              <a:rPr lang="ja-JP" altLang="en-US">
+                <a:effectLst>
+                  <a:outerShdw blurRad="38100" dist="38100" dir="2700000" algn="tl">
+                    <a:srgbClr val="000000">
+                      <a:alpha val="43137"/>
+                    </a:srgbClr>
+                  </a:outerShdw>
+                </a:effectLst>
+                <a:latin typeface="メイリオ" panose="020B0604030504040204" pitchFamily="50" charset="-128"/>
+              </a:rPr>
+              <a:t>外部設計（画面設計）</a:t>
+            </a:r>
+          </a:p>
+        </p:txBody>
+      </p:sp>
+      <p:sp>
+        <p:nvSpPr>
+          <p:cNvPr id="51203" name="コンテンツ プレースホルダー 3"/>
+          <p:cNvSpPr>
+            <a:spLocks noGrp="1"/>
+          </p:cNvSpPr>
+          <p:nvPr>
+            <p:ph idx="1"/>
+          </p:nvPr>
+        </p:nvSpPr>
+        <p:spPr>
+          <a:xfrm>
+            <a:off x="2124075" y="1125538"/>
+            <a:ext cx="6769100" cy="4968875"/>
+          </a:xfrm>
+        </p:spPr>
+        <p:txBody>
+          <a:bodyPr/>
+          <a:lstStyle/>
+          <a:p>
+            <a:pPr>
+              <a:buClrTx/>
+              <a:buSzPct val="100000"/>
+            </a:pPr>
+            <a:r>
+              <a:rPr lang="en-US" altLang="ja-JP" sz="3600" b="0" smtClean="0">
+                <a:latin typeface="メイリオ" panose="020B0604030504040204" pitchFamily="50" charset="-128"/>
+              </a:rPr>
+              <a:t>【</a:t>
+            </a:r>
+            <a:r>
+              <a:rPr lang="ja-JP" altLang="en-US" sz="3600" b="0" smtClean="0">
+                <a:latin typeface="メイリオ" panose="020B0604030504040204" pitchFamily="50" charset="-128"/>
+              </a:rPr>
+              <a:t>開発環境</a:t>
+            </a:r>
+            <a:r>
+              <a:rPr lang="en-US" altLang="ja-JP" sz="3600" b="0" smtClean="0">
+                <a:latin typeface="メイリオ" panose="020B0604030504040204" pitchFamily="50" charset="-128"/>
+              </a:rPr>
+              <a:t>】</a:t>
+            </a:r>
+          </a:p>
+          <a:p>
+            <a:pPr lvl="1">
+              <a:buFont typeface="Wingdings" panose="05000000000000000000" pitchFamily="2" charset="2"/>
+              <a:buChar char="l"/>
+            </a:pPr>
+            <a:r>
+              <a:rPr lang="ja-JP" altLang="en-US" sz="2800" b="1" smtClean="0">
+                <a:latin typeface="メイリオ" panose="020B0604030504040204" pitchFamily="50" charset="-128"/>
+              </a:rPr>
+              <a:t>対象端末</a:t>
+            </a:r>
+            <a:endParaRPr lang="en-US" altLang="ja-JP" sz="2600" b="1" smtClean="0">
+              <a:latin typeface="メイリオ" panose="020B0604030504040204" pitchFamily="50" charset="-128"/>
+            </a:endParaRPr>
+          </a:p>
+          <a:p>
+            <a:pPr marL="1257300" lvl="2" indent="-342900">
+              <a:buSzPct val="100000"/>
+              <a:buFont typeface="Wingdings" panose="05000000000000000000" pitchFamily="2" charset="2"/>
+              <a:buChar char="l"/>
+            </a:pPr>
+            <a:r>
+              <a:rPr lang="en-US" altLang="ja-JP" sz="2600" smtClean="0">
+                <a:latin typeface="メイリオ" panose="020B0604030504040204" pitchFamily="50" charset="-128"/>
+              </a:rPr>
+              <a:t>Android 5.0/5.1 Lollipop </a:t>
+            </a:r>
+            <a:r>
+              <a:rPr lang="ja-JP" altLang="en-US" sz="2600" smtClean="0">
+                <a:latin typeface="メイリオ" panose="020B0604030504040204" pitchFamily="50" charset="-128"/>
+              </a:rPr>
+              <a:t>以上</a:t>
+            </a:r>
+            <a:endParaRPr lang="en-US" altLang="ja-JP" sz="2600" smtClean="0">
+              <a:latin typeface="メイリオ" panose="020B0604030504040204" pitchFamily="50" charset="-128"/>
+            </a:endParaRPr>
+          </a:p>
+          <a:p>
+            <a:pPr>
+              <a:buClrTx/>
+              <a:buSzPct val="100000"/>
+              <a:buFont typeface="Wingdings" panose="05000000000000000000" pitchFamily="2" charset="2"/>
+              <a:buChar char="l"/>
+            </a:pPr>
+            <a:endParaRPr lang="en-US" altLang="ja-JP" sz="3200" b="0" smtClean="0">
+              <a:latin typeface="メイリオ" panose="020B0604030504040204" pitchFamily="50" charset="-128"/>
+            </a:endParaRPr>
+          </a:p>
+          <a:p>
+            <a:pPr lvl="1">
+              <a:buFont typeface="Wingdings" panose="05000000000000000000" pitchFamily="2" charset="2"/>
+              <a:buChar char="l"/>
+            </a:pPr>
+            <a:r>
+              <a:rPr lang="ja-JP" altLang="en-US" sz="2800" b="1" smtClean="0">
+                <a:latin typeface="メイリオ" panose="020B0604030504040204" pitchFamily="50" charset="-128"/>
+              </a:rPr>
+              <a:t>実装</a:t>
+            </a:r>
+            <a:endParaRPr lang="en-US" altLang="ja-JP" sz="2800" b="1" smtClean="0">
+              <a:latin typeface="メイリオ" panose="020B0604030504040204" pitchFamily="50" charset="-128"/>
+            </a:endParaRPr>
+          </a:p>
+          <a:p>
+            <a:pPr marL="1257300" lvl="2" indent="-342900">
+              <a:buSzPct val="100000"/>
+              <a:buFont typeface="Wingdings" panose="05000000000000000000" pitchFamily="2" charset="2"/>
+              <a:buChar char="l"/>
+            </a:pPr>
+            <a:r>
+              <a:rPr lang="ja-JP" altLang="en-US" sz="2600" smtClean="0">
+                <a:latin typeface="メイリオ" panose="020B0604030504040204" pitchFamily="50" charset="-128"/>
+              </a:rPr>
+              <a:t>使用言語：</a:t>
+            </a:r>
+            <a:r>
+              <a:rPr lang="en-US" altLang="ja-JP" sz="2600" smtClean="0">
+                <a:latin typeface="メイリオ" panose="020B0604030504040204" pitchFamily="50" charset="-128"/>
+              </a:rPr>
+              <a:t>Java</a:t>
+            </a:r>
+          </a:p>
+          <a:p>
+            <a:pPr marL="1257300" lvl="2" indent="-342900">
+              <a:buSzPct val="100000"/>
+              <a:buFont typeface="Wingdings" panose="05000000000000000000" pitchFamily="2" charset="2"/>
+              <a:buChar char="l"/>
+            </a:pPr>
+            <a:r>
+              <a:rPr lang="ja-JP" altLang="en-US" sz="2600" smtClean="0">
+                <a:latin typeface="メイリオ" panose="020B0604030504040204" pitchFamily="50" charset="-128"/>
+              </a:rPr>
+              <a:t>開発環境：</a:t>
+            </a:r>
+            <a:r>
+              <a:rPr lang="en-US" altLang="ja-JP" sz="2600" smtClean="0">
+                <a:latin typeface="メイリオ" panose="020B0604030504040204" pitchFamily="50" charset="-128"/>
+              </a:rPr>
+              <a:t>Android Studio</a:t>
+            </a:r>
+          </a:p>
+        </p:txBody>
+      </p:sp>
+      <p:sp>
+        <p:nvSpPr>
+          <p:cNvPr id="2" name="スライド番号プレースホルダー 1"/>
+          <p:cNvSpPr>
+            <a:spLocks noGrp="1"/>
+          </p:cNvSpPr>
+          <p:nvPr>
+            <p:ph type="sldNum" sz="quarter" idx="12"/>
+          </p:nvPr>
+        </p:nvSpPr>
+        <p:spPr/>
+        <p:txBody>
+          <a:bodyPr/>
+          <a:lstStyle/>
+          <a:p>
+            <a:pPr>
+              <a:defRPr/>
+            </a:pPr>
+            <a:fld id="{AB7BD8D2-2322-4261-BFC8-5328FD5198B0}" type="slidenum">
+              <a:rPr lang="en-US" altLang="ja-JP"/>
+              <a:pPr>
+                <a:defRPr/>
+              </a:pPr>
+              <a:t>20</a:t>
+            </a:fld>
+            <a:endParaRPr lang="en-US" altLang="ja-JP"/>
+          </a:p>
+        </p:txBody>
+      </p:sp>
+      <p:pic>
+        <p:nvPicPr>
+          <p:cNvPr id="51205" name="Picture 10" descr="OISlogo"/>
+          <p:cNvPicPr>
+            <a:picLocks noChangeAspect="1" noChangeArrowheads="1"/>
+          </p:cNvPicPr>
+          <p:nvPr/>
+        </p:nvPicPr>
+        <p:blipFill>
+          <a:blip r:embed="rId3">
+            <a:extLst>
+              <a:ext uri="{28A0092B-C50C-407E-A947-70E740481C1C}">
+                <a14:useLocalDpi xmlns:a14="http://schemas.microsoft.com/office/drawing/2010/main" val="0"/>
+              </a:ext>
+            </a:extLst>
+          </a:blip>
+          <a:srcRect/>
+          <a:stretch>
+            <a:fillRect/>
+          </a:stretch>
+        </p:blipFill>
+        <p:spPr bwMode="auto">
+          <a:xfrm>
+            <a:off x="0" y="6203950"/>
+            <a:ext cx="1331913" cy="609600"/>
+          </a:xfrm>
+          <a:prstGeom prst="rect">
+            <a:avLst/>
+          </a:prstGeom>
+          <a:noFill/>
+          <a:ln>
+            <a:noFill/>
+          </a:ln>
+          <a:extLst>
+            <a:ext uri="{909E8E84-426E-40DD-AFC4-6F175D3DCCD1}">
+              <a14:hiddenFill xmlns:a14="http://schemas.microsoft.com/office/drawing/2010/main">
+                <a:solidFill>
+                  <a:srgbClr val="FFFFFF"/>
+                </a:solidFill>
+              </a14:hiddenFill>
+            </a:ext>
+            <a:ext uri="{91240B29-F687-4F45-9708-019B960494DF}">
+              <a14:hiddenLine xmlns:a14="http://schemas.microsoft.com/office/drawing/2010/main" w="9525">
+                <a:solidFill>
+                  <a:srgbClr val="000000"/>
+                </a:solidFill>
+                <a:miter lim="800000"/>
+                <a:headEnd/>
+                <a:tailEnd/>
+              </a14:hiddenLine>
+            </a:ext>
+          </a:extLst>
+        </p:spPr>
+      </p:pic>
+    </p:spTree>
+  </p:cSld>
+  <p:clrMapOvr>
+    <a:masterClrMapping/>
+  </p:clrMapOvr>
+  <p:transition spd="slow"/>
+  <p:timing>
+    <p:tnLst>
+      <p:par>
+        <p:cTn id="1" dur="indefinite" restart="never" nodeType="tmRoot"/>
+      </p:par>
+    </p:tnLst>
+  </p:timing>
+</p:sld>
+</file>
+
+<file path=ppt/slides/slide21.xml><?xml version="1.0" encoding="utf-8"?>
+<p:sld xmlns:a="http://schemas.openxmlformats.org/drawingml/2006/main" xmlns:r="http://schemas.openxmlformats.org/officeDocument/2006/relationships" xmlns:p="http://schemas.openxmlformats.org/presentationml/2006/main">
+  <p:cSld>
+    <p:spTree>
+      <p:nvGrpSpPr>
+        <p:cNvPr id="1" name=""/>
+        <p:cNvGrpSpPr/>
+        <p:nvPr/>
+      </p:nvGrpSpPr>
+      <p:grpSpPr>
+        <a:xfrm>
+          <a:off x="0" y="0"/>
+          <a:ext cx="0" cy="0"/>
+          <a:chOff x="0" y="0"/>
+          <a:chExt cx="0" cy="0"/>
+        </a:xfrm>
+      </p:grpSpPr>
+      <p:sp>
+        <p:nvSpPr>
+          <p:cNvPr id="3" name="タイトル 2"/>
+          <p:cNvSpPr>
+            <a:spLocks noGrp="1"/>
+          </p:cNvSpPr>
+          <p:nvPr>
+            <p:ph type="title"/>
+          </p:nvPr>
+        </p:nvSpPr>
         <p:spPr/>
         <p:txBody>
           <a:bodyPr/>
@@ -21837,7 +22156,7 @@
               <a:pPr>
                 <a:defRPr/>
               </a:pPr>
-              <a:t>20</a:t>
+              <a:t>21</a:t>
             </a:fld>
             <a:endParaRPr lang="en-US" altLang="ja-JP"/>
           </a:p>
@@ -24093,7 +24412,7 @@
 </p:sld>
 </file>
 
-<file path=ppt/slides/slide21.xml><?xml version="1.0" encoding="utf-8"?>
+<file path=ppt/slides/slide22.xml><?xml version="1.0" encoding="utf-8"?>
 <p:sld xmlns:a="http://schemas.openxmlformats.org/drawingml/2006/main" xmlns:r="http://schemas.openxmlformats.org/officeDocument/2006/relationships" xmlns:p="http://schemas.openxmlformats.org/presentationml/2006/main">
   <p:cSld>
     <p:spTree>
@@ -25663,7 +25982,7 @@
 </p:sld>
 </file>
 
-<file path=ppt/slides/slide22.xml><?xml version="1.0" encoding="utf-8"?>
+<file path=ppt/slides/slide23.xml><?xml version="1.0" encoding="utf-8"?>
 <p:sld xmlns:a="http://schemas.openxmlformats.org/drawingml/2006/main" xmlns:r="http://schemas.openxmlformats.org/officeDocument/2006/relationships" xmlns:p="http://schemas.openxmlformats.org/presentationml/2006/main">
   <p:cSld>
     <p:spTree>
@@ -25748,7 +26067,7 @@
               <a:pPr>
                 <a:defRPr/>
               </a:pPr>
-              <a:t>22</a:t>
+              <a:t>23</a:t>
             </a:fld>
             <a:endParaRPr lang="en-US" altLang="ja-JP"/>
           </a:p>
@@ -26695,7 +27014,7 @@
 </p:sld>
 </file>
 
-<file path=ppt/slides/slide23.xml><?xml version="1.0" encoding="utf-8"?>
+<file path=ppt/slides/slide24.xml><?xml version="1.0" encoding="utf-8"?>
 <p:sld xmlns:a="http://schemas.openxmlformats.org/drawingml/2006/main" xmlns:r="http://schemas.openxmlformats.org/officeDocument/2006/relationships" xmlns:p="http://schemas.openxmlformats.org/presentationml/2006/main">
   <p:cSld>
     <p:spTree>
@@ -26792,7 +27111,7 @@
               <a:pPr>
                 <a:defRPr/>
               </a:pPr>
-              <a:t>23</a:t>
+              <a:t>24</a:t>
             </a:fld>
             <a:endParaRPr lang="en-US" altLang="ja-JP"/>
           </a:p>
@@ -26818,7 +27137,7 @@
 </p:sld>
 </file>
 
-<file path=ppt/slides/slide24.xml><?xml version="1.0" encoding="utf-8"?>
+<file path=ppt/slides/slide25.xml><?xml version="1.0" encoding="utf-8"?>
 <p:sld xmlns:a="http://schemas.openxmlformats.org/drawingml/2006/main" xmlns:r="http://schemas.openxmlformats.org/officeDocument/2006/relationships" xmlns:p="http://schemas.openxmlformats.org/presentationml/2006/main">
   <p:cSld>
     <p:spTree>
@@ -27005,7 +27324,7 @@
               <a:pPr>
                 <a:defRPr/>
               </a:pPr>
-              <a:t>24</a:t>
+              <a:t>25</a:t>
             </a:fld>
             <a:endParaRPr lang="en-US" altLang="ja-JP"/>
           </a:p>
@@ -27071,449 +27390,6 @@
     <a:masterClrMapping/>
   </p:clrMapOvr>
   <p:transition spd="slow"/>
-  <p:timing>
-    <p:tnLst>
-      <p:par>
-        <p:cTn id="1" dur="indefinite" restart="never" nodeType="tmRoot"/>
-      </p:par>
-    </p:tnLst>
-  </p:timing>
-</p:sld>
-</file>
-
-<file path=ppt/slides/slide25.xml><?xml version="1.0" encoding="utf-8"?>
-<p:sld xmlns:a="http://schemas.openxmlformats.org/drawingml/2006/main" xmlns:r="http://schemas.openxmlformats.org/officeDocument/2006/relationships" xmlns:p="http://schemas.openxmlformats.org/presentationml/2006/main">
-  <p:cSld>
-    <p:spTree>
-      <p:nvGrpSpPr>
-        <p:cNvPr id="1" name=""/>
-        <p:cNvGrpSpPr/>
-        <p:nvPr/>
-      </p:nvGrpSpPr>
-      <p:grpSpPr>
-        <a:xfrm>
-          <a:off x="0" y="0"/>
-          <a:ext cx="0" cy="0"/>
-          <a:chOff x="0" y="0"/>
-          <a:chExt cx="0" cy="0"/>
-        </a:xfrm>
-      </p:grpSpPr>
-      <p:sp>
-        <p:nvSpPr>
-          <p:cNvPr id="3" name="タイトル 2"/>
-          <p:cNvSpPr>
-            <a:spLocks noGrp="1"/>
-          </p:cNvSpPr>
-          <p:nvPr>
-            <p:ph type="title"/>
-          </p:nvPr>
-        </p:nvSpPr>
-        <p:spPr/>
-        <p:txBody>
-          <a:bodyPr/>
-          <a:lstStyle/>
-          <a:p>
-            <a:r>
-              <a:rPr lang="ja-JP" altLang="en-US" smtClean="0">
-                <a:effectLst>
-                  <a:outerShdw blurRad="38100" dist="38100" dir="2700000" algn="tl">
-                    <a:srgbClr val="000000">
-                      <a:alpha val="43137"/>
-                    </a:srgbClr>
-                  </a:outerShdw>
-                </a:effectLst>
-                <a:latin typeface="メイリオ" panose="020B0604030504040204" pitchFamily="50" charset="-128"/>
-              </a:rPr>
-              <a:t>課題</a:t>
-            </a:r>
-            <a:endParaRPr kumimoji="1" lang="ja-JP" altLang="en-US"/>
-          </a:p>
-        </p:txBody>
-      </p:sp>
-      <p:sp>
-        <p:nvSpPr>
-          <p:cNvPr id="4" name="スライド番号プレースホルダー 3"/>
-          <p:cNvSpPr>
-            <a:spLocks noGrp="1"/>
-          </p:cNvSpPr>
-          <p:nvPr>
-            <p:ph type="sldNum" sz="quarter" idx="12"/>
-          </p:nvPr>
-        </p:nvSpPr>
-        <p:spPr/>
-        <p:txBody>
-          <a:bodyPr/>
-          <a:lstStyle/>
-          <a:p>
-            <a:pPr>
-              <a:defRPr/>
-            </a:pPr>
-            <a:fld id="{1E1B01DC-68D8-4ABC-BEC3-98AC666CD965}" type="slidenum">
-              <a:rPr lang="en-US" altLang="ja-JP" smtClean="0"/>
-              <a:pPr>
-                <a:defRPr/>
-              </a:pPr>
-              <a:t>25</a:t>
-            </a:fld>
-            <a:endParaRPr lang="en-US" altLang="ja-JP"/>
-          </a:p>
-        </p:txBody>
-      </p:sp>
-      <p:sp>
-        <p:nvSpPr>
-          <p:cNvPr id="6" name="コンテンツ プレースホルダー 3"/>
-          <p:cNvSpPr txBox="1">
-            <a:spLocks/>
-          </p:cNvSpPr>
-          <p:nvPr/>
-        </p:nvSpPr>
-        <p:spPr bwMode="gray">
-          <a:xfrm>
-            <a:off x="2123380" y="1125538"/>
-            <a:ext cx="6769100" cy="4968875"/>
-          </a:xfrm>
-          <a:prstGeom prst="rect">
-            <a:avLst/>
-          </a:prstGeom>
-          <a:noFill/>
-          <a:ln>
-            <a:noFill/>
-          </a:ln>
-          <a:effectLst/>
-          <a:extLst>
-            <a:ext uri="{909E8E84-426E-40DD-AFC4-6F175D3DCCD1}">
-              <a14:hiddenFill xmlns:a14="http://schemas.microsoft.com/office/drawing/2010/main">
-                <a:solidFill>
-                  <a:schemeClr val="accent1"/>
-                </a:solidFill>
-              </a14:hiddenFill>
-            </a:ext>
-            <a:ext uri="{91240B29-F687-4F45-9708-019B960494DF}">
-              <a14:hiddenLine xmlns:a14="http://schemas.microsoft.com/office/drawing/2010/main" w="9525">
-                <a:solidFill>
-                  <a:schemeClr val="tx1"/>
-                </a:solidFill>
-                <a:miter lim="800000"/>
-                <a:headEnd/>
-                <a:tailEnd/>
-              </a14:hiddenLine>
-            </a:ext>
-            <a:ext uri="{AF507438-7753-43E0-B8FC-AC1667EBCBE1}">
-              <a14:hiddenEffects xmlns:a14="http://schemas.microsoft.com/office/drawing/2010/main">
-                <a:effectLst>
-                  <a:outerShdw dist="35921" dir="2700000" algn="ctr" rotWithShape="0">
-                    <a:schemeClr val="bg2"/>
-                  </a:outerShdw>
-                </a:effectLst>
-              </a14:hiddenEffects>
-            </a:ext>
-          </a:extLst>
-        </p:spPr>
-        <p:txBody>
-          <a:bodyPr vert="horz" wrap="square" lIns="91440" tIns="45720" rIns="91440" bIns="45720" numCol="1" anchor="ctr" anchorCtr="0" compatLnSpc="1">
-            <a:prstTxWarp prst="textNoShape">
-              <a:avLst/>
-            </a:prstTxWarp>
-          </a:bodyPr>
-          <a:lstStyle>
-            <a:lvl1pPr marL="0" indent="0" algn="l" defTabSz="576000" rtl="0" eaLnBrk="0" fontAlgn="base" hangingPunct="0">
-              <a:spcBef>
-                <a:spcPts val="1200"/>
-              </a:spcBef>
-              <a:spcAft>
-                <a:spcPct val="0"/>
-              </a:spcAft>
-              <a:buClr>
-                <a:schemeClr val="accent2"/>
-              </a:buClr>
-              <a:buSzPct val="50000"/>
-              <a:buFontTx/>
-              <a:buNone/>
-              <a:defRPr kumimoji="1" sz="2800" b="1">
-                <a:solidFill>
-                  <a:schemeClr val="tx1">
-                    <a:lumMod val="75000"/>
-                    <a:lumOff val="25000"/>
-                  </a:schemeClr>
-                </a:solidFill>
-                <a:latin typeface="+mn-lt"/>
-                <a:ea typeface="+mn-ea"/>
-                <a:cs typeface="メイリオ" panose="020B0604030504040204" pitchFamily="50" charset="-128"/>
-              </a:defRPr>
-            </a:lvl1pPr>
-            <a:lvl2pPr marL="742950" indent="-285750" algn="l" defTabSz="576000" rtl="0" eaLnBrk="0" fontAlgn="base" hangingPunct="0">
-              <a:spcBef>
-                <a:spcPts val="1800"/>
-              </a:spcBef>
-              <a:spcAft>
-                <a:spcPct val="0"/>
-              </a:spcAft>
-              <a:buFont typeface="Wingdings" panose="05000000000000000000" pitchFamily="2" charset="2"/>
-              <a:buChar char="l"/>
-              <a:defRPr kumimoji="1" sz="2000" b="0">
-                <a:solidFill>
-                  <a:schemeClr val="tx1">
-                    <a:lumMod val="75000"/>
-                    <a:lumOff val="25000"/>
-                  </a:schemeClr>
-                </a:solidFill>
-                <a:latin typeface="+mn-lt"/>
-                <a:ea typeface="+mn-ea"/>
-                <a:cs typeface="メイリオ" panose="020B0604030504040204" pitchFamily="50" charset="-128"/>
-              </a:defRPr>
-            </a:lvl2pPr>
-            <a:lvl3pPr marL="1143000" indent="-228600" algn="l" defTabSz="576000" rtl="0" eaLnBrk="0" fontAlgn="base" hangingPunct="0">
-              <a:spcBef>
-                <a:spcPts val="1200"/>
-              </a:spcBef>
-              <a:spcAft>
-                <a:spcPct val="0"/>
-              </a:spcAft>
-              <a:buClr>
-                <a:schemeClr val="tx1">
-                  <a:lumMod val="75000"/>
-                  <a:lumOff val="25000"/>
-                </a:schemeClr>
-              </a:buClr>
-              <a:buSzPct val="60000"/>
-              <a:buFont typeface="Wingdings" panose="05000000000000000000" pitchFamily="2" charset="2"/>
-              <a:buChar char="n"/>
-              <a:defRPr kumimoji="1">
-                <a:solidFill>
-                  <a:schemeClr val="tx1">
-                    <a:lumMod val="75000"/>
-                    <a:lumOff val="25000"/>
-                  </a:schemeClr>
-                </a:solidFill>
-                <a:latin typeface="+mn-lt"/>
-                <a:ea typeface="+mn-ea"/>
-                <a:cs typeface="メイリオ" panose="020B0604030504040204" pitchFamily="50" charset="-128"/>
-              </a:defRPr>
-            </a:lvl3pPr>
-            <a:lvl4pPr marL="1600200" indent="-228600" algn="l" defTabSz="576000" rtl="0" eaLnBrk="0" fontAlgn="base" hangingPunct="0">
-              <a:spcBef>
-                <a:spcPts val="1200"/>
-              </a:spcBef>
-              <a:spcAft>
-                <a:spcPct val="0"/>
-              </a:spcAft>
-              <a:buChar char="–"/>
-              <a:defRPr kumimoji="1">
-                <a:solidFill>
-                  <a:schemeClr val="tx1">
-                    <a:lumMod val="75000"/>
-                    <a:lumOff val="25000"/>
-                  </a:schemeClr>
-                </a:solidFill>
-                <a:latin typeface="+mn-lt"/>
-                <a:ea typeface="+mn-ea"/>
-                <a:cs typeface="メイリオ" panose="020B0604030504040204" pitchFamily="50" charset="-128"/>
-              </a:defRPr>
-            </a:lvl4pPr>
-            <a:lvl5pPr marL="2057400" indent="-228600" algn="l" defTabSz="576000" rtl="0" eaLnBrk="0" fontAlgn="base" hangingPunct="0">
-              <a:spcBef>
-                <a:spcPts val="1200"/>
-              </a:spcBef>
-              <a:spcAft>
-                <a:spcPct val="0"/>
-              </a:spcAft>
-              <a:buChar char="•"/>
-              <a:defRPr kumimoji="1">
-                <a:solidFill>
-                  <a:schemeClr val="tx1">
-                    <a:lumMod val="75000"/>
-                    <a:lumOff val="25000"/>
-                  </a:schemeClr>
-                </a:solidFill>
-                <a:latin typeface="+mn-lt"/>
-                <a:ea typeface="+mn-ea"/>
-                <a:cs typeface="メイリオ" panose="020B0604030504040204" pitchFamily="50" charset="-128"/>
-              </a:defRPr>
-            </a:lvl5pPr>
-            <a:lvl6pPr marL="2514600" indent="-228600" algn="l" rtl="0" fontAlgn="base">
-              <a:spcBef>
-                <a:spcPct val="20000"/>
-              </a:spcBef>
-              <a:spcAft>
-                <a:spcPct val="0"/>
-              </a:spcAft>
-              <a:buChar char="•"/>
-              <a:defRPr kumimoji="1">
-                <a:solidFill>
-                  <a:schemeClr val="tx1"/>
-                </a:solidFill>
-                <a:latin typeface="+mn-lt"/>
-                <a:ea typeface="+mn-ea"/>
-              </a:defRPr>
-            </a:lvl6pPr>
-            <a:lvl7pPr marL="2971800" indent="-228600" algn="l" rtl="0" fontAlgn="base">
-              <a:spcBef>
-                <a:spcPct val="20000"/>
-              </a:spcBef>
-              <a:spcAft>
-                <a:spcPct val="0"/>
-              </a:spcAft>
-              <a:buChar char="•"/>
-              <a:defRPr kumimoji="1">
-                <a:solidFill>
-                  <a:schemeClr val="tx1"/>
-                </a:solidFill>
-                <a:latin typeface="+mn-lt"/>
-                <a:ea typeface="+mn-ea"/>
-              </a:defRPr>
-            </a:lvl7pPr>
-            <a:lvl8pPr marL="3429000" indent="-228600" algn="l" rtl="0" fontAlgn="base">
-              <a:spcBef>
-                <a:spcPct val="20000"/>
-              </a:spcBef>
-              <a:spcAft>
-                <a:spcPct val="0"/>
-              </a:spcAft>
-              <a:buChar char="•"/>
-              <a:defRPr kumimoji="1">
-                <a:solidFill>
-                  <a:schemeClr val="tx1"/>
-                </a:solidFill>
-                <a:latin typeface="+mn-lt"/>
-                <a:ea typeface="+mn-ea"/>
-              </a:defRPr>
-            </a:lvl8pPr>
-            <a:lvl9pPr marL="3886200" indent="-228600" algn="l" rtl="0" fontAlgn="base">
-              <a:spcBef>
-                <a:spcPct val="20000"/>
-              </a:spcBef>
-              <a:spcAft>
-                <a:spcPct val="0"/>
-              </a:spcAft>
-              <a:buChar char="•"/>
-              <a:defRPr kumimoji="1">
-                <a:solidFill>
-                  <a:schemeClr val="tx1"/>
-                </a:solidFill>
-                <a:latin typeface="+mn-lt"/>
-                <a:ea typeface="+mn-ea"/>
-              </a:defRPr>
-            </a:lvl9pPr>
-          </a:lstStyle>
-          <a:p>
-            <a:pPr>
-              <a:buClrTx/>
-              <a:buSzPct val="100000"/>
-            </a:pPr>
-            <a:r>
-              <a:rPr lang="en-US" altLang="ja-JP" sz="3200" b="0" kern="0" dirty="0" smtClean="0">
-                <a:latin typeface="メイリオ" panose="020B0604030504040204" pitchFamily="50" charset="-128"/>
-              </a:rPr>
-              <a:t>【</a:t>
-            </a:r>
-            <a:r>
-              <a:rPr lang="ja-JP" altLang="en-US" sz="3200" b="0" kern="0" dirty="0" smtClean="0">
-                <a:latin typeface="メイリオ" panose="020B0604030504040204" pitchFamily="50" charset="-128"/>
-              </a:rPr>
-              <a:t>課題</a:t>
-            </a:r>
-            <a:r>
-              <a:rPr lang="en-US" altLang="ja-JP" sz="3200" b="0" kern="0" dirty="0" smtClean="0">
-                <a:latin typeface="メイリオ" panose="020B0604030504040204" pitchFamily="50" charset="-128"/>
-              </a:rPr>
-              <a:t>】</a:t>
-            </a:r>
-          </a:p>
-          <a:p>
-            <a:pPr marL="514350" indent="-514350">
-              <a:buClrTx/>
-              <a:buSzPct val="100000"/>
-              <a:buFont typeface="+mj-lt"/>
-              <a:buAutoNum type="arabicPeriod" startAt="4"/>
-            </a:pPr>
-            <a:endParaRPr lang="en-US" altLang="ja-JP" sz="1000" b="0" kern="0" dirty="0" smtClean="0">
-              <a:latin typeface="メイリオ" panose="020B0604030504040204" pitchFamily="50" charset="-128"/>
-            </a:endParaRPr>
-          </a:p>
-          <a:p>
-            <a:pPr marL="1257300" lvl="1" indent="-514350">
-              <a:buSzPct val="100000"/>
-              <a:buFont typeface="+mj-lt"/>
-              <a:buAutoNum type="arabicPeriod"/>
-            </a:pPr>
-            <a:r>
-              <a:rPr lang="ja-JP" altLang="en-US" sz="2400" b="1" kern="0" dirty="0" smtClean="0">
-                <a:latin typeface="メイリオ" panose="020B0604030504040204" pitchFamily="50" charset="-128"/>
-              </a:rPr>
-              <a:t>清算のフローチャートを作成せよ</a:t>
-            </a:r>
-            <a:endParaRPr lang="en-US" altLang="ja-JP" sz="2400" b="1" kern="0" dirty="0" smtClean="0">
-              <a:latin typeface="メイリオ" panose="020B0604030504040204" pitchFamily="50" charset="-128"/>
-            </a:endParaRPr>
-          </a:p>
-          <a:p>
-            <a:pPr marL="1257300" lvl="1" indent="-514350">
-              <a:buSzPct val="100000"/>
-              <a:buFont typeface="+mj-lt"/>
-              <a:buAutoNum type="arabicPeriod"/>
-            </a:pPr>
-            <a:endParaRPr lang="en-US" altLang="ja-JP" sz="2400" b="1" kern="0" dirty="0" smtClean="0">
-              <a:latin typeface="メイリオ" panose="020B0604030504040204" pitchFamily="50" charset="-128"/>
-            </a:endParaRPr>
-          </a:p>
-          <a:p>
-            <a:pPr marL="1257300" lvl="1" indent="-514350">
-              <a:buSzPct val="100000"/>
-              <a:buFont typeface="+mj-lt"/>
-              <a:buAutoNum type="arabicPeriod"/>
-            </a:pPr>
-            <a:r>
-              <a:rPr lang="ja-JP" altLang="en-US" sz="2400" b="1" kern="0" dirty="0" smtClean="0">
-                <a:latin typeface="メイリオ" panose="020B0604030504040204" pitchFamily="50" charset="-128"/>
-              </a:rPr>
-              <a:t>フローチャートに基づき、</a:t>
-            </a:r>
-            <a:r>
-              <a:rPr lang="en-US" altLang="ja-JP" sz="2400" b="1" kern="0" dirty="0" smtClean="0">
-                <a:latin typeface="メイリオ" panose="020B0604030504040204" pitchFamily="50" charset="-128"/>
-              </a:rPr>
-              <a:t/>
-            </a:r>
-            <a:br>
-              <a:rPr lang="en-US" altLang="ja-JP" sz="2400" b="1" kern="0" dirty="0" smtClean="0">
-                <a:latin typeface="メイリオ" panose="020B0604030504040204" pitchFamily="50" charset="-128"/>
-              </a:rPr>
-            </a:br>
-            <a:r>
-              <a:rPr lang="ja-JP" altLang="en-US" sz="2400" b="1" kern="0" dirty="0" smtClean="0">
-                <a:latin typeface="メイリオ" panose="020B0604030504040204" pitchFamily="50" charset="-128"/>
-              </a:rPr>
-              <a:t>与えられたプログラムを変更せよ</a:t>
-            </a:r>
-            <a:r>
-              <a:rPr lang="ja-JP" altLang="en-US" sz="2400" kern="0" dirty="0" smtClean="0">
-                <a:latin typeface="メイリオ" panose="020B0604030504040204" pitchFamily="50" charset="-128"/>
-              </a:rPr>
-              <a:t>。</a:t>
-            </a:r>
-          </a:p>
-          <a:p>
-            <a:pPr marL="1257300" lvl="1" indent="-514350">
-              <a:buSzPct val="100000"/>
-              <a:buFont typeface="+mj-lt"/>
-              <a:buAutoNum type="arabicPeriod"/>
-            </a:pPr>
-            <a:endParaRPr lang="ja-JP" altLang="en-US" sz="2400" kern="0" dirty="0" smtClean="0">
-              <a:latin typeface="メイリオ" panose="020B0604030504040204" pitchFamily="50" charset="-128"/>
-            </a:endParaRPr>
-          </a:p>
-        </p:txBody>
-      </p:sp>
-    </p:spTree>
-    <p:extLst>
-      <p:ext uri="{BB962C8B-B14F-4D97-AF65-F5344CB8AC3E}">
-        <p14:creationId xmlns:p14="http://schemas.microsoft.com/office/powerpoint/2010/main" val="1665822841"/>
-      </p:ext>
-    </p:extLst>
-  </p:cSld>
-  <p:clrMapOvr>
-    <a:masterClrMapping/>
-  </p:clrMapOvr>
   <p:timing>
     <p:tnLst>
       <p:par>
@@ -27557,6 +27433,449 @@
           <a:lstStyle/>
           <a:p>
             <a:r>
+              <a:rPr lang="ja-JP" altLang="en-US" smtClean="0">
+                <a:effectLst>
+                  <a:outerShdw blurRad="38100" dist="38100" dir="2700000" algn="tl">
+                    <a:srgbClr val="000000">
+                      <a:alpha val="43137"/>
+                    </a:srgbClr>
+                  </a:outerShdw>
+                </a:effectLst>
+                <a:latin typeface="メイリオ" panose="020B0604030504040204" pitchFamily="50" charset="-128"/>
+              </a:rPr>
+              <a:t>課題</a:t>
+            </a:r>
+            <a:endParaRPr kumimoji="1" lang="ja-JP" altLang="en-US"/>
+          </a:p>
+        </p:txBody>
+      </p:sp>
+      <p:sp>
+        <p:nvSpPr>
+          <p:cNvPr id="4" name="スライド番号プレースホルダー 3"/>
+          <p:cNvSpPr>
+            <a:spLocks noGrp="1"/>
+          </p:cNvSpPr>
+          <p:nvPr>
+            <p:ph type="sldNum" sz="quarter" idx="12"/>
+          </p:nvPr>
+        </p:nvSpPr>
+        <p:spPr/>
+        <p:txBody>
+          <a:bodyPr/>
+          <a:lstStyle/>
+          <a:p>
+            <a:pPr>
+              <a:defRPr/>
+            </a:pPr>
+            <a:fld id="{1E1B01DC-68D8-4ABC-BEC3-98AC666CD965}" type="slidenum">
+              <a:rPr lang="en-US" altLang="ja-JP" smtClean="0"/>
+              <a:pPr>
+                <a:defRPr/>
+              </a:pPr>
+              <a:t>26</a:t>
+            </a:fld>
+            <a:endParaRPr lang="en-US" altLang="ja-JP"/>
+          </a:p>
+        </p:txBody>
+      </p:sp>
+      <p:sp>
+        <p:nvSpPr>
+          <p:cNvPr id="6" name="コンテンツ プレースホルダー 3"/>
+          <p:cNvSpPr txBox="1">
+            <a:spLocks/>
+          </p:cNvSpPr>
+          <p:nvPr/>
+        </p:nvSpPr>
+        <p:spPr bwMode="gray">
+          <a:xfrm>
+            <a:off x="2123380" y="1125538"/>
+            <a:ext cx="6769100" cy="4968875"/>
+          </a:xfrm>
+          <a:prstGeom prst="rect">
+            <a:avLst/>
+          </a:prstGeom>
+          <a:noFill/>
+          <a:ln>
+            <a:noFill/>
+          </a:ln>
+          <a:effectLst/>
+          <a:extLst>
+            <a:ext uri="{909E8E84-426E-40DD-AFC4-6F175D3DCCD1}">
+              <a14:hiddenFill xmlns:a14="http://schemas.microsoft.com/office/drawing/2010/main">
+                <a:solidFill>
+                  <a:schemeClr val="accent1"/>
+                </a:solidFill>
+              </a14:hiddenFill>
+            </a:ext>
+            <a:ext uri="{91240B29-F687-4F45-9708-019B960494DF}">
+              <a14:hiddenLine xmlns:a14="http://schemas.microsoft.com/office/drawing/2010/main" w="9525">
+                <a:solidFill>
+                  <a:schemeClr val="tx1"/>
+                </a:solidFill>
+                <a:miter lim="800000"/>
+                <a:headEnd/>
+                <a:tailEnd/>
+              </a14:hiddenLine>
+            </a:ext>
+            <a:ext uri="{AF507438-7753-43E0-B8FC-AC1667EBCBE1}">
+              <a14:hiddenEffects xmlns:a14="http://schemas.microsoft.com/office/drawing/2010/main">
+                <a:effectLst>
+                  <a:outerShdw dist="35921" dir="2700000" algn="ctr" rotWithShape="0">
+                    <a:schemeClr val="bg2"/>
+                  </a:outerShdw>
+                </a:effectLst>
+              </a14:hiddenEffects>
+            </a:ext>
+          </a:extLst>
+        </p:spPr>
+        <p:txBody>
+          <a:bodyPr vert="horz" wrap="square" lIns="91440" tIns="45720" rIns="91440" bIns="45720" numCol="1" anchor="ctr" anchorCtr="0" compatLnSpc="1">
+            <a:prstTxWarp prst="textNoShape">
+              <a:avLst/>
+            </a:prstTxWarp>
+          </a:bodyPr>
+          <a:lstStyle>
+            <a:lvl1pPr marL="0" indent="0" algn="l" defTabSz="576000" rtl="0" eaLnBrk="0" fontAlgn="base" hangingPunct="0">
+              <a:spcBef>
+                <a:spcPts val="1200"/>
+              </a:spcBef>
+              <a:spcAft>
+                <a:spcPct val="0"/>
+              </a:spcAft>
+              <a:buClr>
+                <a:schemeClr val="accent2"/>
+              </a:buClr>
+              <a:buSzPct val="50000"/>
+              <a:buFontTx/>
+              <a:buNone/>
+              <a:defRPr kumimoji="1" sz="2800" b="1">
+                <a:solidFill>
+                  <a:schemeClr val="tx1">
+                    <a:lumMod val="75000"/>
+                    <a:lumOff val="25000"/>
+                  </a:schemeClr>
+                </a:solidFill>
+                <a:latin typeface="+mn-lt"/>
+                <a:ea typeface="+mn-ea"/>
+                <a:cs typeface="メイリオ" panose="020B0604030504040204" pitchFamily="50" charset="-128"/>
+              </a:defRPr>
+            </a:lvl1pPr>
+            <a:lvl2pPr marL="742950" indent="-285750" algn="l" defTabSz="576000" rtl="0" eaLnBrk="0" fontAlgn="base" hangingPunct="0">
+              <a:spcBef>
+                <a:spcPts val="1800"/>
+              </a:spcBef>
+              <a:spcAft>
+                <a:spcPct val="0"/>
+              </a:spcAft>
+              <a:buFont typeface="Wingdings" panose="05000000000000000000" pitchFamily="2" charset="2"/>
+              <a:buChar char="l"/>
+              <a:defRPr kumimoji="1" sz="2000" b="0">
+                <a:solidFill>
+                  <a:schemeClr val="tx1">
+                    <a:lumMod val="75000"/>
+                    <a:lumOff val="25000"/>
+                  </a:schemeClr>
+                </a:solidFill>
+                <a:latin typeface="+mn-lt"/>
+                <a:ea typeface="+mn-ea"/>
+                <a:cs typeface="メイリオ" panose="020B0604030504040204" pitchFamily="50" charset="-128"/>
+              </a:defRPr>
+            </a:lvl2pPr>
+            <a:lvl3pPr marL="1143000" indent="-228600" algn="l" defTabSz="576000" rtl="0" eaLnBrk="0" fontAlgn="base" hangingPunct="0">
+              <a:spcBef>
+                <a:spcPts val="1200"/>
+              </a:spcBef>
+              <a:spcAft>
+                <a:spcPct val="0"/>
+              </a:spcAft>
+              <a:buClr>
+                <a:schemeClr val="tx1">
+                  <a:lumMod val="75000"/>
+                  <a:lumOff val="25000"/>
+                </a:schemeClr>
+              </a:buClr>
+              <a:buSzPct val="60000"/>
+              <a:buFont typeface="Wingdings" panose="05000000000000000000" pitchFamily="2" charset="2"/>
+              <a:buChar char="n"/>
+              <a:defRPr kumimoji="1">
+                <a:solidFill>
+                  <a:schemeClr val="tx1">
+                    <a:lumMod val="75000"/>
+                    <a:lumOff val="25000"/>
+                  </a:schemeClr>
+                </a:solidFill>
+                <a:latin typeface="+mn-lt"/>
+                <a:ea typeface="+mn-ea"/>
+                <a:cs typeface="メイリオ" panose="020B0604030504040204" pitchFamily="50" charset="-128"/>
+              </a:defRPr>
+            </a:lvl3pPr>
+            <a:lvl4pPr marL="1600200" indent="-228600" algn="l" defTabSz="576000" rtl="0" eaLnBrk="0" fontAlgn="base" hangingPunct="0">
+              <a:spcBef>
+                <a:spcPts val="1200"/>
+              </a:spcBef>
+              <a:spcAft>
+                <a:spcPct val="0"/>
+              </a:spcAft>
+              <a:buChar char="–"/>
+              <a:defRPr kumimoji="1">
+                <a:solidFill>
+                  <a:schemeClr val="tx1">
+                    <a:lumMod val="75000"/>
+                    <a:lumOff val="25000"/>
+                  </a:schemeClr>
+                </a:solidFill>
+                <a:latin typeface="+mn-lt"/>
+                <a:ea typeface="+mn-ea"/>
+                <a:cs typeface="メイリオ" panose="020B0604030504040204" pitchFamily="50" charset="-128"/>
+              </a:defRPr>
+            </a:lvl4pPr>
+            <a:lvl5pPr marL="2057400" indent="-228600" algn="l" defTabSz="576000" rtl="0" eaLnBrk="0" fontAlgn="base" hangingPunct="0">
+              <a:spcBef>
+                <a:spcPts val="1200"/>
+              </a:spcBef>
+              <a:spcAft>
+                <a:spcPct val="0"/>
+              </a:spcAft>
+              <a:buChar char="•"/>
+              <a:defRPr kumimoji="1">
+                <a:solidFill>
+                  <a:schemeClr val="tx1">
+                    <a:lumMod val="75000"/>
+                    <a:lumOff val="25000"/>
+                  </a:schemeClr>
+                </a:solidFill>
+                <a:latin typeface="+mn-lt"/>
+                <a:ea typeface="+mn-ea"/>
+                <a:cs typeface="メイリオ" panose="020B0604030504040204" pitchFamily="50" charset="-128"/>
+              </a:defRPr>
+            </a:lvl5pPr>
+            <a:lvl6pPr marL="2514600" indent="-228600" algn="l" rtl="0" fontAlgn="base">
+              <a:spcBef>
+                <a:spcPct val="20000"/>
+              </a:spcBef>
+              <a:spcAft>
+                <a:spcPct val="0"/>
+              </a:spcAft>
+              <a:buChar char="•"/>
+              <a:defRPr kumimoji="1">
+                <a:solidFill>
+                  <a:schemeClr val="tx1"/>
+                </a:solidFill>
+                <a:latin typeface="+mn-lt"/>
+                <a:ea typeface="+mn-ea"/>
+              </a:defRPr>
+            </a:lvl6pPr>
+            <a:lvl7pPr marL="2971800" indent="-228600" algn="l" rtl="0" fontAlgn="base">
+              <a:spcBef>
+                <a:spcPct val="20000"/>
+              </a:spcBef>
+              <a:spcAft>
+                <a:spcPct val="0"/>
+              </a:spcAft>
+              <a:buChar char="•"/>
+              <a:defRPr kumimoji="1">
+                <a:solidFill>
+                  <a:schemeClr val="tx1"/>
+                </a:solidFill>
+                <a:latin typeface="+mn-lt"/>
+                <a:ea typeface="+mn-ea"/>
+              </a:defRPr>
+            </a:lvl7pPr>
+            <a:lvl8pPr marL="3429000" indent="-228600" algn="l" rtl="0" fontAlgn="base">
+              <a:spcBef>
+                <a:spcPct val="20000"/>
+              </a:spcBef>
+              <a:spcAft>
+                <a:spcPct val="0"/>
+              </a:spcAft>
+              <a:buChar char="•"/>
+              <a:defRPr kumimoji="1">
+                <a:solidFill>
+                  <a:schemeClr val="tx1"/>
+                </a:solidFill>
+                <a:latin typeface="+mn-lt"/>
+                <a:ea typeface="+mn-ea"/>
+              </a:defRPr>
+            </a:lvl8pPr>
+            <a:lvl9pPr marL="3886200" indent="-228600" algn="l" rtl="0" fontAlgn="base">
+              <a:spcBef>
+                <a:spcPct val="20000"/>
+              </a:spcBef>
+              <a:spcAft>
+                <a:spcPct val="0"/>
+              </a:spcAft>
+              <a:buChar char="•"/>
+              <a:defRPr kumimoji="1">
+                <a:solidFill>
+                  <a:schemeClr val="tx1"/>
+                </a:solidFill>
+                <a:latin typeface="+mn-lt"/>
+                <a:ea typeface="+mn-ea"/>
+              </a:defRPr>
+            </a:lvl9pPr>
+          </a:lstStyle>
+          <a:p>
+            <a:pPr>
+              <a:buClrTx/>
+              <a:buSzPct val="100000"/>
+            </a:pPr>
+            <a:r>
+              <a:rPr lang="en-US" altLang="ja-JP" sz="3200" b="0" kern="0" dirty="0" smtClean="0">
+                <a:latin typeface="メイリオ" panose="020B0604030504040204" pitchFamily="50" charset="-128"/>
+              </a:rPr>
+              <a:t>【</a:t>
+            </a:r>
+            <a:r>
+              <a:rPr lang="ja-JP" altLang="en-US" sz="3200" b="0" kern="0" dirty="0" smtClean="0">
+                <a:latin typeface="メイリオ" panose="020B0604030504040204" pitchFamily="50" charset="-128"/>
+              </a:rPr>
+              <a:t>課題</a:t>
+            </a:r>
+            <a:r>
+              <a:rPr lang="en-US" altLang="ja-JP" sz="3200" b="0" kern="0" dirty="0" smtClean="0">
+                <a:latin typeface="メイリオ" panose="020B0604030504040204" pitchFamily="50" charset="-128"/>
+              </a:rPr>
+              <a:t>】</a:t>
+            </a:r>
+          </a:p>
+          <a:p>
+            <a:pPr marL="514350" indent="-514350">
+              <a:buClrTx/>
+              <a:buSzPct val="100000"/>
+              <a:buFont typeface="+mj-lt"/>
+              <a:buAutoNum type="arabicPeriod" startAt="4"/>
+            </a:pPr>
+            <a:endParaRPr lang="en-US" altLang="ja-JP" sz="1000" b="0" kern="0" dirty="0" smtClean="0">
+              <a:latin typeface="メイリオ" panose="020B0604030504040204" pitchFamily="50" charset="-128"/>
+            </a:endParaRPr>
+          </a:p>
+          <a:p>
+            <a:pPr marL="1257300" lvl="1" indent="-514350">
+              <a:buSzPct val="100000"/>
+              <a:buFont typeface="+mj-lt"/>
+              <a:buAutoNum type="arabicPeriod"/>
+            </a:pPr>
+            <a:r>
+              <a:rPr lang="ja-JP" altLang="en-US" sz="2400" b="1" kern="0" dirty="0" smtClean="0">
+                <a:latin typeface="メイリオ" panose="020B0604030504040204" pitchFamily="50" charset="-128"/>
+              </a:rPr>
+              <a:t>清算のフローチャートを作成せよ</a:t>
+            </a:r>
+            <a:endParaRPr lang="en-US" altLang="ja-JP" sz="2400" b="1" kern="0" dirty="0" smtClean="0">
+              <a:latin typeface="メイリオ" panose="020B0604030504040204" pitchFamily="50" charset="-128"/>
+            </a:endParaRPr>
+          </a:p>
+          <a:p>
+            <a:pPr marL="1257300" lvl="1" indent="-514350">
+              <a:buSzPct val="100000"/>
+              <a:buFont typeface="+mj-lt"/>
+              <a:buAutoNum type="arabicPeriod"/>
+            </a:pPr>
+            <a:endParaRPr lang="en-US" altLang="ja-JP" sz="2400" b="1" kern="0" dirty="0" smtClean="0">
+              <a:latin typeface="メイリオ" panose="020B0604030504040204" pitchFamily="50" charset="-128"/>
+            </a:endParaRPr>
+          </a:p>
+          <a:p>
+            <a:pPr marL="1257300" lvl="1" indent="-514350">
+              <a:buSzPct val="100000"/>
+              <a:buFont typeface="+mj-lt"/>
+              <a:buAutoNum type="arabicPeriod"/>
+            </a:pPr>
+            <a:r>
+              <a:rPr lang="ja-JP" altLang="en-US" sz="2400" b="1" kern="0" dirty="0" smtClean="0">
+                <a:latin typeface="メイリオ" panose="020B0604030504040204" pitchFamily="50" charset="-128"/>
+              </a:rPr>
+              <a:t>フローチャートに基づき、</a:t>
+            </a:r>
+            <a:r>
+              <a:rPr lang="en-US" altLang="ja-JP" sz="2400" b="1" kern="0" dirty="0" smtClean="0">
+                <a:latin typeface="メイリオ" panose="020B0604030504040204" pitchFamily="50" charset="-128"/>
+              </a:rPr>
+              <a:t/>
+            </a:r>
+            <a:br>
+              <a:rPr lang="en-US" altLang="ja-JP" sz="2400" b="1" kern="0" dirty="0" smtClean="0">
+                <a:latin typeface="メイリオ" panose="020B0604030504040204" pitchFamily="50" charset="-128"/>
+              </a:rPr>
+            </a:br>
+            <a:r>
+              <a:rPr lang="ja-JP" altLang="en-US" sz="2400" b="1" kern="0" dirty="0" smtClean="0">
+                <a:latin typeface="メイリオ" panose="020B0604030504040204" pitchFamily="50" charset="-128"/>
+              </a:rPr>
+              <a:t>与えられたプログラムを変更せよ</a:t>
+            </a:r>
+            <a:r>
+              <a:rPr lang="ja-JP" altLang="en-US" sz="2400" kern="0" dirty="0" smtClean="0">
+                <a:latin typeface="メイリオ" panose="020B0604030504040204" pitchFamily="50" charset="-128"/>
+              </a:rPr>
+              <a:t>。</a:t>
+            </a:r>
+          </a:p>
+          <a:p>
+            <a:pPr marL="1257300" lvl="1" indent="-514350">
+              <a:buSzPct val="100000"/>
+              <a:buFont typeface="+mj-lt"/>
+              <a:buAutoNum type="arabicPeriod"/>
+            </a:pPr>
+            <a:endParaRPr lang="ja-JP" altLang="en-US" sz="2400" kern="0" dirty="0" smtClean="0">
+              <a:latin typeface="メイリオ" panose="020B0604030504040204" pitchFamily="50" charset="-128"/>
+            </a:endParaRPr>
+          </a:p>
+        </p:txBody>
+      </p:sp>
+    </p:spTree>
+    <p:extLst>
+      <p:ext uri="{BB962C8B-B14F-4D97-AF65-F5344CB8AC3E}">
+        <p14:creationId xmlns:p14="http://schemas.microsoft.com/office/powerpoint/2010/main" val="1665822841"/>
+      </p:ext>
+    </p:extLst>
+  </p:cSld>
+  <p:clrMapOvr>
+    <a:masterClrMapping/>
+  </p:clrMapOvr>
+  <p:timing>
+    <p:tnLst>
+      <p:par>
+        <p:cTn id="1" dur="indefinite" restart="never" nodeType="tmRoot"/>
+      </p:par>
+    </p:tnLst>
+  </p:timing>
+</p:sld>
+</file>
+
+<file path=ppt/slides/slide27.xml><?xml version="1.0" encoding="utf-8"?>
+<p:sld xmlns:a="http://schemas.openxmlformats.org/drawingml/2006/main" xmlns:r="http://schemas.openxmlformats.org/officeDocument/2006/relationships" xmlns:p="http://schemas.openxmlformats.org/presentationml/2006/main">
+  <p:cSld>
+    <p:spTree>
+      <p:nvGrpSpPr>
+        <p:cNvPr id="1" name=""/>
+        <p:cNvGrpSpPr/>
+        <p:nvPr/>
+      </p:nvGrpSpPr>
+      <p:grpSpPr>
+        <a:xfrm>
+          <a:off x="0" y="0"/>
+          <a:ext cx="0" cy="0"/>
+          <a:chOff x="0" y="0"/>
+          <a:chExt cx="0" cy="0"/>
+        </a:xfrm>
+      </p:grpSpPr>
+      <p:sp>
+        <p:nvSpPr>
+          <p:cNvPr id="3" name="タイトル 2"/>
+          <p:cNvSpPr>
+            <a:spLocks noGrp="1"/>
+          </p:cNvSpPr>
+          <p:nvPr>
+            <p:ph type="title"/>
+          </p:nvPr>
+        </p:nvSpPr>
+        <p:spPr/>
+        <p:txBody>
+          <a:bodyPr/>
+          <a:lstStyle/>
+          <a:p>
+            <a:r>
               <a:rPr lang="en-US" altLang="ja-JP">
                 <a:effectLst>
                   <a:outerShdw blurRad="38100" dist="38100" dir="2700000" algn="tl">
@@ -28169,7 +28488,7 @@
 </p:sld>
 </file>
 
-<file path=ppt/slides/slide27.xml><?xml version="1.0" encoding="utf-8"?>
+<file path=ppt/slides/slide28.xml><?xml version="1.0" encoding="utf-8"?>
 <p:sld xmlns:a="http://schemas.openxmlformats.org/drawingml/2006/main" xmlns:r="http://schemas.openxmlformats.org/officeDocument/2006/relationships" xmlns:p="http://schemas.openxmlformats.org/presentationml/2006/main">
   <p:cSld>
     <p:spTree>
@@ -28541,7 +28860,7 @@
               <a:pPr>
                 <a:defRPr/>
               </a:pPr>
-              <a:t>27</a:t>
+              <a:t>28</a:t>
             </a:fld>
             <a:endParaRPr lang="en-US" altLang="ja-JP"/>
           </a:p>
@@ -30050,7 +30369,7 @@
 </p:sld>
 </file>
 
-<file path=ppt/slides/slide28.xml><?xml version="1.0" encoding="utf-8"?>
+<file path=ppt/slides/slide29.xml><?xml version="1.0" encoding="utf-8"?>
 <p:sld xmlns:a="http://schemas.openxmlformats.org/drawingml/2006/main" xmlns:r="http://schemas.openxmlformats.org/officeDocument/2006/relationships" xmlns:p="http://schemas.openxmlformats.org/presentationml/2006/main">
   <p:cSld>
     <p:spTree>
@@ -30430,7 +30749,7 @@
               <a:pPr>
                 <a:defRPr/>
               </a:pPr>
-              <a:t>28</a:t>
+              <a:t>29</a:t>
             </a:fld>
             <a:endParaRPr lang="en-US" altLang="ja-JP"/>
           </a:p>
@@ -31265,1831 +31584,6 @@
 </p:sld>
 </file>
 
-<file path=ppt/slides/slide29.xml><?xml version="1.0" encoding="utf-8"?>
-<p:sld xmlns:a="http://schemas.openxmlformats.org/drawingml/2006/main" xmlns:r="http://schemas.openxmlformats.org/officeDocument/2006/relationships" xmlns:p="http://schemas.openxmlformats.org/presentationml/2006/main">
-  <p:cSld>
-    <p:spTree>
-      <p:nvGrpSpPr>
-        <p:cNvPr id="1" name=""/>
-        <p:cNvGrpSpPr/>
-        <p:nvPr/>
-      </p:nvGrpSpPr>
-      <p:grpSpPr>
-        <a:xfrm>
-          <a:off x="0" y="0"/>
-          <a:ext cx="0" cy="0"/>
-          <a:chOff x="0" y="0"/>
-          <a:chExt cx="0" cy="0"/>
-        </a:xfrm>
-      </p:grpSpPr>
-      <p:sp>
-        <p:nvSpPr>
-          <p:cNvPr id="24" name="コンテンツ プレースホルダー 3"/>
-          <p:cNvSpPr txBox="1">
-            <a:spLocks/>
-          </p:cNvSpPr>
-          <p:nvPr/>
-        </p:nvSpPr>
-        <p:spPr bwMode="gray">
-          <a:xfrm>
-            <a:off x="2123380" y="1125539"/>
-            <a:ext cx="6769100" cy="5732461"/>
-          </a:xfrm>
-          <a:prstGeom prst="rect">
-            <a:avLst/>
-          </a:prstGeom>
-          <a:noFill/>
-          <a:ln>
-            <a:noFill/>
-          </a:ln>
-          <a:effectLst/>
-          <a:extLst>
-            <a:ext uri="{909E8E84-426E-40DD-AFC4-6F175D3DCCD1}">
-              <a14:hiddenFill xmlns:a14="http://schemas.microsoft.com/office/drawing/2010/main">
-                <a:solidFill>
-                  <a:schemeClr val="accent1"/>
-                </a:solidFill>
-              </a14:hiddenFill>
-            </a:ext>
-            <a:ext uri="{91240B29-F687-4F45-9708-019B960494DF}">
-              <a14:hiddenLine xmlns:a14="http://schemas.microsoft.com/office/drawing/2010/main" w="9525">
-                <a:solidFill>
-                  <a:schemeClr val="tx1"/>
-                </a:solidFill>
-                <a:miter lim="800000"/>
-                <a:headEnd/>
-                <a:tailEnd/>
-              </a14:hiddenLine>
-            </a:ext>
-            <a:ext uri="{AF507438-7753-43E0-B8FC-AC1667EBCBE1}">
-              <a14:hiddenEffects xmlns:a14="http://schemas.microsoft.com/office/drawing/2010/main">
-                <a:effectLst>
-                  <a:outerShdw dist="35921" dir="2700000" algn="ctr" rotWithShape="0">
-                    <a:schemeClr val="bg2"/>
-                  </a:outerShdw>
-                </a:effectLst>
-              </a14:hiddenEffects>
-            </a:ext>
-          </a:extLst>
-        </p:spPr>
-        <p:txBody>
-          <a:bodyPr vert="horz" wrap="square" lIns="91440" tIns="45720" rIns="91440" bIns="45720" numCol="1" anchor="t" anchorCtr="0" compatLnSpc="1">
-            <a:prstTxWarp prst="textNoShape">
-              <a:avLst/>
-            </a:prstTxWarp>
-          </a:bodyPr>
-          <a:lstStyle>
-            <a:lvl1pPr marL="0" indent="0" algn="l" defTabSz="576000" rtl="0" eaLnBrk="0" fontAlgn="base" hangingPunct="0">
-              <a:spcBef>
-                <a:spcPts val="1200"/>
-              </a:spcBef>
-              <a:spcAft>
-                <a:spcPct val="0"/>
-              </a:spcAft>
-              <a:buClr>
-                <a:schemeClr val="accent2"/>
-              </a:buClr>
-              <a:buSzPct val="50000"/>
-              <a:buFontTx/>
-              <a:buNone/>
-              <a:defRPr kumimoji="1" sz="2800" b="1">
-                <a:solidFill>
-                  <a:schemeClr val="tx1">
-                    <a:lumMod val="75000"/>
-                    <a:lumOff val="25000"/>
-                  </a:schemeClr>
-                </a:solidFill>
-                <a:latin typeface="+mn-lt"/>
-                <a:ea typeface="+mn-ea"/>
-                <a:cs typeface="メイリオ" panose="020B0604030504040204" pitchFamily="50" charset="-128"/>
-              </a:defRPr>
-            </a:lvl1pPr>
-            <a:lvl2pPr marL="742950" indent="-285750" algn="l" defTabSz="576000" rtl="0" eaLnBrk="0" fontAlgn="base" hangingPunct="0">
-              <a:spcBef>
-                <a:spcPts val="1800"/>
-              </a:spcBef>
-              <a:spcAft>
-                <a:spcPct val="0"/>
-              </a:spcAft>
-              <a:buFont typeface="Wingdings" panose="05000000000000000000" pitchFamily="2" charset="2"/>
-              <a:buChar char="l"/>
-              <a:defRPr kumimoji="1" sz="2000" b="0">
-                <a:solidFill>
-                  <a:schemeClr val="tx1">
-                    <a:lumMod val="75000"/>
-                    <a:lumOff val="25000"/>
-                  </a:schemeClr>
-                </a:solidFill>
-                <a:latin typeface="+mn-lt"/>
-                <a:ea typeface="+mn-ea"/>
-                <a:cs typeface="メイリオ" panose="020B0604030504040204" pitchFamily="50" charset="-128"/>
-              </a:defRPr>
-            </a:lvl2pPr>
-            <a:lvl3pPr marL="1143000" indent="-228600" algn="l" defTabSz="576000" rtl="0" eaLnBrk="0" fontAlgn="base" hangingPunct="0">
-              <a:spcBef>
-                <a:spcPts val="1200"/>
-              </a:spcBef>
-              <a:spcAft>
-                <a:spcPct val="0"/>
-              </a:spcAft>
-              <a:buClr>
-                <a:schemeClr val="tx1">
-                  <a:lumMod val="75000"/>
-                  <a:lumOff val="25000"/>
-                </a:schemeClr>
-              </a:buClr>
-              <a:buSzPct val="60000"/>
-              <a:buFont typeface="Wingdings" panose="05000000000000000000" pitchFamily="2" charset="2"/>
-              <a:buChar char="n"/>
-              <a:defRPr kumimoji="1">
-                <a:solidFill>
-                  <a:schemeClr val="tx1">
-                    <a:lumMod val="75000"/>
-                    <a:lumOff val="25000"/>
-                  </a:schemeClr>
-                </a:solidFill>
-                <a:latin typeface="+mn-lt"/>
-                <a:ea typeface="+mn-ea"/>
-                <a:cs typeface="メイリオ" panose="020B0604030504040204" pitchFamily="50" charset="-128"/>
-              </a:defRPr>
-            </a:lvl3pPr>
-            <a:lvl4pPr marL="1600200" indent="-228600" algn="l" defTabSz="576000" rtl="0" eaLnBrk="0" fontAlgn="base" hangingPunct="0">
-              <a:spcBef>
-                <a:spcPts val="1200"/>
-              </a:spcBef>
-              <a:spcAft>
-                <a:spcPct val="0"/>
-              </a:spcAft>
-              <a:buChar char="–"/>
-              <a:defRPr kumimoji="1">
-                <a:solidFill>
-                  <a:schemeClr val="tx1">
-                    <a:lumMod val="75000"/>
-                    <a:lumOff val="25000"/>
-                  </a:schemeClr>
-                </a:solidFill>
-                <a:latin typeface="+mn-lt"/>
-                <a:ea typeface="+mn-ea"/>
-                <a:cs typeface="メイリオ" panose="020B0604030504040204" pitchFamily="50" charset="-128"/>
-              </a:defRPr>
-            </a:lvl4pPr>
-            <a:lvl5pPr marL="2057400" indent="-228600" algn="l" defTabSz="576000" rtl="0" eaLnBrk="0" fontAlgn="base" hangingPunct="0">
-              <a:spcBef>
-                <a:spcPts val="1200"/>
-              </a:spcBef>
-              <a:spcAft>
-                <a:spcPct val="0"/>
-              </a:spcAft>
-              <a:buChar char="•"/>
-              <a:defRPr kumimoji="1">
-                <a:solidFill>
-                  <a:schemeClr val="tx1">
-                    <a:lumMod val="75000"/>
-                    <a:lumOff val="25000"/>
-                  </a:schemeClr>
-                </a:solidFill>
-                <a:latin typeface="+mn-lt"/>
-                <a:ea typeface="+mn-ea"/>
-                <a:cs typeface="メイリオ" panose="020B0604030504040204" pitchFamily="50" charset="-128"/>
-              </a:defRPr>
-            </a:lvl5pPr>
-            <a:lvl6pPr marL="2514600" indent="-228600" algn="l" rtl="0" fontAlgn="base">
-              <a:spcBef>
-                <a:spcPct val="20000"/>
-              </a:spcBef>
-              <a:spcAft>
-                <a:spcPct val="0"/>
-              </a:spcAft>
-              <a:buChar char="•"/>
-              <a:defRPr kumimoji="1">
-                <a:solidFill>
-                  <a:schemeClr val="tx1"/>
-                </a:solidFill>
-                <a:latin typeface="+mn-lt"/>
-                <a:ea typeface="+mn-ea"/>
-              </a:defRPr>
-            </a:lvl6pPr>
-            <a:lvl7pPr marL="2971800" indent="-228600" algn="l" rtl="0" fontAlgn="base">
-              <a:spcBef>
-                <a:spcPct val="20000"/>
-              </a:spcBef>
-              <a:spcAft>
-                <a:spcPct val="0"/>
-              </a:spcAft>
-              <a:buChar char="•"/>
-              <a:defRPr kumimoji="1">
-                <a:solidFill>
-                  <a:schemeClr val="tx1"/>
-                </a:solidFill>
-                <a:latin typeface="+mn-lt"/>
-                <a:ea typeface="+mn-ea"/>
-              </a:defRPr>
-            </a:lvl7pPr>
-            <a:lvl8pPr marL="3429000" indent="-228600" algn="l" rtl="0" fontAlgn="base">
-              <a:spcBef>
-                <a:spcPct val="20000"/>
-              </a:spcBef>
-              <a:spcAft>
-                <a:spcPct val="0"/>
-              </a:spcAft>
-              <a:buChar char="•"/>
-              <a:defRPr kumimoji="1">
-                <a:solidFill>
-                  <a:schemeClr val="tx1"/>
-                </a:solidFill>
-                <a:latin typeface="+mn-lt"/>
-                <a:ea typeface="+mn-ea"/>
-              </a:defRPr>
-            </a:lvl8pPr>
-            <a:lvl9pPr marL="3886200" indent="-228600" algn="l" rtl="0" fontAlgn="base">
-              <a:spcBef>
-                <a:spcPct val="20000"/>
-              </a:spcBef>
-              <a:spcAft>
-                <a:spcPct val="0"/>
-              </a:spcAft>
-              <a:buChar char="•"/>
-              <a:defRPr kumimoji="1">
-                <a:solidFill>
-                  <a:schemeClr val="tx1"/>
-                </a:solidFill>
-                <a:latin typeface="+mn-lt"/>
-                <a:ea typeface="+mn-ea"/>
-              </a:defRPr>
-            </a:lvl9pPr>
-          </a:lstStyle>
-          <a:p>
-            <a:pPr marL="514350" indent="-514350">
-              <a:lnSpc>
-                <a:spcPct val="150000"/>
-              </a:lnSpc>
-              <a:spcBef>
-                <a:spcPts val="0"/>
-              </a:spcBef>
-              <a:spcAft>
-                <a:spcPts val="0"/>
-              </a:spcAft>
-              <a:buClrTx/>
-              <a:buSzPct val="100000"/>
-              <a:buFont typeface="Wingdings" panose="05000000000000000000" pitchFamily="2" charset="2"/>
-              <a:buChar char="l"/>
-            </a:pPr>
-            <a:r>
-              <a:rPr lang="ja-JP" altLang="en-US" sz="3200" b="0" kern="0" dirty="0" smtClean="0">
-                <a:latin typeface="メイリオ" panose="020B0604030504040204" pitchFamily="50" charset="-128"/>
-              </a:rPr>
-              <a:t>回答例</a:t>
-            </a:r>
-            <a:endParaRPr lang="en-US" altLang="ja-JP" sz="2100" b="1" kern="0" dirty="0" smtClean="0">
-              <a:latin typeface="メイリオ" panose="020B0604030504040204" pitchFamily="50" charset="-128"/>
-            </a:endParaRPr>
-          </a:p>
-        </p:txBody>
-      </p:sp>
-      <p:sp>
-        <p:nvSpPr>
-          <p:cNvPr id="3" name="タイトル 2"/>
-          <p:cNvSpPr>
-            <a:spLocks noGrp="1"/>
-          </p:cNvSpPr>
-          <p:nvPr>
-            <p:ph type="title"/>
-          </p:nvPr>
-        </p:nvSpPr>
-        <p:spPr>
-          <a:xfrm>
-            <a:off x="2124075" y="0"/>
-            <a:ext cx="7019925" cy="549275"/>
-          </a:xfrm>
-        </p:spPr>
-        <p:txBody>
-          <a:bodyPr/>
-          <a:lstStyle/>
-          <a:p>
-            <a:pPr marL="571500" indent="-571500">
-              <a:buFont typeface="+mj-lt"/>
-              <a:buAutoNum type="romanUcPeriod" startAt="2"/>
-              <a:defRPr/>
-            </a:pPr>
-            <a:r>
-              <a:rPr lang="ja-JP" altLang="en-US" smtClean="0">
-                <a:effectLst>
-                  <a:outerShdw blurRad="38100" dist="38100" dir="2700000" algn="tl">
-                    <a:srgbClr val="000000">
-                      <a:alpha val="43137"/>
-                    </a:srgbClr>
-                  </a:outerShdw>
-                </a:effectLst>
-                <a:latin typeface="メイリオ" panose="020B0604030504040204" pitchFamily="50" charset="-128"/>
-              </a:rPr>
-              <a:t>設計・コーディング技術</a:t>
-            </a:r>
-            <a:endParaRPr lang="ja-JP" altLang="en-US">
-              <a:effectLst>
-                <a:outerShdw blurRad="38100" dist="38100" dir="2700000" algn="tl">
-                  <a:srgbClr val="000000">
-                    <a:alpha val="43137"/>
-                  </a:srgbClr>
-                </a:outerShdw>
-              </a:effectLst>
-              <a:latin typeface="メイリオ" panose="020B0604030504040204" pitchFamily="50" charset="-128"/>
-            </a:endParaRPr>
-          </a:p>
-        </p:txBody>
-      </p:sp>
-      <p:sp>
-        <p:nvSpPr>
-          <p:cNvPr id="2" name="スライド番号プレースホルダー 1"/>
-          <p:cNvSpPr>
-            <a:spLocks noGrp="1"/>
-          </p:cNvSpPr>
-          <p:nvPr>
-            <p:ph type="sldNum" sz="quarter" idx="12"/>
-          </p:nvPr>
-        </p:nvSpPr>
-        <p:spPr/>
-        <p:txBody>
-          <a:bodyPr/>
-          <a:lstStyle/>
-          <a:p>
-            <a:pPr>
-              <a:defRPr/>
-            </a:pPr>
-            <a:fld id="{2A15616D-C674-40B3-9F15-A7EE5E004079}" type="slidenum">
-              <a:rPr lang="en-US" altLang="ja-JP"/>
-              <a:pPr>
-                <a:defRPr/>
-              </a:pPr>
-              <a:t>29</a:t>
-            </a:fld>
-            <a:endParaRPr lang="en-US" altLang="ja-JP"/>
-          </a:p>
-        </p:txBody>
-      </p:sp>
-      <p:pic>
-        <p:nvPicPr>
-          <p:cNvPr id="47109" name="Picture 10" descr="OISlogo"/>
-          <p:cNvPicPr>
-            <a:picLocks noChangeAspect="1" noChangeArrowheads="1"/>
-          </p:cNvPicPr>
-          <p:nvPr/>
-        </p:nvPicPr>
-        <p:blipFill>
-          <a:blip r:embed="rId3">
-            <a:extLst>
-              <a:ext uri="{28A0092B-C50C-407E-A947-70E740481C1C}">
-                <a14:useLocalDpi xmlns:a14="http://schemas.microsoft.com/office/drawing/2010/main" val="0"/>
-              </a:ext>
-            </a:extLst>
-          </a:blip>
-          <a:srcRect/>
-          <a:stretch>
-            <a:fillRect/>
-          </a:stretch>
-        </p:blipFill>
-        <p:spPr bwMode="auto">
-          <a:xfrm>
-            <a:off x="0" y="6203950"/>
-            <a:ext cx="1331913" cy="609600"/>
-          </a:xfrm>
-          <a:prstGeom prst="rect">
-            <a:avLst/>
-          </a:prstGeom>
-          <a:noFill/>
-          <a:ln>
-            <a:noFill/>
-          </a:ln>
-          <a:extLst>
-            <a:ext uri="{909E8E84-426E-40DD-AFC4-6F175D3DCCD1}">
-              <a14:hiddenFill xmlns:a14="http://schemas.microsoft.com/office/drawing/2010/main">
-                <a:solidFill>
-                  <a:srgbClr val="FFFFFF"/>
-                </a:solidFill>
-              </a14:hiddenFill>
-            </a:ext>
-            <a:ext uri="{91240B29-F687-4F45-9708-019B960494DF}">
-              <a14:hiddenLine xmlns:a14="http://schemas.microsoft.com/office/drawing/2010/main" w="9525">
-                <a:solidFill>
-                  <a:srgbClr val="000000"/>
-                </a:solidFill>
-                <a:miter lim="800000"/>
-                <a:headEnd/>
-                <a:tailEnd/>
-              </a14:hiddenLine>
-            </a:ext>
-          </a:extLst>
-        </p:spPr>
-      </p:pic>
-      <p:sp>
-        <p:nvSpPr>
-          <p:cNvPr id="25" name="フローチャート: 判断 24"/>
-          <p:cNvSpPr/>
-          <p:nvPr/>
-        </p:nvSpPr>
-        <p:spPr>
-          <a:xfrm>
-            <a:off x="3970458" y="2832779"/>
-            <a:ext cx="1778000" cy="612775"/>
-          </a:xfrm>
-          <a:prstGeom prst="flowChartDecision">
-            <a:avLst/>
-          </a:prstGeom>
-          <a:ln w="28575"/>
-        </p:spPr>
-        <p:style>
-          <a:lnRef idx="2">
-            <a:schemeClr val="accent6"/>
-          </a:lnRef>
-          <a:fillRef idx="1">
-            <a:schemeClr val="lt1"/>
-          </a:fillRef>
-          <a:effectRef idx="0">
-            <a:schemeClr val="accent6"/>
-          </a:effectRef>
-          <a:fontRef idx="minor">
-            <a:schemeClr val="dk1"/>
-          </a:fontRef>
-        </p:style>
-        <p:txBody>
-          <a:bodyPr anchor="ctr"/>
-          <a:lstStyle/>
-          <a:p>
-            <a:pPr algn="ctr" eaLnBrk="1" hangingPunct="1">
-              <a:defRPr/>
-            </a:pPr>
-            <a:endParaRPr lang="ja-JP" altLang="en-US">
-              <a:latin typeface="メイリオ" panose="020B0604030504040204" pitchFamily="50" charset="-128"/>
-              <a:cs typeface="メイリオ" panose="020B0604030504040204" pitchFamily="50" charset="-128"/>
-            </a:endParaRPr>
-          </a:p>
-        </p:txBody>
-      </p:sp>
-      <p:sp>
-        <p:nvSpPr>
-          <p:cNvPr id="47112" name="テキスト ボックス 1"/>
-          <p:cNvSpPr txBox="1">
-            <a:spLocks noChangeArrowheads="1"/>
-          </p:cNvSpPr>
-          <p:nvPr/>
-        </p:nvSpPr>
-        <p:spPr bwMode="auto">
-          <a:xfrm>
-            <a:off x="8388424" y="1085072"/>
-            <a:ext cx="1467068" cy="400110"/>
-          </a:xfrm>
-          <a:prstGeom prst="rect">
-            <a:avLst/>
-          </a:prstGeom>
-          <a:noFill/>
-          <a:ln>
-            <a:noFill/>
-          </a:ln>
-          <a:extLst>
-            <a:ext uri="{909E8E84-426E-40DD-AFC4-6F175D3DCCD1}">
-              <a14:hiddenFill xmlns:a14="http://schemas.microsoft.com/office/drawing/2010/main">
-                <a:solidFill>
-                  <a:srgbClr val="FFFFFF"/>
-                </a:solidFill>
-              </a14:hiddenFill>
-            </a:ext>
-            <a:ext uri="{91240B29-F687-4F45-9708-019B960494DF}">
-              <a14:hiddenLine xmlns:a14="http://schemas.microsoft.com/office/drawing/2010/main" w="9525">
-                <a:solidFill>
-                  <a:srgbClr val="000000"/>
-                </a:solidFill>
-                <a:miter lim="800000"/>
-                <a:headEnd/>
-                <a:tailEnd/>
-              </a14:hiddenLine>
-            </a:ext>
-          </a:extLst>
-        </p:spPr>
-        <p:txBody>
-          <a:bodyPr wrap="none">
-            <a:spAutoFit/>
-          </a:bodyPr>
-          <a:lstStyle>
-            <a:lvl1pPr>
-              <a:spcBef>
-                <a:spcPct val="20000"/>
-              </a:spcBef>
-              <a:buClr>
-                <a:schemeClr val="accent2"/>
-              </a:buClr>
-              <a:buSzPct val="50000"/>
-              <a:buFont typeface="Wingdings" panose="05000000000000000000" pitchFamily="2" charset="2"/>
-              <a:buChar char="n"/>
-              <a:defRPr kumimoji="1" sz="2400" b="1">
-                <a:solidFill>
-                  <a:schemeClr val="tx1"/>
-                </a:solidFill>
-                <a:latin typeface="Century Gothic" panose="020B0502020202020204" pitchFamily="34" charset="0"/>
-                <a:ea typeface="メイリオ" panose="020B0604030504040204" pitchFamily="50" charset="-128"/>
-                <a:cs typeface="メイリオ" panose="020B0604030504040204" pitchFamily="50" charset="-128"/>
-              </a:defRPr>
-            </a:lvl1pPr>
-            <a:lvl2pPr marL="742950" indent="-285750">
-              <a:spcBef>
-                <a:spcPct val="20000"/>
-              </a:spcBef>
-              <a:buChar char="–"/>
-              <a:defRPr kumimoji="1" sz="2000">
-                <a:solidFill>
-                  <a:schemeClr val="tx1"/>
-                </a:solidFill>
-                <a:latin typeface="Century Gothic" panose="020B0502020202020204" pitchFamily="34" charset="0"/>
-                <a:ea typeface="メイリオ" panose="020B0604030504040204" pitchFamily="50" charset="-128"/>
-                <a:cs typeface="メイリオ" panose="020B0604030504040204" pitchFamily="50" charset="-128"/>
-              </a:defRPr>
-            </a:lvl2pPr>
-            <a:lvl3pPr marL="1143000" indent="-228600">
-              <a:spcBef>
-                <a:spcPct val="20000"/>
-              </a:spcBef>
-              <a:buClr>
-                <a:schemeClr val="hlink"/>
-              </a:buClr>
-              <a:buSzPct val="60000"/>
-              <a:buFont typeface="Wingdings" panose="05000000000000000000" pitchFamily="2" charset="2"/>
-              <a:buChar char="n"/>
-              <a:defRPr kumimoji="1">
-                <a:solidFill>
-                  <a:schemeClr val="tx1"/>
-                </a:solidFill>
-                <a:latin typeface="Century Gothic" panose="020B0502020202020204" pitchFamily="34" charset="0"/>
-                <a:ea typeface="メイリオ" panose="020B0604030504040204" pitchFamily="50" charset="-128"/>
-                <a:cs typeface="メイリオ" panose="020B0604030504040204" pitchFamily="50" charset="-128"/>
-              </a:defRPr>
-            </a:lvl3pPr>
-            <a:lvl4pPr marL="1600200" indent="-228600">
-              <a:spcBef>
-                <a:spcPct val="20000"/>
-              </a:spcBef>
-              <a:buChar char="–"/>
-              <a:defRPr kumimoji="1">
-                <a:solidFill>
-                  <a:schemeClr val="tx1"/>
-                </a:solidFill>
-                <a:latin typeface="Century Gothic" panose="020B0502020202020204" pitchFamily="34" charset="0"/>
-                <a:ea typeface="メイリオ" panose="020B0604030504040204" pitchFamily="50" charset="-128"/>
-                <a:cs typeface="メイリオ" panose="020B0604030504040204" pitchFamily="50" charset="-128"/>
-              </a:defRPr>
-            </a:lvl4pPr>
-            <a:lvl5pPr marL="2057400" indent="-228600">
-              <a:spcBef>
-                <a:spcPct val="20000"/>
-              </a:spcBef>
-              <a:buChar char="•"/>
-              <a:defRPr kumimoji="1">
-                <a:solidFill>
-                  <a:schemeClr val="tx1"/>
-                </a:solidFill>
-                <a:latin typeface="Century Gothic" panose="020B0502020202020204" pitchFamily="34" charset="0"/>
-                <a:ea typeface="メイリオ" panose="020B0604030504040204" pitchFamily="50" charset="-128"/>
-                <a:cs typeface="メイリオ" panose="020B0604030504040204" pitchFamily="50" charset="-128"/>
-              </a:defRPr>
-            </a:lvl5pPr>
-            <a:lvl6pPr marL="2514600" indent="-228600" eaLnBrk="0" fontAlgn="base" hangingPunct="0">
-              <a:spcBef>
-                <a:spcPct val="20000"/>
-              </a:spcBef>
-              <a:spcAft>
-                <a:spcPct val="0"/>
-              </a:spcAft>
-              <a:buChar char="•"/>
-              <a:defRPr kumimoji="1">
-                <a:solidFill>
-                  <a:schemeClr val="tx1"/>
-                </a:solidFill>
-                <a:latin typeface="Century Gothic" panose="020B0502020202020204" pitchFamily="34" charset="0"/>
-                <a:ea typeface="メイリオ" panose="020B0604030504040204" pitchFamily="50" charset="-128"/>
-                <a:cs typeface="メイリオ" panose="020B0604030504040204" pitchFamily="50" charset="-128"/>
-              </a:defRPr>
-            </a:lvl6pPr>
-            <a:lvl7pPr marL="2971800" indent="-228600" eaLnBrk="0" fontAlgn="base" hangingPunct="0">
-              <a:spcBef>
-                <a:spcPct val="20000"/>
-              </a:spcBef>
-              <a:spcAft>
-                <a:spcPct val="0"/>
-              </a:spcAft>
-              <a:buChar char="•"/>
-              <a:defRPr kumimoji="1">
-                <a:solidFill>
-                  <a:schemeClr val="tx1"/>
-                </a:solidFill>
-                <a:latin typeface="Century Gothic" panose="020B0502020202020204" pitchFamily="34" charset="0"/>
-                <a:ea typeface="メイリオ" panose="020B0604030504040204" pitchFamily="50" charset="-128"/>
-                <a:cs typeface="メイリオ" panose="020B0604030504040204" pitchFamily="50" charset="-128"/>
-              </a:defRPr>
-            </a:lvl7pPr>
-            <a:lvl8pPr marL="3429000" indent="-228600" eaLnBrk="0" fontAlgn="base" hangingPunct="0">
-              <a:spcBef>
-                <a:spcPct val="20000"/>
-              </a:spcBef>
-              <a:spcAft>
-                <a:spcPct val="0"/>
-              </a:spcAft>
-              <a:buChar char="•"/>
-              <a:defRPr kumimoji="1">
-                <a:solidFill>
-                  <a:schemeClr val="tx1"/>
-                </a:solidFill>
-                <a:latin typeface="Century Gothic" panose="020B0502020202020204" pitchFamily="34" charset="0"/>
-                <a:ea typeface="メイリオ" panose="020B0604030504040204" pitchFamily="50" charset="-128"/>
-                <a:cs typeface="メイリオ" panose="020B0604030504040204" pitchFamily="50" charset="-128"/>
-              </a:defRPr>
-            </a:lvl8pPr>
-            <a:lvl9pPr marL="3886200" indent="-228600" eaLnBrk="0" fontAlgn="base" hangingPunct="0">
-              <a:spcBef>
-                <a:spcPct val="20000"/>
-              </a:spcBef>
-              <a:spcAft>
-                <a:spcPct val="0"/>
-              </a:spcAft>
-              <a:buChar char="•"/>
-              <a:defRPr kumimoji="1">
-                <a:solidFill>
-                  <a:schemeClr val="tx1"/>
-                </a:solidFill>
-                <a:latin typeface="Century Gothic" panose="020B0502020202020204" pitchFamily="34" charset="0"/>
-                <a:ea typeface="メイリオ" panose="020B0604030504040204" pitchFamily="50" charset="-128"/>
-                <a:cs typeface="メイリオ" panose="020B0604030504040204" pitchFamily="50" charset="-128"/>
-              </a:defRPr>
-            </a:lvl9pPr>
-          </a:lstStyle>
-          <a:p>
-            <a:pPr>
-              <a:spcBef>
-                <a:spcPct val="0"/>
-              </a:spcBef>
-              <a:buClrTx/>
-              <a:buSzTx/>
-              <a:buFontTx/>
-              <a:buNone/>
-            </a:pPr>
-            <a:r>
-              <a:rPr lang="ja-JP" altLang="en-US" sz="2000" dirty="0">
-                <a:latin typeface="メイリオ" panose="020B0604030504040204" pitchFamily="50" charset="-128"/>
-              </a:rPr>
-              <a:t>開始・終了</a:t>
-            </a:r>
-          </a:p>
-        </p:txBody>
-      </p:sp>
-      <p:sp>
-        <p:nvSpPr>
-          <p:cNvPr id="47113" name="テキスト ボックス 11"/>
-          <p:cNvSpPr txBox="1">
-            <a:spLocks noChangeArrowheads="1"/>
-          </p:cNvSpPr>
-          <p:nvPr/>
-        </p:nvSpPr>
-        <p:spPr bwMode="auto">
-          <a:xfrm>
-            <a:off x="4254164" y="1984814"/>
-            <a:ext cx="1210588" cy="400110"/>
-          </a:xfrm>
-          <a:prstGeom prst="rect">
-            <a:avLst/>
-          </a:prstGeom>
-          <a:noFill/>
-          <a:ln>
-            <a:noFill/>
-          </a:ln>
-          <a:extLst>
-            <a:ext uri="{909E8E84-426E-40DD-AFC4-6F175D3DCCD1}">
-              <a14:hiddenFill xmlns:a14="http://schemas.microsoft.com/office/drawing/2010/main">
-                <a:solidFill>
-                  <a:srgbClr val="FFFFFF"/>
-                </a:solidFill>
-              </a14:hiddenFill>
-            </a:ext>
-            <a:ext uri="{91240B29-F687-4F45-9708-019B960494DF}">
-              <a14:hiddenLine xmlns:a14="http://schemas.microsoft.com/office/drawing/2010/main" w="9525">
-                <a:solidFill>
-                  <a:srgbClr val="000000"/>
-                </a:solidFill>
-                <a:miter lim="800000"/>
-                <a:headEnd/>
-                <a:tailEnd/>
-              </a14:hiddenLine>
-            </a:ext>
-          </a:extLst>
-        </p:spPr>
-        <p:txBody>
-          <a:bodyPr wrap="none">
-            <a:spAutoFit/>
-          </a:bodyPr>
-          <a:lstStyle>
-            <a:lvl1pPr>
-              <a:spcBef>
-                <a:spcPct val="20000"/>
-              </a:spcBef>
-              <a:buClr>
-                <a:schemeClr val="accent2"/>
-              </a:buClr>
-              <a:buSzPct val="50000"/>
-              <a:buFont typeface="Wingdings" panose="05000000000000000000" pitchFamily="2" charset="2"/>
-              <a:buChar char="n"/>
-              <a:defRPr kumimoji="1" sz="2400" b="1">
-                <a:solidFill>
-                  <a:schemeClr val="tx1"/>
-                </a:solidFill>
-                <a:latin typeface="Century Gothic" panose="020B0502020202020204" pitchFamily="34" charset="0"/>
-                <a:ea typeface="メイリオ" panose="020B0604030504040204" pitchFamily="50" charset="-128"/>
-                <a:cs typeface="メイリオ" panose="020B0604030504040204" pitchFamily="50" charset="-128"/>
-              </a:defRPr>
-            </a:lvl1pPr>
-            <a:lvl2pPr marL="742950" indent="-285750">
-              <a:spcBef>
-                <a:spcPct val="20000"/>
-              </a:spcBef>
-              <a:buChar char="–"/>
-              <a:defRPr kumimoji="1" sz="2000">
-                <a:solidFill>
-                  <a:schemeClr val="tx1"/>
-                </a:solidFill>
-                <a:latin typeface="Century Gothic" panose="020B0502020202020204" pitchFamily="34" charset="0"/>
-                <a:ea typeface="メイリオ" panose="020B0604030504040204" pitchFamily="50" charset="-128"/>
-                <a:cs typeface="メイリオ" panose="020B0604030504040204" pitchFamily="50" charset="-128"/>
-              </a:defRPr>
-            </a:lvl2pPr>
-            <a:lvl3pPr marL="1143000" indent="-228600">
-              <a:spcBef>
-                <a:spcPct val="20000"/>
-              </a:spcBef>
-              <a:buClr>
-                <a:schemeClr val="hlink"/>
-              </a:buClr>
-              <a:buSzPct val="60000"/>
-              <a:buFont typeface="Wingdings" panose="05000000000000000000" pitchFamily="2" charset="2"/>
-              <a:buChar char="n"/>
-              <a:defRPr kumimoji="1">
-                <a:solidFill>
-                  <a:schemeClr val="tx1"/>
-                </a:solidFill>
-                <a:latin typeface="Century Gothic" panose="020B0502020202020204" pitchFamily="34" charset="0"/>
-                <a:ea typeface="メイリオ" panose="020B0604030504040204" pitchFamily="50" charset="-128"/>
-                <a:cs typeface="メイリオ" panose="020B0604030504040204" pitchFamily="50" charset="-128"/>
-              </a:defRPr>
-            </a:lvl3pPr>
-            <a:lvl4pPr marL="1600200" indent="-228600">
-              <a:spcBef>
-                <a:spcPct val="20000"/>
-              </a:spcBef>
-              <a:buChar char="–"/>
-              <a:defRPr kumimoji="1">
-                <a:solidFill>
-                  <a:schemeClr val="tx1"/>
-                </a:solidFill>
-                <a:latin typeface="Century Gothic" panose="020B0502020202020204" pitchFamily="34" charset="0"/>
-                <a:ea typeface="メイリオ" panose="020B0604030504040204" pitchFamily="50" charset="-128"/>
-                <a:cs typeface="メイリオ" panose="020B0604030504040204" pitchFamily="50" charset="-128"/>
-              </a:defRPr>
-            </a:lvl4pPr>
-            <a:lvl5pPr marL="2057400" indent="-228600">
-              <a:spcBef>
-                <a:spcPct val="20000"/>
-              </a:spcBef>
-              <a:buChar char="•"/>
-              <a:defRPr kumimoji="1">
-                <a:solidFill>
-                  <a:schemeClr val="tx1"/>
-                </a:solidFill>
-                <a:latin typeface="Century Gothic" panose="020B0502020202020204" pitchFamily="34" charset="0"/>
-                <a:ea typeface="メイリオ" panose="020B0604030504040204" pitchFamily="50" charset="-128"/>
-                <a:cs typeface="メイリオ" panose="020B0604030504040204" pitchFamily="50" charset="-128"/>
-              </a:defRPr>
-            </a:lvl5pPr>
-            <a:lvl6pPr marL="2514600" indent="-228600" eaLnBrk="0" fontAlgn="base" hangingPunct="0">
-              <a:spcBef>
-                <a:spcPct val="20000"/>
-              </a:spcBef>
-              <a:spcAft>
-                <a:spcPct val="0"/>
-              </a:spcAft>
-              <a:buChar char="•"/>
-              <a:defRPr kumimoji="1">
-                <a:solidFill>
-                  <a:schemeClr val="tx1"/>
-                </a:solidFill>
-                <a:latin typeface="Century Gothic" panose="020B0502020202020204" pitchFamily="34" charset="0"/>
-                <a:ea typeface="メイリオ" panose="020B0604030504040204" pitchFamily="50" charset="-128"/>
-                <a:cs typeface="メイリオ" panose="020B0604030504040204" pitchFamily="50" charset="-128"/>
-              </a:defRPr>
-            </a:lvl6pPr>
-            <a:lvl7pPr marL="2971800" indent="-228600" eaLnBrk="0" fontAlgn="base" hangingPunct="0">
-              <a:spcBef>
-                <a:spcPct val="20000"/>
-              </a:spcBef>
-              <a:spcAft>
-                <a:spcPct val="0"/>
-              </a:spcAft>
-              <a:buChar char="•"/>
-              <a:defRPr kumimoji="1">
-                <a:solidFill>
-                  <a:schemeClr val="tx1"/>
-                </a:solidFill>
-                <a:latin typeface="Century Gothic" panose="020B0502020202020204" pitchFamily="34" charset="0"/>
-                <a:ea typeface="メイリオ" panose="020B0604030504040204" pitchFamily="50" charset="-128"/>
-                <a:cs typeface="メイリオ" panose="020B0604030504040204" pitchFamily="50" charset="-128"/>
-              </a:defRPr>
-            </a:lvl7pPr>
-            <a:lvl8pPr marL="3429000" indent="-228600" eaLnBrk="0" fontAlgn="base" hangingPunct="0">
-              <a:spcBef>
-                <a:spcPct val="20000"/>
-              </a:spcBef>
-              <a:spcAft>
-                <a:spcPct val="0"/>
-              </a:spcAft>
-              <a:buChar char="•"/>
-              <a:defRPr kumimoji="1">
-                <a:solidFill>
-                  <a:schemeClr val="tx1"/>
-                </a:solidFill>
-                <a:latin typeface="Century Gothic" panose="020B0502020202020204" pitchFamily="34" charset="0"/>
-                <a:ea typeface="メイリオ" panose="020B0604030504040204" pitchFamily="50" charset="-128"/>
-                <a:cs typeface="メイリオ" panose="020B0604030504040204" pitchFamily="50" charset="-128"/>
-              </a:defRPr>
-            </a:lvl8pPr>
-            <a:lvl9pPr marL="3886200" indent="-228600" eaLnBrk="0" fontAlgn="base" hangingPunct="0">
-              <a:spcBef>
-                <a:spcPct val="20000"/>
-              </a:spcBef>
-              <a:spcAft>
-                <a:spcPct val="0"/>
-              </a:spcAft>
-              <a:buChar char="•"/>
-              <a:defRPr kumimoji="1">
-                <a:solidFill>
-                  <a:schemeClr val="tx1"/>
-                </a:solidFill>
-                <a:latin typeface="Century Gothic" panose="020B0502020202020204" pitchFamily="34" charset="0"/>
-                <a:ea typeface="メイリオ" panose="020B0604030504040204" pitchFamily="50" charset="-128"/>
-                <a:cs typeface="メイリオ" panose="020B0604030504040204" pitchFamily="50" charset="-128"/>
-              </a:defRPr>
-            </a:lvl9pPr>
-          </a:lstStyle>
-          <a:p>
-            <a:pPr>
-              <a:spcBef>
-                <a:spcPct val="0"/>
-              </a:spcBef>
-              <a:buClrTx/>
-              <a:buSzTx/>
-              <a:buFontTx/>
-              <a:buNone/>
-            </a:pPr>
-            <a:r>
-              <a:rPr lang="ja-JP" altLang="en-US" sz="2000">
-                <a:latin typeface="メイリオ" panose="020B0604030504040204" pitchFamily="50" charset="-128"/>
-              </a:rPr>
-              <a:t>条件分岐</a:t>
-            </a:r>
-          </a:p>
-        </p:txBody>
-      </p:sp>
-      <p:cxnSp>
-        <p:nvCxnSpPr>
-          <p:cNvPr id="30" name="直線コネクタ 29"/>
-          <p:cNvCxnSpPr/>
-          <p:nvPr/>
-        </p:nvCxnSpPr>
-        <p:spPr>
-          <a:xfrm>
-            <a:off x="4859458" y="2391214"/>
-            <a:ext cx="0" cy="406400"/>
-          </a:xfrm>
-          <a:prstGeom prst="line">
-            <a:avLst/>
-          </a:prstGeom>
-          <a:ln w="28575">
-            <a:solidFill>
-              <a:schemeClr val="accent2"/>
-            </a:solidFill>
-            <a:headEnd w="sm" len="sm"/>
-            <a:tailEnd type="triangle" w="lg" len="med"/>
-          </a:ln>
-        </p:spPr>
-        <p:style>
-          <a:lnRef idx="1">
-            <a:schemeClr val="accent1"/>
-          </a:lnRef>
-          <a:fillRef idx="0">
-            <a:schemeClr val="accent1"/>
-          </a:fillRef>
-          <a:effectRef idx="0">
-            <a:schemeClr val="accent1"/>
-          </a:effectRef>
-          <a:fontRef idx="minor">
-            <a:schemeClr val="tx1"/>
-          </a:fontRef>
-        </p:style>
-      </p:cxnSp>
-      <p:cxnSp>
-        <p:nvCxnSpPr>
-          <p:cNvPr id="31" name="直線コネクタ 30"/>
-          <p:cNvCxnSpPr/>
-          <p:nvPr/>
-        </p:nvCxnSpPr>
-        <p:spPr>
-          <a:xfrm>
-            <a:off x="4849933" y="3445554"/>
-            <a:ext cx="0" cy="406400"/>
-          </a:xfrm>
-          <a:prstGeom prst="line">
-            <a:avLst/>
-          </a:prstGeom>
-          <a:ln w="28575">
-            <a:solidFill>
-              <a:schemeClr val="accent2"/>
-            </a:solidFill>
-            <a:headEnd w="sm" len="sm"/>
-            <a:tailEnd type="triangle" w="lg" len="med"/>
-          </a:ln>
-        </p:spPr>
-        <p:style>
-          <a:lnRef idx="1">
-            <a:schemeClr val="accent1"/>
-          </a:lnRef>
-          <a:fillRef idx="0">
-            <a:schemeClr val="accent1"/>
-          </a:fillRef>
-          <a:effectRef idx="0">
-            <a:schemeClr val="accent1"/>
-          </a:effectRef>
-          <a:fontRef idx="minor">
-            <a:schemeClr val="tx1"/>
-          </a:fontRef>
-        </p:style>
-      </p:cxnSp>
-      <p:sp>
-        <p:nvSpPr>
-          <p:cNvPr id="47117" name="テキスト ボックス 12"/>
-          <p:cNvSpPr txBox="1">
-            <a:spLocks noChangeArrowheads="1"/>
-          </p:cNvSpPr>
-          <p:nvPr/>
-        </p:nvSpPr>
-        <p:spPr bwMode="auto">
-          <a:xfrm>
-            <a:off x="1763688" y="4437112"/>
-            <a:ext cx="3262432" cy="400110"/>
-          </a:xfrm>
-          <a:prstGeom prst="rect">
-            <a:avLst/>
-          </a:prstGeom>
-          <a:noFill/>
-          <a:ln>
-            <a:noFill/>
-          </a:ln>
-          <a:extLst>
-            <a:ext uri="{909E8E84-426E-40DD-AFC4-6F175D3DCCD1}">
-              <a14:hiddenFill xmlns:a14="http://schemas.microsoft.com/office/drawing/2010/main">
-                <a:solidFill>
-                  <a:srgbClr val="FFFFFF"/>
-                </a:solidFill>
-              </a14:hiddenFill>
-            </a:ext>
-            <a:ext uri="{91240B29-F687-4F45-9708-019B960494DF}">
-              <a14:hiddenLine xmlns:a14="http://schemas.microsoft.com/office/drawing/2010/main" w="9525">
-                <a:solidFill>
-                  <a:srgbClr val="000000"/>
-                </a:solidFill>
-                <a:miter lim="800000"/>
-                <a:headEnd/>
-                <a:tailEnd/>
-              </a14:hiddenLine>
-            </a:ext>
-          </a:extLst>
-        </p:spPr>
-        <p:txBody>
-          <a:bodyPr wrap="none">
-            <a:spAutoFit/>
-          </a:bodyPr>
-          <a:lstStyle>
-            <a:lvl1pPr>
-              <a:spcBef>
-                <a:spcPct val="20000"/>
-              </a:spcBef>
-              <a:buClr>
-                <a:schemeClr val="accent2"/>
-              </a:buClr>
-              <a:buSzPct val="50000"/>
-              <a:buFont typeface="Wingdings" panose="05000000000000000000" pitchFamily="2" charset="2"/>
-              <a:buChar char="n"/>
-              <a:defRPr kumimoji="1" sz="2400" b="1">
-                <a:solidFill>
-                  <a:schemeClr val="tx1"/>
-                </a:solidFill>
-                <a:latin typeface="Century Gothic" panose="020B0502020202020204" pitchFamily="34" charset="0"/>
-                <a:ea typeface="メイリオ" panose="020B0604030504040204" pitchFamily="50" charset="-128"/>
-                <a:cs typeface="メイリオ" panose="020B0604030504040204" pitchFamily="50" charset="-128"/>
-              </a:defRPr>
-            </a:lvl1pPr>
-            <a:lvl2pPr marL="742950" indent="-285750">
-              <a:spcBef>
-                <a:spcPct val="20000"/>
-              </a:spcBef>
-              <a:buChar char="–"/>
-              <a:defRPr kumimoji="1" sz="2000">
-                <a:solidFill>
-                  <a:schemeClr val="tx1"/>
-                </a:solidFill>
-                <a:latin typeface="Century Gothic" panose="020B0502020202020204" pitchFamily="34" charset="0"/>
-                <a:ea typeface="メイリオ" panose="020B0604030504040204" pitchFamily="50" charset="-128"/>
-                <a:cs typeface="メイリオ" panose="020B0604030504040204" pitchFamily="50" charset="-128"/>
-              </a:defRPr>
-            </a:lvl2pPr>
-            <a:lvl3pPr marL="1143000" indent="-228600">
-              <a:spcBef>
-                <a:spcPct val="20000"/>
-              </a:spcBef>
-              <a:buClr>
-                <a:schemeClr val="hlink"/>
-              </a:buClr>
-              <a:buSzPct val="60000"/>
-              <a:buFont typeface="Wingdings" panose="05000000000000000000" pitchFamily="2" charset="2"/>
-              <a:buChar char="n"/>
-              <a:defRPr kumimoji="1">
-                <a:solidFill>
-                  <a:schemeClr val="tx1"/>
-                </a:solidFill>
-                <a:latin typeface="Century Gothic" panose="020B0502020202020204" pitchFamily="34" charset="0"/>
-                <a:ea typeface="メイリオ" panose="020B0604030504040204" pitchFamily="50" charset="-128"/>
-                <a:cs typeface="メイリオ" panose="020B0604030504040204" pitchFamily="50" charset="-128"/>
-              </a:defRPr>
-            </a:lvl3pPr>
-            <a:lvl4pPr marL="1600200" indent="-228600">
-              <a:spcBef>
-                <a:spcPct val="20000"/>
-              </a:spcBef>
-              <a:buChar char="–"/>
-              <a:defRPr kumimoji="1">
-                <a:solidFill>
-                  <a:schemeClr val="tx1"/>
-                </a:solidFill>
-                <a:latin typeface="Century Gothic" panose="020B0502020202020204" pitchFamily="34" charset="0"/>
-                <a:ea typeface="メイリオ" panose="020B0604030504040204" pitchFamily="50" charset="-128"/>
-                <a:cs typeface="メイリオ" panose="020B0604030504040204" pitchFamily="50" charset="-128"/>
-              </a:defRPr>
-            </a:lvl4pPr>
-            <a:lvl5pPr marL="2057400" indent="-228600">
-              <a:spcBef>
-                <a:spcPct val="20000"/>
-              </a:spcBef>
-              <a:buChar char="•"/>
-              <a:defRPr kumimoji="1">
-                <a:solidFill>
-                  <a:schemeClr val="tx1"/>
-                </a:solidFill>
-                <a:latin typeface="Century Gothic" panose="020B0502020202020204" pitchFamily="34" charset="0"/>
-                <a:ea typeface="メイリオ" panose="020B0604030504040204" pitchFamily="50" charset="-128"/>
-                <a:cs typeface="メイリオ" panose="020B0604030504040204" pitchFamily="50" charset="-128"/>
-              </a:defRPr>
-            </a:lvl5pPr>
-            <a:lvl6pPr marL="2514600" indent="-228600" eaLnBrk="0" fontAlgn="base" hangingPunct="0">
-              <a:spcBef>
-                <a:spcPct val="20000"/>
-              </a:spcBef>
-              <a:spcAft>
-                <a:spcPct val="0"/>
-              </a:spcAft>
-              <a:buChar char="•"/>
-              <a:defRPr kumimoji="1">
-                <a:solidFill>
-                  <a:schemeClr val="tx1"/>
-                </a:solidFill>
-                <a:latin typeface="Century Gothic" panose="020B0502020202020204" pitchFamily="34" charset="0"/>
-                <a:ea typeface="メイリオ" panose="020B0604030504040204" pitchFamily="50" charset="-128"/>
-                <a:cs typeface="メイリオ" panose="020B0604030504040204" pitchFamily="50" charset="-128"/>
-              </a:defRPr>
-            </a:lvl6pPr>
-            <a:lvl7pPr marL="2971800" indent="-228600" eaLnBrk="0" fontAlgn="base" hangingPunct="0">
-              <a:spcBef>
-                <a:spcPct val="20000"/>
-              </a:spcBef>
-              <a:spcAft>
-                <a:spcPct val="0"/>
-              </a:spcAft>
-              <a:buChar char="•"/>
-              <a:defRPr kumimoji="1">
-                <a:solidFill>
-                  <a:schemeClr val="tx1"/>
-                </a:solidFill>
-                <a:latin typeface="Century Gothic" panose="020B0502020202020204" pitchFamily="34" charset="0"/>
-                <a:ea typeface="メイリオ" panose="020B0604030504040204" pitchFamily="50" charset="-128"/>
-                <a:cs typeface="メイリオ" panose="020B0604030504040204" pitchFamily="50" charset="-128"/>
-              </a:defRPr>
-            </a:lvl7pPr>
-            <a:lvl8pPr marL="3429000" indent="-228600" eaLnBrk="0" fontAlgn="base" hangingPunct="0">
-              <a:spcBef>
-                <a:spcPct val="20000"/>
-              </a:spcBef>
-              <a:spcAft>
-                <a:spcPct val="0"/>
-              </a:spcAft>
-              <a:buChar char="•"/>
-              <a:defRPr kumimoji="1">
-                <a:solidFill>
-                  <a:schemeClr val="tx1"/>
-                </a:solidFill>
-                <a:latin typeface="Century Gothic" panose="020B0502020202020204" pitchFamily="34" charset="0"/>
-                <a:ea typeface="メイリオ" panose="020B0604030504040204" pitchFamily="50" charset="-128"/>
-                <a:cs typeface="メイリオ" panose="020B0604030504040204" pitchFamily="50" charset="-128"/>
-              </a:defRPr>
-            </a:lvl8pPr>
-            <a:lvl9pPr marL="3886200" indent="-228600" eaLnBrk="0" fontAlgn="base" hangingPunct="0">
-              <a:spcBef>
-                <a:spcPct val="20000"/>
-              </a:spcBef>
-              <a:spcAft>
-                <a:spcPct val="0"/>
-              </a:spcAft>
-              <a:buChar char="•"/>
-              <a:defRPr kumimoji="1">
-                <a:solidFill>
-                  <a:schemeClr val="tx1"/>
-                </a:solidFill>
-                <a:latin typeface="Century Gothic" panose="020B0502020202020204" pitchFamily="34" charset="0"/>
-                <a:ea typeface="メイリオ" panose="020B0604030504040204" pitchFamily="50" charset="-128"/>
-                <a:cs typeface="メイリオ" panose="020B0604030504040204" pitchFamily="50" charset="-128"/>
-              </a:defRPr>
-            </a:lvl9pPr>
-          </a:lstStyle>
-          <a:p>
-            <a:pPr>
-              <a:spcBef>
-                <a:spcPct val="0"/>
-              </a:spcBef>
-              <a:buClrTx/>
-              <a:buSzTx/>
-              <a:buFontTx/>
-              <a:buNone/>
-            </a:pPr>
-            <a:r>
-              <a:rPr lang="ja-JP" altLang="en-US" sz="2000">
-                <a:latin typeface="メイリオ" panose="020B0604030504040204" pitchFamily="50" charset="-128"/>
-              </a:rPr>
-              <a:t>処理（表示・値設定など）</a:t>
-            </a:r>
-          </a:p>
-        </p:txBody>
-      </p:sp>
-      <p:sp>
-        <p:nvSpPr>
-          <p:cNvPr id="47118" name="テキスト ボックス 13"/>
-          <p:cNvSpPr txBox="1">
-            <a:spLocks noChangeArrowheads="1"/>
-          </p:cNvSpPr>
-          <p:nvPr/>
-        </p:nvSpPr>
-        <p:spPr bwMode="auto">
-          <a:xfrm>
-            <a:off x="5652120" y="4437112"/>
-            <a:ext cx="1210588" cy="400110"/>
-          </a:xfrm>
-          <a:prstGeom prst="rect">
-            <a:avLst/>
-          </a:prstGeom>
-          <a:noFill/>
-          <a:ln>
-            <a:noFill/>
-          </a:ln>
-          <a:extLst>
-            <a:ext uri="{909E8E84-426E-40DD-AFC4-6F175D3DCCD1}">
-              <a14:hiddenFill xmlns:a14="http://schemas.microsoft.com/office/drawing/2010/main">
-                <a:solidFill>
-                  <a:srgbClr val="FFFFFF"/>
-                </a:solidFill>
-              </a14:hiddenFill>
-            </a:ext>
-            <a:ext uri="{91240B29-F687-4F45-9708-019B960494DF}">
-              <a14:hiddenLine xmlns:a14="http://schemas.microsoft.com/office/drawing/2010/main" w="9525">
-                <a:solidFill>
-                  <a:srgbClr val="000000"/>
-                </a:solidFill>
-                <a:miter lim="800000"/>
-                <a:headEnd/>
-                <a:tailEnd/>
-              </a14:hiddenLine>
-            </a:ext>
-          </a:extLst>
-        </p:spPr>
-        <p:txBody>
-          <a:bodyPr wrap="none">
-            <a:spAutoFit/>
-          </a:bodyPr>
-          <a:lstStyle>
-            <a:lvl1pPr>
-              <a:spcBef>
-                <a:spcPct val="20000"/>
-              </a:spcBef>
-              <a:buClr>
-                <a:schemeClr val="accent2"/>
-              </a:buClr>
-              <a:buSzPct val="50000"/>
-              <a:buFont typeface="Wingdings" panose="05000000000000000000" pitchFamily="2" charset="2"/>
-              <a:buChar char="n"/>
-              <a:defRPr kumimoji="1" sz="2400" b="1">
-                <a:solidFill>
-                  <a:schemeClr val="tx1"/>
-                </a:solidFill>
-                <a:latin typeface="Century Gothic" panose="020B0502020202020204" pitchFamily="34" charset="0"/>
-                <a:ea typeface="メイリオ" panose="020B0604030504040204" pitchFamily="50" charset="-128"/>
-                <a:cs typeface="メイリオ" panose="020B0604030504040204" pitchFamily="50" charset="-128"/>
-              </a:defRPr>
-            </a:lvl1pPr>
-            <a:lvl2pPr marL="742950" indent="-285750">
-              <a:spcBef>
-                <a:spcPct val="20000"/>
-              </a:spcBef>
-              <a:buChar char="–"/>
-              <a:defRPr kumimoji="1" sz="2000">
-                <a:solidFill>
-                  <a:schemeClr val="tx1"/>
-                </a:solidFill>
-                <a:latin typeface="Century Gothic" panose="020B0502020202020204" pitchFamily="34" charset="0"/>
-                <a:ea typeface="メイリオ" panose="020B0604030504040204" pitchFamily="50" charset="-128"/>
-                <a:cs typeface="メイリオ" panose="020B0604030504040204" pitchFamily="50" charset="-128"/>
-              </a:defRPr>
-            </a:lvl2pPr>
-            <a:lvl3pPr marL="1143000" indent="-228600">
-              <a:spcBef>
-                <a:spcPct val="20000"/>
-              </a:spcBef>
-              <a:buClr>
-                <a:schemeClr val="hlink"/>
-              </a:buClr>
-              <a:buSzPct val="60000"/>
-              <a:buFont typeface="Wingdings" panose="05000000000000000000" pitchFamily="2" charset="2"/>
-              <a:buChar char="n"/>
-              <a:defRPr kumimoji="1">
-                <a:solidFill>
-                  <a:schemeClr val="tx1"/>
-                </a:solidFill>
-                <a:latin typeface="Century Gothic" panose="020B0502020202020204" pitchFamily="34" charset="0"/>
-                <a:ea typeface="メイリオ" panose="020B0604030504040204" pitchFamily="50" charset="-128"/>
-                <a:cs typeface="メイリオ" panose="020B0604030504040204" pitchFamily="50" charset="-128"/>
-              </a:defRPr>
-            </a:lvl3pPr>
-            <a:lvl4pPr marL="1600200" indent="-228600">
-              <a:spcBef>
-                <a:spcPct val="20000"/>
-              </a:spcBef>
-              <a:buChar char="–"/>
-              <a:defRPr kumimoji="1">
-                <a:solidFill>
-                  <a:schemeClr val="tx1"/>
-                </a:solidFill>
-                <a:latin typeface="Century Gothic" panose="020B0502020202020204" pitchFamily="34" charset="0"/>
-                <a:ea typeface="メイリオ" panose="020B0604030504040204" pitchFamily="50" charset="-128"/>
-                <a:cs typeface="メイリオ" panose="020B0604030504040204" pitchFamily="50" charset="-128"/>
-              </a:defRPr>
-            </a:lvl4pPr>
-            <a:lvl5pPr marL="2057400" indent="-228600">
-              <a:spcBef>
-                <a:spcPct val="20000"/>
-              </a:spcBef>
-              <a:buChar char="•"/>
-              <a:defRPr kumimoji="1">
-                <a:solidFill>
-                  <a:schemeClr val="tx1"/>
-                </a:solidFill>
-                <a:latin typeface="Century Gothic" panose="020B0502020202020204" pitchFamily="34" charset="0"/>
-                <a:ea typeface="メイリオ" panose="020B0604030504040204" pitchFamily="50" charset="-128"/>
-                <a:cs typeface="メイリオ" panose="020B0604030504040204" pitchFamily="50" charset="-128"/>
-              </a:defRPr>
-            </a:lvl5pPr>
-            <a:lvl6pPr marL="2514600" indent="-228600" eaLnBrk="0" fontAlgn="base" hangingPunct="0">
-              <a:spcBef>
-                <a:spcPct val="20000"/>
-              </a:spcBef>
-              <a:spcAft>
-                <a:spcPct val="0"/>
-              </a:spcAft>
-              <a:buChar char="•"/>
-              <a:defRPr kumimoji="1">
-                <a:solidFill>
-                  <a:schemeClr val="tx1"/>
-                </a:solidFill>
-                <a:latin typeface="Century Gothic" panose="020B0502020202020204" pitchFamily="34" charset="0"/>
-                <a:ea typeface="メイリオ" panose="020B0604030504040204" pitchFamily="50" charset="-128"/>
-                <a:cs typeface="メイリオ" panose="020B0604030504040204" pitchFamily="50" charset="-128"/>
-              </a:defRPr>
-            </a:lvl6pPr>
-            <a:lvl7pPr marL="2971800" indent="-228600" eaLnBrk="0" fontAlgn="base" hangingPunct="0">
-              <a:spcBef>
-                <a:spcPct val="20000"/>
-              </a:spcBef>
-              <a:spcAft>
-                <a:spcPct val="0"/>
-              </a:spcAft>
-              <a:buChar char="•"/>
-              <a:defRPr kumimoji="1">
-                <a:solidFill>
-                  <a:schemeClr val="tx1"/>
-                </a:solidFill>
-                <a:latin typeface="Century Gothic" panose="020B0502020202020204" pitchFamily="34" charset="0"/>
-                <a:ea typeface="メイリオ" panose="020B0604030504040204" pitchFamily="50" charset="-128"/>
-                <a:cs typeface="メイリオ" panose="020B0604030504040204" pitchFamily="50" charset="-128"/>
-              </a:defRPr>
-            </a:lvl7pPr>
-            <a:lvl8pPr marL="3429000" indent="-228600" eaLnBrk="0" fontAlgn="base" hangingPunct="0">
-              <a:spcBef>
-                <a:spcPct val="20000"/>
-              </a:spcBef>
-              <a:spcAft>
-                <a:spcPct val="0"/>
-              </a:spcAft>
-              <a:buChar char="•"/>
-              <a:defRPr kumimoji="1">
-                <a:solidFill>
-                  <a:schemeClr val="tx1"/>
-                </a:solidFill>
-                <a:latin typeface="Century Gothic" panose="020B0502020202020204" pitchFamily="34" charset="0"/>
-                <a:ea typeface="メイリオ" panose="020B0604030504040204" pitchFamily="50" charset="-128"/>
-                <a:cs typeface="メイリオ" panose="020B0604030504040204" pitchFamily="50" charset="-128"/>
-              </a:defRPr>
-            </a:lvl8pPr>
-            <a:lvl9pPr marL="3886200" indent="-228600" eaLnBrk="0" fontAlgn="base" hangingPunct="0">
-              <a:spcBef>
-                <a:spcPct val="20000"/>
-              </a:spcBef>
-              <a:spcAft>
-                <a:spcPct val="0"/>
-              </a:spcAft>
-              <a:buChar char="•"/>
-              <a:defRPr kumimoji="1">
-                <a:solidFill>
-                  <a:schemeClr val="tx1"/>
-                </a:solidFill>
-                <a:latin typeface="Century Gothic" panose="020B0502020202020204" pitchFamily="34" charset="0"/>
-                <a:ea typeface="メイリオ" panose="020B0604030504040204" pitchFamily="50" charset="-128"/>
-                <a:cs typeface="メイリオ" panose="020B0604030504040204" pitchFamily="50" charset="-128"/>
-              </a:defRPr>
-            </a:lvl9pPr>
-          </a:lstStyle>
-          <a:p>
-            <a:pPr>
-              <a:spcBef>
-                <a:spcPct val="0"/>
-              </a:spcBef>
-              <a:buClrTx/>
-              <a:buSzTx/>
-              <a:buFontTx/>
-              <a:buNone/>
-            </a:pPr>
-            <a:r>
-              <a:rPr lang="ja-JP" altLang="en-US" sz="2000">
-                <a:latin typeface="メイリオ" panose="020B0604030504040204" pitchFamily="50" charset="-128"/>
-              </a:rPr>
-              <a:t>繰り返し</a:t>
-            </a:r>
-          </a:p>
-        </p:txBody>
-      </p:sp>
-      <p:grpSp>
-        <p:nvGrpSpPr>
-          <p:cNvPr id="47119" name="グループ化 17"/>
-          <p:cNvGrpSpPr>
-            <a:grpSpLocks/>
-          </p:cNvGrpSpPr>
-          <p:nvPr/>
-        </p:nvGrpSpPr>
-        <p:grpSpPr bwMode="auto">
-          <a:xfrm>
-            <a:off x="5321300" y="4916388"/>
-            <a:ext cx="1790700" cy="1104900"/>
-            <a:chOff x="6254750" y="4198144"/>
-            <a:chExt cx="1790700" cy="1104807"/>
-          </a:xfrm>
-        </p:grpSpPr>
-        <p:sp>
-          <p:nvSpPr>
-            <p:cNvPr id="38" name="片側の 2 つの角を切り取った四角形 37"/>
-            <p:cNvSpPr/>
-            <p:nvPr/>
-          </p:nvSpPr>
-          <p:spPr>
-            <a:xfrm>
-              <a:off x="6254750" y="4198144"/>
-              <a:ext cx="1784350" cy="433352"/>
-            </a:xfrm>
-            <a:prstGeom prst="snip2SameRect">
-              <a:avLst/>
-            </a:prstGeom>
-            <a:ln w="28575"/>
-          </p:spPr>
-          <p:style>
-            <a:lnRef idx="2">
-              <a:schemeClr val="accent6"/>
-            </a:lnRef>
-            <a:fillRef idx="1">
-              <a:schemeClr val="lt1"/>
-            </a:fillRef>
-            <a:effectRef idx="0">
-              <a:schemeClr val="accent6"/>
-            </a:effectRef>
-            <a:fontRef idx="minor">
-              <a:schemeClr val="dk1"/>
-            </a:fontRef>
-          </p:style>
-          <p:txBody>
-            <a:bodyPr anchor="ctr"/>
-            <a:lstStyle/>
-            <a:p>
-              <a:pPr algn="ctr" eaLnBrk="1" hangingPunct="1">
-                <a:defRPr/>
-              </a:pPr>
-              <a:endParaRPr lang="ja-JP" altLang="en-US">
-                <a:latin typeface="メイリオ" panose="020B0604030504040204" pitchFamily="50" charset="-128"/>
-                <a:cs typeface="メイリオ" panose="020B0604030504040204" pitchFamily="50" charset="-128"/>
-              </a:endParaRPr>
-            </a:p>
-          </p:txBody>
-        </p:sp>
-        <p:sp>
-          <p:nvSpPr>
-            <p:cNvPr id="39" name="片側の 2 つの角を切り取った四角形 38"/>
-            <p:cNvSpPr/>
-            <p:nvPr/>
-          </p:nvSpPr>
-          <p:spPr>
-            <a:xfrm rot="10800000">
-              <a:off x="6261100" y="4871187"/>
-              <a:ext cx="1784350" cy="431764"/>
-            </a:xfrm>
-            <a:prstGeom prst="snip2SameRect">
-              <a:avLst/>
-            </a:prstGeom>
-            <a:ln w="28575"/>
-          </p:spPr>
-          <p:style>
-            <a:lnRef idx="2">
-              <a:schemeClr val="accent6"/>
-            </a:lnRef>
-            <a:fillRef idx="1">
-              <a:schemeClr val="lt1"/>
-            </a:fillRef>
-            <a:effectRef idx="0">
-              <a:schemeClr val="accent6"/>
-            </a:effectRef>
-            <a:fontRef idx="minor">
-              <a:schemeClr val="dk1"/>
-            </a:fontRef>
-          </p:style>
-          <p:txBody>
-            <a:bodyPr anchor="ctr"/>
-            <a:lstStyle/>
-            <a:p>
-              <a:pPr algn="ctr" eaLnBrk="1" hangingPunct="1">
-                <a:defRPr/>
-              </a:pPr>
-              <a:endParaRPr lang="ja-JP" altLang="en-US">
-                <a:latin typeface="メイリオ" panose="020B0604030504040204" pitchFamily="50" charset="-128"/>
-                <a:cs typeface="メイリオ" panose="020B0604030504040204" pitchFamily="50" charset="-128"/>
-              </a:endParaRPr>
-            </a:p>
-          </p:txBody>
-        </p:sp>
-        <p:cxnSp>
-          <p:nvCxnSpPr>
-            <p:cNvPr id="40" name="直線コネクタ 39"/>
-            <p:cNvCxnSpPr>
-              <a:stCxn id="38" idx="1"/>
-              <a:endCxn id="39" idx="1"/>
-            </p:cNvCxnSpPr>
-            <p:nvPr/>
-          </p:nvCxnSpPr>
-          <p:spPr>
-            <a:xfrm>
-              <a:off x="7146925" y="4631496"/>
-              <a:ext cx="6350" cy="239692"/>
-            </a:xfrm>
-            <a:prstGeom prst="line">
-              <a:avLst/>
-            </a:prstGeom>
-            <a:ln w="28575">
-              <a:solidFill>
-                <a:schemeClr val="accent2"/>
-              </a:solidFill>
-              <a:headEnd w="sm" len="sm"/>
-              <a:tailEnd type="triangle" w="lg" len="med"/>
-            </a:ln>
-          </p:spPr>
-          <p:style>
-            <a:lnRef idx="1">
-              <a:schemeClr val="accent1"/>
-            </a:lnRef>
-            <a:fillRef idx="0">
-              <a:schemeClr val="accent1"/>
-            </a:fillRef>
-            <a:effectRef idx="0">
-              <a:schemeClr val="accent1"/>
-            </a:effectRef>
-            <a:fontRef idx="minor">
-              <a:schemeClr val="tx1"/>
-            </a:fontRef>
-          </p:style>
-        </p:cxnSp>
-      </p:grpSp>
-      <p:grpSp>
-        <p:nvGrpSpPr>
-          <p:cNvPr id="47120" name="グループ化 29"/>
-          <p:cNvGrpSpPr>
-            <a:grpSpLocks/>
-          </p:cNvGrpSpPr>
-          <p:nvPr/>
-        </p:nvGrpSpPr>
-        <p:grpSpPr bwMode="auto">
-          <a:xfrm>
-            <a:off x="2427288" y="4917976"/>
-            <a:ext cx="1635125" cy="1023937"/>
-            <a:chOff x="2168616" y="3981800"/>
-            <a:chExt cx="1635125" cy="1023786"/>
-          </a:xfrm>
-        </p:grpSpPr>
-        <p:sp>
-          <p:nvSpPr>
-            <p:cNvPr id="42" name="フローチャート: 代替処理 41"/>
-            <p:cNvSpPr/>
-            <p:nvPr/>
-          </p:nvSpPr>
-          <p:spPr>
-            <a:xfrm>
-              <a:off x="2168616" y="3981800"/>
-              <a:ext cx="1635125" cy="612685"/>
-            </a:xfrm>
-            <a:prstGeom prst="flowChartAlternateProcess">
-              <a:avLst/>
-            </a:prstGeom>
-            <a:ln w="28575"/>
-          </p:spPr>
-          <p:style>
-            <a:lnRef idx="2">
-              <a:schemeClr val="accent6"/>
-            </a:lnRef>
-            <a:fillRef idx="1">
-              <a:schemeClr val="lt1"/>
-            </a:fillRef>
-            <a:effectRef idx="0">
-              <a:schemeClr val="accent6"/>
-            </a:effectRef>
-            <a:fontRef idx="minor">
-              <a:schemeClr val="dk1"/>
-            </a:fontRef>
-          </p:style>
-          <p:txBody>
-            <a:bodyPr anchor="ctr"/>
-            <a:lstStyle/>
-            <a:p>
-              <a:pPr algn="ctr" eaLnBrk="1" hangingPunct="1">
-                <a:defRPr/>
-              </a:pPr>
-              <a:endParaRPr lang="ja-JP" altLang="en-US">
-                <a:latin typeface="メイリオ" panose="020B0604030504040204" pitchFamily="50" charset="-128"/>
-                <a:cs typeface="メイリオ" panose="020B0604030504040204" pitchFamily="50" charset="-128"/>
-              </a:endParaRPr>
-            </a:p>
-          </p:txBody>
-        </p:sp>
-        <p:cxnSp>
-          <p:nvCxnSpPr>
-            <p:cNvPr id="43" name="直線コネクタ 42"/>
-            <p:cNvCxnSpPr/>
-            <p:nvPr/>
-          </p:nvCxnSpPr>
-          <p:spPr>
-            <a:xfrm>
-              <a:off x="2956016" y="4599246"/>
-              <a:ext cx="0" cy="406340"/>
-            </a:xfrm>
-            <a:prstGeom prst="line">
-              <a:avLst/>
-            </a:prstGeom>
-            <a:ln w="28575">
-              <a:solidFill>
-                <a:schemeClr val="accent2"/>
-              </a:solidFill>
-              <a:headEnd w="sm" len="sm"/>
-              <a:tailEnd type="triangle" w="lg" len="med"/>
-            </a:ln>
-          </p:spPr>
-          <p:style>
-            <a:lnRef idx="1">
-              <a:schemeClr val="accent1"/>
-            </a:lnRef>
-            <a:fillRef idx="0">
-              <a:schemeClr val="accent1"/>
-            </a:fillRef>
-            <a:effectRef idx="0">
-              <a:schemeClr val="accent1"/>
-            </a:effectRef>
-            <a:fontRef idx="minor">
-              <a:schemeClr val="tx1"/>
-            </a:fontRef>
-          </p:style>
-        </p:cxnSp>
-      </p:grpSp>
-      <p:sp>
-        <p:nvSpPr>
-          <p:cNvPr id="4" name="テキスト ボックス 3"/>
-          <p:cNvSpPr txBox="1"/>
-          <p:nvPr/>
-        </p:nvSpPr>
-        <p:spPr bwMode="gray">
-          <a:xfrm>
-            <a:off x="6178248" y="2916321"/>
-            <a:ext cx="864096" cy="671292"/>
-          </a:xfrm>
-          <a:prstGeom prst="rect">
-            <a:avLst/>
-          </a:prstGeom>
-          <a:noFill/>
-          <a:ln w="9525">
-            <a:noFill/>
-            <a:miter lim="800000"/>
-            <a:headEnd/>
-            <a:tailEnd/>
-          </a:ln>
-          <a:effectLst/>
-          <a:extLst>
-            <a:ext uri="{909E8E84-426E-40DD-AFC4-6F175D3DCCD1}">
-              <a14:hiddenFill xmlns:a14="http://schemas.microsoft.com/office/drawing/2010/main">
-                <a:solidFill>
-                  <a:schemeClr val="accent1"/>
-                </a:solidFill>
-              </a14:hiddenFill>
-            </a:ext>
-            <a:ext uri="{AF507438-7753-43E0-B8FC-AC1667EBCBE1}">
-              <a14:hiddenEffects xmlns:a14="http://schemas.microsoft.com/office/drawing/2010/main">
-                <a:effectLst>
-                  <a:outerShdw dist="35921" dir="2700000" algn="ctr" rotWithShape="0">
-                    <a:schemeClr val="bg2"/>
-                  </a:outerShdw>
-                </a:effectLst>
-              </a14:hiddenEffects>
-            </a:ext>
-          </a:extLst>
-        </p:spPr>
-        <p:txBody>
-          <a:bodyPr wrap="square" lIns="180000" tIns="180000" rIns="180000" bIns="180000" rtlCol="0">
-            <a:spAutoFit/>
-          </a:bodyPr>
-          <a:lstStyle/>
-          <a:p>
-            <a:pPr marL="0" indent="0">
-              <a:buClrTx/>
-              <a:buSzPct val="100000"/>
-              <a:buFont typeface="Wingdings" panose="05000000000000000000" pitchFamily="2" charset="2"/>
-              <a:buNone/>
-            </a:pPr>
-            <a:r>
-              <a:rPr kumimoji="1" lang="en-US" altLang="ja-JP" sz="2000" b="0" i="1" kern="0" smtClean="0">
-                <a:latin typeface="メイリオ" panose="020B0604030504040204" pitchFamily="50" charset="-128"/>
-                <a:ea typeface="メイリオ" panose="020B0604030504040204" pitchFamily="50" charset="-128"/>
-                <a:cs typeface="メイリオ" panose="020B0604030504040204" pitchFamily="50" charset="-128"/>
-              </a:rPr>
-              <a:t>no</a:t>
-            </a:r>
-            <a:endParaRPr kumimoji="1" lang="ja-JP" altLang="en-US" sz="2000" b="0" i="1" kern="0" dirty="0" err="1" smtClean="0">
-              <a:latin typeface="メイリオ" panose="020B0604030504040204" pitchFamily="50" charset="-128"/>
-              <a:ea typeface="メイリオ" panose="020B0604030504040204" pitchFamily="50" charset="-128"/>
-              <a:cs typeface="メイリオ" panose="020B0604030504040204" pitchFamily="50" charset="-128"/>
-            </a:endParaRPr>
-          </a:p>
-        </p:txBody>
-      </p:sp>
-      <p:sp>
-        <p:nvSpPr>
-          <p:cNvPr id="27" name="テキスト ボックス 26"/>
-          <p:cNvSpPr txBox="1"/>
-          <p:nvPr/>
-        </p:nvSpPr>
-        <p:spPr bwMode="gray">
-          <a:xfrm>
-            <a:off x="4162024" y="3299581"/>
-            <a:ext cx="864096" cy="671292"/>
-          </a:xfrm>
-          <a:prstGeom prst="rect">
-            <a:avLst/>
-          </a:prstGeom>
-          <a:noFill/>
-          <a:ln w="9525">
-            <a:noFill/>
-            <a:miter lim="800000"/>
-            <a:headEnd/>
-            <a:tailEnd/>
-          </a:ln>
-          <a:effectLst/>
-          <a:extLst>
-            <a:ext uri="{909E8E84-426E-40DD-AFC4-6F175D3DCCD1}">
-              <a14:hiddenFill xmlns:a14="http://schemas.microsoft.com/office/drawing/2010/main">
-                <a:solidFill>
-                  <a:schemeClr val="accent1"/>
-                </a:solidFill>
-              </a14:hiddenFill>
-            </a:ext>
-            <a:ext uri="{AF507438-7753-43E0-B8FC-AC1667EBCBE1}">
-              <a14:hiddenEffects xmlns:a14="http://schemas.microsoft.com/office/drawing/2010/main">
-                <a:effectLst>
-                  <a:outerShdw dist="35921" dir="2700000" algn="ctr" rotWithShape="0">
-                    <a:schemeClr val="bg2"/>
-                  </a:outerShdw>
-                </a:effectLst>
-              </a14:hiddenEffects>
-            </a:ext>
-          </a:extLst>
-        </p:spPr>
-        <p:txBody>
-          <a:bodyPr wrap="square" lIns="180000" tIns="180000" rIns="180000" bIns="180000" rtlCol="0">
-            <a:spAutoFit/>
-          </a:bodyPr>
-          <a:lstStyle/>
-          <a:p>
-            <a:pPr marL="0" indent="0">
-              <a:buClrTx/>
-              <a:buSzPct val="100000"/>
-              <a:buFont typeface="Wingdings" panose="05000000000000000000" pitchFamily="2" charset="2"/>
-              <a:buNone/>
-            </a:pPr>
-            <a:r>
-              <a:rPr kumimoji="1" lang="en-US" altLang="ja-JP" sz="2000" b="0" i="1" kern="0" smtClean="0">
-                <a:latin typeface="メイリオ" panose="020B0604030504040204" pitchFamily="50" charset="-128"/>
-                <a:ea typeface="メイリオ" panose="020B0604030504040204" pitchFamily="50" charset="-128"/>
-                <a:cs typeface="メイリオ" panose="020B0604030504040204" pitchFamily="50" charset="-128"/>
-              </a:rPr>
-              <a:t>yes</a:t>
-            </a:r>
-            <a:endParaRPr kumimoji="1" lang="ja-JP" altLang="en-US" sz="2000" b="0" i="1" kern="0" dirty="0" err="1" smtClean="0">
-              <a:latin typeface="メイリオ" panose="020B0604030504040204" pitchFamily="50" charset="-128"/>
-              <a:ea typeface="メイリオ" panose="020B0604030504040204" pitchFamily="50" charset="-128"/>
-              <a:cs typeface="メイリオ" panose="020B0604030504040204" pitchFamily="50" charset="-128"/>
-            </a:endParaRPr>
-          </a:p>
-        </p:txBody>
-      </p:sp>
-      <p:cxnSp>
-        <p:nvCxnSpPr>
-          <p:cNvPr id="7" name="カギ線コネクタ 6"/>
-          <p:cNvCxnSpPr>
-            <a:stCxn id="25" idx="3"/>
-          </p:cNvCxnSpPr>
-          <p:nvPr/>
-        </p:nvCxnSpPr>
-        <p:spPr>
-          <a:xfrm>
-            <a:off x="5748458" y="3139167"/>
-            <a:ext cx="357782" cy="736478"/>
-          </a:xfrm>
-          <a:prstGeom prst="bentConnector2">
-            <a:avLst/>
-          </a:prstGeom>
-          <a:ln w="28575">
-            <a:solidFill>
-              <a:schemeClr val="accent2"/>
-            </a:solidFill>
-            <a:tailEnd type="triangle" w="lg" len="med"/>
-          </a:ln>
-        </p:spPr>
-        <p:style>
-          <a:lnRef idx="1">
-            <a:schemeClr val="accent1"/>
-          </a:lnRef>
-          <a:fillRef idx="0">
-            <a:schemeClr val="accent1"/>
-          </a:fillRef>
-          <a:effectRef idx="0">
-            <a:schemeClr val="accent1"/>
-          </a:effectRef>
-          <a:fontRef idx="minor">
-            <a:schemeClr val="tx1"/>
-          </a:fontRef>
-        </p:style>
-      </p:cxnSp>
-    </p:spTree>
-    <p:extLst>
-      <p:ext uri="{BB962C8B-B14F-4D97-AF65-F5344CB8AC3E}">
-        <p14:creationId xmlns:p14="http://schemas.microsoft.com/office/powerpoint/2010/main" val="728384756"/>
-      </p:ext>
-    </p:extLst>
-  </p:cSld>
-  <p:clrMapOvr>
-    <a:masterClrMapping/>
-  </p:clrMapOvr>
-  <p:transition spd="slow"/>
-  <p:timing>
-    <p:tnLst>
-      <p:par>
-        <p:cTn id="1" dur="indefinite" restart="never" nodeType="tmRoot"/>
-      </p:par>
-    </p:tnLst>
-  </p:timing>
-</p:sld>
-</file>
-
 <file path=ppt/slides/slide3.xml><?xml version="1.0" encoding="utf-8"?>
 <p:sld xmlns:a="http://schemas.openxmlformats.org/drawingml/2006/main" xmlns:r="http://schemas.openxmlformats.org/officeDocument/2006/relationships" xmlns:p="http://schemas.openxmlformats.org/presentationml/2006/main">
   <p:cSld>
@@ -33542,6 +32036,80 @@
               </a:rPr>
               <a:t>開発</a:t>
             </a:r>
+            <a:endParaRPr lang="en-US" altLang="ja-JP" sz="3200" b="0" kern="0" dirty="0" smtClean="0">
+              <a:latin typeface="メイリオ" panose="020B0604030504040204" pitchFamily="50" charset="-128"/>
+            </a:endParaRPr>
+          </a:p>
+          <a:p>
+            <a:pPr lvl="1" indent="0">
+              <a:lnSpc>
+                <a:spcPct val="150000"/>
+              </a:lnSpc>
+              <a:spcBef>
+                <a:spcPts val="0"/>
+              </a:spcBef>
+              <a:spcAft>
+                <a:spcPts val="0"/>
+              </a:spcAft>
+              <a:buSzPct val="100000"/>
+              <a:buNone/>
+            </a:pPr>
+            <a:r>
+              <a:rPr lang="ja-JP" altLang="en-US" sz="2400" kern="0" dirty="0">
+                <a:latin typeface="メイリオ" panose="020B0604030504040204" pitchFamily="50" charset="-128"/>
+              </a:rPr>
+              <a:t>本アプリは、フレームワークとして</a:t>
+            </a:r>
+            <a:r>
+              <a:rPr lang="en-US" altLang="ja-JP" sz="2400" kern="0" dirty="0">
+                <a:latin typeface="メイリオ" panose="020B0604030504040204" pitchFamily="50" charset="-128"/>
+              </a:rPr>
+              <a:t/>
+            </a:r>
+            <a:br>
+              <a:rPr lang="en-US" altLang="ja-JP" sz="2400" kern="0" dirty="0">
+                <a:latin typeface="メイリオ" panose="020B0604030504040204" pitchFamily="50" charset="-128"/>
+              </a:rPr>
+            </a:br>
+            <a:r>
+              <a:rPr lang="ja-JP" altLang="en-US" sz="2400" kern="0" dirty="0">
+                <a:latin typeface="メイリオ" panose="020B0604030504040204" pitchFamily="50" charset="-128"/>
+              </a:rPr>
+              <a:t>ＭＶＣモデルを採用している</a:t>
+            </a:r>
+            <a:r>
+              <a:rPr lang="ja-JP" altLang="en-US" sz="2400" kern="0" dirty="0" smtClean="0">
+                <a:latin typeface="メイリオ" panose="020B0604030504040204" pitchFamily="50" charset="-128"/>
+              </a:rPr>
+              <a:t>。</a:t>
+            </a:r>
+            <a:endParaRPr lang="en-US" altLang="ja-JP" sz="2400" kern="0" dirty="0">
+              <a:latin typeface="メイリオ" panose="020B0604030504040204" pitchFamily="50" charset="-128"/>
+            </a:endParaRPr>
+          </a:p>
+          <a:p>
+            <a:pPr lvl="1" indent="0">
+              <a:lnSpc>
+                <a:spcPct val="150000"/>
+              </a:lnSpc>
+              <a:spcBef>
+                <a:spcPts val="0"/>
+              </a:spcBef>
+              <a:spcAft>
+                <a:spcPts val="0"/>
+              </a:spcAft>
+              <a:buSzPct val="100000"/>
+              <a:buNone/>
+            </a:pPr>
+            <a:r>
+              <a:rPr lang="en-US" altLang="ja-JP" sz="1050" b="0" kern="0" dirty="0" smtClean="0">
+                <a:latin typeface="メイリオ" panose="020B0604030504040204" pitchFamily="50" charset="-128"/>
+              </a:rPr>
+              <a:t> </a:t>
+            </a:r>
+            <a:endParaRPr lang="ja-JP" altLang="en-US" sz="1050" b="0" kern="0" dirty="0" smtClean="0">
+              <a:latin typeface="メイリオ" panose="020B0604030504040204" pitchFamily="50" charset="-128"/>
+            </a:endParaRPr>
           </a:p>
           <a:p>
             <a:pPr marL="1257300" lvl="1" indent="-514350">
@@ -33564,6 +32132,60 @@
             </a:r>
           </a:p>
           <a:p>
+            <a:pPr lvl="1" indent="0">
+              <a:lnSpc>
+                <a:spcPct val="150000"/>
+              </a:lnSpc>
+              <a:spcBef>
+                <a:spcPts val="0"/>
+              </a:spcBef>
+              <a:spcAft>
+                <a:spcPts val="0"/>
+              </a:spcAft>
+              <a:buSzPct val="100000"/>
+              <a:buNone/>
+            </a:pPr>
+            <a:r>
+              <a:rPr lang="ja-JP" altLang="en-US" sz="2100" b="1" kern="0" dirty="0">
+                <a:latin typeface="メイリオ" panose="020B0604030504040204" pitchFamily="50" charset="-128"/>
+              </a:rPr>
+              <a:t>　</a:t>
+            </a:r>
+            <a:r>
+              <a:rPr lang="ja-JP" altLang="en-US" sz="2100" b="1" kern="0" dirty="0" smtClean="0">
+                <a:latin typeface="メイリオ" panose="020B0604030504040204" pitchFamily="50" charset="-128"/>
+              </a:rPr>
+              <a:t>　</a:t>
+            </a:r>
+            <a:r>
+              <a:rPr lang="ja-JP" altLang="en-US" kern="0" dirty="0" smtClean="0">
+                <a:latin typeface="メイリオ" panose="020B0604030504040204" pitchFamily="50" charset="-128"/>
+              </a:rPr>
+              <a:t>データを定義する。</a:t>
+            </a:r>
+            <a:r>
+              <a:rPr lang="en-US" altLang="ja-JP" kern="0" dirty="0" smtClean="0">
+                <a:latin typeface="メイリオ" panose="020B0604030504040204" pitchFamily="50" charset="-128"/>
+              </a:rPr>
+              <a:t>(</a:t>
+            </a:r>
+            <a:r>
+              <a:rPr lang="ja-JP" altLang="en-US" kern="0" dirty="0" smtClean="0">
+                <a:latin typeface="メイリオ" panose="020B0604030504040204" pitchFamily="50" charset="-128"/>
+              </a:rPr>
+              <a:t>変数の集まり</a:t>
+            </a:r>
+            <a:r>
+              <a:rPr lang="en-US" altLang="ja-JP" kern="0" dirty="0" smtClean="0">
+                <a:latin typeface="メイリオ" panose="020B0604030504040204" pitchFamily="50" charset="-128"/>
+              </a:rPr>
+              <a:t>)</a:t>
+            </a:r>
+            <a:endParaRPr lang="en-US" altLang="ja-JP" kern="0" dirty="0" smtClean="0">
+              <a:latin typeface="メイリオ" panose="020B0604030504040204" pitchFamily="50" charset="-128"/>
+            </a:endParaRPr>
+          </a:p>
+          <a:p>
             <a:pPr marL="1257300" lvl="1" indent="-514350">
               <a:lnSpc>
                 <a:spcPct val="150000"/>
@@ -33584,6 +32206,42 @@
             </a:r>
           </a:p>
           <a:p>
+            <a:pPr lvl="1" indent="0">
+              <a:lnSpc>
+                <a:spcPct val="150000"/>
+              </a:lnSpc>
+              <a:spcBef>
+                <a:spcPts val="0"/>
+              </a:spcBef>
+              <a:spcAft>
+                <a:spcPts val="0"/>
+              </a:spcAft>
+              <a:buSzPct val="100000"/>
+              <a:buNone/>
+            </a:pPr>
+            <a:r>
+              <a:rPr lang="ja-JP" altLang="en-US" sz="2100" b="1" kern="0" dirty="0">
+                <a:latin typeface="メイリオ" panose="020B0604030504040204" pitchFamily="50" charset="-128"/>
+              </a:rPr>
+              <a:t>　</a:t>
+            </a:r>
+            <a:r>
+              <a:rPr lang="ja-JP" altLang="en-US" sz="2100" b="1" kern="0" dirty="0" smtClean="0">
+                <a:latin typeface="メイリオ" panose="020B0604030504040204" pitchFamily="50" charset="-128"/>
+              </a:rPr>
+              <a:t>　</a:t>
+            </a:r>
+            <a:r>
+              <a:rPr lang="ja-JP" altLang="en-US" kern="0" dirty="0" smtClean="0">
+                <a:latin typeface="メイリオ" panose="020B0604030504040204" pitchFamily="50" charset="-128"/>
+              </a:rPr>
+              <a:t>ボタンや文字表示などを管理する。</a:t>
+            </a:r>
+            <a:endParaRPr lang="en-US" altLang="ja-JP" kern="0" dirty="0" smtClean="0">
+              <a:latin typeface="メイリオ" panose="020B0604030504040204" pitchFamily="50" charset="-128"/>
+            </a:endParaRPr>
+          </a:p>
+          <a:p>
             <a:pPr marL="1257300" lvl="1" indent="-514350">
               <a:lnSpc>
                 <a:spcPct val="150000"/>
@@ -33602,6 +32260,36 @@
               </a:rPr>
               <a:t>Controller</a:t>
             </a:r>
+          </a:p>
+          <a:p>
+            <a:pPr lvl="1" indent="0">
+              <a:lnSpc>
+                <a:spcPct val="150000"/>
+              </a:lnSpc>
+              <a:spcBef>
+                <a:spcPts val="0"/>
+              </a:spcBef>
+              <a:spcAft>
+                <a:spcPts val="0"/>
+              </a:spcAft>
+              <a:buSzPct val="100000"/>
+              <a:buNone/>
+            </a:pPr>
+            <a:r>
+              <a:rPr lang="ja-JP" altLang="en-US" sz="2100" b="1" kern="0" dirty="0" smtClean="0">
+                <a:latin typeface="メイリオ" panose="020B0604030504040204" pitchFamily="50" charset="-128"/>
+              </a:rPr>
+              <a:t>　　</a:t>
+            </a:r>
+            <a:r>
+              <a:rPr lang="ja-JP" altLang="en-US" kern="0" dirty="0" smtClean="0">
+                <a:latin typeface="メイリオ" panose="020B0604030504040204" pitchFamily="50" charset="-128"/>
+              </a:rPr>
+              <a:t>データの受け渡しを管理する。</a:t>
+            </a:r>
+            <a:endParaRPr lang="en-US" altLang="ja-JP" kern="0" dirty="0" smtClean="0">
+              <a:latin typeface="メイリオ" panose="020B0604030504040204" pitchFamily="50" charset="-128"/>
+            </a:endParaRPr>
           </a:p>
         </p:txBody>
       </p:sp>
@@ -33689,8 +32377,8 @@
           <a:lstStyle/>
           <a:p>
             <a:r>
-              <a:rPr lang="ja-JP" altLang="en-US" smtClean="0"/>
-              <a:t>テスト</a:t>
+              <a:rPr kumimoji="1" lang="ja-JP" altLang="en-US" smtClean="0"/>
+              <a:t>実装（プログラミング）</a:t>
             </a:r>
             <a:endParaRPr kumimoji="1" lang="ja-JP" altLang="en-US"/>
           </a:p>
@@ -33753,7 +32441,7 @@
     </p:spTree>
     <p:extLst>
       <p:ext uri="{BB962C8B-B14F-4D97-AF65-F5344CB8AC3E}">
-        <p14:creationId xmlns:p14="http://schemas.microsoft.com/office/powerpoint/2010/main" val="4135276054"/>
+        <p14:creationId xmlns:p14="http://schemas.microsoft.com/office/powerpoint/2010/main" val="3679611436"/>
       </p:ext>
     </p:extLst>
   </p:cSld>
@@ -33789,7 +32477,7 @@
       </p:grpSpPr>
       <p:sp>
         <p:nvSpPr>
-          <p:cNvPr id="2" name="タイトル 1"/>
+          <p:cNvPr id="3" name="タイトル 2"/>
           <p:cNvSpPr>
             <a:spLocks noGrp="1"/>
           </p:cNvSpPr>
@@ -33803,8 +32491,30 @@
           <a:lstStyle/>
           <a:p>
             <a:r>
-              <a:rPr kumimoji="1" lang="ja-JP" altLang="en-US" smtClean="0"/>
-              <a:t>実装（プログラミング）</a:t>
+              <a:rPr lang="en-US" altLang="ja-JP">
+                <a:effectLst>
+                  <a:outerShdw blurRad="38100" dist="38100" dir="2700000" algn="tl">
+                    <a:srgbClr val="000000">
+                      <a:alpha val="43137"/>
+                    </a:srgbClr>
+                  </a:outerShdw>
+                </a:effectLst>
+                <a:latin typeface="メイリオ" panose="020B0604030504040204" pitchFamily="50" charset="-128"/>
+              </a:rPr>
+              <a:t>Ⅰ</a:t>
+            </a:r>
+            <a:r>
+              <a:rPr lang="ja-JP" altLang="en-US" smtClean="0">
+                <a:effectLst>
+                  <a:outerShdw blurRad="38100" dist="38100" dir="2700000" algn="tl">
+                    <a:srgbClr val="000000">
+                      <a:alpha val="43137"/>
+                    </a:srgbClr>
+                  </a:outerShdw>
+                </a:effectLst>
+                <a:latin typeface="メイリオ" panose="020B0604030504040204" pitchFamily="50" charset="-128"/>
+              </a:rPr>
+              <a:t>．要件定義</a:t>
             </a:r>
             <a:endParaRPr kumimoji="1" lang="ja-JP" altLang="en-US"/>
           </a:p>
@@ -33812,32 +32522,547 @@
       </p:sp>
       <p:sp>
         <p:nvSpPr>
-          <p:cNvPr id="3" name="テキスト プレースホルダー 2"/>
-          <p:cNvSpPr>
-            <a:spLocks noGrp="1"/>
+          <p:cNvPr id="7" name="コンテンツ プレースホルダー 3"/>
+          <p:cNvSpPr txBox="1">
+            <a:spLocks/>
           </p:cNvSpPr>
-          <p:nvPr>
-            <p:ph type="body" idx="1"/>
-          </p:nvPr>
+          <p:nvPr/>
         </p:nvSpPr>
-        <p:spPr/>
+        <p:spPr bwMode="gray">
+          <a:xfrm>
+            <a:off x="2110680" y="1125539"/>
+            <a:ext cx="6769100" cy="5732461"/>
+          </a:xfrm>
+          <a:prstGeom prst="rect">
+            <a:avLst/>
+          </a:prstGeom>
+          <a:noFill/>
+          <a:ln>
+            <a:noFill/>
+          </a:ln>
+          <a:effectLst/>
+          <a:extLst>
+            <a:ext uri="{909E8E84-426E-40DD-AFC4-6F175D3DCCD1}">
+              <a14:hiddenFill xmlns:a14="http://schemas.microsoft.com/office/drawing/2010/main">
+                <a:solidFill>
+                  <a:schemeClr val="accent1"/>
+                </a:solidFill>
+              </a14:hiddenFill>
+            </a:ext>
+            <a:ext uri="{91240B29-F687-4F45-9708-019B960494DF}">
+              <a14:hiddenLine xmlns:a14="http://schemas.microsoft.com/office/drawing/2010/main" w="9525">
+                <a:solidFill>
+                  <a:schemeClr val="tx1"/>
+                </a:solidFill>
+                <a:miter lim="800000"/>
+                <a:headEnd/>
+                <a:tailEnd/>
+              </a14:hiddenLine>
+            </a:ext>
+            <a:ext uri="{AF507438-7753-43E0-B8FC-AC1667EBCBE1}">
+              <a14:hiddenEffects xmlns:a14="http://schemas.microsoft.com/office/drawing/2010/main">
+                <a:effectLst>
+                  <a:outerShdw dist="35921" dir="2700000" algn="ctr" rotWithShape="0">
+                    <a:schemeClr val="bg2"/>
+                  </a:outerShdw>
+                </a:effectLst>
+              </a14:hiddenEffects>
+            </a:ext>
+          </a:extLst>
+        </p:spPr>
         <p:txBody>
-          <a:bodyPr/>
-          <a:lstStyle/>
-          <a:p>
-            <a:r>
-              <a:rPr lang="ja-JP" altLang="en-US" smtClean="0">
+          <a:bodyPr vert="horz" wrap="square" lIns="91440" tIns="45720" rIns="91440" bIns="45720" numCol="1" anchor="t" anchorCtr="0" compatLnSpc="1">
+            <a:prstTxWarp prst="textNoShape">
+              <a:avLst/>
+            </a:prstTxWarp>
+          </a:bodyPr>
+          <a:lstStyle>
+            <a:lvl1pPr marL="0" indent="0" algn="l" defTabSz="576000" rtl="0" eaLnBrk="0" fontAlgn="base" hangingPunct="0">
+              <a:spcBef>
+                <a:spcPts val="1200"/>
+              </a:spcBef>
+              <a:spcAft>
+                <a:spcPct val="0"/>
+              </a:spcAft>
+              <a:buClr>
+                <a:schemeClr val="accent2"/>
+              </a:buClr>
+              <a:buSzPct val="50000"/>
+              <a:buFontTx/>
+              <a:buNone/>
+              <a:defRPr kumimoji="1" sz="2800" b="1">
+                <a:solidFill>
+                  <a:schemeClr val="tx1">
+                    <a:lumMod val="75000"/>
+                    <a:lumOff val="25000"/>
+                  </a:schemeClr>
+                </a:solidFill>
+                <a:latin typeface="+mn-lt"/>
+                <a:ea typeface="+mn-ea"/>
+                <a:cs typeface="メイリオ" panose="020B0604030504040204" pitchFamily="50" charset="-128"/>
+              </a:defRPr>
+            </a:lvl1pPr>
+            <a:lvl2pPr marL="742950" indent="-285750" algn="l" defTabSz="576000" rtl="0" eaLnBrk="0" fontAlgn="base" hangingPunct="0">
+              <a:spcBef>
+                <a:spcPts val="1800"/>
+              </a:spcBef>
+              <a:spcAft>
+                <a:spcPct val="0"/>
+              </a:spcAft>
+              <a:buFont typeface="Wingdings" panose="05000000000000000000" pitchFamily="2" charset="2"/>
+              <a:buChar char="l"/>
+              <a:defRPr kumimoji="1" sz="2000" b="0">
+                <a:solidFill>
+                  <a:schemeClr val="tx1">
+                    <a:lumMod val="75000"/>
+                    <a:lumOff val="25000"/>
+                  </a:schemeClr>
+                </a:solidFill>
+                <a:latin typeface="+mn-lt"/>
+                <a:ea typeface="+mn-ea"/>
+                <a:cs typeface="メイリオ" panose="020B0604030504040204" pitchFamily="50" charset="-128"/>
+              </a:defRPr>
+            </a:lvl2pPr>
+            <a:lvl3pPr marL="1143000" indent="-228600" algn="l" defTabSz="576000" rtl="0" eaLnBrk="0" fontAlgn="base" hangingPunct="0">
+              <a:spcBef>
+                <a:spcPts val="1200"/>
+              </a:spcBef>
+              <a:spcAft>
+                <a:spcPct val="0"/>
+              </a:spcAft>
+              <a:buClr>
+                <a:schemeClr val="tx1">
+                  <a:lumMod val="75000"/>
+                  <a:lumOff val="25000"/>
+                </a:schemeClr>
+              </a:buClr>
+              <a:buSzPct val="60000"/>
+              <a:buFont typeface="Wingdings" panose="05000000000000000000" pitchFamily="2" charset="2"/>
+              <a:buChar char="n"/>
+              <a:defRPr kumimoji="1">
+                <a:solidFill>
+                  <a:schemeClr val="tx1">
+                    <a:lumMod val="75000"/>
+                    <a:lumOff val="25000"/>
+                  </a:schemeClr>
+                </a:solidFill>
+                <a:latin typeface="+mn-lt"/>
+                <a:ea typeface="+mn-ea"/>
+                <a:cs typeface="メイリオ" panose="020B0604030504040204" pitchFamily="50" charset="-128"/>
+              </a:defRPr>
+            </a:lvl3pPr>
+            <a:lvl4pPr marL="1600200" indent="-228600" algn="l" defTabSz="576000" rtl="0" eaLnBrk="0" fontAlgn="base" hangingPunct="0">
+              <a:spcBef>
+                <a:spcPts val="1200"/>
+              </a:spcBef>
+              <a:spcAft>
+                <a:spcPct val="0"/>
+              </a:spcAft>
+              <a:buChar char="–"/>
+              <a:defRPr kumimoji="1">
+                <a:solidFill>
+                  <a:schemeClr val="tx1">
+                    <a:lumMod val="75000"/>
+                    <a:lumOff val="25000"/>
+                  </a:schemeClr>
+                </a:solidFill>
+                <a:latin typeface="+mn-lt"/>
+                <a:ea typeface="+mn-ea"/>
+                <a:cs typeface="メイリオ" panose="020B0604030504040204" pitchFamily="50" charset="-128"/>
+              </a:defRPr>
+            </a:lvl4pPr>
+            <a:lvl5pPr marL="2057400" indent="-228600" algn="l" defTabSz="576000" rtl="0" eaLnBrk="0" fontAlgn="base" hangingPunct="0">
+              <a:spcBef>
+                <a:spcPts val="1200"/>
+              </a:spcBef>
+              <a:spcAft>
+                <a:spcPct val="0"/>
+              </a:spcAft>
+              <a:buChar char="•"/>
+              <a:defRPr kumimoji="1">
+                <a:solidFill>
+                  <a:schemeClr val="tx1">
+                    <a:lumMod val="75000"/>
+                    <a:lumOff val="25000"/>
+                  </a:schemeClr>
+                </a:solidFill>
+                <a:latin typeface="+mn-lt"/>
+                <a:ea typeface="+mn-ea"/>
+                <a:cs typeface="メイリオ" panose="020B0604030504040204" pitchFamily="50" charset="-128"/>
+              </a:defRPr>
+            </a:lvl5pPr>
+            <a:lvl6pPr marL="2514600" indent="-228600" algn="l" rtl="0" fontAlgn="base">
+              <a:spcBef>
+                <a:spcPct val="20000"/>
+              </a:spcBef>
+              <a:spcAft>
+                <a:spcPct val="0"/>
+              </a:spcAft>
+              <a:buChar char="•"/>
+              <a:defRPr kumimoji="1">
+                <a:solidFill>
+                  <a:schemeClr val="tx1"/>
+                </a:solidFill>
+                <a:latin typeface="+mn-lt"/>
+                <a:ea typeface="+mn-ea"/>
+              </a:defRPr>
+            </a:lvl6pPr>
+            <a:lvl7pPr marL="2971800" indent="-228600" algn="l" rtl="0" fontAlgn="base">
+              <a:spcBef>
+                <a:spcPct val="20000"/>
+              </a:spcBef>
+              <a:spcAft>
+                <a:spcPct val="0"/>
+              </a:spcAft>
+              <a:buChar char="•"/>
+              <a:defRPr kumimoji="1">
+                <a:solidFill>
+                  <a:schemeClr val="tx1"/>
+                </a:solidFill>
+                <a:latin typeface="+mn-lt"/>
+                <a:ea typeface="+mn-ea"/>
+              </a:defRPr>
+            </a:lvl7pPr>
+            <a:lvl8pPr marL="3429000" indent="-228600" algn="l" rtl="0" fontAlgn="base">
+              <a:spcBef>
+                <a:spcPct val="20000"/>
+              </a:spcBef>
+              <a:spcAft>
+                <a:spcPct val="0"/>
+              </a:spcAft>
+              <a:buChar char="•"/>
+              <a:defRPr kumimoji="1">
+                <a:solidFill>
+                  <a:schemeClr val="tx1"/>
+                </a:solidFill>
+                <a:latin typeface="+mn-lt"/>
+                <a:ea typeface="+mn-ea"/>
+              </a:defRPr>
+            </a:lvl8pPr>
+            <a:lvl9pPr marL="3886200" indent="-228600" algn="l" rtl="0" fontAlgn="base">
+              <a:spcBef>
+                <a:spcPct val="20000"/>
+              </a:spcBef>
+              <a:spcAft>
+                <a:spcPct val="0"/>
+              </a:spcAft>
+              <a:buChar char="•"/>
+              <a:defRPr kumimoji="1">
+                <a:solidFill>
+                  <a:schemeClr val="tx1"/>
+                </a:solidFill>
+                <a:latin typeface="+mn-lt"/>
+                <a:ea typeface="+mn-ea"/>
+              </a:defRPr>
+            </a:lvl9pPr>
+          </a:lstStyle>
+          <a:p>
+            <a:pPr marL="514350" indent="-514350">
+              <a:lnSpc>
+                <a:spcPct val="150000"/>
+              </a:lnSpc>
+              <a:spcBef>
+                <a:spcPts val="0"/>
+              </a:spcBef>
+              <a:spcAft>
+                <a:spcPts val="0"/>
+              </a:spcAft>
+              <a:buClrTx/>
+              <a:buSzPct val="100000"/>
+              <a:buFont typeface="Wingdings" panose="05000000000000000000" pitchFamily="2" charset="2"/>
+              <a:buChar char="l"/>
+            </a:pPr>
+            <a:r>
+              <a:rPr lang="ja-JP" altLang="en-US" sz="3200" b="0" kern="0" dirty="0">
                 <a:latin typeface="メイリオ" panose="020B0604030504040204" pitchFamily="50" charset="-128"/>
               </a:rPr>
-              <a:t>インターン課題</a:t>
-            </a:r>
-            <a:endParaRPr kumimoji="1" lang="ja-JP" altLang="en-US"/>
+              <a:t>無料</a:t>
+            </a:r>
+            <a:r>
+              <a:rPr lang="ja-JP" altLang="en-US" sz="3200" b="0" kern="0" dirty="0" smtClean="0">
+                <a:latin typeface="メイリオ" panose="020B0604030504040204" pitchFamily="50" charset="-128"/>
+              </a:rPr>
+              <a:t>会員の清算ロジックの変更</a:t>
+            </a:r>
+            <a:endParaRPr lang="en-US" altLang="ja-JP" sz="3200" b="0" kern="0" dirty="0" smtClean="0">
+              <a:latin typeface="メイリオ" panose="020B0604030504040204" pitchFamily="50" charset="-128"/>
+            </a:endParaRPr>
+          </a:p>
+          <a:p>
+            <a:pPr lvl="1" indent="0">
+              <a:lnSpc>
+                <a:spcPct val="150000"/>
+              </a:lnSpc>
+              <a:spcBef>
+                <a:spcPts val="0"/>
+              </a:spcBef>
+              <a:spcAft>
+                <a:spcPts val="0"/>
+              </a:spcAft>
+              <a:buSzPct val="100000"/>
+              <a:buNone/>
+            </a:pPr>
+            <a:r>
+              <a:rPr lang="ja-JP" altLang="en-US" sz="1400" kern="0" dirty="0" smtClean="0">
+                <a:latin typeface="メイリオ" panose="020B0604030504040204" pitchFamily="50" charset="-128"/>
+              </a:rPr>
+              <a:t>　</a:t>
+            </a:r>
+            <a:endParaRPr lang="en-US" altLang="ja-JP" sz="1400" kern="0" dirty="0" smtClean="0">
+              <a:latin typeface="メイリオ" panose="020B0604030504040204" pitchFamily="50" charset="-128"/>
+            </a:endParaRPr>
+          </a:p>
+          <a:p>
+            <a:pPr lvl="1" indent="0">
+              <a:lnSpc>
+                <a:spcPct val="150000"/>
+              </a:lnSpc>
+              <a:spcBef>
+                <a:spcPts val="0"/>
+              </a:spcBef>
+              <a:spcAft>
+                <a:spcPts val="0"/>
+              </a:spcAft>
+              <a:buSzPct val="100000"/>
+              <a:buNone/>
+            </a:pPr>
+            <a:r>
+              <a:rPr lang="ja-JP" altLang="en-US" sz="2400" kern="0" dirty="0" smtClean="0">
+                <a:latin typeface="メイリオ" panose="020B0604030504040204" pitchFamily="50" charset="-128"/>
+              </a:rPr>
+              <a:t>パッケージ</a:t>
+            </a:r>
+            <a:endParaRPr lang="en-US" altLang="ja-JP" sz="2400" kern="0" dirty="0" smtClean="0">
+              <a:latin typeface="メイリオ" panose="020B0604030504040204" pitchFamily="50" charset="-128"/>
+            </a:endParaRPr>
+          </a:p>
+          <a:p>
+            <a:pPr lvl="1" indent="0">
+              <a:lnSpc>
+                <a:spcPct val="150000"/>
+              </a:lnSpc>
+              <a:spcBef>
+                <a:spcPts val="0"/>
+              </a:spcBef>
+              <a:spcAft>
+                <a:spcPts val="0"/>
+              </a:spcAft>
+              <a:buSzPct val="100000"/>
+              <a:buNone/>
+            </a:pPr>
+            <a:r>
+              <a:rPr lang="en-US" altLang="ja-JP" sz="2400" kern="0" dirty="0" err="1" smtClean="0">
+                <a:latin typeface="メイリオ" panose="020B0604030504040204" pitchFamily="50" charset="-128"/>
+              </a:rPr>
+              <a:t>ois.internship.controller.logic.billCalc</a:t>
+            </a:r>
+            <a:r>
+              <a:rPr lang="en-US" altLang="ja-JP" sz="2400" kern="0" dirty="0" smtClean="0">
+                <a:latin typeface="メイリオ" panose="020B0604030504040204" pitchFamily="50" charset="-128"/>
+              </a:rPr>
+              <a:t>;</a:t>
+            </a:r>
+          </a:p>
+          <a:p>
+            <a:pPr lvl="1" indent="0">
+              <a:lnSpc>
+                <a:spcPct val="150000"/>
+              </a:lnSpc>
+              <a:spcBef>
+                <a:spcPts val="0"/>
+              </a:spcBef>
+              <a:spcAft>
+                <a:spcPts val="0"/>
+              </a:spcAft>
+              <a:buSzPct val="100000"/>
+              <a:buNone/>
+            </a:pPr>
+            <a:r>
+              <a:rPr lang="ja-JP" altLang="en-US" sz="1400" kern="0" dirty="0" smtClean="0">
+                <a:latin typeface="メイリオ" panose="020B0604030504040204" pitchFamily="50" charset="-128"/>
+              </a:rPr>
+              <a:t>　</a:t>
+            </a:r>
+            <a:endParaRPr lang="en-US" altLang="ja-JP" sz="1400" kern="0" dirty="0" smtClean="0">
+              <a:latin typeface="メイリオ" panose="020B0604030504040204" pitchFamily="50" charset="-128"/>
+            </a:endParaRPr>
+          </a:p>
+          <a:p>
+            <a:pPr lvl="1" indent="0">
+              <a:lnSpc>
+                <a:spcPct val="150000"/>
+              </a:lnSpc>
+              <a:spcBef>
+                <a:spcPts val="0"/>
+              </a:spcBef>
+              <a:spcAft>
+                <a:spcPts val="0"/>
+              </a:spcAft>
+              <a:buSzPct val="100000"/>
+              <a:buNone/>
+            </a:pPr>
+            <a:r>
+              <a:rPr lang="ja-JP" altLang="en-US" sz="2400" kern="0" dirty="0" smtClean="0">
+                <a:latin typeface="メイリオ" panose="020B0604030504040204" pitchFamily="50" charset="-128"/>
+              </a:rPr>
+              <a:t>クラス</a:t>
+            </a:r>
+            <a:endParaRPr lang="en-US" altLang="ja-JP" sz="2400" kern="0" dirty="0" smtClean="0">
+              <a:latin typeface="メイリオ" panose="020B0604030504040204" pitchFamily="50" charset="-128"/>
+            </a:endParaRPr>
+          </a:p>
+          <a:p>
+            <a:pPr lvl="1" indent="0">
+              <a:lnSpc>
+                <a:spcPct val="150000"/>
+              </a:lnSpc>
+              <a:spcBef>
+                <a:spcPts val="0"/>
+              </a:spcBef>
+              <a:spcAft>
+                <a:spcPts val="0"/>
+              </a:spcAft>
+              <a:buSzPct val="100000"/>
+              <a:buNone/>
+            </a:pPr>
+            <a:r>
+              <a:rPr lang="en-US" altLang="ja-JP" sz="2400" kern="0" dirty="0" err="1" smtClean="0">
+                <a:latin typeface="メイリオ" panose="020B0604030504040204" pitchFamily="50" charset="-128"/>
+              </a:rPr>
+              <a:t>FreeMe</a:t>
+            </a:r>
+            <a:r>
+              <a:rPr lang="ja-JP" altLang="en-US" sz="2400" kern="0" dirty="0" err="1">
+                <a:latin typeface="メイリオ" panose="020B0604030504040204" pitchFamily="50" charset="-128"/>
+              </a:rPr>
+              <a:t>ｍ</a:t>
+            </a:r>
+            <a:r>
+              <a:rPr lang="en-US" altLang="ja-JP" sz="2400" kern="0" dirty="0" err="1" smtClean="0">
+                <a:latin typeface="メイリオ" panose="020B0604030504040204" pitchFamily="50" charset="-128"/>
+              </a:rPr>
+              <a:t>berLogic</a:t>
+            </a:r>
+            <a:endParaRPr lang="en-US" altLang="ja-JP" sz="2400" kern="0" dirty="0" smtClean="0">
+              <a:latin typeface="メイリオ" panose="020B0604030504040204" pitchFamily="50" charset="-128"/>
+            </a:endParaRPr>
+          </a:p>
+          <a:p>
+            <a:pPr lvl="1" indent="0">
+              <a:lnSpc>
+                <a:spcPct val="150000"/>
+              </a:lnSpc>
+              <a:spcBef>
+                <a:spcPts val="0"/>
+              </a:spcBef>
+              <a:spcAft>
+                <a:spcPts val="0"/>
+              </a:spcAft>
+              <a:buSzPct val="100000"/>
+              <a:buNone/>
+            </a:pPr>
+            <a:r>
+              <a:rPr lang="ja-JP" altLang="en-US" sz="1400" kern="0" dirty="0" smtClean="0">
+                <a:latin typeface="メイリオ" panose="020B0604030504040204" pitchFamily="50" charset="-128"/>
+              </a:rPr>
+              <a:t>　</a:t>
+            </a:r>
+            <a:endParaRPr lang="en-US" altLang="ja-JP" sz="1400" kern="0" dirty="0" smtClean="0">
+              <a:latin typeface="メイリオ" panose="020B0604030504040204" pitchFamily="50" charset="-128"/>
+            </a:endParaRPr>
+          </a:p>
+          <a:p>
+            <a:pPr lvl="1" indent="0">
+              <a:lnSpc>
+                <a:spcPct val="150000"/>
+              </a:lnSpc>
+              <a:spcBef>
+                <a:spcPts val="0"/>
+              </a:spcBef>
+              <a:spcAft>
+                <a:spcPts val="0"/>
+              </a:spcAft>
+              <a:buSzPct val="100000"/>
+              <a:buNone/>
+            </a:pPr>
+            <a:r>
+              <a:rPr lang="ja-JP" altLang="en-US" sz="2400" kern="0" dirty="0" smtClean="0">
+                <a:latin typeface="メイリオ" panose="020B0604030504040204" pitchFamily="50" charset="-128"/>
+              </a:rPr>
+              <a:t>コンストラクタ</a:t>
+            </a:r>
+            <a:r>
+              <a:rPr lang="ja-JP" altLang="en-US" sz="2400" kern="0" dirty="0">
+                <a:latin typeface="メイリオ" panose="020B0604030504040204" pitchFamily="50" charset="-128"/>
+              </a:rPr>
+              <a:t>　</a:t>
+            </a:r>
+            <a:endParaRPr lang="en-US" altLang="ja-JP" sz="2400" kern="0" dirty="0" smtClean="0">
+              <a:latin typeface="メイリオ" panose="020B0604030504040204" pitchFamily="50" charset="-128"/>
+            </a:endParaRPr>
+          </a:p>
+          <a:p>
+            <a:pPr lvl="1" indent="0">
+              <a:lnSpc>
+                <a:spcPct val="150000"/>
+              </a:lnSpc>
+              <a:spcBef>
+                <a:spcPts val="0"/>
+              </a:spcBef>
+              <a:spcAft>
+                <a:spcPts val="0"/>
+              </a:spcAft>
+              <a:buSzPct val="100000"/>
+              <a:buNone/>
+            </a:pPr>
+            <a:r>
+              <a:rPr lang="en-US" altLang="ja-JP" sz="2400" kern="0" dirty="0" err="1" smtClean="0">
+                <a:latin typeface="メイリオ" panose="020B0604030504040204" pitchFamily="50" charset="-128"/>
+              </a:rPr>
+              <a:t>FreeMe</a:t>
+            </a:r>
+            <a:r>
+              <a:rPr lang="ja-JP" altLang="en-US" sz="2400" kern="0" dirty="0" err="1">
+                <a:latin typeface="メイリオ" panose="020B0604030504040204" pitchFamily="50" charset="-128"/>
+              </a:rPr>
+              <a:t>ｍ</a:t>
+            </a:r>
+            <a:r>
+              <a:rPr lang="en-US" altLang="ja-JP" sz="2400" kern="0" dirty="0" err="1" smtClean="0">
+                <a:latin typeface="メイリオ" panose="020B0604030504040204" pitchFamily="50" charset="-128"/>
+              </a:rPr>
+              <a:t>berLogic</a:t>
+            </a:r>
+            <a:r>
+              <a:rPr lang="en-US" altLang="ja-JP" sz="2400" kern="0" dirty="0" smtClean="0">
+                <a:latin typeface="メイリオ" panose="020B0604030504040204" pitchFamily="50" charset="-128"/>
+              </a:rPr>
+              <a:t>()</a:t>
+            </a:r>
+          </a:p>
+          <a:p>
+            <a:pPr lvl="1" indent="0">
+              <a:lnSpc>
+                <a:spcPct val="150000"/>
+              </a:lnSpc>
+              <a:spcBef>
+                <a:spcPts val="0"/>
+              </a:spcBef>
+              <a:spcAft>
+                <a:spcPts val="0"/>
+              </a:spcAft>
+              <a:buSzPct val="100000"/>
+              <a:buNone/>
+            </a:pPr>
+            <a:endParaRPr lang="en-US" altLang="ja-JP" sz="2400" kern="0" dirty="0">
+              <a:latin typeface="メイリオ" panose="020B0604030504040204" pitchFamily="50" charset="-128"/>
+            </a:endParaRPr>
           </a:p>
         </p:txBody>
       </p:sp>
       <p:sp>
         <p:nvSpPr>
-          <p:cNvPr id="4" name="スライド番号プレースホルダー 3"/>
+          <p:cNvPr id="51" name="スライド番号プレースホルダー 3"/>
           <p:cNvSpPr>
             <a:spLocks noGrp="1"/>
           </p:cNvSpPr>
@@ -33845,7 +33070,12 @@
             <p:ph type="sldNum" sz="quarter" idx="12"/>
           </p:nvPr>
         </p:nvSpPr>
-        <p:spPr/>
+        <p:spPr>
+          <a:xfrm>
+            <a:off x="7308850" y="6453188"/>
+            <a:ext cx="1619250" cy="268287"/>
+          </a:xfrm>
+        </p:spPr>
         <p:txBody>
           <a:bodyPr/>
           <a:lstStyle/>
@@ -33853,13 +33083,10 @@
             <a:pPr>
               <a:defRPr/>
             </a:pPr>
-            <a:fld id="{9AC805F4-A566-49CF-8153-CA8FBDEF5A6F}" type="slidenum">
+            <a:r>
               <a:rPr lang="en-US" altLang="ja-JP" smtClean="0"/>
-              <a:pPr>
-                <a:defRPr/>
-              </a:pPr>
-              <a:t>32</a:t>
-            </a:fld>
+              <a:t>17</a:t>
+            </a:r>
             <a:endParaRPr lang="en-US" altLang="ja-JP"/>
           </a:p>
         </p:txBody>
@@ -33867,7 +33094,7 @@
     </p:spTree>
     <p:extLst>
       <p:ext uri="{BB962C8B-B14F-4D97-AF65-F5344CB8AC3E}">
-        <p14:creationId xmlns:p14="http://schemas.microsoft.com/office/powerpoint/2010/main" val="3679611436"/>
+        <p14:creationId xmlns:p14="http://schemas.microsoft.com/office/powerpoint/2010/main" val="2910500261"/>
       </p:ext>
     </p:extLst>
   </p:cSld>
@@ -34204,24 +33431,30 @@
               <a:buSzPct val="100000"/>
             </a:pPr>
             <a:r>
-              <a:rPr lang="en-US" altLang="ja-JP" sz="3200" b="0" kern="0" smtClean="0">
+              <a:rPr lang="en-US" altLang="ja-JP" sz="3200" b="0" kern="0" dirty="0" smtClean="0">
                 <a:latin typeface="メイリオ" panose="020B0604030504040204" pitchFamily="50" charset="-128"/>
               </a:rPr>
               <a:t>【</a:t>
             </a:r>
             <a:r>
-              <a:rPr lang="ja-JP" altLang="en-US" sz="3200" b="0" kern="0" smtClean="0">
+              <a:rPr lang="ja-JP" altLang="en-US" sz="3200" b="0" kern="0" dirty="0" smtClean="0">
                 <a:latin typeface="メイリオ" panose="020B0604030504040204" pitchFamily="50" charset="-128"/>
               </a:rPr>
-              <a:t>課題（仕様変更）</a:t>
-            </a:r>
-            <a:r>
-              <a:rPr lang="en-US" altLang="ja-JP" sz="3200" b="0" kern="0" smtClean="0">
+              <a:t>課題（</a:t>
+            </a:r>
+            <a:r>
+              <a:rPr lang="ja-JP" altLang="en-US" sz="3200" b="0" kern="0" dirty="0" smtClean="0">
                 <a:latin typeface="メイリオ" panose="020B0604030504040204" pitchFamily="50" charset="-128"/>
               </a:rPr>
+              <a:t>仕様追加）</a:t>
+            </a:r>
+            <a:r>
+              <a:rPr lang="en-US" altLang="ja-JP" sz="3200" b="0" kern="0" dirty="0" smtClean="0">
+                <a:latin typeface="メイリオ" panose="020B0604030504040204" pitchFamily="50" charset="-128"/>
+              </a:rPr>
               <a:t>】</a:t>
             </a:r>
-            <a:endParaRPr lang="en-US" altLang="ja-JP" sz="1000" b="0" kern="0" smtClean="0">
+            <a:endParaRPr lang="en-US" altLang="ja-JP" sz="1000" b="0" kern="0" dirty="0" smtClean="0">
               <a:latin typeface="メイリオ" panose="020B0604030504040204" pitchFamily="50" charset="-128"/>
             </a:endParaRPr>
           </a:p>
@@ -34231,40 +33464,40 @@
               <a:buNone/>
             </a:pPr>
             <a:r>
-              <a:rPr lang="ja-JP" altLang="en-US" sz="2400" kern="0" smtClean="0">
+              <a:rPr lang="ja-JP" altLang="en-US" sz="2400" kern="0" dirty="0" smtClean="0">
                 <a:latin typeface="メイリオ" panose="020B0604030504040204" pitchFamily="50" charset="-128"/>
               </a:rPr>
               <a:t>仕様変更で従来の無料会員に追加して、</a:t>
             </a:r>
             <a:r>
-              <a:rPr lang="en-US" altLang="ja-JP" sz="2400" kern="0">
+              <a:rPr lang="en-US" altLang="ja-JP" sz="2400" kern="0" dirty="0">
                 <a:latin typeface="メイリオ" panose="020B0604030504040204" pitchFamily="50" charset="-128"/>
               </a:rPr>
               <a:t/>
             </a:r>
             <a:br>
-              <a:rPr lang="en-US" altLang="ja-JP" sz="2400" kern="0">
+              <a:rPr lang="en-US" altLang="ja-JP" sz="2400" kern="0" dirty="0">
                 <a:latin typeface="メイリオ" panose="020B0604030504040204" pitchFamily="50" charset="-128"/>
               </a:rPr>
             </a:br>
             <a:r>
-              <a:rPr lang="ja-JP" altLang="en-US" sz="2400" kern="0" smtClean="0">
+              <a:rPr lang="ja-JP" altLang="en-US" sz="2400" kern="0" dirty="0" smtClean="0">
                 <a:latin typeface="メイリオ" panose="020B0604030504040204" pitchFamily="50" charset="-128"/>
               </a:rPr>
               <a:t>有料会員の登録区分が追加された。</a:t>
             </a:r>
             <a:r>
-              <a:rPr lang="en-US" altLang="ja-JP" sz="2400" kern="0" smtClean="0">
+              <a:rPr lang="en-US" altLang="ja-JP" sz="2400" kern="0" dirty="0" smtClean="0">
                 <a:latin typeface="メイリオ" panose="020B0604030504040204" pitchFamily="50" charset="-128"/>
               </a:rPr>
               <a:t/>
             </a:r>
             <a:br>
-              <a:rPr lang="en-US" altLang="ja-JP" sz="2400" kern="0" smtClean="0">
+              <a:rPr lang="en-US" altLang="ja-JP" sz="2400" kern="0" dirty="0" smtClean="0">
                 <a:latin typeface="メイリオ" panose="020B0604030504040204" pitchFamily="50" charset="-128"/>
               </a:rPr>
             </a:br>
-            <a:endParaRPr lang="en-US" altLang="ja-JP" sz="2400" kern="0" smtClean="0">
+            <a:endParaRPr lang="en-US" altLang="ja-JP" sz="2400" kern="0" dirty="0" smtClean="0">
               <a:latin typeface="メイリオ" panose="020B0604030504040204" pitchFamily="50" charset="-128"/>
             </a:endParaRPr>
           </a:p>
@@ -34274,29 +33507,29 @@
               <a:buNone/>
             </a:pPr>
             <a:r>
-              <a:rPr lang="ja-JP" altLang="en-US" sz="2400" kern="0" smtClean="0">
+              <a:rPr lang="ja-JP" altLang="en-US" sz="2400" kern="0" dirty="0" smtClean="0">
                 <a:latin typeface="メイリオ" panose="020B0604030504040204" pitchFamily="50" charset="-128"/>
               </a:rPr>
               <a:t>新たに追加する有料会員の清算は</a:t>
             </a:r>
             <a:r>
-              <a:rPr lang="en-US" altLang="ja-JP" sz="2400" kern="0">
+              <a:rPr lang="en-US" altLang="ja-JP" sz="2400" kern="0" dirty="0">
                 <a:latin typeface="メイリオ" panose="020B0604030504040204" pitchFamily="50" charset="-128"/>
               </a:rPr>
               <a:t/>
             </a:r>
             <a:br>
-              <a:rPr lang="en-US" altLang="ja-JP" sz="2400" kern="0">
+              <a:rPr lang="en-US" altLang="ja-JP" sz="2400" kern="0" dirty="0">
                 <a:latin typeface="メイリオ" panose="020B0604030504040204" pitchFamily="50" charset="-128"/>
               </a:rPr>
             </a:br>
             <a:r>
-              <a:rPr lang="ja-JP" altLang="en-US" sz="2400" kern="0" smtClean="0">
+              <a:rPr lang="ja-JP" altLang="en-US" sz="2400" kern="0" dirty="0" smtClean="0">
                 <a:latin typeface="メイリオ" panose="020B0604030504040204" pitchFamily="50" charset="-128"/>
               </a:rPr>
               <a:t>次のスライドの内容とする。</a:t>
             </a:r>
-            <a:endParaRPr lang="en-US" altLang="ja-JP" sz="2400" kern="0" smtClean="0">
+            <a:endParaRPr lang="en-US" altLang="ja-JP" sz="2400" kern="0" dirty="0" smtClean="0">
               <a:latin typeface="メイリオ" panose="020B0604030504040204" pitchFamily="50" charset="-128"/>
             </a:endParaRPr>
           </a:p>
@@ -35302,6 +34535,773 @@
     <p:extLst>
       <p:ext uri="{BB962C8B-B14F-4D97-AF65-F5344CB8AC3E}">
         <p14:creationId xmlns:p14="http://schemas.microsoft.com/office/powerpoint/2010/main" val="2980494392"/>
+      </p:ext>
+    </p:extLst>
+  </p:cSld>
+  <p:clrMapOvr>
+    <a:masterClrMapping/>
+  </p:clrMapOvr>
+  <p:timing>
+    <p:tnLst>
+      <p:par>
+        <p:cTn id="1" dur="indefinite" restart="never" nodeType="tmRoot"/>
+      </p:par>
+    </p:tnLst>
+  </p:timing>
+</p:sld>
+</file>
+
+<file path=ppt/slides/slide36.xml><?xml version="1.0" encoding="utf-8"?>
+<p:sld xmlns:a="http://schemas.openxmlformats.org/drawingml/2006/main" xmlns:r="http://schemas.openxmlformats.org/officeDocument/2006/relationships" xmlns:p="http://schemas.openxmlformats.org/presentationml/2006/main">
+  <p:cSld>
+    <p:spTree>
+      <p:nvGrpSpPr>
+        <p:cNvPr id="1" name=""/>
+        <p:cNvGrpSpPr/>
+        <p:nvPr/>
+      </p:nvGrpSpPr>
+      <p:grpSpPr>
+        <a:xfrm>
+          <a:off x="0" y="0"/>
+          <a:ext cx="0" cy="0"/>
+          <a:chOff x="0" y="0"/>
+          <a:chExt cx="0" cy="0"/>
+        </a:xfrm>
+      </p:grpSpPr>
+      <p:sp>
+        <p:nvSpPr>
+          <p:cNvPr id="3" name="タイトル 2"/>
+          <p:cNvSpPr>
+            <a:spLocks noGrp="1"/>
+          </p:cNvSpPr>
+          <p:nvPr>
+            <p:ph type="title"/>
+          </p:nvPr>
+        </p:nvSpPr>
+        <p:spPr/>
+        <p:txBody>
+          <a:bodyPr/>
+          <a:lstStyle/>
+          <a:p>
+            <a:r>
+              <a:rPr lang="en-US" altLang="ja-JP">
+                <a:effectLst>
+                  <a:outerShdw blurRad="38100" dist="38100" dir="2700000" algn="tl">
+                    <a:srgbClr val="000000">
+                      <a:alpha val="43137"/>
+                    </a:srgbClr>
+                  </a:outerShdw>
+                </a:effectLst>
+                <a:latin typeface="メイリオ" panose="020B0604030504040204" pitchFamily="50" charset="-128"/>
+              </a:rPr>
+              <a:t>Ⅰ</a:t>
+            </a:r>
+            <a:r>
+              <a:rPr lang="ja-JP" altLang="en-US" smtClean="0">
+                <a:effectLst>
+                  <a:outerShdw blurRad="38100" dist="38100" dir="2700000" algn="tl">
+                    <a:srgbClr val="000000">
+                      <a:alpha val="43137"/>
+                    </a:srgbClr>
+                  </a:outerShdw>
+                </a:effectLst>
+                <a:latin typeface="メイリオ" panose="020B0604030504040204" pitchFamily="50" charset="-128"/>
+              </a:rPr>
+              <a:t>．要件定義</a:t>
+            </a:r>
+            <a:endParaRPr kumimoji="1" lang="ja-JP" altLang="en-US"/>
+          </a:p>
+        </p:txBody>
+      </p:sp>
+      <p:sp>
+        <p:nvSpPr>
+          <p:cNvPr id="7" name="コンテンツ プレースホルダー 3"/>
+          <p:cNvSpPr txBox="1">
+            <a:spLocks/>
+          </p:cNvSpPr>
+          <p:nvPr/>
+        </p:nvSpPr>
+        <p:spPr bwMode="gray">
+          <a:xfrm>
+            <a:off x="2110680" y="1125539"/>
+            <a:ext cx="6769100" cy="5732461"/>
+          </a:xfrm>
+          <a:prstGeom prst="rect">
+            <a:avLst/>
+          </a:prstGeom>
+          <a:noFill/>
+          <a:ln>
+            <a:noFill/>
+          </a:ln>
+          <a:effectLst/>
+          <a:extLst>
+            <a:ext uri="{909E8E84-426E-40DD-AFC4-6F175D3DCCD1}">
+              <a14:hiddenFill xmlns:a14="http://schemas.microsoft.com/office/drawing/2010/main">
+                <a:solidFill>
+                  <a:schemeClr val="accent1"/>
+                </a:solidFill>
+              </a14:hiddenFill>
+            </a:ext>
+            <a:ext uri="{91240B29-F687-4F45-9708-019B960494DF}">
+              <a14:hiddenLine xmlns:a14="http://schemas.microsoft.com/office/drawing/2010/main" w="9525">
+                <a:solidFill>
+                  <a:schemeClr val="tx1"/>
+                </a:solidFill>
+                <a:miter lim="800000"/>
+                <a:headEnd/>
+                <a:tailEnd/>
+              </a14:hiddenLine>
+            </a:ext>
+            <a:ext uri="{AF507438-7753-43E0-B8FC-AC1667EBCBE1}">
+              <a14:hiddenEffects xmlns:a14="http://schemas.microsoft.com/office/drawing/2010/main">
+                <a:effectLst>
+                  <a:outerShdw dist="35921" dir="2700000" algn="ctr" rotWithShape="0">
+                    <a:schemeClr val="bg2"/>
+                  </a:outerShdw>
+                </a:effectLst>
+              </a14:hiddenEffects>
+            </a:ext>
+          </a:extLst>
+        </p:spPr>
+        <p:txBody>
+          <a:bodyPr vert="horz" wrap="square" lIns="91440" tIns="45720" rIns="91440" bIns="45720" numCol="1" anchor="t" anchorCtr="0" compatLnSpc="1">
+            <a:prstTxWarp prst="textNoShape">
+              <a:avLst/>
+            </a:prstTxWarp>
+          </a:bodyPr>
+          <a:lstStyle>
+            <a:lvl1pPr marL="0" indent="0" algn="l" defTabSz="576000" rtl="0" eaLnBrk="0" fontAlgn="base" hangingPunct="0">
+              <a:spcBef>
+                <a:spcPts val="1200"/>
+              </a:spcBef>
+              <a:spcAft>
+                <a:spcPct val="0"/>
+              </a:spcAft>
+              <a:buClr>
+                <a:schemeClr val="accent2"/>
+              </a:buClr>
+              <a:buSzPct val="50000"/>
+              <a:buFontTx/>
+              <a:buNone/>
+              <a:defRPr kumimoji="1" sz="2800" b="1">
+                <a:solidFill>
+                  <a:schemeClr val="tx1">
+                    <a:lumMod val="75000"/>
+                    <a:lumOff val="25000"/>
+                  </a:schemeClr>
+                </a:solidFill>
+                <a:latin typeface="+mn-lt"/>
+                <a:ea typeface="+mn-ea"/>
+                <a:cs typeface="メイリオ" panose="020B0604030504040204" pitchFamily="50" charset="-128"/>
+              </a:defRPr>
+            </a:lvl1pPr>
+            <a:lvl2pPr marL="742950" indent="-285750" algn="l" defTabSz="576000" rtl="0" eaLnBrk="0" fontAlgn="base" hangingPunct="0">
+              <a:spcBef>
+                <a:spcPts val="1800"/>
+              </a:spcBef>
+              <a:spcAft>
+                <a:spcPct val="0"/>
+              </a:spcAft>
+              <a:buFont typeface="Wingdings" panose="05000000000000000000" pitchFamily="2" charset="2"/>
+              <a:buChar char="l"/>
+              <a:defRPr kumimoji="1" sz="2000" b="0">
+                <a:solidFill>
+                  <a:schemeClr val="tx1">
+                    <a:lumMod val="75000"/>
+                    <a:lumOff val="25000"/>
+                  </a:schemeClr>
+                </a:solidFill>
+                <a:latin typeface="+mn-lt"/>
+                <a:ea typeface="+mn-ea"/>
+                <a:cs typeface="メイリオ" panose="020B0604030504040204" pitchFamily="50" charset="-128"/>
+              </a:defRPr>
+            </a:lvl2pPr>
+            <a:lvl3pPr marL="1143000" indent="-228600" algn="l" defTabSz="576000" rtl="0" eaLnBrk="0" fontAlgn="base" hangingPunct="0">
+              <a:spcBef>
+                <a:spcPts val="1200"/>
+              </a:spcBef>
+              <a:spcAft>
+                <a:spcPct val="0"/>
+              </a:spcAft>
+              <a:buClr>
+                <a:schemeClr val="tx1">
+                  <a:lumMod val="75000"/>
+                  <a:lumOff val="25000"/>
+                </a:schemeClr>
+              </a:buClr>
+              <a:buSzPct val="60000"/>
+              <a:buFont typeface="Wingdings" panose="05000000000000000000" pitchFamily="2" charset="2"/>
+              <a:buChar char="n"/>
+              <a:defRPr kumimoji="1">
+                <a:solidFill>
+                  <a:schemeClr val="tx1">
+                    <a:lumMod val="75000"/>
+                    <a:lumOff val="25000"/>
+                  </a:schemeClr>
+                </a:solidFill>
+                <a:latin typeface="+mn-lt"/>
+                <a:ea typeface="+mn-ea"/>
+                <a:cs typeface="メイリオ" panose="020B0604030504040204" pitchFamily="50" charset="-128"/>
+              </a:defRPr>
+            </a:lvl3pPr>
+            <a:lvl4pPr marL="1600200" indent="-228600" algn="l" defTabSz="576000" rtl="0" eaLnBrk="0" fontAlgn="base" hangingPunct="0">
+              <a:spcBef>
+                <a:spcPts val="1200"/>
+              </a:spcBef>
+              <a:spcAft>
+                <a:spcPct val="0"/>
+              </a:spcAft>
+              <a:buChar char="–"/>
+              <a:defRPr kumimoji="1">
+                <a:solidFill>
+                  <a:schemeClr val="tx1">
+                    <a:lumMod val="75000"/>
+                    <a:lumOff val="25000"/>
+                  </a:schemeClr>
+                </a:solidFill>
+                <a:latin typeface="+mn-lt"/>
+                <a:ea typeface="+mn-ea"/>
+                <a:cs typeface="メイリオ" panose="020B0604030504040204" pitchFamily="50" charset="-128"/>
+              </a:defRPr>
+            </a:lvl4pPr>
+            <a:lvl5pPr marL="2057400" indent="-228600" algn="l" defTabSz="576000" rtl="0" eaLnBrk="0" fontAlgn="base" hangingPunct="0">
+              <a:spcBef>
+                <a:spcPts val="1200"/>
+              </a:spcBef>
+              <a:spcAft>
+                <a:spcPct val="0"/>
+              </a:spcAft>
+              <a:buChar char="•"/>
+              <a:defRPr kumimoji="1">
+                <a:solidFill>
+                  <a:schemeClr val="tx1">
+                    <a:lumMod val="75000"/>
+                    <a:lumOff val="25000"/>
+                  </a:schemeClr>
+                </a:solidFill>
+                <a:latin typeface="+mn-lt"/>
+                <a:ea typeface="+mn-ea"/>
+                <a:cs typeface="メイリオ" panose="020B0604030504040204" pitchFamily="50" charset="-128"/>
+              </a:defRPr>
+            </a:lvl5pPr>
+            <a:lvl6pPr marL="2514600" indent="-228600" algn="l" rtl="0" fontAlgn="base">
+              <a:spcBef>
+                <a:spcPct val="20000"/>
+              </a:spcBef>
+              <a:spcAft>
+                <a:spcPct val="0"/>
+              </a:spcAft>
+              <a:buChar char="•"/>
+              <a:defRPr kumimoji="1">
+                <a:solidFill>
+                  <a:schemeClr val="tx1"/>
+                </a:solidFill>
+                <a:latin typeface="+mn-lt"/>
+                <a:ea typeface="+mn-ea"/>
+              </a:defRPr>
+            </a:lvl6pPr>
+            <a:lvl7pPr marL="2971800" indent="-228600" algn="l" rtl="0" fontAlgn="base">
+              <a:spcBef>
+                <a:spcPct val="20000"/>
+              </a:spcBef>
+              <a:spcAft>
+                <a:spcPct val="0"/>
+              </a:spcAft>
+              <a:buChar char="•"/>
+              <a:defRPr kumimoji="1">
+                <a:solidFill>
+                  <a:schemeClr val="tx1"/>
+                </a:solidFill>
+                <a:latin typeface="+mn-lt"/>
+                <a:ea typeface="+mn-ea"/>
+              </a:defRPr>
+            </a:lvl7pPr>
+            <a:lvl8pPr marL="3429000" indent="-228600" algn="l" rtl="0" fontAlgn="base">
+              <a:spcBef>
+                <a:spcPct val="20000"/>
+              </a:spcBef>
+              <a:spcAft>
+                <a:spcPct val="0"/>
+              </a:spcAft>
+              <a:buChar char="•"/>
+              <a:defRPr kumimoji="1">
+                <a:solidFill>
+                  <a:schemeClr val="tx1"/>
+                </a:solidFill>
+                <a:latin typeface="+mn-lt"/>
+                <a:ea typeface="+mn-ea"/>
+              </a:defRPr>
+            </a:lvl8pPr>
+            <a:lvl9pPr marL="3886200" indent="-228600" algn="l" rtl="0" fontAlgn="base">
+              <a:spcBef>
+                <a:spcPct val="20000"/>
+              </a:spcBef>
+              <a:spcAft>
+                <a:spcPct val="0"/>
+              </a:spcAft>
+              <a:buChar char="•"/>
+              <a:defRPr kumimoji="1">
+                <a:solidFill>
+                  <a:schemeClr val="tx1"/>
+                </a:solidFill>
+                <a:latin typeface="+mn-lt"/>
+                <a:ea typeface="+mn-ea"/>
+              </a:defRPr>
+            </a:lvl9pPr>
+          </a:lstStyle>
+          <a:p>
+            <a:pPr marL="514350" indent="-514350">
+              <a:lnSpc>
+                <a:spcPct val="150000"/>
+              </a:lnSpc>
+              <a:spcBef>
+                <a:spcPts val="0"/>
+              </a:spcBef>
+              <a:spcAft>
+                <a:spcPts val="0"/>
+              </a:spcAft>
+              <a:buClrTx/>
+              <a:buSzPct val="100000"/>
+              <a:buFont typeface="Wingdings" panose="05000000000000000000" pitchFamily="2" charset="2"/>
+              <a:buChar char="l"/>
+            </a:pPr>
+            <a:r>
+              <a:rPr lang="ja-JP" altLang="en-US" sz="3200" b="0" kern="0" dirty="0">
+                <a:latin typeface="メイリオ" panose="020B0604030504040204" pitchFamily="50" charset="-128"/>
+              </a:rPr>
+              <a:t>有料</a:t>
+            </a:r>
+            <a:r>
+              <a:rPr lang="ja-JP" altLang="en-US" sz="3200" b="0" kern="0" dirty="0" smtClean="0">
+                <a:latin typeface="メイリオ" panose="020B0604030504040204" pitchFamily="50" charset="-128"/>
+              </a:rPr>
+              <a:t>会員の清算ロジックの変更</a:t>
+            </a:r>
+            <a:endParaRPr lang="en-US" altLang="ja-JP" sz="3200" b="0" kern="0" dirty="0" smtClean="0">
+              <a:latin typeface="メイリオ" panose="020B0604030504040204" pitchFamily="50" charset="-128"/>
+            </a:endParaRPr>
+          </a:p>
+          <a:p>
+            <a:pPr lvl="1" indent="0">
+              <a:lnSpc>
+                <a:spcPct val="150000"/>
+              </a:lnSpc>
+              <a:spcBef>
+                <a:spcPts val="0"/>
+              </a:spcBef>
+              <a:spcAft>
+                <a:spcPts val="0"/>
+              </a:spcAft>
+              <a:buSzPct val="100000"/>
+              <a:buNone/>
+            </a:pPr>
+            <a:r>
+              <a:rPr lang="ja-JP" altLang="en-US" sz="1400" kern="0" dirty="0" smtClean="0">
+                <a:latin typeface="メイリオ" panose="020B0604030504040204" pitchFamily="50" charset="-128"/>
+              </a:rPr>
+              <a:t>　</a:t>
+            </a:r>
+            <a:endParaRPr lang="en-US" altLang="ja-JP" sz="1400" kern="0" dirty="0" smtClean="0">
+              <a:latin typeface="メイリオ" panose="020B0604030504040204" pitchFamily="50" charset="-128"/>
+            </a:endParaRPr>
+          </a:p>
+          <a:p>
+            <a:pPr lvl="1" indent="0">
+              <a:lnSpc>
+                <a:spcPct val="150000"/>
+              </a:lnSpc>
+              <a:spcBef>
+                <a:spcPts val="0"/>
+              </a:spcBef>
+              <a:spcAft>
+                <a:spcPts val="0"/>
+              </a:spcAft>
+              <a:buSzPct val="100000"/>
+              <a:buNone/>
+            </a:pPr>
+            <a:r>
+              <a:rPr lang="ja-JP" altLang="en-US" sz="2400" kern="0" dirty="0" smtClean="0">
+                <a:latin typeface="メイリオ" panose="020B0604030504040204" pitchFamily="50" charset="-128"/>
+              </a:rPr>
+              <a:t>パッケージ</a:t>
+            </a:r>
+            <a:endParaRPr lang="en-US" altLang="ja-JP" sz="2400" kern="0" dirty="0" smtClean="0">
+              <a:latin typeface="メイリオ" panose="020B0604030504040204" pitchFamily="50" charset="-128"/>
+            </a:endParaRPr>
+          </a:p>
+          <a:p>
+            <a:pPr lvl="1" indent="0">
+              <a:lnSpc>
+                <a:spcPct val="150000"/>
+              </a:lnSpc>
+              <a:spcBef>
+                <a:spcPts val="0"/>
+              </a:spcBef>
+              <a:spcAft>
+                <a:spcPts val="0"/>
+              </a:spcAft>
+              <a:buSzPct val="100000"/>
+              <a:buNone/>
+            </a:pPr>
+            <a:r>
+              <a:rPr lang="en-US" altLang="ja-JP" sz="2400" kern="0" dirty="0" err="1" smtClean="0">
+                <a:latin typeface="メイリオ" panose="020B0604030504040204" pitchFamily="50" charset="-128"/>
+              </a:rPr>
+              <a:t>ois.internship.controller.logic.billCalc</a:t>
+            </a:r>
+            <a:r>
+              <a:rPr lang="en-US" altLang="ja-JP" sz="2400" kern="0" dirty="0" smtClean="0">
+                <a:latin typeface="メイリオ" panose="020B0604030504040204" pitchFamily="50" charset="-128"/>
+              </a:rPr>
+              <a:t>;</a:t>
+            </a:r>
+          </a:p>
+          <a:p>
+            <a:pPr lvl="1" indent="0">
+              <a:lnSpc>
+                <a:spcPct val="150000"/>
+              </a:lnSpc>
+              <a:spcBef>
+                <a:spcPts val="0"/>
+              </a:spcBef>
+              <a:spcAft>
+                <a:spcPts val="0"/>
+              </a:spcAft>
+              <a:buSzPct val="100000"/>
+              <a:buNone/>
+            </a:pPr>
+            <a:r>
+              <a:rPr lang="ja-JP" altLang="en-US" sz="1400" kern="0" dirty="0" smtClean="0">
+                <a:latin typeface="メイリオ" panose="020B0604030504040204" pitchFamily="50" charset="-128"/>
+              </a:rPr>
+              <a:t>　</a:t>
+            </a:r>
+            <a:endParaRPr lang="en-US" altLang="ja-JP" sz="1400" kern="0" dirty="0" smtClean="0">
+              <a:latin typeface="メイリオ" panose="020B0604030504040204" pitchFamily="50" charset="-128"/>
+            </a:endParaRPr>
+          </a:p>
+          <a:p>
+            <a:pPr lvl="1" indent="0">
+              <a:lnSpc>
+                <a:spcPct val="150000"/>
+              </a:lnSpc>
+              <a:spcBef>
+                <a:spcPts val="0"/>
+              </a:spcBef>
+              <a:spcAft>
+                <a:spcPts val="0"/>
+              </a:spcAft>
+              <a:buSzPct val="100000"/>
+              <a:buNone/>
+            </a:pPr>
+            <a:r>
+              <a:rPr lang="ja-JP" altLang="en-US" sz="2400" kern="0" dirty="0" smtClean="0">
+                <a:latin typeface="メイリオ" panose="020B0604030504040204" pitchFamily="50" charset="-128"/>
+              </a:rPr>
+              <a:t>クラス</a:t>
+            </a:r>
+            <a:endParaRPr lang="en-US" altLang="ja-JP" sz="2400" kern="0" dirty="0" smtClean="0">
+              <a:latin typeface="メイリオ" panose="020B0604030504040204" pitchFamily="50" charset="-128"/>
+            </a:endParaRPr>
+          </a:p>
+          <a:p>
+            <a:pPr lvl="1" indent="0">
+              <a:lnSpc>
+                <a:spcPct val="150000"/>
+              </a:lnSpc>
+              <a:spcBef>
+                <a:spcPts val="0"/>
+              </a:spcBef>
+              <a:spcAft>
+                <a:spcPts val="0"/>
+              </a:spcAft>
+              <a:buSzPct val="100000"/>
+              <a:buNone/>
+            </a:pPr>
+            <a:r>
+              <a:rPr lang="en-US" altLang="ja-JP" sz="2400" kern="0" dirty="0" err="1" smtClean="0">
+                <a:latin typeface="メイリオ" panose="020B0604030504040204" pitchFamily="50" charset="-128"/>
+              </a:rPr>
+              <a:t>PayMe</a:t>
+            </a:r>
+            <a:r>
+              <a:rPr lang="ja-JP" altLang="en-US" sz="2400" kern="0" dirty="0" err="1">
+                <a:latin typeface="メイリオ" panose="020B0604030504040204" pitchFamily="50" charset="-128"/>
+              </a:rPr>
+              <a:t>ｍ</a:t>
+            </a:r>
+            <a:r>
+              <a:rPr lang="en-US" altLang="ja-JP" sz="2400" kern="0" dirty="0" err="1" smtClean="0">
+                <a:latin typeface="メイリオ" panose="020B0604030504040204" pitchFamily="50" charset="-128"/>
+              </a:rPr>
+              <a:t>berLogic</a:t>
+            </a:r>
+            <a:endParaRPr lang="en-US" altLang="ja-JP" sz="2400" kern="0" dirty="0" smtClean="0">
+              <a:latin typeface="メイリオ" panose="020B0604030504040204" pitchFamily="50" charset="-128"/>
+            </a:endParaRPr>
+          </a:p>
+          <a:p>
+            <a:pPr lvl="1" indent="0">
+              <a:lnSpc>
+                <a:spcPct val="150000"/>
+              </a:lnSpc>
+              <a:spcBef>
+                <a:spcPts val="0"/>
+              </a:spcBef>
+              <a:spcAft>
+                <a:spcPts val="0"/>
+              </a:spcAft>
+              <a:buSzPct val="100000"/>
+              <a:buNone/>
+            </a:pPr>
+            <a:r>
+              <a:rPr lang="ja-JP" altLang="en-US" sz="1400" kern="0" dirty="0" smtClean="0">
+                <a:latin typeface="メイリオ" panose="020B0604030504040204" pitchFamily="50" charset="-128"/>
+              </a:rPr>
+              <a:t>　</a:t>
+            </a:r>
+            <a:endParaRPr lang="en-US" altLang="ja-JP" sz="1400" kern="0" dirty="0" smtClean="0">
+              <a:latin typeface="メイリオ" panose="020B0604030504040204" pitchFamily="50" charset="-128"/>
+            </a:endParaRPr>
+          </a:p>
+          <a:p>
+            <a:pPr lvl="1" indent="0">
+              <a:lnSpc>
+                <a:spcPct val="150000"/>
+              </a:lnSpc>
+              <a:spcBef>
+                <a:spcPts val="0"/>
+              </a:spcBef>
+              <a:spcAft>
+                <a:spcPts val="0"/>
+              </a:spcAft>
+              <a:buSzPct val="100000"/>
+              <a:buNone/>
+            </a:pPr>
+            <a:r>
+              <a:rPr lang="ja-JP" altLang="en-US" sz="2400" kern="0" dirty="0" smtClean="0">
+                <a:latin typeface="メイリオ" panose="020B0604030504040204" pitchFamily="50" charset="-128"/>
+              </a:rPr>
+              <a:t>コンストラクタ</a:t>
+            </a:r>
+            <a:r>
+              <a:rPr lang="ja-JP" altLang="en-US" sz="2400" kern="0" dirty="0">
+                <a:latin typeface="メイリオ" panose="020B0604030504040204" pitchFamily="50" charset="-128"/>
+              </a:rPr>
+              <a:t>　</a:t>
+            </a:r>
+            <a:endParaRPr lang="en-US" altLang="ja-JP" sz="2400" kern="0" dirty="0" smtClean="0">
+              <a:latin typeface="メイリオ" panose="020B0604030504040204" pitchFamily="50" charset="-128"/>
+            </a:endParaRPr>
+          </a:p>
+          <a:p>
+            <a:pPr lvl="1" indent="0">
+              <a:lnSpc>
+                <a:spcPct val="150000"/>
+              </a:lnSpc>
+              <a:spcBef>
+                <a:spcPts val="0"/>
+              </a:spcBef>
+              <a:spcAft>
+                <a:spcPts val="0"/>
+              </a:spcAft>
+              <a:buSzPct val="100000"/>
+              <a:buNone/>
+            </a:pPr>
+            <a:r>
+              <a:rPr lang="en-US" altLang="ja-JP" sz="2400" kern="0" dirty="0" err="1" smtClean="0">
+                <a:latin typeface="メイリオ" panose="020B0604030504040204" pitchFamily="50" charset="-128"/>
+              </a:rPr>
+              <a:t>PayMe</a:t>
+            </a:r>
+            <a:r>
+              <a:rPr lang="ja-JP" altLang="en-US" sz="2400" kern="0" dirty="0" err="1">
+                <a:latin typeface="メイリオ" panose="020B0604030504040204" pitchFamily="50" charset="-128"/>
+              </a:rPr>
+              <a:t>ｍ</a:t>
+            </a:r>
+            <a:r>
+              <a:rPr lang="en-US" altLang="ja-JP" sz="2400" kern="0" dirty="0" err="1" smtClean="0">
+                <a:latin typeface="メイリオ" panose="020B0604030504040204" pitchFamily="50" charset="-128"/>
+              </a:rPr>
+              <a:t>berLogic</a:t>
+            </a:r>
+            <a:r>
+              <a:rPr lang="en-US" altLang="ja-JP" sz="2400" kern="0" dirty="0" smtClean="0">
+                <a:latin typeface="メイリオ" panose="020B0604030504040204" pitchFamily="50" charset="-128"/>
+              </a:rPr>
+              <a:t>()</a:t>
+            </a:r>
+          </a:p>
+          <a:p>
+            <a:pPr lvl="1" indent="0">
+              <a:lnSpc>
+                <a:spcPct val="150000"/>
+              </a:lnSpc>
+              <a:spcBef>
+                <a:spcPts val="0"/>
+              </a:spcBef>
+              <a:spcAft>
+                <a:spcPts val="0"/>
+              </a:spcAft>
+              <a:buSzPct val="100000"/>
+              <a:buNone/>
+            </a:pPr>
+            <a:endParaRPr lang="en-US" altLang="ja-JP" sz="2400" kern="0" dirty="0">
+              <a:latin typeface="メイリオ" panose="020B0604030504040204" pitchFamily="50" charset="-128"/>
+            </a:endParaRPr>
+          </a:p>
+        </p:txBody>
+      </p:sp>
+      <p:sp>
+        <p:nvSpPr>
+          <p:cNvPr id="51" name="スライド番号プレースホルダー 3"/>
+          <p:cNvSpPr>
+            <a:spLocks noGrp="1"/>
+          </p:cNvSpPr>
+          <p:nvPr>
+            <p:ph type="sldNum" sz="quarter" idx="12"/>
+          </p:nvPr>
+        </p:nvSpPr>
+        <p:spPr>
+          <a:xfrm>
+            <a:off x="7308850" y="6453188"/>
+            <a:ext cx="1619250" cy="268287"/>
+          </a:xfrm>
+        </p:spPr>
+        <p:txBody>
+          <a:bodyPr/>
+          <a:lstStyle/>
+          <a:p>
+            <a:pPr>
+              <a:defRPr/>
+            </a:pPr>
+            <a:r>
+              <a:rPr lang="en-US" altLang="ja-JP" smtClean="0"/>
+              <a:t>17</a:t>
+            </a:r>
+            <a:endParaRPr lang="en-US" altLang="ja-JP"/>
+          </a:p>
+        </p:txBody>
+      </p:sp>
+    </p:spTree>
+    <p:extLst>
+      <p:ext uri="{BB962C8B-B14F-4D97-AF65-F5344CB8AC3E}">
+        <p14:creationId xmlns:p14="http://schemas.microsoft.com/office/powerpoint/2010/main" val="1429772253"/>
+      </p:ext>
+    </p:extLst>
+  </p:cSld>
+  <p:clrMapOvr>
+    <a:masterClrMapping/>
+  </p:clrMapOvr>
+  <p:timing>
+    <p:tnLst>
+      <p:par>
+        <p:cTn id="1" dur="indefinite" restart="never" nodeType="tmRoot"/>
+      </p:par>
+    </p:tnLst>
+  </p:timing>
+</p:sld>
+</file>
+
+<file path=ppt/slides/slide37.xml><?xml version="1.0" encoding="utf-8"?>
+<p:sld xmlns:a="http://schemas.openxmlformats.org/drawingml/2006/main" xmlns:r="http://schemas.openxmlformats.org/officeDocument/2006/relationships" xmlns:p="http://schemas.openxmlformats.org/presentationml/2006/main">
+  <p:cSld>
+    <p:spTree>
+      <p:nvGrpSpPr>
+        <p:cNvPr id="1" name=""/>
+        <p:cNvGrpSpPr/>
+        <p:nvPr/>
+      </p:nvGrpSpPr>
+      <p:grpSpPr>
+        <a:xfrm>
+          <a:off x="0" y="0"/>
+          <a:ext cx="0" cy="0"/>
+          <a:chOff x="0" y="0"/>
+          <a:chExt cx="0" cy="0"/>
+        </a:xfrm>
+      </p:grpSpPr>
+      <p:sp>
+        <p:nvSpPr>
+          <p:cNvPr id="2" name="タイトル 1"/>
+          <p:cNvSpPr>
+            <a:spLocks noGrp="1"/>
+          </p:cNvSpPr>
+          <p:nvPr>
+            <p:ph type="title"/>
+          </p:nvPr>
+        </p:nvSpPr>
+        <p:spPr/>
+        <p:txBody>
+          <a:bodyPr/>
+          <a:lstStyle/>
+          <a:p>
+            <a:r>
+              <a:rPr lang="ja-JP" altLang="en-US" smtClean="0"/>
+              <a:t>テスト</a:t>
+            </a:r>
+            <a:endParaRPr kumimoji="1" lang="ja-JP" altLang="en-US"/>
+          </a:p>
+        </p:txBody>
+      </p:sp>
+      <p:sp>
+        <p:nvSpPr>
+          <p:cNvPr id="3" name="テキスト プレースホルダー 2"/>
+          <p:cNvSpPr>
+            <a:spLocks noGrp="1"/>
+          </p:cNvSpPr>
+          <p:nvPr>
+            <p:ph type="body" idx="1"/>
+          </p:nvPr>
+        </p:nvSpPr>
+        <p:spPr/>
+        <p:txBody>
+          <a:bodyPr/>
+          <a:lstStyle/>
+          <a:p>
+            <a:r>
+              <a:rPr lang="ja-JP" altLang="en-US" smtClean="0">
+                <a:latin typeface="メイリオ" panose="020B0604030504040204" pitchFamily="50" charset="-128"/>
+              </a:rPr>
+              <a:t>インターン課題</a:t>
+            </a:r>
+            <a:endParaRPr kumimoji="1" lang="ja-JP" altLang="en-US"/>
+          </a:p>
+        </p:txBody>
+      </p:sp>
+      <p:sp>
+        <p:nvSpPr>
+          <p:cNvPr id="4" name="スライド番号プレースホルダー 3"/>
+          <p:cNvSpPr>
+            <a:spLocks noGrp="1"/>
+          </p:cNvSpPr>
+          <p:nvPr>
+            <p:ph type="sldNum" sz="quarter" idx="12"/>
+          </p:nvPr>
+        </p:nvSpPr>
+        <p:spPr/>
+        <p:txBody>
+          <a:bodyPr/>
+          <a:lstStyle/>
+          <a:p>
+            <a:pPr>
+              <a:defRPr/>
+            </a:pPr>
+            <a:fld id="{9AC805F4-A566-49CF-8153-CA8FBDEF5A6F}" type="slidenum">
+              <a:rPr lang="en-US" altLang="ja-JP" smtClean="0"/>
+              <a:pPr>
+                <a:defRPr/>
+              </a:pPr>
+              <a:t>37</a:t>
+            </a:fld>
+            <a:endParaRPr lang="en-US" altLang="ja-JP"/>
+          </a:p>
+        </p:txBody>
+      </p:sp>
+    </p:spTree>
+    <p:extLst>
+      <p:ext uri="{BB962C8B-B14F-4D97-AF65-F5344CB8AC3E}">
+        <p14:creationId xmlns:p14="http://schemas.microsoft.com/office/powerpoint/2010/main" val="4135276054"/>
       </p:ext>
     </p:extLst>
   </p:cSld>
